--- a/fall15/slidesF15/count-2pair.pptx
+++ b/fall15/slidesF15/count-2pair.pptx
@@ -5,10 +5,10 @@
     <p:sldMasterId id="2147483650" r:id="rId1"/>
   </p:sldMasterIdLst>
   <p:notesMasterIdLst>
-    <p:notesMasterId r:id="rId17"/>
+    <p:notesMasterId r:id="rId21"/>
   </p:notesMasterIdLst>
   <p:handoutMasterIdLst>
-    <p:handoutMasterId r:id="rId18"/>
+    <p:handoutMasterId r:id="rId22"/>
   </p:handoutMasterIdLst>
   <p:sldIdLst>
     <p:sldId id="322" r:id="rId2"/>
@@ -17,20 +17,24 @@
     <p:sldId id="381" r:id="rId5"/>
     <p:sldId id="376" r:id="rId6"/>
     <p:sldId id="387" r:id="rId7"/>
-    <p:sldId id="379" r:id="rId8"/>
-    <p:sldId id="380" r:id="rId9"/>
-    <p:sldId id="382" r:id="rId10"/>
-    <p:sldId id="388" r:id="rId11"/>
-    <p:sldId id="383" r:id="rId12"/>
-    <p:sldId id="389" r:id="rId13"/>
-    <p:sldId id="384" r:id="rId14"/>
-    <p:sldId id="386" r:id="rId15"/>
-    <p:sldId id="385" r:id="rId16"/>
+    <p:sldId id="393" r:id="rId8"/>
+    <p:sldId id="390" r:id="rId9"/>
+    <p:sldId id="391" r:id="rId10"/>
+    <p:sldId id="379" r:id="rId11"/>
+    <p:sldId id="380" r:id="rId12"/>
+    <p:sldId id="382" r:id="rId13"/>
+    <p:sldId id="396" r:id="rId14"/>
+    <p:sldId id="388" r:id="rId15"/>
+    <p:sldId id="383" r:id="rId16"/>
+    <p:sldId id="389" r:id="rId17"/>
+    <p:sldId id="384" r:id="rId18"/>
+    <p:sldId id="386" r:id="rId19"/>
+    <p:sldId id="385" r:id="rId20"/>
   </p:sldIdLst>
   <p:sldSz cx="9144000" cy="6858000" type="screen4x3"/>
   <p:notesSz cx="9601200" cy="7315200"/>
   <p:custDataLst>
-    <p:tags r:id="rId20"/>
+    <p:tags r:id="rId24"/>
   </p:custDataLst>
   <p:defaultTextStyle>
     <a:defPPr>
@@ -1746,22 +1750,7 @@
                 <a:uFillTx/>
                 <a:latin typeface="Comic Sans MS" pitchFamily="66" charset="0"/>
               </a:rPr>
-              <a:t>Albert R Meyer,             </a:t>
-            </a:r>
-            <a:r>
-              <a:rPr kumimoji="0" lang="en-US" sz="1200" b="0" i="0" u="none" strike="noStrike" kern="1200" cap="none" spc="0" normalizeH="0" baseline="0" noProof="0" dirty="0" smtClean="0">
-                <a:ln>
-                  <a:noFill/>
-                </a:ln>
-                <a:solidFill>
-                  <a:schemeClr val="tx1"/>
-                </a:solidFill>
-                <a:effectLst/>
-                <a:uLnTx/>
-                <a:uFillTx/>
-                <a:latin typeface="Comic Sans MS" pitchFamily="66" charset="0"/>
-              </a:rPr>
-              <a:t>November 6, 2015</a:t>
+              <a:t>Albert R Meyer,             November 6, 2015</a:t>
             </a:r>
             <a:endParaRPr kumimoji="0" lang="en-US" sz="1200" b="0" i="0" u="none" strike="noStrike" kern="1200" cap="none" spc="0" normalizeH="0" baseline="0" noProof="0" dirty="0">
               <a:ln>
@@ -2343,8 +2332,8 @@
         </p:nvSpPr>
         <p:spPr bwMode="auto">
           <a:xfrm>
-            <a:off x="685800" y="2286000"/>
-            <a:ext cx="7772400" cy="2413000"/>
+            <a:off x="152400" y="1687513"/>
+            <a:ext cx="8839200" cy="3646487"/>
           </a:xfrm>
           <a:prstGeom prst="rect">
             <a:avLst/>
@@ -2367,7 +2356,7 @@
               </a:spcBef>
             </a:pPr>
             <a:r>
-              <a:rPr lang="en-US" sz="6600" b="1" dirty="0" smtClean="0">
+              <a:rPr lang="en-US" sz="8000" b="1" dirty="0" smtClean="0">
                 <a:solidFill>
                   <a:schemeClr val="tx2"/>
                 </a:solidFill>
@@ -2383,7 +2372,7 @@
               </a:spcBef>
             </a:pPr>
             <a:r>
-              <a:rPr lang="en-US" sz="6600" b="1" dirty="0" smtClean="0">
+              <a:rPr lang="en-US" sz="8000" b="1" dirty="0" smtClean="0">
                 <a:solidFill>
                   <a:schemeClr val="tx2"/>
                 </a:solidFill>
@@ -2391,7 +2380,7 @@
               </a:rPr>
               <a:t>2 Pair</a:t>
             </a:r>
-            <a:endParaRPr lang="en-US" sz="1400" b="1" dirty="0">
+            <a:endParaRPr lang="en-US" sz="8000" b="1" dirty="0">
               <a:solidFill>
                 <a:schemeClr val="tx2"/>
               </a:solidFill>
@@ -2416,7 +2405,91 @@
   <p:timing>
     <p:tnLst>
       <p:par>
-        <p:cTn xmlns:p14="http://schemas.microsoft.com/office/powerpoint/2010/main" id="1" dur="indefinite" restart="never" nodeType="tmRoot"/>
+        <p:cTn xmlns:p14="http://schemas.microsoft.com/office/powerpoint/2010/main" id="1" dur="indefinite" restart="never" nodeType="tmRoot">
+          <p:childTnLst>
+            <p:seq concurrent="1" nextAc="seek">
+              <p:cTn id="2" dur="indefinite" nodeType="mainSeq">
+                <p:childTnLst>
+                  <p:par>
+                    <p:cTn id="3" fill="hold">
+                      <p:stCondLst>
+                        <p:cond delay="indefinite"/>
+                      </p:stCondLst>
+                      <p:childTnLst>
+                        <p:par>
+                          <p:cTn id="4" fill="hold">
+                            <p:stCondLst>
+                              <p:cond delay="0"/>
+                            </p:stCondLst>
+                            <p:childTnLst>
+                              <p:par>
+                                <p:cTn id="5" presetID="10" presetClass="entr" presetSubtype="0" fill="hold" nodeType="clickEffect">
+                                  <p:stCondLst>
+                                    <p:cond delay="0"/>
+                                  </p:stCondLst>
+                                  <p:childTnLst>
+                                    <p:set>
+                                      <p:cBhvr>
+                                        <p:cTn id="6" dur="1" fill="hold">
+                                          <p:stCondLst>
+                                            <p:cond delay="0"/>
+                                          </p:stCondLst>
+                                        </p:cTn>
+                                        <p:tgtEl>
+                                          <p:spTgt spid="21508">
+                                            <p:txEl>
+                                              <p:pRg st="1" end="1"/>
+                                            </p:txEl>
+                                          </p:spTgt>
+                                        </p:tgtEl>
+                                        <p:attrNameLst>
+                                          <p:attrName>style.visibility</p:attrName>
+                                        </p:attrNameLst>
+                                      </p:cBhvr>
+                                      <p:to>
+                                        <p:strVal val="visible"/>
+                                      </p:to>
+                                    </p:set>
+                                    <p:animEffect transition="in" filter="fade">
+                                      <p:cBhvr>
+                                        <p:cTn id="7" dur="500"/>
+                                        <p:tgtEl>
+                                          <p:spTgt spid="21508">
+                                            <p:txEl>
+                                              <p:pRg st="1" end="1"/>
+                                            </p:txEl>
+                                          </p:spTgt>
+                                        </p:tgtEl>
+                                      </p:cBhvr>
+                                    </p:animEffect>
+                                  </p:childTnLst>
+                                </p:cTn>
+                              </p:par>
+                            </p:childTnLst>
+                          </p:cTn>
+                        </p:par>
+                      </p:childTnLst>
+                    </p:cTn>
+                  </p:par>
+                </p:childTnLst>
+              </p:cTn>
+              <p:prevCondLst>
+                <p:cond evt="onPrev" delay="0">
+                  <p:tgtEl>
+                    <p:sldTgt/>
+                  </p:tgtEl>
+                </p:cond>
+              </p:prevCondLst>
+              <p:nextCondLst>
+                <p:cond evt="onNext" delay="0">
+                  <p:tgtEl>
+                    <p:sldTgt/>
+                  </p:tgtEl>
+                </p:cond>
+              </p:nextCondLst>
+            </p:seq>
+          </p:childTnLst>
+        </p:cTn>
       </p:par>
     </p:tnLst>
   </p:timing>
@@ -2424,7 +2497,7 @@
 </file>
 
 <file path=ppt/slides/slide10.xml><?xml version="1.0" encoding="utf-8"?>
-<p:sld xmlns:a="http://schemas.openxmlformats.org/drawingml/2006/main" xmlns:r="http://schemas.openxmlformats.org/officeDocument/2006/relationships" xmlns:p="http://schemas.openxmlformats.org/presentationml/2006/main" show="0">
+<p:sld xmlns:a="http://schemas.openxmlformats.org/drawingml/2006/main" xmlns:r="http://schemas.openxmlformats.org/officeDocument/2006/relationships" xmlns:p="http://schemas.openxmlformats.org/presentationml/2006/main">
   <p:cSld>
     <p:spTree>
       <p:nvGrpSpPr>
@@ -2475,8 +2548,8 @@
         </p:nvSpPr>
         <p:spPr>
           <a:xfrm>
-            <a:off x="228600" y="1676400"/>
-            <a:ext cx="8763000" cy="3505200"/>
+            <a:off x="228600" y="1250950"/>
+            <a:ext cx="8763000" cy="4997450"/>
           </a:xfrm>
         </p:spPr>
         <p:txBody>
@@ -2489,81 +2562,7 @@
                   <a:srgbClr val="000000"/>
                 </a:solidFill>
               </a:rPr>
-              <a:t>to count, choose:</a:t>
-            </a:r>
-          </a:p>
-          <a:p>
-            <a:pPr>
-              <a:buFont typeface="Arial"/>
-              <a:buChar char="•"/>
-            </a:pPr>
-            <a:r>
-              <a:rPr lang="en-US" sz="4400" dirty="0" smtClean="0">
-                <a:solidFill>
-                  <a:srgbClr val="000000"/>
-                </a:solidFill>
-              </a:rPr>
-              <a:t>1</a:t>
-            </a:r>
-            <a:r>
-              <a:rPr lang="en-US" sz="4400" baseline="30000" dirty="0" smtClean="0">
-                <a:solidFill>
-                  <a:srgbClr val="000000"/>
-                </a:solidFill>
-              </a:rPr>
-              <a:t>st</a:t>
-            </a:r>
-            <a:r>
-              <a:rPr lang="en-US" sz="4400" dirty="0" smtClean="0">
-                <a:solidFill>
-                  <a:srgbClr val="000000"/>
-                </a:solidFill>
-              </a:rPr>
-              <a:t> pair rank       (13 ranks)</a:t>
-            </a:r>
-          </a:p>
-          <a:p>
-            <a:pPr>
-              <a:buFont typeface="Arial"/>
-              <a:buChar char="•"/>
-            </a:pPr>
-            <a:r>
-              <a:rPr lang="en-US" sz="4400" dirty="0" smtClean="0">
-                <a:solidFill>
-                  <a:srgbClr val="000000"/>
-                </a:solidFill>
-              </a:rPr>
-              <a:t>2</a:t>
-            </a:r>
-            <a:r>
-              <a:rPr lang="en-US" sz="4400" baseline="30000" dirty="0" smtClean="0">
-                <a:solidFill>
-                  <a:srgbClr val="000000"/>
-                </a:solidFill>
-              </a:rPr>
-              <a:t>nd</a:t>
-            </a:r>
-            <a:r>
-              <a:rPr lang="en-US" sz="4400" dirty="0" smtClean="0">
-                <a:solidFill>
-                  <a:srgbClr val="000000"/>
-                </a:solidFill>
-              </a:rPr>
-              <a:t> pair rank      (12 ranks left)</a:t>
-            </a:r>
-          </a:p>
-          <a:p>
-            <a:pPr>
-              <a:buFont typeface="Arial"/>
-              <a:buChar char="•"/>
-            </a:pPr>
-            <a:r>
-              <a:rPr lang="en-US" sz="4400" dirty="0" smtClean="0">
-                <a:solidFill>
-                  <a:srgbClr val="000000"/>
-                </a:solidFill>
-              </a:rPr>
-              <a:t>last card rank    (11 ranks left)</a:t>
+              <a:t>so # 2-pair hands is</a:t>
             </a:r>
             <a:endParaRPr lang="en-US" sz="4400" dirty="0">
               <a:solidFill>
@@ -2606,18 +2605,130 @@
           </a:p>
         </p:txBody>
       </p:sp>
+      <p:graphicFrame>
+        <p:nvGraphicFramePr>
+          <p:cNvPr id="5" name="Object 4"/>
+          <p:cNvGraphicFramePr>
+            <a:graphicFrameLocks noChangeAspect="1"/>
+          </p:cNvGraphicFramePr>
+          <p:nvPr/>
+        </p:nvGraphicFramePr>
+        <p:xfrm>
+          <a:off x="1268412" y="2211801"/>
+          <a:ext cx="6580188" cy="2512599"/>
+        </p:xfrm>
+        <a:graphic>
+          <a:graphicData uri="http://schemas.openxmlformats.org/presentationml/2006/ole">
+            <mc:AlternateContent xmlns:mc="http://schemas.openxmlformats.org/markup-compatibility/2006">
+              <mc:Choice xmlns:v="urn:schemas-microsoft-com:vml" Requires="v">
+                <p:oleObj spid="_x0000_s66589" name="Equation" r:id="rId3" imgW="1397000" imgH="533400" progId="Equation.DSMT4">
+                  <p:embed/>
+                </p:oleObj>
+              </mc:Choice>
+              <mc:Fallback>
+                <p:oleObj name="Equation" r:id="rId3" imgW="1397000" imgH="533400" progId="Equation.DSMT4">
+                  <p:embed/>
+                  <p:pic>
+                    <p:nvPicPr>
+                      <p:cNvPr id="0" name="Picture 2"/>
+                      <p:cNvPicPr>
+                        <a:picLocks noChangeAspect="1" noChangeArrowheads="1"/>
+                      </p:cNvPicPr>
+                      <p:nvPr/>
+                    </p:nvPicPr>
+                    <p:blipFill>
+                      <a:blip r:embed="rId4">
+                        <a:extLst>
+                          <a:ext uri="{28A0092B-C50C-407E-A947-70E740481C1C}">
+                            <a14:useLocalDpi xmlns:a14="http://schemas.microsoft.com/office/drawing/2010/main" val="0"/>
+                          </a:ext>
+                        </a:extLst>
+                      </a:blip>
+                      <a:srcRect/>
+                      <a:stretch>
+                        <a:fillRect/>
+                      </a:stretch>
+                    </p:blipFill>
+                    <p:spPr bwMode="auto">
+                      <a:xfrm>
+                        <a:off x="1268412" y="2211801"/>
+                        <a:ext cx="6580188" cy="2512599"/>
+                      </a:xfrm>
+                      <a:prstGeom prst="rect">
+                        <a:avLst/>
+                      </a:prstGeom>
+                      <a:noFill/>
+                      <a:extLst>
+                        <a:ext uri="{909E8E84-426E-40dd-AFC4-6F175D3DCCD1}">
+                          <a14:hiddenFill xmlns:a14="http://schemas.microsoft.com/office/drawing/2010/main">
+                            <a:solidFill>
+                              <a:srgbClr val="FFFFFF"/>
+                            </a:solidFill>
+                          </a14:hiddenFill>
+                        </a:ext>
+                      </a:extLst>
+                    </p:spPr>
+                  </p:pic>
+                </p:oleObj>
+              </mc:Fallback>
+            </mc:AlternateContent>
+          </a:graphicData>
+        </a:graphic>
+      </p:graphicFrame>
+      <p:sp>
+        <p:nvSpPr>
+          <p:cNvPr id="6" name="TextBox 5"/>
+          <p:cNvSpPr txBox="1"/>
+          <p:nvPr/>
+        </p:nvSpPr>
+        <p:spPr>
+          <a:xfrm>
+            <a:off x="2514600" y="2203609"/>
+            <a:ext cx="3428568" cy="2215991"/>
+          </a:xfrm>
+          <a:prstGeom prst="rect">
+            <a:avLst/>
+          </a:prstGeom>
+          <a:noFill/>
+        </p:spPr>
+        <p:txBody>
+          <a:bodyPr wrap="none" rtlCol="0">
+            <a:spAutoFit/>
+          </a:bodyPr>
+          <a:lstStyle/>
+          <a:p>
+            <a:r>
+              <a:rPr lang="en-US" sz="13800" dirty="0" smtClean="0">
+                <a:solidFill>
+                  <a:schemeClr val="accent2"/>
+                </a:solidFill>
+                <a:latin typeface="Comic Sans MS"/>
+                <a:cs typeface="Comic Sans MS"/>
+              </a:rPr>
+              <a:t>NO!</a:t>
+            </a:r>
+            <a:endParaRPr lang="en-US" sz="13800" dirty="0">
+              <a:solidFill>
+                <a:schemeClr val="accent2"/>
+              </a:solidFill>
+              <a:latin typeface="Comic Sans MS"/>
+              <a:cs typeface="Comic Sans MS"/>
+            </a:endParaRPr>
+          </a:p>
+        </p:txBody>
+      </p:sp>
     </p:spTree>
   </p:cSld>
   <p:clrMapOvr>
     <a:masterClrMapping/>
   </p:clrMapOvr>
-  <mc:AlternateContent xmlns:mc="http://schemas.openxmlformats.org/markup-compatibility/2006">
-    <mc:Choice xmlns:p14="http://schemas.microsoft.com/office/powerpoint/2010/main" Requires="p14">
+  <mc:AlternateContent xmlns:mc="http://schemas.openxmlformats.org/markup-compatibility/2006" xmlns:p14="http://schemas.microsoft.com/office/powerpoint/2010/main">
+    <mc:Choice Requires="p14">
       <p:transition spd="slow" p14:dur="900" advClick="0">
         <p:fade/>
       </p:transition>
     </mc:Choice>
-    <mc:Fallback>
+    <mc:Fallback xmlns="">
       <p:transition xmlns:p14="http://schemas.microsoft.com/office/powerpoint/2010/main" spd="slow" advClick="0">
         <p:fade/>
       </p:transition>
@@ -2626,9 +2737,179 @@
   <p:timing>
     <p:tnLst>
       <p:par>
-        <p:cTn xmlns:p14="http://schemas.microsoft.com/office/powerpoint/2010/main" id="1" dur="indefinite" restart="never" nodeType="tmRoot"/>
+        <p:cTn xmlns:p14="http://schemas.microsoft.com/office/powerpoint/2010/main" id="1" dur="indefinite" restart="never" nodeType="tmRoot">
+          <p:childTnLst>
+            <p:seq concurrent="1" nextAc="seek">
+              <p:cTn id="2" dur="indefinite" nodeType="mainSeq">
+                <p:childTnLst>
+                  <p:par>
+                    <p:cTn id="3" fill="hold">
+                      <p:stCondLst>
+                        <p:cond delay="indefinite"/>
+                      </p:stCondLst>
+                      <p:childTnLst>
+                        <p:par>
+                          <p:cTn id="4" fill="hold">
+                            <p:stCondLst>
+                              <p:cond delay="0"/>
+                            </p:stCondLst>
+                            <p:childTnLst>
+                              <p:par>
+                                <p:cTn id="5" presetID="22" presetClass="entr" presetSubtype="8" fill="hold" nodeType="clickEffect">
+                                  <p:stCondLst>
+                                    <p:cond delay="0"/>
+                                  </p:stCondLst>
+                                  <p:childTnLst>
+                                    <p:set>
+                                      <p:cBhvr>
+                                        <p:cTn id="6" dur="1" fill="hold">
+                                          <p:stCondLst>
+                                            <p:cond delay="0"/>
+                                          </p:stCondLst>
+                                        </p:cTn>
+                                        <p:tgtEl>
+                                          <p:spTgt spid="5"/>
+                                        </p:tgtEl>
+                                        <p:attrNameLst>
+                                          <p:attrName>style.visibility</p:attrName>
+                                        </p:attrNameLst>
+                                      </p:cBhvr>
+                                      <p:to>
+                                        <p:strVal val="visible"/>
+                                      </p:to>
+                                    </p:set>
+                                    <p:animEffect transition="in" filter="wipe(left)">
+                                      <p:cBhvr>
+                                        <p:cTn id="7" dur="2000"/>
+                                        <p:tgtEl>
+                                          <p:spTgt spid="5"/>
+                                        </p:tgtEl>
+                                      </p:cBhvr>
+                                    </p:animEffect>
+                                  </p:childTnLst>
+                                </p:cTn>
+                              </p:par>
+                            </p:childTnLst>
+                          </p:cTn>
+                        </p:par>
+                      </p:childTnLst>
+                    </p:cTn>
+                  </p:par>
+                  <p:par>
+                    <p:cTn id="8" fill="hold">
+                      <p:stCondLst>
+                        <p:cond delay="indefinite"/>
+                      </p:stCondLst>
+                      <p:childTnLst>
+                        <p:par>
+                          <p:cTn id="9" fill="hold">
+                            <p:stCondLst>
+                              <p:cond delay="0"/>
+                            </p:stCondLst>
+                            <p:childTnLst>
+                              <p:par>
+                                <p:cTn id="10" presetID="23" presetClass="entr" presetSubtype="16" fill="hold" grpId="0" nodeType="clickEffect">
+                                  <p:stCondLst>
+                                    <p:cond delay="0"/>
+                                  </p:stCondLst>
+                                  <p:childTnLst>
+                                    <p:set>
+                                      <p:cBhvr>
+                                        <p:cTn id="11" dur="1" fill="hold">
+                                          <p:stCondLst>
+                                            <p:cond delay="0"/>
+                                          </p:stCondLst>
+                                        </p:cTn>
+                                        <p:tgtEl>
+                                          <p:spTgt spid="6"/>
+                                        </p:tgtEl>
+                                        <p:attrNameLst>
+                                          <p:attrName>style.visibility</p:attrName>
+                                        </p:attrNameLst>
+                                      </p:cBhvr>
+                                      <p:to>
+                                        <p:strVal val="visible"/>
+                                      </p:to>
+                                    </p:set>
+                                    <p:anim calcmode="lin" valueType="num">
+                                      <p:cBhvr>
+                                        <p:cTn id="12" dur="500" fill="hold"/>
+                                        <p:tgtEl>
+                                          <p:spTgt spid="6"/>
+                                        </p:tgtEl>
+                                        <p:attrNameLst>
+                                          <p:attrName>ppt_w</p:attrName>
+                                        </p:attrNameLst>
+                                      </p:cBhvr>
+                                      <p:tavLst>
+                                        <p:tav tm="0">
+                                          <p:val>
+                                            <p:fltVal val="0"/>
+                                          </p:val>
+                                        </p:tav>
+                                        <p:tav tm="100000">
+                                          <p:val>
+                                            <p:strVal val="#ppt_w"/>
+                                          </p:val>
+                                        </p:tav>
+                                      </p:tavLst>
+                                    </p:anim>
+                                    <p:anim calcmode="lin" valueType="num">
+                                      <p:cBhvr>
+                                        <p:cTn id="13" dur="500" fill="hold"/>
+                                        <p:tgtEl>
+                                          <p:spTgt spid="6"/>
+                                        </p:tgtEl>
+                                        <p:attrNameLst>
+                                          <p:attrName>ppt_h</p:attrName>
+                                        </p:attrNameLst>
+                                      </p:cBhvr>
+                                      <p:tavLst>
+                                        <p:tav tm="0">
+                                          <p:val>
+                                            <p:fltVal val="0"/>
+                                          </p:val>
+                                        </p:tav>
+                                        <p:tav tm="100000">
+                                          <p:val>
+                                            <p:strVal val="#ppt_h"/>
+                                          </p:val>
+                                        </p:tav>
+                                      </p:tavLst>
+                                    </p:anim>
+                                  </p:childTnLst>
+                                </p:cTn>
+                              </p:par>
+                            </p:childTnLst>
+                          </p:cTn>
+                        </p:par>
+                      </p:childTnLst>
+                    </p:cTn>
+                  </p:par>
+                </p:childTnLst>
+              </p:cTn>
+              <p:prevCondLst>
+                <p:cond evt="onPrev" delay="0">
+                  <p:tgtEl>
+                    <p:sldTgt/>
+                  </p:tgtEl>
+                </p:cond>
+              </p:prevCondLst>
+              <p:nextCondLst>
+                <p:cond evt="onNext" delay="0">
+                  <p:tgtEl>
+                    <p:sldTgt/>
+                  </p:tgtEl>
+                </p:cond>
+              </p:nextCondLst>
+            </p:seq>
+          </p:childTnLst>
+        </p:cTn>
       </p:par>
     </p:tnLst>
+    <p:bldLst>
+      <p:bldP spid="6" grpId="0"/>
+    </p:bldLst>
   </p:timing>
 </p:sld>
 </file>
@@ -2685,8 +2966,8 @@
         </p:nvSpPr>
         <p:spPr>
           <a:xfrm>
-            <a:off x="228600" y="1676400"/>
-            <a:ext cx="8763000" cy="3505200"/>
+            <a:off x="152400" y="1250950"/>
+            <a:ext cx="8763000" cy="4997450"/>
           </a:xfrm>
         </p:spPr>
         <p:txBody>
@@ -2699,71 +2980,201 @@
                   <a:srgbClr val="000000"/>
                 </a:solidFill>
               </a:rPr>
-              <a:t>to count, choose:</a:t>
-            </a:r>
-          </a:p>
-          <a:p>
-            <a:pPr>
-              <a:buFont typeface="Arial"/>
-              <a:buChar char="•"/>
-            </a:pPr>
-            <a:r>
-              <a:rPr lang="en-US" sz="4400" dirty="0" smtClean="0"/>
-              <a:t>1</a:t>
-            </a:r>
-            <a:r>
-              <a:rPr lang="en-US" sz="4400" baseline="30000" dirty="0" smtClean="0"/>
+              <a:t>this method counts 6-tuples</a:t>
+            </a:r>
+          </a:p>
+          <a:p>
+            <a:r>
+              <a:rPr lang="en-US" sz="4400" dirty="0" smtClean="0">
+                <a:solidFill>
+                  <a:srgbClr val="000000"/>
+                </a:solidFill>
+              </a:rPr>
+              <a:t>[1</a:t>
+            </a:r>
+            <a:r>
+              <a:rPr lang="en-US" sz="4400" baseline="30000" dirty="0" smtClean="0">
+                <a:solidFill>
+                  <a:srgbClr val="000000"/>
+                </a:solidFill>
+              </a:rPr>
               <a:t>st</a:t>
             </a:r>
             <a:r>
-              <a:rPr lang="en-US" sz="4400" dirty="0" smtClean="0"/>
-              <a:t> pair rank       (13 ranks)</a:t>
-            </a:r>
-          </a:p>
-          <a:p>
-            <a:pPr>
-              <a:buFont typeface="Arial"/>
-              <a:buChar char="•"/>
-            </a:pPr>
-            <a:r>
-              <a:rPr lang="en-US" sz="4400" dirty="0" smtClean="0"/>
-              <a:t>2</a:t>
-            </a:r>
-            <a:r>
-              <a:rPr lang="en-US" sz="4400" baseline="30000" dirty="0" smtClean="0"/>
+              <a:rPr lang="en-US" sz="4400" dirty="0" smtClean="0">
+                <a:solidFill>
+                  <a:srgbClr val="000000"/>
+                </a:solidFill>
+              </a:rPr>
+              <a:t> card ranks]</a:t>
+            </a:r>
+            <a:r>
+              <a:rPr lang="en-US" sz="4400" b="1" dirty="0" smtClean="0">
+                <a:solidFill>
+                  <a:srgbClr val="000000"/>
+                </a:solidFill>
+                <a:latin typeface="Euclid Symbol" charset="2"/>
+                <a:cs typeface="Euclid Symbol" charset="2"/>
+              </a:rPr>
+              <a:t>×</a:t>
+            </a:r>
+            <a:r>
+              <a:rPr lang="en-US" sz="4400" dirty="0" smtClean="0">
+                <a:solidFill>
+                  <a:srgbClr val="000000"/>
+                </a:solidFill>
+              </a:rPr>
+              <a:t>[2</a:t>
+            </a:r>
+            <a:r>
+              <a:rPr lang="en-US" sz="4400" baseline="30000" dirty="0" smtClean="0">
+                <a:solidFill>
+                  <a:srgbClr val="000000"/>
+                </a:solidFill>
+              </a:rPr>
               <a:t>nd</a:t>
             </a:r>
             <a:r>
-              <a:rPr lang="en-US" sz="4400" dirty="0" smtClean="0"/>
-              <a:t> pair ra</a:t>
-            </a:r>
-            <a:r>
               <a:rPr lang="en-US" sz="4400" dirty="0" smtClean="0">
                 <a:solidFill>
                   <a:srgbClr val="000000"/>
                 </a:solidFill>
               </a:rPr>
-              <a:t>nk      (12 ranks left)</a:t>
-            </a:r>
-          </a:p>
-          <a:p>
-            <a:pPr>
-              <a:buFont typeface="Arial"/>
-              <a:buChar char="•"/>
-            </a:pPr>
+              <a:t> card ranks]</a:t>
+            </a:r>
+          </a:p>
+          <a:p>
+            <a:r>
+              <a:rPr lang="en-US" sz="4400" b="1" dirty="0" smtClean="0">
+                <a:solidFill>
+                  <a:srgbClr val="000000"/>
+                </a:solidFill>
+                <a:latin typeface="Euclid Symbol" charset="2"/>
+                <a:cs typeface="Euclid Symbol" charset="2"/>
+              </a:rPr>
+              <a:t>		× </a:t>
+            </a:r>
             <a:r>
               <a:rPr lang="en-US" sz="4400" dirty="0" smtClean="0">
                 <a:solidFill>
                   <a:srgbClr val="000000"/>
                 </a:solidFill>
               </a:rPr>
-              <a:t>last card rank    (11 ranks left)</a:t>
-            </a:r>
-            <a:endParaRPr lang="en-US" sz="4400" dirty="0">
-              <a:solidFill>
-                <a:srgbClr val="000000"/>
-              </a:solidFill>
-            </a:endParaRPr>
+              <a:t>[last card rank] </a:t>
+            </a:r>
+            <a:r>
+              <a:rPr lang="en-US" sz="4400" b="1" dirty="0" smtClean="0">
+                <a:solidFill>
+                  <a:srgbClr val="000000"/>
+                </a:solidFill>
+                <a:latin typeface="Euclid Symbol" charset="2"/>
+                <a:cs typeface="Euclid Symbol" charset="2"/>
+              </a:rPr>
+              <a:t>×</a:t>
+            </a:r>
+          </a:p>
+          <a:p>
+            <a:r>
+              <a:rPr lang="en-US" sz="4400" dirty="0" smtClean="0">
+                <a:solidFill>
+                  <a:srgbClr val="000000"/>
+                </a:solidFill>
+              </a:rPr>
+              <a:t>[1</a:t>
+            </a:r>
+            <a:r>
+              <a:rPr lang="en-US" sz="4400" baseline="30000" dirty="0" smtClean="0">
+                <a:solidFill>
+                  <a:srgbClr val="000000"/>
+                </a:solidFill>
+              </a:rPr>
+              <a:t>st</a:t>
+            </a:r>
+            <a:r>
+              <a:rPr lang="en-US" sz="4400" dirty="0" smtClean="0">
+                <a:solidFill>
+                  <a:srgbClr val="000000"/>
+                </a:solidFill>
+              </a:rPr>
+              <a:t> card suits] </a:t>
+            </a:r>
+            <a:r>
+              <a:rPr lang="en-US" sz="4400" b="1" dirty="0" smtClean="0">
+                <a:solidFill>
+                  <a:srgbClr val="000000"/>
+                </a:solidFill>
+                <a:latin typeface="Euclid Symbol" charset="2"/>
+                <a:cs typeface="Euclid Symbol" charset="2"/>
+              </a:rPr>
+              <a:t>× </a:t>
+            </a:r>
+            <a:r>
+              <a:rPr lang="en-US" sz="4400" dirty="0" smtClean="0">
+                <a:solidFill>
+                  <a:srgbClr val="000000"/>
+                </a:solidFill>
+              </a:rPr>
+              <a:t>[2</a:t>
+            </a:r>
+            <a:r>
+              <a:rPr lang="en-US" sz="4400" baseline="30000" dirty="0" smtClean="0">
+                <a:solidFill>
+                  <a:srgbClr val="000000"/>
+                </a:solidFill>
+              </a:rPr>
+              <a:t>nd</a:t>
+            </a:r>
+            <a:r>
+              <a:rPr lang="en-US" sz="4400" dirty="0" smtClean="0">
+                <a:solidFill>
+                  <a:srgbClr val="000000"/>
+                </a:solidFill>
+              </a:rPr>
+              <a:t> card suits]</a:t>
+            </a:r>
+          </a:p>
+          <a:p>
+            <a:r>
+              <a:rPr lang="en-US" sz="4400" b="1" dirty="0">
+                <a:solidFill>
+                  <a:srgbClr val="000000"/>
+                </a:solidFill>
+                <a:latin typeface="Euclid Symbol" charset="2"/>
+                <a:cs typeface="Euclid Symbol" charset="2"/>
+              </a:rPr>
+              <a:t> </a:t>
+            </a:r>
+            <a:r>
+              <a:rPr lang="en-US" sz="4400" b="1" dirty="0" smtClean="0">
+                <a:solidFill>
+                  <a:srgbClr val="000000"/>
+                </a:solidFill>
+                <a:latin typeface="Euclid Symbol" charset="2"/>
+                <a:cs typeface="Euclid Symbol" charset="2"/>
+              </a:rPr>
+              <a:t>     × </a:t>
+            </a:r>
+            <a:r>
+              <a:rPr lang="en-US" sz="4400" dirty="0" smtClean="0">
+                <a:solidFill>
+                  <a:srgbClr val="000000"/>
+                </a:solidFill>
+              </a:rPr>
+              <a:t>[last card suit]</a:t>
+            </a:r>
+          </a:p>
+          <a:p>
+            <a:pPr algn="ctr"/>
+            <a:r>
+              <a:rPr lang="en-US" sz="4400" b="1" dirty="0" smtClean="0">
+                <a:solidFill>
+                  <a:srgbClr val="008000"/>
+                </a:solidFill>
+                <a:latin typeface="Comic Sans MS"/>
+                <a:cs typeface="Comic Sans MS"/>
+              </a:rPr>
+              <a:t>correctly</a:t>
+            </a:r>
           </a:p>
         </p:txBody>
       </p:sp>
@@ -2795,6 +3206,3612 @@
                 <a:defRPr/>
               </a:pPr>
               <a:t>11</a:t>
+            </a:fld>
+            <a:endParaRPr lang="en-US" dirty="0"/>
+          </a:p>
+        </p:txBody>
+      </p:sp>
+      <p:graphicFrame>
+        <p:nvGraphicFramePr>
+          <p:cNvPr id="7" name="Object 6"/>
+          <p:cNvGraphicFramePr>
+            <a:graphicFrameLocks noChangeAspect="1"/>
+          </p:cNvGraphicFramePr>
+          <p:nvPr/>
+        </p:nvGraphicFramePr>
+        <p:xfrm>
+          <a:off x="4419600" y="3314700"/>
+          <a:ext cx="139700" cy="228600"/>
+        </p:xfrm>
+        <a:graphic>
+          <a:graphicData uri="http://schemas.openxmlformats.org/presentationml/2006/ole">
+            <mc:AlternateContent xmlns:mc="http://schemas.openxmlformats.org/markup-compatibility/2006">
+              <mc:Choice xmlns:v="urn:schemas-microsoft-com:vml" Requires="v">
+                <p:oleObj spid="_x0000_s67615" name="Equation" r:id="rId3" imgW="139700" imgH="228600" progId="Equation.DSMT4">
+                  <p:embed/>
+                </p:oleObj>
+              </mc:Choice>
+              <mc:Fallback>
+                <p:oleObj name="Equation" r:id="rId3" imgW="139700" imgH="228600" progId="Equation.DSMT4">
+                  <p:embed/>
+                  <p:pic>
+                    <p:nvPicPr>
+                      <p:cNvPr id="0" name="Picture 3"/>
+                      <p:cNvPicPr>
+                        <a:picLocks noChangeAspect="1" noChangeArrowheads="1"/>
+                      </p:cNvPicPr>
+                      <p:nvPr/>
+                    </p:nvPicPr>
+                    <p:blipFill>
+                      <a:blip r:embed="rId4">
+                        <a:extLst>
+                          <a:ext uri="{28A0092B-C50C-407E-A947-70E740481C1C}">
+                            <a14:useLocalDpi xmlns:a14="http://schemas.microsoft.com/office/drawing/2010/main" val="0"/>
+                          </a:ext>
+                        </a:extLst>
+                      </a:blip>
+                      <a:srcRect/>
+                      <a:stretch>
+                        <a:fillRect/>
+                      </a:stretch>
+                    </p:blipFill>
+                    <p:spPr bwMode="auto">
+                      <a:xfrm>
+                        <a:off x="4419600" y="3314700"/>
+                        <a:ext cx="139700" cy="228600"/>
+                      </a:xfrm>
+                      <a:prstGeom prst="rect">
+                        <a:avLst/>
+                      </a:prstGeom>
+                      <a:noFill/>
+                      <a:extLst>
+                        <a:ext uri="{909E8E84-426E-40dd-AFC4-6F175D3DCCD1}">
+                          <a14:hiddenFill xmlns:a14="http://schemas.microsoft.com/office/drawing/2010/main">
+                            <a:solidFill>
+                              <a:srgbClr val="FFFFFF"/>
+                            </a:solidFill>
+                          </a14:hiddenFill>
+                        </a:ext>
+                      </a:extLst>
+                    </p:spPr>
+                  </p:pic>
+                </p:oleObj>
+              </mc:Fallback>
+            </mc:AlternateContent>
+          </a:graphicData>
+        </a:graphic>
+      </p:graphicFrame>
+    </p:spTree>
+  </p:cSld>
+  <p:clrMapOvr>
+    <a:masterClrMapping/>
+  </p:clrMapOvr>
+  <mc:AlternateContent xmlns:mc="http://schemas.openxmlformats.org/markup-compatibility/2006">
+    <mc:Choice xmlns:p14="http://schemas.microsoft.com/office/powerpoint/2010/main" Requires="p14">
+      <p:transition spd="slow" p14:dur="1200" advClick="0">
+        <p:fade/>
+      </p:transition>
+    </mc:Choice>
+    <mc:Fallback>
+      <p:transition xmlns:p14="http://schemas.microsoft.com/office/powerpoint/2010/main" spd="slow" advClick="0">
+        <p:fade/>
+      </p:transition>
+    </mc:Fallback>
+  </mc:AlternateContent>
+  <p:timing>
+    <p:tnLst>
+      <p:par>
+        <p:cTn xmlns:p14="http://schemas.microsoft.com/office/powerpoint/2010/main" id="1" dur="indefinite" restart="never" nodeType="tmRoot">
+          <p:childTnLst>
+            <p:seq concurrent="1" nextAc="seek">
+              <p:cTn id="2" dur="indefinite" nodeType="mainSeq">
+                <p:childTnLst>
+                  <p:par>
+                    <p:cTn id="3" fill="hold">
+                      <p:stCondLst>
+                        <p:cond delay="indefinite"/>
+                      </p:stCondLst>
+                      <p:childTnLst>
+                        <p:par>
+                          <p:cTn id="4" fill="hold">
+                            <p:stCondLst>
+                              <p:cond delay="0"/>
+                            </p:stCondLst>
+                            <p:childTnLst>
+                              <p:par>
+                                <p:cTn id="5" presetID="22" presetClass="entr" presetSubtype="1" fill="hold" grpId="0" nodeType="clickEffect">
+                                  <p:stCondLst>
+                                    <p:cond delay="0"/>
+                                  </p:stCondLst>
+                                  <p:childTnLst>
+                                    <p:set>
+                                      <p:cBhvr>
+                                        <p:cTn id="6" dur="1" fill="hold">
+                                          <p:stCondLst>
+                                            <p:cond delay="0"/>
+                                          </p:stCondLst>
+                                        </p:cTn>
+                                        <p:tgtEl>
+                                          <p:spTgt spid="3">
+                                            <p:txEl>
+                                              <p:pRg st="1" end="1"/>
+                                            </p:txEl>
+                                          </p:spTgt>
+                                        </p:tgtEl>
+                                        <p:attrNameLst>
+                                          <p:attrName>style.visibility</p:attrName>
+                                        </p:attrNameLst>
+                                      </p:cBhvr>
+                                      <p:to>
+                                        <p:strVal val="visible"/>
+                                      </p:to>
+                                    </p:set>
+                                    <p:animEffect transition="in" filter="wipe(up)">
+                                      <p:cBhvr>
+                                        <p:cTn id="7" dur="500"/>
+                                        <p:tgtEl>
+                                          <p:spTgt spid="3">
+                                            <p:txEl>
+                                              <p:pRg st="1" end="1"/>
+                                            </p:txEl>
+                                          </p:spTgt>
+                                        </p:tgtEl>
+                                      </p:cBhvr>
+                                    </p:animEffect>
+                                  </p:childTnLst>
+                                </p:cTn>
+                              </p:par>
+                            </p:childTnLst>
+                          </p:cTn>
+                        </p:par>
+                        <p:par>
+                          <p:cTn id="8" fill="hold">
+                            <p:stCondLst>
+                              <p:cond delay="500"/>
+                            </p:stCondLst>
+                            <p:childTnLst>
+                              <p:par>
+                                <p:cTn id="9" presetID="22" presetClass="entr" presetSubtype="1" fill="hold" grpId="0" nodeType="afterEffect">
+                                  <p:stCondLst>
+                                    <p:cond delay="0"/>
+                                  </p:stCondLst>
+                                  <p:childTnLst>
+                                    <p:set>
+                                      <p:cBhvr>
+                                        <p:cTn id="10" dur="1" fill="hold">
+                                          <p:stCondLst>
+                                            <p:cond delay="0"/>
+                                          </p:stCondLst>
+                                        </p:cTn>
+                                        <p:tgtEl>
+                                          <p:spTgt spid="3">
+                                            <p:txEl>
+                                              <p:pRg st="2" end="2"/>
+                                            </p:txEl>
+                                          </p:spTgt>
+                                        </p:tgtEl>
+                                        <p:attrNameLst>
+                                          <p:attrName>style.visibility</p:attrName>
+                                        </p:attrNameLst>
+                                      </p:cBhvr>
+                                      <p:to>
+                                        <p:strVal val="visible"/>
+                                      </p:to>
+                                    </p:set>
+                                    <p:animEffect transition="in" filter="wipe(up)">
+                                      <p:cBhvr>
+                                        <p:cTn id="11" dur="500"/>
+                                        <p:tgtEl>
+                                          <p:spTgt spid="3">
+                                            <p:txEl>
+                                              <p:pRg st="2" end="2"/>
+                                            </p:txEl>
+                                          </p:spTgt>
+                                        </p:tgtEl>
+                                      </p:cBhvr>
+                                    </p:animEffect>
+                                  </p:childTnLst>
+                                </p:cTn>
+                              </p:par>
+                            </p:childTnLst>
+                          </p:cTn>
+                        </p:par>
+                      </p:childTnLst>
+                    </p:cTn>
+                  </p:par>
+                  <p:par>
+                    <p:cTn id="12" fill="hold">
+                      <p:stCondLst>
+                        <p:cond delay="indefinite"/>
+                      </p:stCondLst>
+                      <p:childTnLst>
+                        <p:par>
+                          <p:cTn id="13" fill="hold">
+                            <p:stCondLst>
+                              <p:cond delay="0"/>
+                            </p:stCondLst>
+                            <p:childTnLst>
+                              <p:par>
+                                <p:cTn id="14" presetID="22" presetClass="entr" presetSubtype="1" fill="hold" grpId="0" nodeType="clickEffect">
+                                  <p:stCondLst>
+                                    <p:cond delay="0"/>
+                                  </p:stCondLst>
+                                  <p:childTnLst>
+                                    <p:set>
+                                      <p:cBhvr>
+                                        <p:cTn id="15" dur="1" fill="hold">
+                                          <p:stCondLst>
+                                            <p:cond delay="0"/>
+                                          </p:stCondLst>
+                                        </p:cTn>
+                                        <p:tgtEl>
+                                          <p:spTgt spid="3">
+                                            <p:txEl>
+                                              <p:pRg st="3" end="3"/>
+                                            </p:txEl>
+                                          </p:spTgt>
+                                        </p:tgtEl>
+                                        <p:attrNameLst>
+                                          <p:attrName>style.visibility</p:attrName>
+                                        </p:attrNameLst>
+                                      </p:cBhvr>
+                                      <p:to>
+                                        <p:strVal val="visible"/>
+                                      </p:to>
+                                    </p:set>
+                                    <p:animEffect transition="in" filter="wipe(up)">
+                                      <p:cBhvr>
+                                        <p:cTn id="16" dur="500"/>
+                                        <p:tgtEl>
+                                          <p:spTgt spid="3">
+                                            <p:txEl>
+                                              <p:pRg st="3" end="3"/>
+                                            </p:txEl>
+                                          </p:spTgt>
+                                        </p:tgtEl>
+                                      </p:cBhvr>
+                                    </p:animEffect>
+                                  </p:childTnLst>
+                                </p:cTn>
+                              </p:par>
+                            </p:childTnLst>
+                          </p:cTn>
+                        </p:par>
+                        <p:par>
+                          <p:cTn id="17" fill="hold">
+                            <p:stCondLst>
+                              <p:cond delay="500"/>
+                            </p:stCondLst>
+                            <p:childTnLst>
+                              <p:par>
+                                <p:cTn id="18" presetID="22" presetClass="entr" presetSubtype="1" fill="hold" grpId="0" nodeType="afterEffect">
+                                  <p:stCondLst>
+                                    <p:cond delay="0"/>
+                                  </p:stCondLst>
+                                  <p:childTnLst>
+                                    <p:set>
+                                      <p:cBhvr>
+                                        <p:cTn id="19" dur="1" fill="hold">
+                                          <p:stCondLst>
+                                            <p:cond delay="0"/>
+                                          </p:stCondLst>
+                                        </p:cTn>
+                                        <p:tgtEl>
+                                          <p:spTgt spid="3">
+                                            <p:txEl>
+                                              <p:pRg st="4" end="4"/>
+                                            </p:txEl>
+                                          </p:spTgt>
+                                        </p:tgtEl>
+                                        <p:attrNameLst>
+                                          <p:attrName>style.visibility</p:attrName>
+                                        </p:attrNameLst>
+                                      </p:cBhvr>
+                                      <p:to>
+                                        <p:strVal val="visible"/>
+                                      </p:to>
+                                    </p:set>
+                                    <p:animEffect transition="in" filter="wipe(up)">
+                                      <p:cBhvr>
+                                        <p:cTn id="20" dur="500"/>
+                                        <p:tgtEl>
+                                          <p:spTgt spid="3">
+                                            <p:txEl>
+                                              <p:pRg st="4" end="4"/>
+                                            </p:txEl>
+                                          </p:spTgt>
+                                        </p:tgtEl>
+                                      </p:cBhvr>
+                                    </p:animEffect>
+                                  </p:childTnLst>
+                                </p:cTn>
+                              </p:par>
+                            </p:childTnLst>
+                          </p:cTn>
+                        </p:par>
+                      </p:childTnLst>
+                    </p:cTn>
+                  </p:par>
+                  <p:par>
+                    <p:cTn id="21" fill="hold">
+                      <p:stCondLst>
+                        <p:cond delay="indefinite"/>
+                      </p:stCondLst>
+                      <p:childTnLst>
+                        <p:par>
+                          <p:cTn id="22" fill="hold">
+                            <p:stCondLst>
+                              <p:cond delay="0"/>
+                            </p:stCondLst>
+                            <p:childTnLst>
+                              <p:par>
+                                <p:cTn id="23" presetID="15" presetClass="entr" presetSubtype="0" fill="hold" grpId="0" nodeType="clickEffect">
+                                  <p:stCondLst>
+                                    <p:cond delay="0"/>
+                                  </p:stCondLst>
+                                  <p:childTnLst>
+                                    <p:set>
+                                      <p:cBhvr>
+                                        <p:cTn id="24" dur="1" fill="hold">
+                                          <p:stCondLst>
+                                            <p:cond delay="0"/>
+                                          </p:stCondLst>
+                                        </p:cTn>
+                                        <p:tgtEl>
+                                          <p:spTgt spid="3">
+                                            <p:txEl>
+                                              <p:pRg st="5" end="5"/>
+                                            </p:txEl>
+                                          </p:spTgt>
+                                        </p:tgtEl>
+                                        <p:attrNameLst>
+                                          <p:attrName>style.visibility</p:attrName>
+                                        </p:attrNameLst>
+                                      </p:cBhvr>
+                                      <p:to>
+                                        <p:strVal val="visible"/>
+                                      </p:to>
+                                    </p:set>
+                                    <p:anim calcmode="lin" valueType="num">
+                                      <p:cBhvr>
+                                        <p:cTn id="25" dur="1000" fill="hold"/>
+                                        <p:tgtEl>
+                                          <p:spTgt spid="3">
+                                            <p:txEl>
+                                              <p:pRg st="5" end="5"/>
+                                            </p:txEl>
+                                          </p:spTgt>
+                                        </p:tgtEl>
+                                        <p:attrNameLst>
+                                          <p:attrName>ppt_w</p:attrName>
+                                        </p:attrNameLst>
+                                      </p:cBhvr>
+                                      <p:tavLst>
+                                        <p:tav tm="0">
+                                          <p:val>
+                                            <p:fltVal val="0"/>
+                                          </p:val>
+                                        </p:tav>
+                                        <p:tav tm="100000">
+                                          <p:val>
+                                            <p:strVal val="#ppt_w"/>
+                                          </p:val>
+                                        </p:tav>
+                                      </p:tavLst>
+                                    </p:anim>
+                                    <p:anim calcmode="lin" valueType="num">
+                                      <p:cBhvr>
+                                        <p:cTn id="26" dur="1000" fill="hold"/>
+                                        <p:tgtEl>
+                                          <p:spTgt spid="3">
+                                            <p:txEl>
+                                              <p:pRg st="5" end="5"/>
+                                            </p:txEl>
+                                          </p:spTgt>
+                                        </p:tgtEl>
+                                        <p:attrNameLst>
+                                          <p:attrName>ppt_h</p:attrName>
+                                        </p:attrNameLst>
+                                      </p:cBhvr>
+                                      <p:tavLst>
+                                        <p:tav tm="0">
+                                          <p:val>
+                                            <p:fltVal val="0"/>
+                                          </p:val>
+                                        </p:tav>
+                                        <p:tav tm="100000">
+                                          <p:val>
+                                            <p:strVal val="#ppt_h"/>
+                                          </p:val>
+                                        </p:tav>
+                                      </p:tavLst>
+                                    </p:anim>
+                                    <p:anim calcmode="lin" valueType="num">
+                                      <p:cBhvr>
+                                        <p:cTn id="27" dur="1000" fill="hold"/>
+                                        <p:tgtEl>
+                                          <p:spTgt spid="3">
+                                            <p:txEl>
+                                              <p:pRg st="5" end="5"/>
+                                            </p:txEl>
+                                          </p:spTgt>
+                                        </p:tgtEl>
+                                        <p:attrNameLst>
+                                          <p:attrName>ppt_x</p:attrName>
+                                        </p:attrNameLst>
+                                      </p:cBhvr>
+                                      <p:tavLst>
+                                        <p:tav tm="0" fmla="#ppt_x+(cos(-2*pi*(1-$))*-#ppt_x-sin(-2*pi*(1-$))*(1-#ppt_y))*(1-$)">
+                                          <p:val>
+                                            <p:fltVal val="0"/>
+                                          </p:val>
+                                        </p:tav>
+                                        <p:tav tm="100000">
+                                          <p:val>
+                                            <p:fltVal val="1"/>
+                                          </p:val>
+                                        </p:tav>
+                                      </p:tavLst>
+                                    </p:anim>
+                                    <p:anim calcmode="lin" valueType="num">
+                                      <p:cBhvr>
+                                        <p:cTn id="28" dur="1000" fill="hold"/>
+                                        <p:tgtEl>
+                                          <p:spTgt spid="3">
+                                            <p:txEl>
+                                              <p:pRg st="5" end="5"/>
+                                            </p:txEl>
+                                          </p:spTgt>
+                                        </p:tgtEl>
+                                        <p:attrNameLst>
+                                          <p:attrName>ppt_y</p:attrName>
+                                        </p:attrNameLst>
+                                      </p:cBhvr>
+                                      <p:tavLst>
+                                        <p:tav tm="0" fmla="#ppt_y+(sin(-2*pi*(1-$))*-#ppt_x+cos(-2*pi*(1-$))*(1-#ppt_y))*(1-$)">
+                                          <p:val>
+                                            <p:fltVal val="0"/>
+                                          </p:val>
+                                        </p:tav>
+                                        <p:tav tm="100000">
+                                          <p:val>
+                                            <p:fltVal val="1"/>
+                                          </p:val>
+                                        </p:tav>
+                                      </p:tavLst>
+                                    </p:anim>
+                                  </p:childTnLst>
+                                </p:cTn>
+                              </p:par>
+                            </p:childTnLst>
+                          </p:cTn>
+                        </p:par>
+                      </p:childTnLst>
+                    </p:cTn>
+                  </p:par>
+                </p:childTnLst>
+              </p:cTn>
+              <p:prevCondLst>
+                <p:cond evt="onPrev" delay="0">
+                  <p:tgtEl>
+                    <p:sldTgt/>
+                  </p:tgtEl>
+                </p:cond>
+              </p:prevCondLst>
+              <p:nextCondLst>
+                <p:cond evt="onNext" delay="0">
+                  <p:tgtEl>
+                    <p:sldTgt/>
+                  </p:tgtEl>
+                </p:cond>
+              </p:nextCondLst>
+            </p:seq>
+          </p:childTnLst>
+        </p:cTn>
+      </p:par>
+    </p:tnLst>
+    <p:bldLst>
+      <p:bldP spid="3" grpId="0" build="p"/>
+    </p:bldLst>
+  </p:timing>
+</p:sld>
+</file>
+
+<file path=ppt/slides/slide12.xml><?xml version="1.0" encoding="utf-8"?>
+<p:sld xmlns:a="http://schemas.openxmlformats.org/drawingml/2006/main" xmlns:r="http://schemas.openxmlformats.org/officeDocument/2006/relationships" xmlns:p="http://schemas.openxmlformats.org/presentationml/2006/main">
+  <p:cSld>
+    <p:spTree>
+      <p:nvGrpSpPr>
+        <p:cNvPr id="1" name=""/>
+        <p:cNvGrpSpPr/>
+        <p:nvPr/>
+      </p:nvGrpSpPr>
+      <p:grpSpPr>
+        <a:xfrm>
+          <a:off x="0" y="0"/>
+          <a:ext cx="0" cy="0"/>
+          <a:chOff x="0" y="0"/>
+          <a:chExt cx="0" cy="0"/>
+        </a:xfrm>
+      </p:grpSpPr>
+      <p:sp>
+        <p:nvSpPr>
+          <p:cNvPr id="2" name="Title 1"/>
+          <p:cNvSpPr>
+            <a:spLocks noGrp="1"/>
+          </p:cNvSpPr>
+          <p:nvPr>
+            <p:ph type="title"/>
+          </p:nvPr>
+        </p:nvSpPr>
+        <p:spPr/>
+        <p:txBody>
+          <a:bodyPr/>
+          <a:lstStyle/>
+          <a:p>
+            <a:r>
+              <a:rPr lang="en-US" dirty="0" smtClean="0"/>
+              <a:t>counting 2-pair poker hands</a:t>
+            </a:r>
+            <a:endParaRPr lang="en-US" dirty="0"/>
+          </a:p>
+        </p:txBody>
+      </p:sp>
+      <p:sp>
+        <p:nvSpPr>
+          <p:cNvPr id="3" name="Content Placeholder 2"/>
+          <p:cNvSpPr>
+            <a:spLocks noGrp="1"/>
+          </p:cNvSpPr>
+          <p:nvPr>
+            <p:ph idx="1"/>
+          </p:nvPr>
+        </p:nvSpPr>
+        <p:spPr>
+          <a:xfrm>
+            <a:off x="190500" y="1250950"/>
+            <a:ext cx="8763000" cy="5149850"/>
+          </a:xfrm>
+        </p:spPr>
+        <p:txBody>
+          <a:bodyPr/>
+          <a:lstStyle/>
+          <a:p>
+            <a:r>
+              <a:rPr lang="en-US" sz="4400" dirty="0" smtClean="0">
+                <a:solidFill>
+                  <a:srgbClr val="000000"/>
+                </a:solidFill>
+              </a:rPr>
+              <a:t>but the correspondence to</a:t>
+            </a:r>
+          </a:p>
+          <a:p>
+            <a:r>
+              <a:rPr lang="en-US" sz="4400" dirty="0" smtClean="0">
+                <a:solidFill>
+                  <a:srgbClr val="000000"/>
+                </a:solidFill>
+              </a:rPr>
+              <a:t>2-pair hands is </a:t>
+            </a:r>
+            <a:r>
+              <a:rPr lang="en-US" sz="4400" dirty="0" smtClean="0">
+                <a:solidFill>
+                  <a:schemeClr val="accent2"/>
+                </a:solidFill>
+              </a:rPr>
+              <a:t>not a </a:t>
+            </a:r>
+            <a:r>
+              <a:rPr lang="en-US" sz="4400" dirty="0" err="1" smtClean="0">
+                <a:solidFill>
+                  <a:schemeClr val="accent2"/>
+                </a:solidFill>
+                <a:latin typeface="Comic Sans MS"/>
+                <a:cs typeface="Comic Sans MS"/>
+              </a:rPr>
+              <a:t>bijection</a:t>
+            </a:r>
+            <a:r>
+              <a:rPr lang="en-US" sz="4400" dirty="0" smtClean="0">
+                <a:solidFill>
+                  <a:srgbClr val="000000"/>
+                </a:solidFill>
+                <a:latin typeface="Comic Sans MS"/>
+                <a:cs typeface="Comic Sans MS"/>
+              </a:rPr>
+              <a:t>:</a:t>
+            </a:r>
+            <a:endParaRPr lang="en-US" sz="4400" dirty="0" smtClean="0">
+              <a:solidFill>
+                <a:srgbClr val="008000"/>
+              </a:solidFill>
+              <a:latin typeface="Comic Sans MS"/>
+              <a:cs typeface="Comic Sans MS"/>
+            </a:endParaRPr>
+          </a:p>
+        </p:txBody>
+      </p:sp>
+      <p:sp>
+        <p:nvSpPr>
+          <p:cNvPr id="4" name="Slide Number Placeholder 3"/>
+          <p:cNvSpPr>
+            <a:spLocks noGrp="1"/>
+          </p:cNvSpPr>
+          <p:nvPr>
+            <p:ph type="sldNum" sz="quarter" idx="10"/>
+          </p:nvPr>
+        </p:nvSpPr>
+        <p:spPr/>
+        <p:txBody>
+          <a:bodyPr/>
+          <a:lstStyle/>
+          <a:p>
+            <a:pPr>
+              <a:defRPr/>
+            </a:pPr>
+            <a:r>
+              <a:rPr lang="en-US" dirty="0" smtClean="0"/>
+              <a:t>2pair.</a:t>
+            </a:r>
+            <a:fld id="{9C0B6E0F-EDA7-4496-A72F-8E0EBD3F01E4}" type="slidenum">
+              <a:rPr lang="en-US" smtClean="0"/>
+              <a:pPr>
+                <a:defRPr/>
+              </a:pPr>
+              <a:t>12</a:t>
+            </a:fld>
+            <a:endParaRPr lang="en-US" dirty="0"/>
+          </a:p>
+        </p:txBody>
+      </p:sp>
+      <p:graphicFrame>
+        <p:nvGraphicFramePr>
+          <p:cNvPr id="7" name="Object 6"/>
+          <p:cNvGraphicFramePr>
+            <a:graphicFrameLocks noChangeAspect="1"/>
+          </p:cNvGraphicFramePr>
+          <p:nvPr/>
+        </p:nvGraphicFramePr>
+        <p:xfrm>
+          <a:off x="4419600" y="3314700"/>
+          <a:ext cx="139700" cy="228600"/>
+        </p:xfrm>
+        <a:graphic>
+          <a:graphicData uri="http://schemas.openxmlformats.org/presentationml/2006/ole">
+            <mc:AlternateContent xmlns:mc="http://schemas.openxmlformats.org/markup-compatibility/2006">
+              <mc:Choice xmlns:v="urn:schemas-microsoft-com:vml" Requires="v">
+                <p:oleObj spid="_x0000_s69667" name="Equation" r:id="rId3" imgW="139700" imgH="228600" progId="Equation.DSMT4">
+                  <p:embed/>
+                </p:oleObj>
+              </mc:Choice>
+              <mc:Fallback>
+                <p:oleObj name="Equation" r:id="rId3" imgW="139700" imgH="228600" progId="Equation.DSMT4">
+                  <p:embed/>
+                  <p:pic>
+                    <p:nvPicPr>
+                      <p:cNvPr id="0" name="Picture 2"/>
+                      <p:cNvPicPr>
+                        <a:picLocks noChangeAspect="1" noChangeArrowheads="1"/>
+                      </p:cNvPicPr>
+                      <p:nvPr/>
+                    </p:nvPicPr>
+                    <p:blipFill>
+                      <a:blip r:embed="rId4">
+                        <a:extLst>
+                          <a:ext uri="{28A0092B-C50C-407E-A947-70E740481C1C}">
+                            <a14:useLocalDpi xmlns:a14="http://schemas.microsoft.com/office/drawing/2010/main" val="0"/>
+                          </a:ext>
+                        </a:extLst>
+                      </a:blip>
+                      <a:srcRect/>
+                      <a:stretch>
+                        <a:fillRect/>
+                      </a:stretch>
+                    </p:blipFill>
+                    <p:spPr bwMode="auto">
+                      <a:xfrm>
+                        <a:off x="4419600" y="3314700"/>
+                        <a:ext cx="139700" cy="228600"/>
+                      </a:xfrm>
+                      <a:prstGeom prst="rect">
+                        <a:avLst/>
+                      </a:prstGeom>
+                      <a:noFill/>
+                      <a:extLst>
+                        <a:ext uri="{909E8E84-426E-40dd-AFC4-6F175D3DCCD1}">
+                          <a14:hiddenFill xmlns:a14="http://schemas.microsoft.com/office/drawing/2010/main">
+                            <a:solidFill>
+                              <a:srgbClr val="FFFFFF"/>
+                            </a:solidFill>
+                          </a14:hiddenFill>
+                        </a:ext>
+                      </a:extLst>
+                    </p:spPr>
+                  </p:pic>
+                </p:oleObj>
+              </mc:Fallback>
+            </mc:AlternateContent>
+          </a:graphicData>
+        </a:graphic>
+      </p:graphicFrame>
+      <p:sp>
+        <p:nvSpPr>
+          <p:cNvPr id="6" name="TextBox 5"/>
+          <p:cNvSpPr txBox="1"/>
+          <p:nvPr/>
+        </p:nvSpPr>
+        <p:spPr>
+          <a:xfrm>
+            <a:off x="1371600" y="3962400"/>
+            <a:ext cx="6373860" cy="923330"/>
+          </a:xfrm>
+          <a:prstGeom prst="rect">
+            <a:avLst/>
+          </a:prstGeom>
+          <a:noFill/>
+        </p:spPr>
+        <p:txBody>
+          <a:bodyPr wrap="none" rtlCol="0">
+            <a:spAutoFit/>
+          </a:bodyPr>
+          <a:lstStyle/>
+          <a:p>
+            <a:r>
+              <a:rPr lang="en-US" sz="5400" dirty="0" smtClean="0">
+                <a:solidFill>
+                  <a:schemeClr val="accent1">
+                    <a:lumMod val="50000"/>
+                  </a:schemeClr>
+                </a:solidFill>
+                <a:latin typeface="Comic Sans MS"/>
+                <a:cs typeface="Comic Sans MS"/>
+              </a:rPr>
+              <a:t>K</a:t>
+            </a:r>
+            <a:r>
+              <a:rPr lang="en-US" sz="5400" dirty="0" smtClean="0">
+                <a:solidFill>
+                  <a:srgbClr val="FF0000"/>
+                </a:solidFill>
+                <a:latin typeface="Comic Sans MS"/>
+                <a:cs typeface="Comic Sans MS"/>
+              </a:rPr>
+              <a:t>♦</a:t>
+            </a:r>
+            <a:r>
+              <a:rPr lang="en-US" sz="5400" dirty="0" smtClean="0">
+                <a:solidFill>
+                  <a:schemeClr val="accent1">
+                    <a:lumMod val="50000"/>
+                  </a:schemeClr>
+                </a:solidFill>
+                <a:latin typeface="Comic Sans MS"/>
+                <a:cs typeface="Comic Sans MS"/>
+              </a:rPr>
+              <a:t>, K</a:t>
+            </a:r>
+            <a:r>
+              <a:rPr lang="en-US" sz="5400" dirty="0" smtClean="0">
+                <a:solidFill>
+                  <a:srgbClr val="FF0000"/>
+                </a:solidFill>
+                <a:latin typeface="Comic Sans MS"/>
+                <a:cs typeface="Comic Sans MS"/>
+              </a:rPr>
+              <a:t>♥</a:t>
+            </a:r>
+            <a:r>
+              <a:rPr lang="en-US" sz="5400" dirty="0" smtClean="0">
+                <a:solidFill>
+                  <a:schemeClr val="accent1">
+                    <a:lumMod val="50000"/>
+                  </a:schemeClr>
+                </a:solidFill>
+                <a:latin typeface="Comic Sans MS"/>
+                <a:cs typeface="Comic Sans MS"/>
+              </a:rPr>
+              <a:t>, A</a:t>
+            </a:r>
+            <a:r>
+              <a:rPr lang="en-US" sz="5400" dirty="0" smtClean="0">
+                <a:solidFill>
+                  <a:srgbClr val="FF0000"/>
+                </a:solidFill>
+                <a:latin typeface="Comic Sans MS"/>
+                <a:cs typeface="Comic Sans MS"/>
+              </a:rPr>
+              <a:t>♦</a:t>
+            </a:r>
+            <a:r>
+              <a:rPr lang="en-US" sz="5400" dirty="0" smtClean="0">
+                <a:solidFill>
+                  <a:schemeClr val="accent1">
+                    <a:lumMod val="50000"/>
+                  </a:schemeClr>
+                </a:solidFill>
+                <a:latin typeface="Comic Sans MS"/>
+                <a:cs typeface="Comic Sans MS"/>
+              </a:rPr>
+              <a:t>, A</a:t>
+            </a:r>
+            <a:r>
+              <a:rPr lang="en-US" sz="5400" dirty="0" smtClean="0">
+                <a:solidFill>
+                  <a:schemeClr val="tx2"/>
+                </a:solidFill>
+                <a:latin typeface="Comic Sans MS"/>
+                <a:cs typeface="Comic Sans MS"/>
+              </a:rPr>
+              <a:t>♠</a:t>
+            </a:r>
+            <a:r>
+              <a:rPr lang="en-US" sz="5400" dirty="0" smtClean="0">
+                <a:solidFill>
+                  <a:schemeClr val="accent1">
+                    <a:lumMod val="50000"/>
+                  </a:schemeClr>
+                </a:solidFill>
+                <a:latin typeface="Comic Sans MS"/>
+                <a:cs typeface="Comic Sans MS"/>
+              </a:rPr>
+              <a:t>, 3</a:t>
+            </a:r>
+            <a:r>
+              <a:rPr lang="en-US" sz="5400" dirty="0" smtClean="0">
+                <a:solidFill>
+                  <a:srgbClr val="000000"/>
+                </a:solidFill>
+                <a:latin typeface="Comic Sans MS"/>
+                <a:cs typeface="Comic Sans MS"/>
+              </a:rPr>
+              <a:t>♣</a:t>
+            </a:r>
+          </a:p>
+        </p:txBody>
+      </p:sp>
+      <p:sp>
+        <p:nvSpPr>
+          <p:cNvPr id="8" name="TextBox 7"/>
+          <p:cNvSpPr txBox="1"/>
+          <p:nvPr/>
+        </p:nvSpPr>
+        <p:spPr>
+          <a:xfrm>
+            <a:off x="914400" y="2971800"/>
+            <a:ext cx="7275549" cy="830997"/>
+          </a:xfrm>
+          <a:prstGeom prst="rect">
+            <a:avLst/>
+          </a:prstGeom>
+          <a:noFill/>
+        </p:spPr>
+        <p:txBody>
+          <a:bodyPr wrap="none" rtlCol="0">
+            <a:spAutoFit/>
+          </a:bodyPr>
+          <a:lstStyle/>
+          <a:p>
+            <a:r>
+              <a:rPr lang="en-US" sz="4800" dirty="0" smtClean="0">
+                <a:latin typeface="Comic Sans MS"/>
+                <a:cs typeface="Comic Sans MS"/>
+              </a:rPr>
+              <a:t>(</a:t>
+            </a:r>
+            <a:r>
+              <a:rPr lang="en-US" sz="4800" dirty="0" smtClean="0">
+                <a:solidFill>
+                  <a:schemeClr val="accent1">
+                    <a:lumMod val="50000"/>
+                  </a:schemeClr>
+                </a:solidFill>
+                <a:latin typeface="Comic Sans MS"/>
+                <a:cs typeface="Comic Sans MS"/>
+              </a:rPr>
+              <a:t>K, A, 3, </a:t>
+            </a:r>
+            <a:r>
+              <a:rPr lang="en-US" sz="4800" dirty="0" smtClean="0">
+                <a:solidFill>
+                  <a:srgbClr val="000000"/>
+                </a:solidFill>
+                <a:latin typeface="Comic Sans MS"/>
+                <a:cs typeface="Comic Sans MS"/>
+              </a:rPr>
+              <a:t>{</a:t>
+            </a:r>
+            <a:r>
+              <a:rPr lang="en-US" sz="4800" dirty="0">
+                <a:solidFill>
+                  <a:srgbClr val="FF0000"/>
+                </a:solidFill>
+                <a:latin typeface="Comic Sans MS"/>
+                <a:cs typeface="Comic Sans MS"/>
+              </a:rPr>
+              <a:t>♦</a:t>
+            </a:r>
+            <a:r>
+              <a:rPr lang="en-US" sz="4800" dirty="0" smtClean="0">
+                <a:solidFill>
+                  <a:schemeClr val="accent1">
+                    <a:lumMod val="50000"/>
+                  </a:schemeClr>
+                </a:solidFill>
+                <a:latin typeface="Comic Sans MS"/>
+                <a:cs typeface="Comic Sans MS"/>
+              </a:rPr>
+              <a:t>, </a:t>
+            </a:r>
+            <a:r>
+              <a:rPr lang="en-US" sz="4800" dirty="0" smtClean="0">
+                <a:solidFill>
+                  <a:srgbClr val="FF0000"/>
+                </a:solidFill>
+                <a:latin typeface="Comic Sans MS"/>
+                <a:cs typeface="Comic Sans MS"/>
+              </a:rPr>
+              <a:t>♥</a:t>
+            </a:r>
+            <a:r>
+              <a:rPr lang="en-US" sz="4800" dirty="0" smtClean="0">
+                <a:solidFill>
+                  <a:srgbClr val="000000"/>
+                </a:solidFill>
+                <a:latin typeface="Comic Sans MS"/>
+                <a:cs typeface="Comic Sans MS"/>
+              </a:rPr>
+              <a:t>}</a:t>
+            </a:r>
+            <a:r>
+              <a:rPr lang="en-US" sz="4800" dirty="0" smtClean="0">
+                <a:solidFill>
+                  <a:schemeClr val="accent1">
+                    <a:lumMod val="50000"/>
+                  </a:schemeClr>
+                </a:solidFill>
+                <a:latin typeface="Comic Sans MS"/>
+                <a:cs typeface="Comic Sans MS"/>
+              </a:rPr>
+              <a:t>, </a:t>
+            </a:r>
+            <a:r>
+              <a:rPr lang="en-US" sz="4800" dirty="0" smtClean="0">
+                <a:solidFill>
+                  <a:srgbClr val="000000"/>
+                </a:solidFill>
+                <a:latin typeface="Comic Sans MS"/>
+                <a:cs typeface="Comic Sans MS"/>
+              </a:rPr>
+              <a:t>{</a:t>
+            </a:r>
+            <a:r>
+              <a:rPr lang="en-US" sz="4800" dirty="0" smtClean="0">
+                <a:solidFill>
+                  <a:srgbClr val="FF0000"/>
+                </a:solidFill>
+                <a:latin typeface="Comic Sans MS"/>
+                <a:cs typeface="Comic Sans MS"/>
+              </a:rPr>
+              <a:t>♦</a:t>
+            </a:r>
+            <a:r>
+              <a:rPr lang="en-US" sz="4800" dirty="0" smtClean="0">
+                <a:solidFill>
+                  <a:schemeClr val="accent1">
+                    <a:lumMod val="50000"/>
+                  </a:schemeClr>
+                </a:solidFill>
+                <a:latin typeface="Comic Sans MS"/>
+                <a:cs typeface="Comic Sans MS"/>
+              </a:rPr>
+              <a:t>, </a:t>
+            </a:r>
+            <a:r>
+              <a:rPr lang="en-US" sz="4800" dirty="0" smtClean="0">
+                <a:solidFill>
+                  <a:schemeClr val="tx2"/>
+                </a:solidFill>
+                <a:latin typeface="Comic Sans MS"/>
+                <a:cs typeface="Comic Sans MS"/>
+              </a:rPr>
+              <a:t>♠}</a:t>
+            </a:r>
+            <a:r>
+              <a:rPr lang="en-US" sz="4800" dirty="0" smtClean="0">
+                <a:solidFill>
+                  <a:schemeClr val="accent1">
+                    <a:lumMod val="50000"/>
+                  </a:schemeClr>
+                </a:solidFill>
+                <a:latin typeface="Comic Sans MS"/>
+                <a:cs typeface="Comic Sans MS"/>
+              </a:rPr>
+              <a:t>, </a:t>
+            </a:r>
+            <a:r>
+              <a:rPr lang="en-US" sz="4800" dirty="0" smtClean="0">
+                <a:solidFill>
+                  <a:srgbClr val="000000"/>
+                </a:solidFill>
+                <a:latin typeface="Comic Sans MS"/>
+                <a:cs typeface="Comic Sans MS"/>
+              </a:rPr>
+              <a:t>♣)</a:t>
+            </a:r>
+          </a:p>
+        </p:txBody>
+      </p:sp>
+      <p:cxnSp>
+        <p:nvCxnSpPr>
+          <p:cNvPr id="25" name="Curved Connector 24"/>
+          <p:cNvCxnSpPr/>
+          <p:nvPr/>
+        </p:nvCxnSpPr>
+        <p:spPr bwMode="auto">
+          <a:xfrm rot="5400000">
+            <a:off x="1108622" y="4309020"/>
+            <a:ext cx="1364159" cy="533400"/>
+          </a:xfrm>
+          <a:prstGeom prst="curvedConnector3">
+            <a:avLst>
+              <a:gd name="adj1" fmla="val 50000"/>
+            </a:avLst>
+          </a:prstGeom>
+          <a:noFill/>
+          <a:ln w="38100" cap="flat" cmpd="sng" algn="ctr">
+            <a:solidFill>
+              <a:srgbClr val="FF00FF"/>
+            </a:solidFill>
+            <a:prstDash val="sysDash"/>
+            <a:round/>
+            <a:headEnd type="none" w="med" len="med"/>
+            <a:tailEnd type="stealth" w="lg" len="lg"/>
+          </a:ln>
+          <a:effectLst/>
+        </p:spPr>
+      </p:cxnSp>
+      <p:cxnSp>
+        <p:nvCxnSpPr>
+          <p:cNvPr id="27" name="Curved Connector 26"/>
+          <p:cNvCxnSpPr/>
+          <p:nvPr/>
+        </p:nvCxnSpPr>
+        <p:spPr bwMode="auto">
+          <a:xfrm rot="16200000" flipH="1">
+            <a:off x="1108621" y="4225380"/>
+            <a:ext cx="1364161" cy="533401"/>
+          </a:xfrm>
+          <a:prstGeom prst="curvedConnector3">
+            <a:avLst>
+              <a:gd name="adj1" fmla="val 50000"/>
+            </a:avLst>
+          </a:prstGeom>
+          <a:noFill/>
+          <a:ln w="38100" cap="flat" cmpd="sng" algn="ctr">
+            <a:solidFill>
+              <a:srgbClr val="FF00FF"/>
+            </a:solidFill>
+            <a:prstDash val="sysDash"/>
+            <a:round/>
+            <a:headEnd type="none" w="med" len="med"/>
+            <a:tailEnd type="stealth" w="lg" len="lg"/>
+          </a:ln>
+          <a:effectLst/>
+        </p:spPr>
+      </p:cxnSp>
+      <p:cxnSp>
+        <p:nvCxnSpPr>
+          <p:cNvPr id="33" name="Curved Connector 32"/>
+          <p:cNvCxnSpPr/>
+          <p:nvPr/>
+        </p:nvCxnSpPr>
+        <p:spPr bwMode="auto">
+          <a:xfrm rot="5400000" flipH="1" flipV="1">
+            <a:off x="4171662" y="3562060"/>
+            <a:ext cx="2172278" cy="1981202"/>
+          </a:xfrm>
+          <a:prstGeom prst="curvedConnector3">
+            <a:avLst>
+              <a:gd name="adj1" fmla="val 50000"/>
+            </a:avLst>
+          </a:prstGeom>
+          <a:noFill/>
+          <a:ln w="38100" cap="flat" cmpd="sng" algn="ctr">
+            <a:solidFill>
+              <a:srgbClr val="FF00FF"/>
+            </a:solidFill>
+            <a:prstDash val="sysDash"/>
+            <a:round/>
+            <a:headEnd type="stealth" w="lg" len="lg"/>
+            <a:tailEnd type="none"/>
+          </a:ln>
+          <a:effectLst/>
+        </p:spPr>
+      </p:cxnSp>
+      <p:cxnSp>
+        <p:nvCxnSpPr>
+          <p:cNvPr id="35" name="Curved Connector 34"/>
+          <p:cNvCxnSpPr/>
+          <p:nvPr/>
+        </p:nvCxnSpPr>
+        <p:spPr bwMode="auto">
+          <a:xfrm rot="16200000" flipV="1">
+            <a:off x="4171660" y="3562061"/>
+            <a:ext cx="2172279" cy="1981198"/>
+          </a:xfrm>
+          <a:prstGeom prst="curvedConnector3">
+            <a:avLst>
+              <a:gd name="adj1" fmla="val 50000"/>
+            </a:avLst>
+          </a:prstGeom>
+          <a:noFill/>
+          <a:ln w="38100" cap="flat" cmpd="sng" algn="ctr">
+            <a:solidFill>
+              <a:srgbClr val="FF00FF"/>
+            </a:solidFill>
+            <a:prstDash val="sysDash"/>
+            <a:round/>
+            <a:headEnd type="stealth" w="lg" len="lg"/>
+            <a:tailEnd type="none"/>
+          </a:ln>
+          <a:effectLst/>
+        </p:spPr>
+      </p:cxnSp>
+      <p:sp>
+        <p:nvSpPr>
+          <p:cNvPr id="38" name="TextBox 37"/>
+          <p:cNvSpPr txBox="1"/>
+          <p:nvPr/>
+        </p:nvSpPr>
+        <p:spPr>
+          <a:xfrm>
+            <a:off x="889178" y="5112603"/>
+            <a:ext cx="1549222" cy="830997"/>
+          </a:xfrm>
+          <a:prstGeom prst="rect">
+            <a:avLst/>
+          </a:prstGeom>
+          <a:noFill/>
+        </p:spPr>
+        <p:txBody>
+          <a:bodyPr wrap="none" rtlCol="0">
+            <a:spAutoFit/>
+          </a:bodyPr>
+          <a:lstStyle/>
+          <a:p>
+            <a:r>
+              <a:rPr lang="en-US" sz="4800" dirty="0" smtClean="0">
+                <a:solidFill>
+                  <a:schemeClr val="accent1">
+                    <a:lumMod val="50000"/>
+                  </a:schemeClr>
+                </a:solidFill>
+                <a:latin typeface="Comic Sans MS"/>
+                <a:cs typeface="Comic Sans MS"/>
+              </a:rPr>
+              <a:t> A, K</a:t>
+            </a:r>
+            <a:endParaRPr lang="en-US" sz="4800" dirty="0" smtClean="0">
+              <a:solidFill>
+                <a:srgbClr val="000000"/>
+              </a:solidFill>
+              <a:latin typeface="Comic Sans MS"/>
+              <a:cs typeface="Comic Sans MS"/>
+            </a:endParaRPr>
+          </a:p>
+        </p:txBody>
+      </p:sp>
+      <p:sp>
+        <p:nvSpPr>
+          <p:cNvPr id="15" name="Freeform 14"/>
+          <p:cNvSpPr/>
+          <p:nvPr/>
+        </p:nvSpPr>
+        <p:spPr bwMode="auto">
+          <a:xfrm>
+            <a:off x="516201" y="3431089"/>
+            <a:ext cx="831864" cy="980311"/>
+          </a:xfrm>
+          <a:custGeom>
+            <a:avLst/>
+            <a:gdLst>
+              <a:gd name="connsiteX0" fmla="*/ 508774 w 831864"/>
+              <a:gd name="connsiteY0" fmla="*/ 0 h 980311"/>
+              <a:gd name="connsiteX1" fmla="*/ 252530 w 831864"/>
+              <a:gd name="connsiteY1" fmla="*/ 44559 h 980311"/>
+              <a:gd name="connsiteX2" fmla="*/ 152261 w 831864"/>
+              <a:gd name="connsiteY2" fmla="*/ 144818 h 980311"/>
+              <a:gd name="connsiteX3" fmla="*/ 18568 w 831864"/>
+              <a:gd name="connsiteY3" fmla="*/ 512435 h 980311"/>
+              <a:gd name="connsiteX4" fmla="*/ 263671 w 831864"/>
+              <a:gd name="connsiteY4" fmla="*/ 846632 h 980311"/>
+              <a:gd name="connsiteX5" fmla="*/ 831864 w 831864"/>
+              <a:gd name="connsiteY5" fmla="*/ 980311 h 980311"/>
+            </a:gdLst>
+            <a:ahLst/>
+            <a:cxnLst>
+              <a:cxn ang="0">
+                <a:pos x="connsiteX0" y="connsiteY0"/>
+              </a:cxn>
+              <a:cxn ang="0">
+                <a:pos x="connsiteX1" y="connsiteY1"/>
+              </a:cxn>
+              <a:cxn ang="0">
+                <a:pos x="connsiteX2" y="connsiteY2"/>
+              </a:cxn>
+              <a:cxn ang="0">
+                <a:pos x="connsiteX3" y="connsiteY3"/>
+              </a:cxn>
+              <a:cxn ang="0">
+                <a:pos x="connsiteX4" y="connsiteY4"/>
+              </a:cxn>
+              <a:cxn ang="0">
+                <a:pos x="connsiteX5" y="connsiteY5"/>
+              </a:cxn>
+            </a:cxnLst>
+            <a:rect l="l" t="t" r="r" b="b"/>
+            <a:pathLst>
+              <a:path w="831864" h="980311">
+                <a:moveTo>
+                  <a:pt x="508774" y="0"/>
+                </a:moveTo>
+                <a:cubicBezTo>
+                  <a:pt x="410361" y="10211"/>
+                  <a:pt x="311949" y="20423"/>
+                  <a:pt x="252530" y="44559"/>
+                </a:cubicBezTo>
+                <a:cubicBezTo>
+                  <a:pt x="193111" y="68695"/>
+                  <a:pt x="191255" y="66839"/>
+                  <a:pt x="152261" y="144818"/>
+                </a:cubicBezTo>
+                <a:cubicBezTo>
+                  <a:pt x="113267" y="222797"/>
+                  <a:pt x="0" y="395466"/>
+                  <a:pt x="18568" y="512435"/>
+                </a:cubicBezTo>
+                <a:cubicBezTo>
+                  <a:pt x="37136" y="629404"/>
+                  <a:pt x="128122" y="768653"/>
+                  <a:pt x="263671" y="846632"/>
+                </a:cubicBezTo>
+                <a:cubicBezTo>
+                  <a:pt x="399220" y="924611"/>
+                  <a:pt x="831864" y="980311"/>
+                  <a:pt x="831864" y="980311"/>
+                </a:cubicBezTo>
+              </a:path>
+            </a:pathLst>
+          </a:custGeom>
+          <a:noFill/>
+          <a:ln w="41275" cap="flat" cmpd="sng" algn="ctr">
+            <a:solidFill>
+              <a:srgbClr val="008000"/>
+            </a:solidFill>
+            <a:prstDash val="sysDash"/>
+            <a:round/>
+            <a:headEnd type="none" w="med" len="med"/>
+            <a:tailEnd type="triangle" w="lg" len="lg"/>
+          </a:ln>
+          <a:effectLst/>
+        </p:spPr>
+        <p:txBody>
+          <a:bodyPr vert="horz" wrap="square" lIns="91440" tIns="45720" rIns="91440" bIns="45720" numCol="1" rtlCol="0" anchor="t" anchorCtr="0" compatLnSpc="1">
+            <a:prstTxWarp prst="textNoShape">
+              <a:avLst/>
+            </a:prstTxWarp>
+            <a:spAutoFit/>
+          </a:bodyPr>
+          <a:lstStyle/>
+          <a:p>
+            <a:pPr marL="342900" marR="0" indent="-342900" algn="l" defTabSz="914400" rtl="0" eaLnBrk="1" fontAlgn="base" latinLnBrk="0" hangingPunct="1">
+              <a:lnSpc>
+                <a:spcPct val="100000"/>
+              </a:lnSpc>
+              <a:spcBef>
+                <a:spcPct val="20000"/>
+              </a:spcBef>
+              <a:spcAft>
+                <a:spcPct val="0"/>
+              </a:spcAft>
+              <a:buClrTx/>
+              <a:buSzTx/>
+              <a:buFontTx/>
+              <a:buNone/>
+              <a:tabLst/>
+            </a:pPr>
+            <a:endParaRPr kumimoji="0" lang="en-US" sz="3200" b="0" i="0" u="none" strike="noStrike" cap="none" normalizeH="0" baseline="0" smtClean="0">
+              <a:ln>
+                <a:noFill/>
+              </a:ln>
+              <a:solidFill>
+                <a:schemeClr val="tx1"/>
+              </a:solidFill>
+              <a:effectLst/>
+              <a:latin typeface="Times New Roman" pitchFamily="18" charset="0"/>
+            </a:endParaRPr>
+          </a:p>
+        </p:txBody>
+      </p:sp>
+      <p:sp>
+        <p:nvSpPr>
+          <p:cNvPr id="22" name="TextBox 21"/>
+          <p:cNvSpPr txBox="1"/>
+          <p:nvPr/>
+        </p:nvSpPr>
+        <p:spPr>
+          <a:xfrm>
+            <a:off x="3260928" y="5029200"/>
+            <a:ext cx="3978072" cy="830997"/>
+          </a:xfrm>
+          <a:prstGeom prst="rect">
+            <a:avLst/>
+          </a:prstGeom>
+          <a:noFill/>
+        </p:spPr>
+        <p:txBody>
+          <a:bodyPr wrap="none" rtlCol="0">
+            <a:spAutoFit/>
+          </a:bodyPr>
+          <a:lstStyle/>
+          <a:p>
+            <a:r>
+              <a:rPr lang="en-US" sz="4800" dirty="0" smtClean="0">
+                <a:solidFill>
+                  <a:schemeClr val="accent1">
+                    <a:lumMod val="50000"/>
+                  </a:schemeClr>
+                </a:solidFill>
+                <a:latin typeface="Comic Sans MS"/>
+                <a:cs typeface="Comic Sans MS"/>
+              </a:rPr>
+              <a:t> </a:t>
+            </a:r>
+            <a:r>
+              <a:rPr lang="en-US" sz="4800" dirty="0" smtClean="0">
+                <a:solidFill>
+                  <a:srgbClr val="000000"/>
+                </a:solidFill>
+                <a:latin typeface="Comic Sans MS"/>
+                <a:cs typeface="Comic Sans MS"/>
+              </a:rPr>
+              <a:t>{</a:t>
+            </a:r>
+            <a:r>
+              <a:rPr lang="en-US" sz="4800" dirty="0" smtClean="0">
+                <a:solidFill>
+                  <a:srgbClr val="FF0000"/>
+                </a:solidFill>
+                <a:latin typeface="Comic Sans MS"/>
+                <a:cs typeface="Comic Sans MS"/>
+              </a:rPr>
+              <a:t>♦</a:t>
+            </a:r>
+            <a:r>
+              <a:rPr lang="en-US" sz="4800" dirty="0" smtClean="0">
+                <a:solidFill>
+                  <a:schemeClr val="accent1">
+                    <a:lumMod val="50000"/>
+                  </a:schemeClr>
+                </a:solidFill>
+                <a:latin typeface="Comic Sans MS"/>
+                <a:cs typeface="Comic Sans MS"/>
+              </a:rPr>
+              <a:t>, </a:t>
+            </a:r>
+            <a:r>
+              <a:rPr lang="en-US" sz="4800" dirty="0" smtClean="0">
+                <a:solidFill>
+                  <a:schemeClr val="tx2"/>
+                </a:solidFill>
+                <a:latin typeface="Comic Sans MS"/>
+                <a:cs typeface="Comic Sans MS"/>
+              </a:rPr>
+              <a:t>♠}</a:t>
+            </a:r>
+            <a:r>
+              <a:rPr lang="en-US" sz="4800" dirty="0" smtClean="0">
+                <a:solidFill>
+                  <a:schemeClr val="accent1">
+                    <a:lumMod val="50000"/>
+                  </a:schemeClr>
+                </a:solidFill>
+                <a:latin typeface="Comic Sans MS"/>
+                <a:cs typeface="Comic Sans MS"/>
+              </a:rPr>
+              <a:t>, </a:t>
+            </a:r>
+            <a:r>
+              <a:rPr lang="en-US" sz="4800" dirty="0" smtClean="0">
+                <a:solidFill>
+                  <a:srgbClr val="000000"/>
+                </a:solidFill>
+                <a:latin typeface="Comic Sans MS"/>
+                <a:cs typeface="Comic Sans MS"/>
+              </a:rPr>
+              <a:t>{</a:t>
+            </a:r>
+            <a:r>
+              <a:rPr lang="en-US" sz="4800" dirty="0">
+                <a:solidFill>
+                  <a:srgbClr val="FF0000"/>
+                </a:solidFill>
+                <a:latin typeface="Comic Sans MS"/>
+                <a:cs typeface="Comic Sans MS"/>
+              </a:rPr>
+              <a:t>♦</a:t>
+            </a:r>
+            <a:r>
+              <a:rPr lang="en-US" sz="4800" dirty="0" smtClean="0">
+                <a:solidFill>
+                  <a:schemeClr val="accent1">
+                    <a:lumMod val="50000"/>
+                  </a:schemeClr>
+                </a:solidFill>
+                <a:latin typeface="Comic Sans MS"/>
+                <a:cs typeface="Comic Sans MS"/>
+              </a:rPr>
+              <a:t>, </a:t>
+            </a:r>
+            <a:r>
+              <a:rPr lang="en-US" sz="4800" dirty="0" smtClean="0">
+                <a:solidFill>
+                  <a:srgbClr val="FF0000"/>
+                </a:solidFill>
+                <a:latin typeface="Comic Sans MS"/>
+                <a:cs typeface="Comic Sans MS"/>
+              </a:rPr>
+              <a:t>♥</a:t>
+            </a:r>
+            <a:r>
+              <a:rPr lang="en-US" sz="4800" dirty="0" smtClean="0">
+                <a:solidFill>
+                  <a:srgbClr val="000000"/>
+                </a:solidFill>
+                <a:latin typeface="Comic Sans MS"/>
+                <a:cs typeface="Comic Sans MS"/>
+              </a:rPr>
+              <a:t>} </a:t>
+            </a:r>
+          </a:p>
+        </p:txBody>
+      </p:sp>
+    </p:spTree>
+  </p:cSld>
+  <p:clrMapOvr>
+    <a:masterClrMapping/>
+  </p:clrMapOvr>
+  <mc:AlternateContent xmlns:mc="http://schemas.openxmlformats.org/markup-compatibility/2006" xmlns:p14="http://schemas.microsoft.com/office/powerpoint/2010/main">
+    <mc:Choice Requires="p14">
+      <p:transition spd="slow" p14:dur="900" advClick="0">
+        <p:fade/>
+      </p:transition>
+    </mc:Choice>
+    <mc:Fallback xmlns="">
+      <p:transition xmlns:p14="http://schemas.microsoft.com/office/powerpoint/2010/main" spd="slow" advClick="0">
+        <p:fade/>
+      </p:transition>
+    </mc:Fallback>
+  </mc:AlternateContent>
+  <p:timing>
+    <p:tnLst>
+      <p:par>
+        <p:cTn xmlns:p14="http://schemas.microsoft.com/office/powerpoint/2010/main" id="1" dur="indefinite" restart="never" nodeType="tmRoot">
+          <p:childTnLst>
+            <p:seq concurrent="1" nextAc="seek">
+              <p:cTn id="2" dur="indefinite" nodeType="mainSeq">
+                <p:childTnLst>
+                  <p:par>
+                    <p:cTn id="3" fill="hold">
+                      <p:stCondLst>
+                        <p:cond delay="indefinite"/>
+                      </p:stCondLst>
+                      <p:childTnLst>
+                        <p:par>
+                          <p:cTn id="4" fill="hold">
+                            <p:stCondLst>
+                              <p:cond delay="0"/>
+                            </p:stCondLst>
+                            <p:childTnLst>
+                              <p:par>
+                                <p:cTn id="5" presetID="10" presetClass="entr" presetSubtype="0" fill="hold" grpId="0" nodeType="clickEffect">
+                                  <p:stCondLst>
+                                    <p:cond delay="0"/>
+                                  </p:stCondLst>
+                                  <p:childTnLst>
+                                    <p:set>
+                                      <p:cBhvr>
+                                        <p:cTn id="6" dur="1" fill="hold">
+                                          <p:stCondLst>
+                                            <p:cond delay="0"/>
+                                          </p:stCondLst>
+                                        </p:cTn>
+                                        <p:tgtEl>
+                                          <p:spTgt spid="8"/>
+                                        </p:tgtEl>
+                                        <p:attrNameLst>
+                                          <p:attrName>style.visibility</p:attrName>
+                                        </p:attrNameLst>
+                                      </p:cBhvr>
+                                      <p:to>
+                                        <p:strVal val="visible"/>
+                                      </p:to>
+                                    </p:set>
+                                    <p:animEffect transition="in" filter="fade">
+                                      <p:cBhvr>
+                                        <p:cTn id="7" dur="500"/>
+                                        <p:tgtEl>
+                                          <p:spTgt spid="8"/>
+                                        </p:tgtEl>
+                                      </p:cBhvr>
+                                    </p:animEffect>
+                                  </p:childTnLst>
+                                </p:cTn>
+                              </p:par>
+                              <p:par>
+                                <p:cTn id="8" presetID="10" presetClass="entr" presetSubtype="0" fill="hold" grpId="0" nodeType="withEffect">
+                                  <p:stCondLst>
+                                    <p:cond delay="0"/>
+                                  </p:stCondLst>
+                                  <p:childTnLst>
+                                    <p:set>
+                                      <p:cBhvr>
+                                        <p:cTn id="9" dur="1" fill="hold">
+                                          <p:stCondLst>
+                                            <p:cond delay="0"/>
+                                          </p:stCondLst>
+                                        </p:cTn>
+                                        <p:tgtEl>
+                                          <p:spTgt spid="15"/>
+                                        </p:tgtEl>
+                                        <p:attrNameLst>
+                                          <p:attrName>style.visibility</p:attrName>
+                                        </p:attrNameLst>
+                                      </p:cBhvr>
+                                      <p:to>
+                                        <p:strVal val="visible"/>
+                                      </p:to>
+                                    </p:set>
+                                    <p:animEffect transition="in" filter="fade">
+                                      <p:cBhvr>
+                                        <p:cTn id="10" dur="500"/>
+                                        <p:tgtEl>
+                                          <p:spTgt spid="15"/>
+                                        </p:tgtEl>
+                                      </p:cBhvr>
+                                    </p:animEffect>
+                                  </p:childTnLst>
+                                </p:cTn>
+                              </p:par>
+                            </p:childTnLst>
+                          </p:cTn>
+                        </p:par>
+                        <p:par>
+                          <p:cTn id="11" fill="hold">
+                            <p:stCondLst>
+                              <p:cond delay="500"/>
+                            </p:stCondLst>
+                            <p:childTnLst>
+                              <p:par>
+                                <p:cTn id="12" presetID="10" presetClass="entr" presetSubtype="0" fill="hold" grpId="0" nodeType="afterEffect">
+                                  <p:stCondLst>
+                                    <p:cond delay="0"/>
+                                  </p:stCondLst>
+                                  <p:childTnLst>
+                                    <p:set>
+                                      <p:cBhvr>
+                                        <p:cTn id="13" dur="1" fill="hold">
+                                          <p:stCondLst>
+                                            <p:cond delay="0"/>
+                                          </p:stCondLst>
+                                        </p:cTn>
+                                        <p:tgtEl>
+                                          <p:spTgt spid="6"/>
+                                        </p:tgtEl>
+                                        <p:attrNameLst>
+                                          <p:attrName>style.visibility</p:attrName>
+                                        </p:attrNameLst>
+                                      </p:cBhvr>
+                                      <p:to>
+                                        <p:strVal val="visible"/>
+                                      </p:to>
+                                    </p:set>
+                                    <p:animEffect transition="in" filter="fade">
+                                      <p:cBhvr>
+                                        <p:cTn id="14" dur="500"/>
+                                        <p:tgtEl>
+                                          <p:spTgt spid="6"/>
+                                        </p:tgtEl>
+                                      </p:cBhvr>
+                                    </p:animEffect>
+                                  </p:childTnLst>
+                                </p:cTn>
+                              </p:par>
+                            </p:childTnLst>
+                          </p:cTn>
+                        </p:par>
+                      </p:childTnLst>
+                    </p:cTn>
+                  </p:par>
+                  <p:par>
+                    <p:cTn id="15" fill="hold">
+                      <p:stCondLst>
+                        <p:cond delay="indefinite"/>
+                      </p:stCondLst>
+                      <p:childTnLst>
+                        <p:par>
+                          <p:cTn id="16" fill="hold">
+                            <p:stCondLst>
+                              <p:cond delay="0"/>
+                            </p:stCondLst>
+                            <p:childTnLst>
+                              <p:par>
+                                <p:cTn id="17" presetID="22" presetClass="entr" presetSubtype="1" fill="hold" nodeType="clickEffect">
+                                  <p:stCondLst>
+                                    <p:cond delay="0"/>
+                                  </p:stCondLst>
+                                  <p:childTnLst>
+                                    <p:set>
+                                      <p:cBhvr>
+                                        <p:cTn id="18" dur="1" fill="hold">
+                                          <p:stCondLst>
+                                            <p:cond delay="0"/>
+                                          </p:stCondLst>
+                                        </p:cTn>
+                                        <p:tgtEl>
+                                          <p:spTgt spid="25"/>
+                                        </p:tgtEl>
+                                        <p:attrNameLst>
+                                          <p:attrName>style.visibility</p:attrName>
+                                        </p:attrNameLst>
+                                      </p:cBhvr>
+                                      <p:to>
+                                        <p:strVal val="visible"/>
+                                      </p:to>
+                                    </p:set>
+                                    <p:animEffect transition="in" filter="wipe(up)">
+                                      <p:cBhvr>
+                                        <p:cTn id="19" dur="500"/>
+                                        <p:tgtEl>
+                                          <p:spTgt spid="25"/>
+                                        </p:tgtEl>
+                                      </p:cBhvr>
+                                    </p:animEffect>
+                                  </p:childTnLst>
+                                </p:cTn>
+                              </p:par>
+                              <p:par>
+                                <p:cTn id="20" presetID="22" presetClass="entr" presetSubtype="1" fill="hold" nodeType="withEffect">
+                                  <p:stCondLst>
+                                    <p:cond delay="0"/>
+                                  </p:stCondLst>
+                                  <p:childTnLst>
+                                    <p:set>
+                                      <p:cBhvr>
+                                        <p:cTn id="21" dur="1" fill="hold">
+                                          <p:stCondLst>
+                                            <p:cond delay="0"/>
+                                          </p:stCondLst>
+                                        </p:cTn>
+                                        <p:tgtEl>
+                                          <p:spTgt spid="27"/>
+                                        </p:tgtEl>
+                                        <p:attrNameLst>
+                                          <p:attrName>style.visibility</p:attrName>
+                                        </p:attrNameLst>
+                                      </p:cBhvr>
+                                      <p:to>
+                                        <p:strVal val="visible"/>
+                                      </p:to>
+                                    </p:set>
+                                    <p:animEffect transition="in" filter="wipe(up)">
+                                      <p:cBhvr>
+                                        <p:cTn id="22" dur="500"/>
+                                        <p:tgtEl>
+                                          <p:spTgt spid="27"/>
+                                        </p:tgtEl>
+                                      </p:cBhvr>
+                                    </p:animEffect>
+                                  </p:childTnLst>
+                                </p:cTn>
+                              </p:par>
+                            </p:childTnLst>
+                          </p:cTn>
+                        </p:par>
+                        <p:par>
+                          <p:cTn id="23" fill="hold">
+                            <p:stCondLst>
+                              <p:cond delay="500"/>
+                            </p:stCondLst>
+                            <p:childTnLst>
+                              <p:par>
+                                <p:cTn id="24" presetID="22" presetClass="entr" presetSubtype="1" fill="hold" grpId="0" nodeType="afterEffect">
+                                  <p:stCondLst>
+                                    <p:cond delay="0"/>
+                                  </p:stCondLst>
+                                  <p:childTnLst>
+                                    <p:set>
+                                      <p:cBhvr>
+                                        <p:cTn id="25" dur="1" fill="hold">
+                                          <p:stCondLst>
+                                            <p:cond delay="0"/>
+                                          </p:stCondLst>
+                                        </p:cTn>
+                                        <p:tgtEl>
+                                          <p:spTgt spid="38"/>
+                                        </p:tgtEl>
+                                        <p:attrNameLst>
+                                          <p:attrName>style.visibility</p:attrName>
+                                        </p:attrNameLst>
+                                      </p:cBhvr>
+                                      <p:to>
+                                        <p:strVal val="visible"/>
+                                      </p:to>
+                                    </p:set>
+                                    <p:animEffect transition="in" filter="wipe(up)">
+                                      <p:cBhvr>
+                                        <p:cTn id="26" dur="1000"/>
+                                        <p:tgtEl>
+                                          <p:spTgt spid="38"/>
+                                        </p:tgtEl>
+                                      </p:cBhvr>
+                                    </p:animEffect>
+                                  </p:childTnLst>
+                                </p:cTn>
+                              </p:par>
+                            </p:childTnLst>
+                          </p:cTn>
+                        </p:par>
+                      </p:childTnLst>
+                    </p:cTn>
+                  </p:par>
+                  <p:par>
+                    <p:cTn id="27" fill="hold">
+                      <p:stCondLst>
+                        <p:cond delay="indefinite"/>
+                      </p:stCondLst>
+                      <p:childTnLst>
+                        <p:par>
+                          <p:cTn id="28" fill="hold">
+                            <p:stCondLst>
+                              <p:cond delay="0"/>
+                            </p:stCondLst>
+                            <p:childTnLst>
+                              <p:par>
+                                <p:cTn id="29" presetID="22" presetClass="entr" presetSubtype="1" fill="hold" nodeType="clickEffect">
+                                  <p:stCondLst>
+                                    <p:cond delay="0"/>
+                                  </p:stCondLst>
+                                  <p:childTnLst>
+                                    <p:set>
+                                      <p:cBhvr>
+                                        <p:cTn id="30" dur="1" fill="hold">
+                                          <p:stCondLst>
+                                            <p:cond delay="0"/>
+                                          </p:stCondLst>
+                                        </p:cTn>
+                                        <p:tgtEl>
+                                          <p:spTgt spid="33"/>
+                                        </p:tgtEl>
+                                        <p:attrNameLst>
+                                          <p:attrName>style.visibility</p:attrName>
+                                        </p:attrNameLst>
+                                      </p:cBhvr>
+                                      <p:to>
+                                        <p:strVal val="visible"/>
+                                      </p:to>
+                                    </p:set>
+                                    <p:animEffect transition="in" filter="wipe(up)">
+                                      <p:cBhvr>
+                                        <p:cTn id="31" dur="500"/>
+                                        <p:tgtEl>
+                                          <p:spTgt spid="33"/>
+                                        </p:tgtEl>
+                                      </p:cBhvr>
+                                    </p:animEffect>
+                                  </p:childTnLst>
+                                </p:cTn>
+                              </p:par>
+                              <p:par>
+                                <p:cTn id="32" presetID="22" presetClass="entr" presetSubtype="1" fill="hold" nodeType="withEffect">
+                                  <p:stCondLst>
+                                    <p:cond delay="0"/>
+                                  </p:stCondLst>
+                                  <p:childTnLst>
+                                    <p:set>
+                                      <p:cBhvr>
+                                        <p:cTn id="33" dur="1" fill="hold">
+                                          <p:stCondLst>
+                                            <p:cond delay="0"/>
+                                          </p:stCondLst>
+                                        </p:cTn>
+                                        <p:tgtEl>
+                                          <p:spTgt spid="35"/>
+                                        </p:tgtEl>
+                                        <p:attrNameLst>
+                                          <p:attrName>style.visibility</p:attrName>
+                                        </p:attrNameLst>
+                                      </p:cBhvr>
+                                      <p:to>
+                                        <p:strVal val="visible"/>
+                                      </p:to>
+                                    </p:set>
+                                    <p:animEffect transition="in" filter="wipe(up)">
+                                      <p:cBhvr>
+                                        <p:cTn id="34" dur="500"/>
+                                        <p:tgtEl>
+                                          <p:spTgt spid="35"/>
+                                        </p:tgtEl>
+                                      </p:cBhvr>
+                                    </p:animEffect>
+                                  </p:childTnLst>
+                                </p:cTn>
+                              </p:par>
+                            </p:childTnLst>
+                          </p:cTn>
+                        </p:par>
+                        <p:par>
+                          <p:cTn id="35" fill="hold">
+                            <p:stCondLst>
+                              <p:cond delay="500"/>
+                            </p:stCondLst>
+                            <p:childTnLst>
+                              <p:par>
+                                <p:cTn id="36" presetID="22" presetClass="entr" presetSubtype="1" fill="hold" grpId="0" nodeType="afterEffect">
+                                  <p:stCondLst>
+                                    <p:cond delay="0"/>
+                                  </p:stCondLst>
+                                  <p:childTnLst>
+                                    <p:set>
+                                      <p:cBhvr>
+                                        <p:cTn id="37" dur="1" fill="hold">
+                                          <p:stCondLst>
+                                            <p:cond delay="0"/>
+                                          </p:stCondLst>
+                                        </p:cTn>
+                                        <p:tgtEl>
+                                          <p:spTgt spid="22"/>
+                                        </p:tgtEl>
+                                        <p:attrNameLst>
+                                          <p:attrName>style.visibility</p:attrName>
+                                        </p:attrNameLst>
+                                      </p:cBhvr>
+                                      <p:to>
+                                        <p:strVal val="visible"/>
+                                      </p:to>
+                                    </p:set>
+                                    <p:animEffect transition="in" filter="wipe(up)">
+                                      <p:cBhvr>
+                                        <p:cTn id="38" dur="1000"/>
+                                        <p:tgtEl>
+                                          <p:spTgt spid="22"/>
+                                        </p:tgtEl>
+                                      </p:cBhvr>
+                                    </p:animEffect>
+                                  </p:childTnLst>
+                                </p:cTn>
+                              </p:par>
+                            </p:childTnLst>
+                          </p:cTn>
+                        </p:par>
+                      </p:childTnLst>
+                    </p:cTn>
+                  </p:par>
+                </p:childTnLst>
+              </p:cTn>
+              <p:prevCondLst>
+                <p:cond evt="onPrev" delay="0">
+                  <p:tgtEl>
+                    <p:sldTgt/>
+                  </p:tgtEl>
+                </p:cond>
+              </p:prevCondLst>
+              <p:nextCondLst>
+                <p:cond evt="onNext" delay="0">
+                  <p:tgtEl>
+                    <p:sldTgt/>
+                  </p:tgtEl>
+                </p:cond>
+              </p:nextCondLst>
+            </p:seq>
+          </p:childTnLst>
+        </p:cTn>
+      </p:par>
+    </p:tnLst>
+    <p:bldLst>
+      <p:bldP spid="6" grpId="0"/>
+      <p:bldP spid="8" grpId="0"/>
+      <p:bldP spid="38" grpId="0"/>
+      <p:bldP spid="15" grpId="0" animBg="1"/>
+      <p:bldP spid="22" grpId="0"/>
+    </p:bldLst>
+  </p:timing>
+</p:sld>
+</file>
+
+<file path=ppt/slides/slide13.xml><?xml version="1.0" encoding="utf-8"?>
+<p:sld xmlns:a="http://schemas.openxmlformats.org/drawingml/2006/main" xmlns:r="http://schemas.openxmlformats.org/officeDocument/2006/relationships" xmlns:p="http://schemas.openxmlformats.org/presentationml/2006/main">
+  <p:cSld>
+    <p:spTree>
+      <p:nvGrpSpPr>
+        <p:cNvPr id="1" name=""/>
+        <p:cNvGrpSpPr/>
+        <p:nvPr/>
+      </p:nvGrpSpPr>
+      <p:grpSpPr>
+        <a:xfrm>
+          <a:off x="0" y="0"/>
+          <a:ext cx="0" cy="0"/>
+          <a:chOff x="0" y="0"/>
+          <a:chExt cx="0" cy="0"/>
+        </a:xfrm>
+      </p:grpSpPr>
+      <p:sp>
+        <p:nvSpPr>
+          <p:cNvPr id="2" name="Title 1"/>
+          <p:cNvSpPr>
+            <a:spLocks noGrp="1"/>
+          </p:cNvSpPr>
+          <p:nvPr>
+            <p:ph type="title"/>
+          </p:nvPr>
+        </p:nvSpPr>
+        <p:spPr/>
+        <p:txBody>
+          <a:bodyPr/>
+          <a:lstStyle/>
+          <a:p>
+            <a:r>
+              <a:rPr lang="en-US" dirty="0" smtClean="0"/>
+              <a:t>counting 2-pair poker hands</a:t>
+            </a:r>
+            <a:endParaRPr lang="en-US" dirty="0"/>
+          </a:p>
+        </p:txBody>
+      </p:sp>
+      <p:sp>
+        <p:nvSpPr>
+          <p:cNvPr id="3" name="Content Placeholder 2"/>
+          <p:cNvSpPr>
+            <a:spLocks noGrp="1"/>
+          </p:cNvSpPr>
+          <p:nvPr>
+            <p:ph idx="1"/>
+          </p:nvPr>
+        </p:nvSpPr>
+        <p:spPr>
+          <a:xfrm>
+            <a:off x="190500" y="1250950"/>
+            <a:ext cx="8763000" cy="5149850"/>
+          </a:xfrm>
+        </p:spPr>
+        <p:txBody>
+          <a:bodyPr/>
+          <a:lstStyle/>
+          <a:p>
+            <a:r>
+              <a:rPr lang="en-US" sz="4400" dirty="0" smtClean="0">
+                <a:solidFill>
+                  <a:srgbClr val="000000"/>
+                </a:solidFill>
+              </a:rPr>
+              <a:t>but the correspondence to</a:t>
+            </a:r>
+          </a:p>
+          <a:p>
+            <a:r>
+              <a:rPr lang="en-US" sz="4400" dirty="0" smtClean="0">
+                <a:solidFill>
+                  <a:srgbClr val="000000"/>
+                </a:solidFill>
+              </a:rPr>
+              <a:t>2-pair hands is </a:t>
+            </a:r>
+            <a:r>
+              <a:rPr lang="en-US" sz="4400" dirty="0" smtClean="0">
+                <a:solidFill>
+                  <a:schemeClr val="accent2"/>
+                </a:solidFill>
+              </a:rPr>
+              <a:t>not a </a:t>
+            </a:r>
+            <a:r>
+              <a:rPr lang="en-US" sz="4400" dirty="0" err="1" smtClean="0">
+                <a:solidFill>
+                  <a:schemeClr val="accent2"/>
+                </a:solidFill>
+                <a:latin typeface="Comic Sans MS"/>
+                <a:cs typeface="Comic Sans MS"/>
+              </a:rPr>
+              <a:t>bijection</a:t>
+            </a:r>
+            <a:r>
+              <a:rPr lang="en-US" sz="4400" dirty="0" smtClean="0">
+                <a:solidFill>
+                  <a:srgbClr val="000000"/>
+                </a:solidFill>
+                <a:latin typeface="Comic Sans MS"/>
+                <a:cs typeface="Comic Sans MS"/>
+              </a:rPr>
+              <a:t>:</a:t>
+            </a:r>
+            <a:endParaRPr lang="en-US" sz="4400" dirty="0" smtClean="0">
+              <a:solidFill>
+                <a:srgbClr val="008000"/>
+              </a:solidFill>
+              <a:latin typeface="Comic Sans MS"/>
+              <a:cs typeface="Comic Sans MS"/>
+            </a:endParaRPr>
+          </a:p>
+        </p:txBody>
+      </p:sp>
+      <p:sp>
+        <p:nvSpPr>
+          <p:cNvPr id="4" name="Slide Number Placeholder 3"/>
+          <p:cNvSpPr>
+            <a:spLocks noGrp="1"/>
+          </p:cNvSpPr>
+          <p:nvPr>
+            <p:ph type="sldNum" sz="quarter" idx="10"/>
+          </p:nvPr>
+        </p:nvSpPr>
+        <p:spPr/>
+        <p:txBody>
+          <a:bodyPr/>
+          <a:lstStyle/>
+          <a:p>
+            <a:pPr>
+              <a:defRPr/>
+            </a:pPr>
+            <a:r>
+              <a:rPr lang="en-US" dirty="0" smtClean="0"/>
+              <a:t>2pair.</a:t>
+            </a:r>
+            <a:fld id="{9C0B6E0F-EDA7-4496-A72F-8E0EBD3F01E4}" type="slidenum">
+              <a:rPr lang="en-US" smtClean="0"/>
+              <a:pPr>
+                <a:defRPr/>
+              </a:pPr>
+              <a:t>13</a:t>
+            </a:fld>
+            <a:endParaRPr lang="en-US" dirty="0"/>
+          </a:p>
+        </p:txBody>
+      </p:sp>
+      <p:graphicFrame>
+        <p:nvGraphicFramePr>
+          <p:cNvPr id="7" name="Object 6"/>
+          <p:cNvGraphicFramePr>
+            <a:graphicFrameLocks noChangeAspect="1"/>
+          </p:cNvGraphicFramePr>
+          <p:nvPr/>
+        </p:nvGraphicFramePr>
+        <p:xfrm>
+          <a:off x="4419600" y="3314700"/>
+          <a:ext cx="139700" cy="228600"/>
+        </p:xfrm>
+        <a:graphic>
+          <a:graphicData uri="http://schemas.openxmlformats.org/presentationml/2006/ole">
+            <mc:AlternateContent xmlns:mc="http://schemas.openxmlformats.org/markup-compatibility/2006">
+              <mc:Choice xmlns:v="urn:schemas-microsoft-com:vml" Requires="v">
+                <p:oleObj spid="_x0000_s77826" name="Equation" r:id="rId3" imgW="139700" imgH="228600" progId="Equation.DSMT4">
+                  <p:embed/>
+                </p:oleObj>
+              </mc:Choice>
+              <mc:Fallback>
+                <p:oleObj name="Equation" r:id="rId3" imgW="139700" imgH="228600" progId="Equation.DSMT4">
+                  <p:embed/>
+                  <p:pic>
+                    <p:nvPicPr>
+                      <p:cNvPr id="0" name=""/>
+                      <p:cNvPicPr>
+                        <a:picLocks noChangeAspect="1" noChangeArrowheads="1"/>
+                      </p:cNvPicPr>
+                      <p:nvPr/>
+                    </p:nvPicPr>
+                    <p:blipFill>
+                      <a:blip r:embed="rId4">
+                        <a:extLst>
+                          <a:ext uri="{28A0092B-C50C-407E-A947-70E740481C1C}">
+                            <a14:useLocalDpi xmlns:a14="http://schemas.microsoft.com/office/drawing/2010/main" val="0"/>
+                          </a:ext>
+                        </a:extLst>
+                      </a:blip>
+                      <a:srcRect/>
+                      <a:stretch>
+                        <a:fillRect/>
+                      </a:stretch>
+                    </p:blipFill>
+                    <p:spPr bwMode="auto">
+                      <a:xfrm>
+                        <a:off x="4419600" y="3314700"/>
+                        <a:ext cx="139700" cy="228600"/>
+                      </a:xfrm>
+                      <a:prstGeom prst="rect">
+                        <a:avLst/>
+                      </a:prstGeom>
+                      <a:noFill/>
+                      <a:extLst>
+                        <a:ext uri="{909E8E84-426E-40dd-AFC4-6F175D3DCCD1}">
+                          <a14:hiddenFill xmlns:a14="http://schemas.microsoft.com/office/drawing/2010/main">
+                            <a:solidFill>
+                              <a:srgbClr val="FFFFFF"/>
+                            </a:solidFill>
+                          </a14:hiddenFill>
+                        </a:ext>
+                      </a:extLst>
+                    </p:spPr>
+                  </p:pic>
+                </p:oleObj>
+              </mc:Fallback>
+            </mc:AlternateContent>
+          </a:graphicData>
+        </a:graphic>
+      </p:graphicFrame>
+      <p:sp>
+        <p:nvSpPr>
+          <p:cNvPr id="6" name="TextBox 5"/>
+          <p:cNvSpPr txBox="1"/>
+          <p:nvPr/>
+        </p:nvSpPr>
+        <p:spPr>
+          <a:xfrm>
+            <a:off x="1371600" y="3962400"/>
+            <a:ext cx="6373860" cy="923330"/>
+          </a:xfrm>
+          <a:prstGeom prst="rect">
+            <a:avLst/>
+          </a:prstGeom>
+          <a:noFill/>
+        </p:spPr>
+        <p:txBody>
+          <a:bodyPr wrap="none" rtlCol="0">
+            <a:spAutoFit/>
+          </a:bodyPr>
+          <a:lstStyle/>
+          <a:p>
+            <a:r>
+              <a:rPr lang="en-US" sz="5400" dirty="0" smtClean="0">
+                <a:solidFill>
+                  <a:schemeClr val="accent1">
+                    <a:lumMod val="50000"/>
+                  </a:schemeClr>
+                </a:solidFill>
+                <a:latin typeface="Comic Sans MS"/>
+                <a:cs typeface="Comic Sans MS"/>
+              </a:rPr>
+              <a:t>K</a:t>
+            </a:r>
+            <a:r>
+              <a:rPr lang="en-US" sz="5400" dirty="0" smtClean="0">
+                <a:solidFill>
+                  <a:srgbClr val="FF0000"/>
+                </a:solidFill>
+                <a:latin typeface="Comic Sans MS"/>
+                <a:cs typeface="Comic Sans MS"/>
+              </a:rPr>
+              <a:t>♦</a:t>
+            </a:r>
+            <a:r>
+              <a:rPr lang="en-US" sz="5400" dirty="0" smtClean="0">
+                <a:solidFill>
+                  <a:schemeClr val="accent1">
+                    <a:lumMod val="50000"/>
+                  </a:schemeClr>
+                </a:solidFill>
+                <a:latin typeface="Comic Sans MS"/>
+                <a:cs typeface="Comic Sans MS"/>
+              </a:rPr>
+              <a:t>, K</a:t>
+            </a:r>
+            <a:r>
+              <a:rPr lang="en-US" sz="5400" dirty="0" smtClean="0">
+                <a:solidFill>
+                  <a:srgbClr val="FF0000"/>
+                </a:solidFill>
+                <a:latin typeface="Comic Sans MS"/>
+                <a:cs typeface="Comic Sans MS"/>
+              </a:rPr>
+              <a:t>♥</a:t>
+            </a:r>
+            <a:r>
+              <a:rPr lang="en-US" sz="5400" dirty="0" smtClean="0">
+                <a:solidFill>
+                  <a:schemeClr val="accent1">
+                    <a:lumMod val="50000"/>
+                  </a:schemeClr>
+                </a:solidFill>
+                <a:latin typeface="Comic Sans MS"/>
+                <a:cs typeface="Comic Sans MS"/>
+              </a:rPr>
+              <a:t>, A</a:t>
+            </a:r>
+            <a:r>
+              <a:rPr lang="en-US" sz="5400" dirty="0" smtClean="0">
+                <a:solidFill>
+                  <a:srgbClr val="FF0000"/>
+                </a:solidFill>
+                <a:latin typeface="Comic Sans MS"/>
+                <a:cs typeface="Comic Sans MS"/>
+              </a:rPr>
+              <a:t>♦</a:t>
+            </a:r>
+            <a:r>
+              <a:rPr lang="en-US" sz="5400" dirty="0" smtClean="0">
+                <a:solidFill>
+                  <a:schemeClr val="accent1">
+                    <a:lumMod val="50000"/>
+                  </a:schemeClr>
+                </a:solidFill>
+                <a:latin typeface="Comic Sans MS"/>
+                <a:cs typeface="Comic Sans MS"/>
+              </a:rPr>
+              <a:t>, A</a:t>
+            </a:r>
+            <a:r>
+              <a:rPr lang="en-US" sz="5400" dirty="0" smtClean="0">
+                <a:solidFill>
+                  <a:schemeClr val="tx2"/>
+                </a:solidFill>
+                <a:latin typeface="Comic Sans MS"/>
+                <a:cs typeface="Comic Sans MS"/>
+              </a:rPr>
+              <a:t>♠</a:t>
+            </a:r>
+            <a:r>
+              <a:rPr lang="en-US" sz="5400" dirty="0" smtClean="0">
+                <a:solidFill>
+                  <a:schemeClr val="accent1">
+                    <a:lumMod val="50000"/>
+                  </a:schemeClr>
+                </a:solidFill>
+                <a:latin typeface="Comic Sans MS"/>
+                <a:cs typeface="Comic Sans MS"/>
+              </a:rPr>
+              <a:t>, 3</a:t>
+            </a:r>
+            <a:r>
+              <a:rPr lang="en-US" sz="5400" dirty="0" smtClean="0">
+                <a:solidFill>
+                  <a:srgbClr val="000000"/>
+                </a:solidFill>
+                <a:latin typeface="Comic Sans MS"/>
+                <a:cs typeface="Comic Sans MS"/>
+              </a:rPr>
+              <a:t>♣</a:t>
+            </a:r>
+          </a:p>
+        </p:txBody>
+      </p:sp>
+      <p:sp>
+        <p:nvSpPr>
+          <p:cNvPr id="8" name="TextBox 7"/>
+          <p:cNvSpPr txBox="1"/>
+          <p:nvPr/>
+        </p:nvSpPr>
+        <p:spPr>
+          <a:xfrm>
+            <a:off x="914400" y="2971800"/>
+            <a:ext cx="7275549" cy="830997"/>
+          </a:xfrm>
+          <a:prstGeom prst="rect">
+            <a:avLst/>
+          </a:prstGeom>
+          <a:noFill/>
+        </p:spPr>
+        <p:txBody>
+          <a:bodyPr wrap="none" rtlCol="0">
+            <a:spAutoFit/>
+          </a:bodyPr>
+          <a:lstStyle/>
+          <a:p>
+            <a:r>
+              <a:rPr lang="en-US" sz="4800" dirty="0" smtClean="0">
+                <a:latin typeface="Comic Sans MS"/>
+                <a:cs typeface="Comic Sans MS"/>
+              </a:rPr>
+              <a:t>(</a:t>
+            </a:r>
+            <a:r>
+              <a:rPr lang="en-US" sz="4800" dirty="0" smtClean="0">
+                <a:solidFill>
+                  <a:schemeClr val="accent1">
+                    <a:lumMod val="50000"/>
+                  </a:schemeClr>
+                </a:solidFill>
+                <a:latin typeface="Comic Sans MS"/>
+                <a:cs typeface="Comic Sans MS"/>
+              </a:rPr>
+              <a:t>K, A, 3, </a:t>
+            </a:r>
+            <a:r>
+              <a:rPr lang="en-US" sz="4800" dirty="0" smtClean="0">
+                <a:solidFill>
+                  <a:srgbClr val="000000"/>
+                </a:solidFill>
+                <a:latin typeface="Comic Sans MS"/>
+                <a:cs typeface="Comic Sans MS"/>
+              </a:rPr>
+              <a:t>{</a:t>
+            </a:r>
+            <a:r>
+              <a:rPr lang="en-US" sz="4800" dirty="0">
+                <a:solidFill>
+                  <a:srgbClr val="FF0000"/>
+                </a:solidFill>
+                <a:latin typeface="Comic Sans MS"/>
+                <a:cs typeface="Comic Sans MS"/>
+              </a:rPr>
+              <a:t>♦</a:t>
+            </a:r>
+            <a:r>
+              <a:rPr lang="en-US" sz="4800" dirty="0" smtClean="0">
+                <a:solidFill>
+                  <a:schemeClr val="accent1">
+                    <a:lumMod val="50000"/>
+                  </a:schemeClr>
+                </a:solidFill>
+                <a:latin typeface="Comic Sans MS"/>
+                <a:cs typeface="Comic Sans MS"/>
+              </a:rPr>
+              <a:t>, </a:t>
+            </a:r>
+            <a:r>
+              <a:rPr lang="en-US" sz="4800" dirty="0" smtClean="0">
+                <a:solidFill>
+                  <a:srgbClr val="FF0000"/>
+                </a:solidFill>
+                <a:latin typeface="Comic Sans MS"/>
+                <a:cs typeface="Comic Sans MS"/>
+              </a:rPr>
+              <a:t>♥</a:t>
+            </a:r>
+            <a:r>
+              <a:rPr lang="en-US" sz="4800" dirty="0" smtClean="0">
+                <a:solidFill>
+                  <a:srgbClr val="000000"/>
+                </a:solidFill>
+                <a:latin typeface="Comic Sans MS"/>
+                <a:cs typeface="Comic Sans MS"/>
+              </a:rPr>
+              <a:t>}</a:t>
+            </a:r>
+            <a:r>
+              <a:rPr lang="en-US" sz="4800" dirty="0" smtClean="0">
+                <a:solidFill>
+                  <a:schemeClr val="accent1">
+                    <a:lumMod val="50000"/>
+                  </a:schemeClr>
+                </a:solidFill>
+                <a:latin typeface="Comic Sans MS"/>
+                <a:cs typeface="Comic Sans MS"/>
+              </a:rPr>
+              <a:t>, </a:t>
+            </a:r>
+            <a:r>
+              <a:rPr lang="en-US" sz="4800" dirty="0" smtClean="0">
+                <a:solidFill>
+                  <a:srgbClr val="000000"/>
+                </a:solidFill>
+                <a:latin typeface="Comic Sans MS"/>
+                <a:cs typeface="Comic Sans MS"/>
+              </a:rPr>
+              <a:t>{</a:t>
+            </a:r>
+            <a:r>
+              <a:rPr lang="en-US" sz="4800" dirty="0" smtClean="0">
+                <a:solidFill>
+                  <a:srgbClr val="FF0000"/>
+                </a:solidFill>
+                <a:latin typeface="Comic Sans MS"/>
+                <a:cs typeface="Comic Sans MS"/>
+              </a:rPr>
+              <a:t>♦</a:t>
+            </a:r>
+            <a:r>
+              <a:rPr lang="en-US" sz="4800" dirty="0" smtClean="0">
+                <a:solidFill>
+                  <a:schemeClr val="accent1">
+                    <a:lumMod val="50000"/>
+                  </a:schemeClr>
+                </a:solidFill>
+                <a:latin typeface="Comic Sans MS"/>
+                <a:cs typeface="Comic Sans MS"/>
+              </a:rPr>
+              <a:t>, </a:t>
+            </a:r>
+            <a:r>
+              <a:rPr lang="en-US" sz="4800" dirty="0" smtClean="0">
+                <a:solidFill>
+                  <a:schemeClr val="tx2"/>
+                </a:solidFill>
+                <a:latin typeface="Comic Sans MS"/>
+                <a:cs typeface="Comic Sans MS"/>
+              </a:rPr>
+              <a:t>♠}</a:t>
+            </a:r>
+            <a:r>
+              <a:rPr lang="en-US" sz="4800" dirty="0" smtClean="0">
+                <a:solidFill>
+                  <a:schemeClr val="accent1">
+                    <a:lumMod val="50000"/>
+                  </a:schemeClr>
+                </a:solidFill>
+                <a:latin typeface="Comic Sans MS"/>
+                <a:cs typeface="Comic Sans MS"/>
+              </a:rPr>
+              <a:t>, </a:t>
+            </a:r>
+            <a:r>
+              <a:rPr lang="en-US" sz="4800" dirty="0" smtClean="0">
+                <a:solidFill>
+                  <a:srgbClr val="000000"/>
+                </a:solidFill>
+                <a:latin typeface="Comic Sans MS"/>
+                <a:cs typeface="Comic Sans MS"/>
+              </a:rPr>
+              <a:t>♣)</a:t>
+            </a:r>
+          </a:p>
+        </p:txBody>
+      </p:sp>
+      <p:sp>
+        <p:nvSpPr>
+          <p:cNvPr id="9" name="TextBox 8"/>
+          <p:cNvSpPr txBox="1"/>
+          <p:nvPr/>
+        </p:nvSpPr>
+        <p:spPr>
+          <a:xfrm>
+            <a:off x="914400" y="5097959"/>
+            <a:ext cx="7254510" cy="830997"/>
+          </a:xfrm>
+          <a:prstGeom prst="rect">
+            <a:avLst/>
+          </a:prstGeom>
+          <a:noFill/>
+        </p:spPr>
+        <p:txBody>
+          <a:bodyPr wrap="none" rtlCol="0">
+            <a:spAutoFit/>
+          </a:bodyPr>
+          <a:lstStyle/>
+          <a:p>
+            <a:r>
+              <a:rPr lang="en-US" sz="4800" dirty="0" smtClean="0">
+                <a:latin typeface="Comic Sans MS"/>
+                <a:cs typeface="Comic Sans MS"/>
+              </a:rPr>
+              <a:t>(</a:t>
+            </a:r>
+            <a:r>
+              <a:rPr lang="en-US" sz="4800" dirty="0">
+                <a:solidFill>
+                  <a:schemeClr val="accent1">
+                    <a:lumMod val="50000"/>
+                  </a:schemeClr>
+                </a:solidFill>
+                <a:latin typeface="Comic Sans MS"/>
+                <a:cs typeface="Comic Sans MS"/>
+              </a:rPr>
+              <a:t> </a:t>
+            </a:r>
+            <a:r>
+              <a:rPr lang="en-US" sz="4800" dirty="0" smtClean="0">
+                <a:solidFill>
+                  <a:schemeClr val="accent1">
+                    <a:lumMod val="50000"/>
+                  </a:schemeClr>
+                </a:solidFill>
+                <a:latin typeface="Comic Sans MS"/>
+                <a:cs typeface="Comic Sans MS"/>
+              </a:rPr>
+              <a:t> </a:t>
+            </a:r>
+            <a:r>
+              <a:rPr lang="en-US" sz="4800" dirty="0">
+                <a:solidFill>
+                  <a:schemeClr val="accent1">
+                    <a:lumMod val="50000"/>
+                  </a:schemeClr>
+                </a:solidFill>
+                <a:latin typeface="Comic Sans MS"/>
+                <a:cs typeface="Comic Sans MS"/>
+              </a:rPr>
+              <a:t> </a:t>
+            </a:r>
+            <a:r>
+              <a:rPr lang="en-US" sz="4800" dirty="0" smtClean="0">
+                <a:solidFill>
+                  <a:schemeClr val="accent1">
+                    <a:lumMod val="50000"/>
+                  </a:schemeClr>
+                </a:solidFill>
+                <a:latin typeface="Comic Sans MS"/>
+                <a:cs typeface="Comic Sans MS"/>
+              </a:rPr>
+              <a:t>   , 3, </a:t>
+            </a:r>
+            <a:r>
+              <a:rPr lang="en-US" sz="4800" dirty="0" smtClean="0">
+                <a:solidFill>
+                  <a:srgbClr val="000000"/>
+                </a:solidFill>
+                <a:latin typeface="Comic Sans MS"/>
+                <a:cs typeface="Comic Sans MS"/>
+              </a:rPr>
+              <a:t>                    </a:t>
+            </a:r>
+            <a:r>
+              <a:rPr lang="en-US" sz="4800" dirty="0" smtClean="0">
+                <a:solidFill>
+                  <a:schemeClr val="accent1">
+                    <a:lumMod val="50000"/>
+                  </a:schemeClr>
+                </a:solidFill>
+                <a:latin typeface="Comic Sans MS"/>
+                <a:cs typeface="Comic Sans MS"/>
+              </a:rPr>
+              <a:t>, </a:t>
+            </a:r>
+            <a:r>
+              <a:rPr lang="en-US" sz="4800" dirty="0" smtClean="0">
+                <a:solidFill>
+                  <a:srgbClr val="000000"/>
+                </a:solidFill>
+                <a:latin typeface="Comic Sans MS"/>
+                <a:cs typeface="Comic Sans MS"/>
+              </a:rPr>
+              <a:t>♣)</a:t>
+            </a:r>
+          </a:p>
+        </p:txBody>
+      </p:sp>
+      <p:cxnSp>
+        <p:nvCxnSpPr>
+          <p:cNvPr id="25" name="Curved Connector 24"/>
+          <p:cNvCxnSpPr/>
+          <p:nvPr/>
+        </p:nvCxnSpPr>
+        <p:spPr bwMode="auto">
+          <a:xfrm rot="5400000">
+            <a:off x="1108622" y="4309020"/>
+            <a:ext cx="1364159" cy="533400"/>
+          </a:xfrm>
+          <a:prstGeom prst="curvedConnector3">
+            <a:avLst>
+              <a:gd name="adj1" fmla="val 50000"/>
+            </a:avLst>
+          </a:prstGeom>
+          <a:noFill/>
+          <a:ln w="38100" cap="flat" cmpd="sng" algn="ctr">
+            <a:solidFill>
+              <a:srgbClr val="FF00FF"/>
+            </a:solidFill>
+            <a:prstDash val="sysDash"/>
+            <a:round/>
+            <a:headEnd type="none" w="med" len="med"/>
+            <a:tailEnd type="stealth" w="lg" len="lg"/>
+          </a:ln>
+          <a:effectLst/>
+        </p:spPr>
+      </p:cxnSp>
+      <p:cxnSp>
+        <p:nvCxnSpPr>
+          <p:cNvPr id="27" name="Curved Connector 26"/>
+          <p:cNvCxnSpPr/>
+          <p:nvPr/>
+        </p:nvCxnSpPr>
+        <p:spPr bwMode="auto">
+          <a:xfrm rot="16200000" flipH="1">
+            <a:off x="1108621" y="4225380"/>
+            <a:ext cx="1364161" cy="533401"/>
+          </a:xfrm>
+          <a:prstGeom prst="curvedConnector3">
+            <a:avLst>
+              <a:gd name="adj1" fmla="val 50000"/>
+            </a:avLst>
+          </a:prstGeom>
+          <a:noFill/>
+          <a:ln w="38100" cap="flat" cmpd="sng" algn="ctr">
+            <a:solidFill>
+              <a:srgbClr val="FF00FF"/>
+            </a:solidFill>
+            <a:prstDash val="sysDash"/>
+            <a:round/>
+            <a:headEnd type="none" w="med" len="med"/>
+            <a:tailEnd type="stealth" w="lg" len="lg"/>
+          </a:ln>
+          <a:effectLst/>
+        </p:spPr>
+      </p:cxnSp>
+      <p:cxnSp>
+        <p:nvCxnSpPr>
+          <p:cNvPr id="33" name="Curved Connector 32"/>
+          <p:cNvCxnSpPr/>
+          <p:nvPr/>
+        </p:nvCxnSpPr>
+        <p:spPr bwMode="auto">
+          <a:xfrm rot="5400000" flipH="1" flipV="1">
+            <a:off x="4171662" y="3562060"/>
+            <a:ext cx="2172278" cy="1981202"/>
+          </a:xfrm>
+          <a:prstGeom prst="curvedConnector3">
+            <a:avLst>
+              <a:gd name="adj1" fmla="val 50000"/>
+            </a:avLst>
+          </a:prstGeom>
+          <a:noFill/>
+          <a:ln w="38100" cap="flat" cmpd="sng" algn="ctr">
+            <a:solidFill>
+              <a:srgbClr val="FF00FF"/>
+            </a:solidFill>
+            <a:prstDash val="sysDash"/>
+            <a:round/>
+            <a:headEnd type="stealth" w="lg" len="lg"/>
+            <a:tailEnd type="none"/>
+          </a:ln>
+          <a:effectLst/>
+        </p:spPr>
+      </p:cxnSp>
+      <p:cxnSp>
+        <p:nvCxnSpPr>
+          <p:cNvPr id="35" name="Curved Connector 34"/>
+          <p:cNvCxnSpPr/>
+          <p:nvPr/>
+        </p:nvCxnSpPr>
+        <p:spPr bwMode="auto">
+          <a:xfrm rot="16200000" flipV="1">
+            <a:off x="4171660" y="3562061"/>
+            <a:ext cx="2172279" cy="1981198"/>
+          </a:xfrm>
+          <a:prstGeom prst="curvedConnector3">
+            <a:avLst>
+              <a:gd name="adj1" fmla="val 50000"/>
+            </a:avLst>
+          </a:prstGeom>
+          <a:noFill/>
+          <a:ln w="38100" cap="flat" cmpd="sng" algn="ctr">
+            <a:solidFill>
+              <a:srgbClr val="FF00FF"/>
+            </a:solidFill>
+            <a:prstDash val="sysDash"/>
+            <a:round/>
+            <a:headEnd type="stealth" w="lg" len="lg"/>
+            <a:tailEnd type="none"/>
+          </a:ln>
+          <a:effectLst/>
+        </p:spPr>
+      </p:cxnSp>
+      <p:sp>
+        <p:nvSpPr>
+          <p:cNvPr id="38" name="TextBox 37"/>
+          <p:cNvSpPr txBox="1"/>
+          <p:nvPr/>
+        </p:nvSpPr>
+        <p:spPr>
+          <a:xfrm>
+            <a:off x="889178" y="5112603"/>
+            <a:ext cx="1549222" cy="830997"/>
+          </a:xfrm>
+          <a:prstGeom prst="rect">
+            <a:avLst/>
+          </a:prstGeom>
+          <a:noFill/>
+        </p:spPr>
+        <p:txBody>
+          <a:bodyPr wrap="none" rtlCol="0">
+            <a:spAutoFit/>
+          </a:bodyPr>
+          <a:lstStyle/>
+          <a:p>
+            <a:r>
+              <a:rPr lang="en-US" sz="4800" dirty="0" smtClean="0">
+                <a:solidFill>
+                  <a:schemeClr val="accent1">
+                    <a:lumMod val="50000"/>
+                  </a:schemeClr>
+                </a:solidFill>
+                <a:latin typeface="Comic Sans MS"/>
+                <a:cs typeface="Comic Sans MS"/>
+              </a:rPr>
+              <a:t> A, K</a:t>
+            </a:r>
+            <a:endParaRPr lang="en-US" sz="4800" dirty="0" smtClean="0">
+              <a:solidFill>
+                <a:srgbClr val="000000"/>
+              </a:solidFill>
+              <a:latin typeface="Comic Sans MS"/>
+              <a:cs typeface="Comic Sans MS"/>
+            </a:endParaRPr>
+          </a:p>
+        </p:txBody>
+      </p:sp>
+      <p:sp>
+        <p:nvSpPr>
+          <p:cNvPr id="15" name="Freeform 14"/>
+          <p:cNvSpPr/>
+          <p:nvPr/>
+        </p:nvSpPr>
+        <p:spPr bwMode="auto">
+          <a:xfrm>
+            <a:off x="516201" y="3431089"/>
+            <a:ext cx="831864" cy="980311"/>
+          </a:xfrm>
+          <a:custGeom>
+            <a:avLst/>
+            <a:gdLst>
+              <a:gd name="connsiteX0" fmla="*/ 508774 w 831864"/>
+              <a:gd name="connsiteY0" fmla="*/ 0 h 980311"/>
+              <a:gd name="connsiteX1" fmla="*/ 252530 w 831864"/>
+              <a:gd name="connsiteY1" fmla="*/ 44559 h 980311"/>
+              <a:gd name="connsiteX2" fmla="*/ 152261 w 831864"/>
+              <a:gd name="connsiteY2" fmla="*/ 144818 h 980311"/>
+              <a:gd name="connsiteX3" fmla="*/ 18568 w 831864"/>
+              <a:gd name="connsiteY3" fmla="*/ 512435 h 980311"/>
+              <a:gd name="connsiteX4" fmla="*/ 263671 w 831864"/>
+              <a:gd name="connsiteY4" fmla="*/ 846632 h 980311"/>
+              <a:gd name="connsiteX5" fmla="*/ 831864 w 831864"/>
+              <a:gd name="connsiteY5" fmla="*/ 980311 h 980311"/>
+            </a:gdLst>
+            <a:ahLst/>
+            <a:cxnLst>
+              <a:cxn ang="0">
+                <a:pos x="connsiteX0" y="connsiteY0"/>
+              </a:cxn>
+              <a:cxn ang="0">
+                <a:pos x="connsiteX1" y="connsiteY1"/>
+              </a:cxn>
+              <a:cxn ang="0">
+                <a:pos x="connsiteX2" y="connsiteY2"/>
+              </a:cxn>
+              <a:cxn ang="0">
+                <a:pos x="connsiteX3" y="connsiteY3"/>
+              </a:cxn>
+              <a:cxn ang="0">
+                <a:pos x="connsiteX4" y="connsiteY4"/>
+              </a:cxn>
+              <a:cxn ang="0">
+                <a:pos x="connsiteX5" y="connsiteY5"/>
+              </a:cxn>
+            </a:cxnLst>
+            <a:rect l="l" t="t" r="r" b="b"/>
+            <a:pathLst>
+              <a:path w="831864" h="980311">
+                <a:moveTo>
+                  <a:pt x="508774" y="0"/>
+                </a:moveTo>
+                <a:cubicBezTo>
+                  <a:pt x="410361" y="10211"/>
+                  <a:pt x="311949" y="20423"/>
+                  <a:pt x="252530" y="44559"/>
+                </a:cubicBezTo>
+                <a:cubicBezTo>
+                  <a:pt x="193111" y="68695"/>
+                  <a:pt x="191255" y="66839"/>
+                  <a:pt x="152261" y="144818"/>
+                </a:cubicBezTo>
+                <a:cubicBezTo>
+                  <a:pt x="113267" y="222797"/>
+                  <a:pt x="0" y="395466"/>
+                  <a:pt x="18568" y="512435"/>
+                </a:cubicBezTo>
+                <a:cubicBezTo>
+                  <a:pt x="37136" y="629404"/>
+                  <a:pt x="128122" y="768653"/>
+                  <a:pt x="263671" y="846632"/>
+                </a:cubicBezTo>
+                <a:cubicBezTo>
+                  <a:pt x="399220" y="924611"/>
+                  <a:pt x="831864" y="980311"/>
+                  <a:pt x="831864" y="980311"/>
+                </a:cubicBezTo>
+              </a:path>
+            </a:pathLst>
+          </a:custGeom>
+          <a:noFill/>
+          <a:ln w="41275" cap="flat" cmpd="sng" algn="ctr">
+            <a:solidFill>
+              <a:srgbClr val="008000"/>
+            </a:solidFill>
+            <a:prstDash val="sysDash"/>
+            <a:round/>
+            <a:headEnd type="none" w="med" len="med"/>
+            <a:tailEnd type="triangle" w="lg" len="lg"/>
+          </a:ln>
+          <a:effectLst/>
+        </p:spPr>
+        <p:txBody>
+          <a:bodyPr vert="horz" wrap="square" lIns="91440" tIns="45720" rIns="91440" bIns="45720" numCol="1" rtlCol="0" anchor="t" anchorCtr="0" compatLnSpc="1">
+            <a:prstTxWarp prst="textNoShape">
+              <a:avLst/>
+            </a:prstTxWarp>
+            <a:spAutoFit/>
+          </a:bodyPr>
+          <a:lstStyle/>
+          <a:p>
+            <a:pPr marL="342900" marR="0" indent="-342900" algn="l" defTabSz="914400" rtl="0" eaLnBrk="1" fontAlgn="base" latinLnBrk="0" hangingPunct="1">
+              <a:lnSpc>
+                <a:spcPct val="100000"/>
+              </a:lnSpc>
+              <a:spcBef>
+                <a:spcPct val="20000"/>
+              </a:spcBef>
+              <a:spcAft>
+                <a:spcPct val="0"/>
+              </a:spcAft>
+              <a:buClrTx/>
+              <a:buSzTx/>
+              <a:buFontTx/>
+              <a:buNone/>
+              <a:tabLst/>
+            </a:pPr>
+            <a:endParaRPr kumimoji="0" lang="en-US" sz="3200" b="0" i="0" u="none" strike="noStrike" cap="none" normalizeH="0" baseline="0" smtClean="0">
+              <a:ln>
+                <a:noFill/>
+              </a:ln>
+              <a:solidFill>
+                <a:schemeClr val="tx1"/>
+              </a:solidFill>
+              <a:effectLst/>
+              <a:latin typeface="Times New Roman" pitchFamily="18" charset="0"/>
+            </a:endParaRPr>
+          </a:p>
+        </p:txBody>
+      </p:sp>
+      <p:sp>
+        <p:nvSpPr>
+          <p:cNvPr id="16" name="Freeform 15"/>
+          <p:cNvSpPr/>
+          <p:nvPr/>
+        </p:nvSpPr>
+        <p:spPr bwMode="auto">
+          <a:xfrm>
+            <a:off x="443784" y="4611918"/>
+            <a:ext cx="792870" cy="991451"/>
+          </a:xfrm>
+          <a:custGeom>
+            <a:avLst/>
+            <a:gdLst>
+              <a:gd name="connsiteX0" fmla="*/ 469780 w 792870"/>
+              <a:gd name="connsiteY0" fmla="*/ 991451 h 991451"/>
+              <a:gd name="connsiteX1" fmla="*/ 180114 w 792870"/>
+              <a:gd name="connsiteY1" fmla="*/ 790933 h 991451"/>
+              <a:gd name="connsiteX2" fmla="*/ 1857 w 792870"/>
+              <a:gd name="connsiteY2" fmla="*/ 423316 h 991451"/>
+              <a:gd name="connsiteX3" fmla="*/ 191255 w 792870"/>
+              <a:gd name="connsiteY3" fmla="*/ 222798 h 991451"/>
+              <a:gd name="connsiteX4" fmla="*/ 792870 w 792870"/>
+              <a:gd name="connsiteY4" fmla="*/ 0 h 991451"/>
+            </a:gdLst>
+            <a:ahLst/>
+            <a:cxnLst>
+              <a:cxn ang="0">
+                <a:pos x="connsiteX0" y="connsiteY0"/>
+              </a:cxn>
+              <a:cxn ang="0">
+                <a:pos x="connsiteX1" y="connsiteY1"/>
+              </a:cxn>
+              <a:cxn ang="0">
+                <a:pos x="connsiteX2" y="connsiteY2"/>
+              </a:cxn>
+              <a:cxn ang="0">
+                <a:pos x="connsiteX3" y="connsiteY3"/>
+              </a:cxn>
+              <a:cxn ang="0">
+                <a:pos x="connsiteX4" y="connsiteY4"/>
+              </a:cxn>
+            </a:cxnLst>
+            <a:rect l="l" t="t" r="r" b="b"/>
+            <a:pathLst>
+              <a:path w="792870" h="991451">
+                <a:moveTo>
+                  <a:pt x="469780" y="991451"/>
+                </a:moveTo>
+                <a:cubicBezTo>
+                  <a:pt x="363940" y="938536"/>
+                  <a:pt x="258101" y="885622"/>
+                  <a:pt x="180114" y="790933"/>
+                </a:cubicBezTo>
+                <a:cubicBezTo>
+                  <a:pt x="102127" y="696244"/>
+                  <a:pt x="0" y="518005"/>
+                  <a:pt x="1857" y="423316"/>
+                </a:cubicBezTo>
+                <a:cubicBezTo>
+                  <a:pt x="3714" y="328627"/>
+                  <a:pt x="59420" y="293351"/>
+                  <a:pt x="191255" y="222798"/>
+                </a:cubicBezTo>
+                <a:cubicBezTo>
+                  <a:pt x="323091" y="152245"/>
+                  <a:pt x="792870" y="0"/>
+                  <a:pt x="792870" y="0"/>
+                </a:cubicBezTo>
+              </a:path>
+            </a:pathLst>
+          </a:custGeom>
+          <a:noFill/>
+          <a:ln w="41275" cap="flat" cmpd="sng" algn="ctr">
+            <a:solidFill>
+              <a:srgbClr val="008000"/>
+            </a:solidFill>
+            <a:prstDash val="sysDash"/>
+            <a:round/>
+            <a:headEnd type="none" w="med" len="med"/>
+            <a:tailEnd type="triangle" w="lg" len="lg"/>
+          </a:ln>
+          <a:effectLst/>
+        </p:spPr>
+        <p:txBody>
+          <a:bodyPr vert="horz" wrap="square" lIns="91440" tIns="45720" rIns="91440" bIns="45720" numCol="1" rtlCol="0" anchor="t" anchorCtr="0" compatLnSpc="1">
+            <a:prstTxWarp prst="textNoShape">
+              <a:avLst/>
+            </a:prstTxWarp>
+            <a:spAutoFit/>
+          </a:bodyPr>
+          <a:lstStyle/>
+          <a:p>
+            <a:pPr marL="342900" marR="0" indent="-342900" algn="l" defTabSz="914400" rtl="0" eaLnBrk="1" fontAlgn="base" latinLnBrk="0" hangingPunct="1">
+              <a:lnSpc>
+                <a:spcPct val="100000"/>
+              </a:lnSpc>
+              <a:spcBef>
+                <a:spcPct val="20000"/>
+              </a:spcBef>
+              <a:spcAft>
+                <a:spcPct val="0"/>
+              </a:spcAft>
+              <a:buClrTx/>
+              <a:buSzTx/>
+              <a:buFontTx/>
+              <a:buNone/>
+              <a:tabLst/>
+            </a:pPr>
+            <a:endParaRPr kumimoji="0" lang="en-US" sz="3200" b="0" i="0" u="none" strike="noStrike" cap="none" normalizeH="0" baseline="0" smtClean="0">
+              <a:ln>
+                <a:noFill/>
+              </a:ln>
+              <a:solidFill>
+                <a:schemeClr val="tx1"/>
+              </a:solidFill>
+              <a:effectLst/>
+              <a:latin typeface="Times New Roman" pitchFamily="18" charset="0"/>
+            </a:endParaRPr>
+          </a:p>
+        </p:txBody>
+      </p:sp>
+      <p:sp>
+        <p:nvSpPr>
+          <p:cNvPr id="22" name="TextBox 21"/>
+          <p:cNvSpPr txBox="1"/>
+          <p:nvPr/>
+        </p:nvSpPr>
+        <p:spPr>
+          <a:xfrm>
+            <a:off x="3260928" y="5029200"/>
+            <a:ext cx="3978072" cy="830997"/>
+          </a:xfrm>
+          <a:prstGeom prst="rect">
+            <a:avLst/>
+          </a:prstGeom>
+          <a:noFill/>
+        </p:spPr>
+        <p:txBody>
+          <a:bodyPr wrap="none" rtlCol="0">
+            <a:spAutoFit/>
+          </a:bodyPr>
+          <a:lstStyle/>
+          <a:p>
+            <a:r>
+              <a:rPr lang="en-US" sz="4800" dirty="0" smtClean="0">
+                <a:solidFill>
+                  <a:schemeClr val="accent1">
+                    <a:lumMod val="50000"/>
+                  </a:schemeClr>
+                </a:solidFill>
+                <a:latin typeface="Comic Sans MS"/>
+                <a:cs typeface="Comic Sans MS"/>
+              </a:rPr>
+              <a:t> </a:t>
+            </a:r>
+            <a:r>
+              <a:rPr lang="en-US" sz="4800" dirty="0" smtClean="0">
+                <a:solidFill>
+                  <a:srgbClr val="000000"/>
+                </a:solidFill>
+                <a:latin typeface="Comic Sans MS"/>
+                <a:cs typeface="Comic Sans MS"/>
+              </a:rPr>
+              <a:t>{</a:t>
+            </a:r>
+            <a:r>
+              <a:rPr lang="en-US" sz="4800" dirty="0" smtClean="0">
+                <a:solidFill>
+                  <a:srgbClr val="FF0000"/>
+                </a:solidFill>
+                <a:latin typeface="Comic Sans MS"/>
+                <a:cs typeface="Comic Sans MS"/>
+              </a:rPr>
+              <a:t>♦</a:t>
+            </a:r>
+            <a:r>
+              <a:rPr lang="en-US" sz="4800" dirty="0" smtClean="0">
+                <a:solidFill>
+                  <a:schemeClr val="accent1">
+                    <a:lumMod val="50000"/>
+                  </a:schemeClr>
+                </a:solidFill>
+                <a:latin typeface="Comic Sans MS"/>
+                <a:cs typeface="Comic Sans MS"/>
+              </a:rPr>
+              <a:t>, </a:t>
+            </a:r>
+            <a:r>
+              <a:rPr lang="en-US" sz="4800" dirty="0" smtClean="0">
+                <a:solidFill>
+                  <a:schemeClr val="tx2"/>
+                </a:solidFill>
+                <a:latin typeface="Comic Sans MS"/>
+                <a:cs typeface="Comic Sans MS"/>
+              </a:rPr>
+              <a:t>♠}</a:t>
+            </a:r>
+            <a:r>
+              <a:rPr lang="en-US" sz="4800" dirty="0" smtClean="0">
+                <a:solidFill>
+                  <a:schemeClr val="accent1">
+                    <a:lumMod val="50000"/>
+                  </a:schemeClr>
+                </a:solidFill>
+                <a:latin typeface="Comic Sans MS"/>
+                <a:cs typeface="Comic Sans MS"/>
+              </a:rPr>
+              <a:t>, </a:t>
+            </a:r>
+            <a:r>
+              <a:rPr lang="en-US" sz="4800" dirty="0" smtClean="0">
+                <a:solidFill>
+                  <a:srgbClr val="000000"/>
+                </a:solidFill>
+                <a:latin typeface="Comic Sans MS"/>
+                <a:cs typeface="Comic Sans MS"/>
+              </a:rPr>
+              <a:t>{</a:t>
+            </a:r>
+            <a:r>
+              <a:rPr lang="en-US" sz="4800" dirty="0">
+                <a:solidFill>
+                  <a:srgbClr val="FF0000"/>
+                </a:solidFill>
+                <a:latin typeface="Comic Sans MS"/>
+                <a:cs typeface="Comic Sans MS"/>
+              </a:rPr>
+              <a:t>♦</a:t>
+            </a:r>
+            <a:r>
+              <a:rPr lang="en-US" sz="4800" dirty="0" smtClean="0">
+                <a:solidFill>
+                  <a:schemeClr val="accent1">
+                    <a:lumMod val="50000"/>
+                  </a:schemeClr>
+                </a:solidFill>
+                <a:latin typeface="Comic Sans MS"/>
+                <a:cs typeface="Comic Sans MS"/>
+              </a:rPr>
+              <a:t>, </a:t>
+            </a:r>
+            <a:r>
+              <a:rPr lang="en-US" sz="4800" dirty="0" smtClean="0">
+                <a:solidFill>
+                  <a:srgbClr val="FF0000"/>
+                </a:solidFill>
+                <a:latin typeface="Comic Sans MS"/>
+                <a:cs typeface="Comic Sans MS"/>
+              </a:rPr>
+              <a:t>♥</a:t>
+            </a:r>
+            <a:r>
+              <a:rPr lang="en-US" sz="4800" dirty="0" smtClean="0">
+                <a:solidFill>
+                  <a:srgbClr val="000000"/>
+                </a:solidFill>
+                <a:latin typeface="Comic Sans MS"/>
+                <a:cs typeface="Comic Sans MS"/>
+              </a:rPr>
+              <a:t>} </a:t>
+            </a:r>
+          </a:p>
+        </p:txBody>
+      </p:sp>
+    </p:spTree>
+    <p:extLst>
+      <p:ext uri="{BB962C8B-B14F-4D97-AF65-F5344CB8AC3E}">
+        <p14:creationId xmlns:p14="http://schemas.microsoft.com/office/powerpoint/2010/main" val="3526899932"/>
+      </p:ext>
+    </p:extLst>
+  </p:cSld>
+  <p:clrMapOvr>
+    <a:masterClrMapping/>
+  </p:clrMapOvr>
+  <mc:AlternateContent xmlns:mc="http://schemas.openxmlformats.org/markup-compatibility/2006" xmlns:p14="http://schemas.microsoft.com/office/powerpoint/2010/main">
+    <mc:Choice Requires="p14">
+      <p:transition spd="slow" p14:dur="900" advClick="0">
+        <p:fade/>
+      </p:transition>
+    </mc:Choice>
+    <mc:Fallback xmlns="">
+      <p:transition xmlns:p14="http://schemas.microsoft.com/office/powerpoint/2010/main" spd="slow" advClick="0">
+        <p:fade/>
+      </p:transition>
+    </mc:Fallback>
+  </mc:AlternateContent>
+  <p:timing>
+    <p:tnLst>
+      <p:par>
+        <p:cTn xmlns:p14="http://schemas.microsoft.com/office/powerpoint/2010/main" id="1" dur="indefinite" restart="never" nodeType="tmRoot">
+          <p:childTnLst>
+            <p:seq concurrent="1" nextAc="seek">
+              <p:cTn id="2" dur="indefinite" nodeType="mainSeq">
+                <p:childTnLst>
+                  <p:par>
+                    <p:cTn id="3" fill="hold">
+                      <p:stCondLst>
+                        <p:cond delay="indefinite"/>
+                        <p:cond evt="onBegin" delay="0">
+                          <p:tn val="2"/>
+                        </p:cond>
+                      </p:stCondLst>
+                      <p:childTnLst>
+                        <p:par>
+                          <p:cTn id="4" fill="hold">
+                            <p:stCondLst>
+                              <p:cond delay="0"/>
+                            </p:stCondLst>
+                            <p:childTnLst>
+                              <p:par>
+                                <p:cTn id="5" presetID="22" presetClass="entr" presetSubtype="4" fill="hold" grpId="0" nodeType="afterEffect">
+                                  <p:stCondLst>
+                                    <p:cond delay="0"/>
+                                  </p:stCondLst>
+                                  <p:childTnLst>
+                                    <p:set>
+                                      <p:cBhvr>
+                                        <p:cTn id="6" dur="1" fill="hold">
+                                          <p:stCondLst>
+                                            <p:cond delay="0"/>
+                                          </p:stCondLst>
+                                        </p:cTn>
+                                        <p:tgtEl>
+                                          <p:spTgt spid="16"/>
+                                        </p:tgtEl>
+                                        <p:attrNameLst>
+                                          <p:attrName>style.visibility</p:attrName>
+                                        </p:attrNameLst>
+                                      </p:cBhvr>
+                                      <p:to>
+                                        <p:strVal val="visible"/>
+                                      </p:to>
+                                    </p:set>
+                                    <p:animEffect transition="in" filter="wipe(down)">
+                                      <p:cBhvr>
+                                        <p:cTn id="7" dur="500"/>
+                                        <p:tgtEl>
+                                          <p:spTgt spid="16"/>
+                                        </p:tgtEl>
+                                      </p:cBhvr>
+                                    </p:animEffect>
+                                  </p:childTnLst>
+                                </p:cTn>
+                              </p:par>
+                            </p:childTnLst>
+                          </p:cTn>
+                        </p:par>
+                      </p:childTnLst>
+                    </p:cTn>
+                  </p:par>
+                </p:childTnLst>
+              </p:cTn>
+              <p:prevCondLst>
+                <p:cond evt="onPrev" delay="0">
+                  <p:tgtEl>
+                    <p:sldTgt/>
+                  </p:tgtEl>
+                </p:cond>
+              </p:prevCondLst>
+              <p:nextCondLst>
+                <p:cond evt="onNext" delay="0">
+                  <p:tgtEl>
+                    <p:sldTgt/>
+                  </p:tgtEl>
+                </p:cond>
+              </p:nextCondLst>
+            </p:seq>
+          </p:childTnLst>
+        </p:cTn>
+      </p:par>
+    </p:tnLst>
+    <p:bldLst>
+      <p:bldP spid="16" grpId="0" animBg="1"/>
+    </p:bldLst>
+  </p:timing>
+</p:sld>
+</file>
+
+<file path=ppt/slides/slide14.xml><?xml version="1.0" encoding="utf-8"?>
+<p:sld xmlns:a="http://schemas.openxmlformats.org/drawingml/2006/main" xmlns:r="http://schemas.openxmlformats.org/officeDocument/2006/relationships" xmlns:p="http://schemas.openxmlformats.org/presentationml/2006/main" show="0">
+  <p:cSld>
+    <p:spTree>
+      <p:nvGrpSpPr>
+        <p:cNvPr id="1" name=""/>
+        <p:cNvGrpSpPr/>
+        <p:nvPr/>
+      </p:nvGrpSpPr>
+      <p:grpSpPr>
+        <a:xfrm>
+          <a:off x="0" y="0"/>
+          <a:ext cx="0" cy="0"/>
+          <a:chOff x="0" y="0"/>
+          <a:chExt cx="0" cy="0"/>
+        </a:xfrm>
+      </p:grpSpPr>
+      <p:sp>
+        <p:nvSpPr>
+          <p:cNvPr id="2" name="Title 1"/>
+          <p:cNvSpPr>
+            <a:spLocks noGrp="1"/>
+          </p:cNvSpPr>
+          <p:nvPr>
+            <p:ph type="title"/>
+          </p:nvPr>
+        </p:nvSpPr>
+        <p:spPr/>
+        <p:txBody>
+          <a:bodyPr/>
+          <a:lstStyle/>
+          <a:p>
+            <a:r>
+              <a:rPr lang="en-US" dirty="0" smtClean="0"/>
+              <a:t>counting 2-pair poker hands</a:t>
+            </a:r>
+            <a:endParaRPr lang="en-US" dirty="0"/>
+          </a:p>
+        </p:txBody>
+      </p:sp>
+      <p:sp>
+        <p:nvSpPr>
+          <p:cNvPr id="3" name="Content Placeholder 2"/>
+          <p:cNvSpPr>
+            <a:spLocks noGrp="1"/>
+          </p:cNvSpPr>
+          <p:nvPr>
+            <p:ph idx="1"/>
+          </p:nvPr>
+        </p:nvSpPr>
+        <p:spPr>
+          <a:xfrm>
+            <a:off x="228600" y="1676400"/>
+            <a:ext cx="8763000" cy="3505200"/>
+          </a:xfrm>
+        </p:spPr>
+        <p:txBody>
+          <a:bodyPr/>
+          <a:lstStyle/>
+          <a:p>
+            <a:r>
+              <a:rPr lang="en-US" sz="4400" dirty="0" smtClean="0">
+                <a:solidFill>
+                  <a:srgbClr val="000000"/>
+                </a:solidFill>
+              </a:rPr>
+              <a:t>to count, choose:</a:t>
+            </a:r>
+          </a:p>
+          <a:p>
+            <a:pPr>
+              <a:buFont typeface="Arial"/>
+              <a:buChar char="•"/>
+            </a:pPr>
+            <a:r>
+              <a:rPr lang="en-US" sz="4400" dirty="0" smtClean="0">
+                <a:solidFill>
+                  <a:srgbClr val="000000"/>
+                </a:solidFill>
+              </a:rPr>
+              <a:t>1</a:t>
+            </a:r>
+            <a:r>
+              <a:rPr lang="en-US" sz="4400" baseline="30000" dirty="0" smtClean="0">
+                <a:solidFill>
+                  <a:srgbClr val="000000"/>
+                </a:solidFill>
+              </a:rPr>
+              <a:t>st</a:t>
+            </a:r>
+            <a:r>
+              <a:rPr lang="en-US" sz="4400" dirty="0" smtClean="0">
+                <a:solidFill>
+                  <a:srgbClr val="000000"/>
+                </a:solidFill>
+              </a:rPr>
+              <a:t> pair rank       (13 ranks)</a:t>
+            </a:r>
+          </a:p>
+          <a:p>
+            <a:pPr>
+              <a:buFont typeface="Arial"/>
+              <a:buChar char="•"/>
+            </a:pPr>
+            <a:r>
+              <a:rPr lang="en-US" sz="4400" dirty="0" smtClean="0">
+                <a:solidFill>
+                  <a:srgbClr val="000000"/>
+                </a:solidFill>
+              </a:rPr>
+              <a:t>2</a:t>
+            </a:r>
+            <a:r>
+              <a:rPr lang="en-US" sz="4400" baseline="30000" dirty="0" smtClean="0">
+                <a:solidFill>
+                  <a:srgbClr val="000000"/>
+                </a:solidFill>
+              </a:rPr>
+              <a:t>nd</a:t>
+            </a:r>
+            <a:r>
+              <a:rPr lang="en-US" sz="4400" dirty="0" smtClean="0">
+                <a:solidFill>
+                  <a:srgbClr val="000000"/>
+                </a:solidFill>
+              </a:rPr>
+              <a:t> pair rank      (12 ranks left)</a:t>
+            </a:r>
+          </a:p>
+          <a:p>
+            <a:pPr>
+              <a:buFont typeface="Arial"/>
+              <a:buChar char="•"/>
+            </a:pPr>
+            <a:r>
+              <a:rPr lang="en-US" sz="4400" dirty="0" smtClean="0">
+                <a:solidFill>
+                  <a:srgbClr val="000000"/>
+                </a:solidFill>
+              </a:rPr>
+              <a:t>last card rank    (11 ranks left)</a:t>
+            </a:r>
+            <a:endParaRPr lang="en-US" sz="4400" dirty="0">
+              <a:solidFill>
+                <a:srgbClr val="000000"/>
+              </a:solidFill>
+            </a:endParaRPr>
+          </a:p>
+        </p:txBody>
+      </p:sp>
+      <p:sp>
+        <p:nvSpPr>
+          <p:cNvPr id="4" name="Slide Number Placeholder 3"/>
+          <p:cNvSpPr>
+            <a:spLocks noGrp="1"/>
+          </p:cNvSpPr>
+          <p:nvPr>
+            <p:ph type="sldNum" sz="quarter" idx="10"/>
+          </p:nvPr>
+        </p:nvSpPr>
+        <p:spPr/>
+        <p:txBody>
+          <a:bodyPr/>
+          <a:lstStyle/>
+          <a:p>
+            <a:pPr>
+              <a:defRPr/>
+            </a:pPr>
+            <a:r>
+              <a:rPr lang="en-US" dirty="0" smtClean="0"/>
+              <a:t>2pair.</a:t>
+            </a:r>
+            <a:fld id="{9C0B6E0F-EDA7-4496-A72F-8E0EBD3F01E4}" type="slidenum">
+              <a:rPr lang="en-US" smtClean="0"/>
+              <a:pPr>
+                <a:defRPr/>
+              </a:pPr>
+              <a:t>14</a:t>
+            </a:fld>
+            <a:endParaRPr lang="en-US" dirty="0"/>
+          </a:p>
+        </p:txBody>
+      </p:sp>
+    </p:spTree>
+  </p:cSld>
+  <p:clrMapOvr>
+    <a:masterClrMapping/>
+  </p:clrMapOvr>
+  <mc:AlternateContent xmlns:mc="http://schemas.openxmlformats.org/markup-compatibility/2006">
+    <mc:Choice xmlns:p14="http://schemas.microsoft.com/office/powerpoint/2010/main" Requires="p14">
+      <p:transition spd="slow" p14:dur="900" advClick="0">
+        <p:fade/>
+      </p:transition>
+    </mc:Choice>
+    <mc:Fallback>
+      <p:transition xmlns:p14="http://schemas.microsoft.com/office/powerpoint/2010/main" spd="slow" advClick="0">
+        <p:fade/>
+      </p:transition>
+    </mc:Fallback>
+  </mc:AlternateContent>
+  <p:timing>
+    <p:tnLst>
+      <p:par>
+        <p:cTn xmlns:p14="http://schemas.microsoft.com/office/powerpoint/2010/main" id="1" dur="indefinite" restart="never" nodeType="tmRoot"/>
+      </p:par>
+    </p:tnLst>
+  </p:timing>
+</p:sld>
+</file>
+
+<file path=ppt/slides/slide15.xml><?xml version="1.0" encoding="utf-8"?>
+<p:sld xmlns:a="http://schemas.openxmlformats.org/drawingml/2006/main" xmlns:r="http://schemas.openxmlformats.org/officeDocument/2006/relationships" xmlns:p="http://schemas.openxmlformats.org/presentationml/2006/main">
+  <p:cSld>
+    <p:spTree>
+      <p:nvGrpSpPr>
+        <p:cNvPr id="1" name=""/>
+        <p:cNvGrpSpPr/>
+        <p:nvPr/>
+      </p:nvGrpSpPr>
+      <p:grpSpPr>
+        <a:xfrm>
+          <a:off x="0" y="0"/>
+          <a:ext cx="0" cy="0"/>
+          <a:chOff x="0" y="0"/>
+          <a:chExt cx="0" cy="0"/>
+        </a:xfrm>
+      </p:grpSpPr>
+      <p:sp>
+        <p:nvSpPr>
+          <p:cNvPr id="2" name="Title 1"/>
+          <p:cNvSpPr>
+            <a:spLocks noGrp="1"/>
+          </p:cNvSpPr>
+          <p:nvPr>
+            <p:ph type="title"/>
+          </p:nvPr>
+        </p:nvSpPr>
+        <p:spPr/>
+        <p:txBody>
+          <a:bodyPr/>
+          <a:lstStyle/>
+          <a:p>
+            <a:r>
+              <a:rPr lang="en-US" dirty="0" smtClean="0"/>
+              <a:t>counting 2-pair poker hands</a:t>
+            </a:r>
+            <a:endParaRPr lang="en-US" dirty="0"/>
+          </a:p>
+        </p:txBody>
+      </p:sp>
+      <p:sp>
+        <p:nvSpPr>
+          <p:cNvPr id="3" name="Content Placeholder 2"/>
+          <p:cNvSpPr>
+            <a:spLocks noGrp="1"/>
+          </p:cNvSpPr>
+          <p:nvPr>
+            <p:ph idx="1"/>
+          </p:nvPr>
+        </p:nvSpPr>
+        <p:spPr>
+          <a:xfrm>
+            <a:off x="228600" y="1676400"/>
+            <a:ext cx="8763000" cy="3505200"/>
+          </a:xfrm>
+        </p:spPr>
+        <p:txBody>
+          <a:bodyPr/>
+          <a:lstStyle/>
+          <a:p>
+            <a:r>
+              <a:rPr lang="en-US" sz="4400" dirty="0" smtClean="0">
+                <a:solidFill>
+                  <a:srgbClr val="000000"/>
+                </a:solidFill>
+              </a:rPr>
+              <a:t>to count, choose:</a:t>
+            </a:r>
+          </a:p>
+          <a:p>
+            <a:pPr>
+              <a:buFont typeface="Arial"/>
+              <a:buChar char="•"/>
+            </a:pPr>
+            <a:r>
+              <a:rPr lang="en-US" sz="4400" dirty="0" smtClean="0"/>
+              <a:t>1</a:t>
+            </a:r>
+            <a:r>
+              <a:rPr lang="en-US" sz="4400" baseline="30000" dirty="0" smtClean="0"/>
+              <a:t>st</a:t>
+            </a:r>
+            <a:r>
+              <a:rPr lang="en-US" sz="4400" dirty="0" smtClean="0"/>
+              <a:t> pair rank       (13 ranks)</a:t>
+            </a:r>
+          </a:p>
+          <a:p>
+            <a:pPr>
+              <a:buFont typeface="Arial"/>
+              <a:buChar char="•"/>
+            </a:pPr>
+            <a:r>
+              <a:rPr lang="en-US" sz="4400" dirty="0" smtClean="0"/>
+              <a:t>2</a:t>
+            </a:r>
+            <a:r>
+              <a:rPr lang="en-US" sz="4400" baseline="30000" dirty="0" smtClean="0"/>
+              <a:t>nd</a:t>
+            </a:r>
+            <a:r>
+              <a:rPr lang="en-US" sz="4400" dirty="0" smtClean="0"/>
+              <a:t> pair ra</a:t>
+            </a:r>
+            <a:r>
+              <a:rPr lang="en-US" sz="4400" dirty="0" smtClean="0">
+                <a:solidFill>
+                  <a:srgbClr val="000000"/>
+                </a:solidFill>
+              </a:rPr>
+              <a:t>nk      (12 ranks left)</a:t>
+            </a:r>
+          </a:p>
+          <a:p>
+            <a:pPr>
+              <a:buFont typeface="Arial"/>
+              <a:buChar char="•"/>
+            </a:pPr>
+            <a:r>
+              <a:rPr lang="en-US" sz="4400" dirty="0" smtClean="0">
+                <a:solidFill>
+                  <a:srgbClr val="000000"/>
+                </a:solidFill>
+              </a:rPr>
+              <a:t>last card rank    (11 ranks left)</a:t>
+            </a:r>
+            <a:endParaRPr lang="en-US" sz="4400" dirty="0">
+              <a:solidFill>
+                <a:srgbClr val="000000"/>
+              </a:solidFill>
+            </a:endParaRPr>
+          </a:p>
+        </p:txBody>
+      </p:sp>
+      <p:sp>
+        <p:nvSpPr>
+          <p:cNvPr id="4" name="Slide Number Placeholder 3"/>
+          <p:cNvSpPr>
+            <a:spLocks noGrp="1"/>
+          </p:cNvSpPr>
+          <p:nvPr>
+            <p:ph type="sldNum" sz="quarter" idx="10"/>
+          </p:nvPr>
+        </p:nvSpPr>
+        <p:spPr/>
+        <p:txBody>
+          <a:bodyPr/>
+          <a:lstStyle/>
+          <a:p>
+            <a:pPr>
+              <a:defRPr/>
+            </a:pPr>
+            <a:r>
+              <a:rPr lang="en-US" dirty="0" smtClean="0"/>
+              <a:t>2pair.</a:t>
+            </a:r>
+            <a:fld id="{9C0B6E0F-EDA7-4496-A72F-8E0EBD3F01E4}" type="slidenum">
+              <a:rPr lang="en-US" smtClean="0"/>
+              <a:pPr>
+                <a:defRPr/>
+              </a:pPr>
+              <a:t>15</a:t>
             </a:fld>
             <a:endParaRPr lang="en-US" dirty="0"/>
           </a:p>
@@ -3030,7 +7047,7 @@
 </p:sld>
 </file>
 
-<file path=ppt/slides/slide12.xml><?xml version="1.0" encoding="utf-8"?>
+<file path=ppt/slides/slide16.xml><?xml version="1.0" encoding="utf-8"?>
 <p:sld xmlns:a="http://schemas.openxmlformats.org/drawingml/2006/main" xmlns:r="http://schemas.openxmlformats.org/officeDocument/2006/relationships" xmlns:p="http://schemas.openxmlformats.org/presentationml/2006/main">
   <p:cSld>
     <p:spTree>
@@ -3223,7 +7240,7 @@
               <a:pPr>
                 <a:defRPr/>
               </a:pPr>
-              <a:t>12</a:t>
+              <a:t>16</a:t>
             </a:fld>
             <a:endParaRPr lang="en-US" dirty="0"/>
           </a:p>
@@ -3447,7 +7464,7 @@
                             </p:stCondLst>
                             <p:childTnLst>
                               <p:par>
-                                <p:cTn id="5" presetID="2" presetClass="entr" presetSubtype="9" accel="50000" decel="50000" fill="hold" grpId="0" nodeType="afterEffect">
+                                <p:cTn id="5" presetID="2" presetClass="entr" presetSubtype="4" accel="50000" decel="50000" fill="hold" grpId="0" nodeType="afterEffect">
                                   <p:stCondLst>
                                     <p:cond delay="0"/>
                                   </p:stCondLst>
@@ -3472,7 +7489,7 @@
                                     </p:set>
                                     <p:anim calcmode="lin" valueType="num">
                                       <p:cBhvr additive="base">
-                                        <p:cTn id="7" dur="500" fill="hold"/>
+                                        <p:cTn id="7" dur="1000" fill="hold"/>
                                         <p:tgtEl>
                                           <p:spTgt spid="5"/>
                                         </p:tgtEl>
@@ -3483,7 +7500,7 @@
                                       <p:tavLst>
                                         <p:tav tm="0">
                                           <p:val>
-                                            <p:strVal val="0-#ppt_w/2"/>
+                                            <p:strVal val="#ppt_x"/>
                                           </p:val>
                                         </p:tav>
                                         <p:tav tm="100000">
@@ -3495,7 +7512,7 @@
                                     </p:anim>
                                     <p:anim calcmode="lin" valueType="num">
                                       <p:cBhvr additive="base">
-                                        <p:cTn id="8" dur="500" fill="hold"/>
+                                        <p:cTn id="8" dur="1000" fill="hold"/>
                                         <p:tgtEl>
                                           <p:spTgt spid="5"/>
                                         </p:tgtEl>
@@ -3506,7 +7523,7 @@
                                       <p:tavLst>
                                         <p:tav tm="0">
                                           <p:val>
-                                            <p:strVal val="0-#ppt_h/2"/>
+                                            <p:strVal val="1+#ppt_h/2"/>
                                           </p:val>
                                         </p:tav>
                                         <p:tav tm="100000">
@@ -3553,7 +7570,7 @@
 </p:sld>
 </file>
 
-<file path=ppt/slides/slide13.xml><?xml version="1.0" encoding="utf-8"?>
+<file path=ppt/slides/slide17.xml><?xml version="1.0" encoding="utf-8"?>
 <p:sld xmlns:a="http://schemas.openxmlformats.org/drawingml/2006/main" xmlns:r="http://schemas.openxmlformats.org/officeDocument/2006/relationships" xmlns:p="http://schemas.openxmlformats.org/presentationml/2006/main">
   <p:cSld>
     <p:spTree>
@@ -3620,7 +7637,7 @@
               <a:pPr>
                 <a:defRPr/>
               </a:pPr>
-              <a:t>13</a:t>
+              <a:t>17</a:t>
             </a:fld>
             <a:endParaRPr lang="en-US" dirty="0"/>
           </a:p>
@@ -4001,128 +8018,6 @@
             <a:endParaRPr lang="en-US" sz="4800" dirty="0">
               <a:latin typeface="Comic Sans MS"/>
               <a:cs typeface="Comic Sans MS"/>
-            </a:endParaRPr>
-          </a:p>
-        </p:txBody>
-      </p:sp>
-      <p:sp>
-        <p:nvSpPr>
-          <p:cNvPr id="14" name="Freeform 13"/>
-          <p:cNvSpPr/>
-          <p:nvPr/>
-        </p:nvSpPr>
-        <p:spPr bwMode="auto">
-          <a:xfrm>
-            <a:off x="5321698" y="2985493"/>
-            <a:ext cx="417789" cy="1169689"/>
-          </a:xfrm>
-          <a:custGeom>
-            <a:avLst/>
-            <a:gdLst>
-              <a:gd name="connsiteX0" fmla="*/ 37137 w 417789"/>
-              <a:gd name="connsiteY0" fmla="*/ 0 h 1169689"/>
-              <a:gd name="connsiteX1" fmla="*/ 382509 w 417789"/>
-              <a:gd name="connsiteY1" fmla="*/ 334197 h 1169689"/>
-              <a:gd name="connsiteX2" fmla="*/ 248817 w 417789"/>
-              <a:gd name="connsiteY2" fmla="*/ 534715 h 1169689"/>
-              <a:gd name="connsiteX3" fmla="*/ 3714 w 417789"/>
-              <a:gd name="connsiteY3" fmla="*/ 746373 h 1169689"/>
-              <a:gd name="connsiteX4" fmla="*/ 271099 w 417789"/>
-              <a:gd name="connsiteY4" fmla="*/ 1169689 h 1169689"/>
-            </a:gdLst>
-            <a:ahLst/>
-            <a:cxnLst>
-              <a:cxn ang="0">
-                <a:pos x="connsiteX0" y="connsiteY0"/>
-              </a:cxn>
-              <a:cxn ang="0">
-                <a:pos x="connsiteX1" y="connsiteY1"/>
-              </a:cxn>
-              <a:cxn ang="0">
-                <a:pos x="connsiteX2" y="connsiteY2"/>
-              </a:cxn>
-              <a:cxn ang="0">
-                <a:pos x="connsiteX3" y="connsiteY3"/>
-              </a:cxn>
-              <a:cxn ang="0">
-                <a:pos x="connsiteX4" y="connsiteY4"/>
-              </a:cxn>
-            </a:cxnLst>
-            <a:rect l="l" t="t" r="r" b="b"/>
-            <a:pathLst>
-              <a:path w="417789" h="1169689">
-                <a:moveTo>
-                  <a:pt x="37137" y="0"/>
-                </a:moveTo>
-                <a:cubicBezTo>
-                  <a:pt x="192183" y="122539"/>
-                  <a:pt x="347229" y="245078"/>
-                  <a:pt x="382509" y="334197"/>
-                </a:cubicBezTo>
-                <a:cubicBezTo>
-                  <a:pt x="417789" y="423316"/>
-                  <a:pt x="311949" y="466019"/>
-                  <a:pt x="248817" y="534715"/>
-                </a:cubicBezTo>
-                <a:cubicBezTo>
-                  <a:pt x="185685" y="603411"/>
-                  <a:pt x="0" y="640544"/>
-                  <a:pt x="3714" y="746373"/>
-                </a:cubicBezTo>
-                <a:cubicBezTo>
-                  <a:pt x="7428" y="852202"/>
-                  <a:pt x="271099" y="1169689"/>
-                  <a:pt x="271099" y="1169689"/>
-                </a:cubicBezTo>
-              </a:path>
-            </a:pathLst>
-          </a:custGeom>
-          <a:noFill/>
-          <a:ln w="44450" cap="flat" cmpd="sng" algn="ctr">
-            <a:solidFill>
-              <a:srgbClr val="008000"/>
-            </a:solidFill>
-            <a:prstDash val="sysDash"/>
-            <a:round/>
-            <a:headEnd type="none" w="med" len="med"/>
-            <a:tailEnd type="stealth" w="lg" len="lg"/>
-          </a:ln>
-          <a:effectLst/>
-        </p:spPr>
-        <p:txBody>
-          <a:bodyPr vert="horz" wrap="square" lIns="91440" tIns="45720" rIns="91440" bIns="45720" numCol="1" rtlCol="0" anchor="t" anchorCtr="0" compatLnSpc="1">
-            <a:prstTxWarp prst="textNoShape">
-              <a:avLst/>
-            </a:prstTxWarp>
-            <a:spAutoFit/>
-          </a:bodyPr>
-          <a:lstStyle/>
-          <a:p>
-            <a:pPr marL="342900" marR="0" indent="-342900" algn="l" defTabSz="914400" rtl="0" eaLnBrk="1" fontAlgn="base" latinLnBrk="0" hangingPunct="1">
-              <a:lnSpc>
-                <a:spcPct val="100000"/>
-              </a:lnSpc>
-              <a:spcBef>
-                <a:spcPct val="20000"/>
-              </a:spcBef>
-              <a:spcAft>
-                <a:spcPct val="0"/>
-              </a:spcAft>
-              <a:buClrTx/>
-              <a:buSzTx/>
-              <a:buFontTx/>
-              <a:buNone/>
-              <a:tabLst/>
-            </a:pPr>
-            <a:endParaRPr kumimoji="0" lang="en-US" sz="3200" b="0" i="0" u="none" strike="noStrike" cap="none" normalizeH="0" baseline="0" smtClean="0">
-              <a:ln>
-                <a:noFill/>
-              </a:ln>
-              <a:solidFill>
-                <a:schemeClr val="tx1"/>
-              </a:solidFill>
-              <a:effectLst/>
-              <a:latin typeface="Times New Roman" pitchFamily="18" charset="0"/>
             </a:endParaRPr>
           </a:p>
         </p:txBody>
@@ -4343,74 +8238,30 @@
                             </p:childTnLst>
                           </p:cTn>
                         </p:par>
+                      </p:childTnLst>
+                    </p:cTn>
+                  </p:par>
+                  <p:par>
+                    <p:cTn id="16" fill="hold">
+                      <p:stCondLst>
+                        <p:cond delay="indefinite"/>
+                      </p:stCondLst>
+                      <p:childTnLst>
                         <p:par>
-                          <p:cTn id="16" fill="hold">
+                          <p:cTn id="17" fill="hold">
                             <p:stCondLst>
-                              <p:cond delay="1500"/>
+                              <p:cond delay="0"/>
                             </p:stCondLst>
                             <p:childTnLst>
                               <p:par>
-                                <p:cTn id="17" presetID="22" presetClass="entr" presetSubtype="1" fill="hold" grpId="0" nodeType="afterEffect">
+                                <p:cTn id="18" presetID="2" presetClass="entr" presetSubtype="9" fill="hold" grpId="0" nodeType="clickEffect">
                                   <p:stCondLst>
                                     <p:cond delay="0"/>
                                   </p:stCondLst>
                                   <p:childTnLst>
                                     <p:set>
                                       <p:cBhvr>
-                                        <p:cTn id="18" dur="1" fill="hold">
-                                          <p:stCondLst>
-                                            <p:cond delay="0"/>
-                                          </p:stCondLst>
-                                        </p:cTn>
-                                        <p:tgtEl>
-                                          <p:spTgt spid="14"/>
-                                        </p:tgtEl>
-                                        <p:attrNameLst>
-                                          <p:attrName>style.visibility</p:attrName>
-                                        </p:attrNameLst>
-                                      </p:cBhvr>
-                                      <p:to>
-                                        <p:strVal val="visible"/>
-                                      </p:to>
-                                    </p:set>
-                                    <p:animEffect transition="in" filter="wipe(up)">
-                                      <p:cBhvr>
-                                        <p:cTn id="19" dur="1000"/>
-                                        <p:tgtEl>
-                                          <p:spTgt spid="14"/>
-                                        </p:tgtEl>
-                                      </p:cBhvr>
-                                    </p:animEffect>
-                                  </p:childTnLst>
-                                </p:cTn>
-                              </p:par>
-                            </p:childTnLst>
-                          </p:cTn>
-                        </p:par>
-                      </p:childTnLst>
-                    </p:cTn>
-                  </p:par>
-                  <p:par>
-                    <p:cTn id="20" fill="hold">
-                      <p:stCondLst>
-                        <p:cond delay="indefinite"/>
-                      </p:stCondLst>
-                      <p:childTnLst>
-                        <p:par>
-                          <p:cTn id="21" fill="hold">
-                            <p:stCondLst>
-                              <p:cond delay="0"/>
-                            </p:stCondLst>
-                            <p:childTnLst>
-                              <p:par>
-                                <p:cTn id="22" presetID="2" presetClass="entr" presetSubtype="9" fill="hold" grpId="0" nodeType="clickEffect">
-                                  <p:stCondLst>
-                                    <p:cond delay="0"/>
-                                  </p:stCondLst>
-                                  <p:childTnLst>
-                                    <p:set>
-                                      <p:cBhvr>
-                                        <p:cTn id="23" dur="1" fill="hold">
+                                        <p:cTn id="19" dur="1" fill="hold">
                                           <p:stCondLst>
                                             <p:cond delay="0"/>
                                           </p:stCondLst>
@@ -4428,7 +8279,7 @@
                                     </p:set>
                                     <p:anim calcmode="lin" valueType="num">
                                       <p:cBhvr additive="base">
-                                        <p:cTn id="24" dur="500" fill="hold"/>
+                                        <p:cTn id="20" dur="500" fill="hold"/>
                                         <p:tgtEl>
                                           <p:spTgt spid="15"/>
                                         </p:tgtEl>
@@ -4451,7 +8302,7 @@
                                     </p:anim>
                                     <p:anim calcmode="lin" valueType="num">
                                       <p:cBhvr additive="base">
-                                        <p:cTn id="25" dur="500" fill="hold"/>
+                                        <p:cTn id="21" dur="500" fill="hold"/>
                                         <p:tgtEl>
                                           <p:spTgt spid="15"/>
                                         </p:tgtEl>
@@ -4506,14 +8357,13 @@
       <p:bldP spid="7" grpId="0"/>
       <p:bldP spid="8" grpId="0"/>
       <p:bldP spid="10" grpId="0"/>
-      <p:bldP spid="14" grpId="0" animBg="1"/>
       <p:bldP spid="15" grpId="0"/>
     </p:bldLst>
   </p:timing>
 </p:sld>
 </file>
 
-<file path=ppt/slides/slide14.xml><?xml version="1.0" encoding="utf-8"?>
+<file path=ppt/slides/slide18.xml><?xml version="1.0" encoding="utf-8"?>
 <p:sld xmlns:a="http://schemas.openxmlformats.org/drawingml/2006/main" xmlns:r="http://schemas.openxmlformats.org/officeDocument/2006/relationships" xmlns:p="http://schemas.openxmlformats.org/presentationml/2006/main">
   <p:cSld>
     <p:spTree>
@@ -4616,7 +8466,7 @@
               <a:pPr>
                 <a:defRPr/>
               </a:pPr>
-              <a:t>14</a:t>
+              <a:t>18</a:t>
             </a:fld>
             <a:endParaRPr lang="en-US" dirty="0"/>
           </a:p>
@@ -4638,7 +8488,7 @@
           <a:graphicData uri="http://schemas.openxmlformats.org/presentationml/2006/ole">
             <mc:AlternateContent xmlns:mc="http://schemas.openxmlformats.org/markup-compatibility/2006">
               <mc:Choice xmlns:v="urn:schemas-microsoft-com:vml" Requires="v">
-                <p:oleObj spid="_x0000_s73753" name="Equation" r:id="rId3" imgW="1397000" imgH="533400" progId="Equation.DSMT4">
+                <p:oleObj spid="_x0000_s73756" name="Equation" r:id="rId3" imgW="1397000" imgH="533400" progId="Equation.DSMT4">
                   <p:embed/>
                 </p:oleObj>
               </mc:Choice>
@@ -4761,7 +8611,7 @@
 </p:sld>
 </file>
 
-<file path=ppt/slides/slide15.xml><?xml version="1.0" encoding="utf-8"?>
+<file path=ppt/slides/slide19.xml><?xml version="1.0" encoding="utf-8"?>
 <p:sld xmlns:a="http://schemas.openxmlformats.org/drawingml/2006/main" xmlns:r="http://schemas.openxmlformats.org/officeDocument/2006/relationships" xmlns:p="http://schemas.openxmlformats.org/presentationml/2006/main">
   <p:cSld>
     <p:spTree>
@@ -4872,7 +8722,7 @@
               <a:pPr>
                 <a:defRPr/>
               </a:pPr>
-              <a:t>15</a:t>
+              <a:t>19</a:t>
             </a:fld>
             <a:endParaRPr lang="en-US" dirty="0"/>
           </a:p>
@@ -4894,7 +8744,7 @@
           <a:graphicData uri="http://schemas.openxmlformats.org/presentationml/2006/ole">
             <mc:AlternateContent xmlns:mc="http://schemas.openxmlformats.org/markup-compatibility/2006">
               <mc:Choice xmlns:v="urn:schemas-microsoft-com:vml" Requires="v">
-                <p:oleObj spid="_x0000_s72746" name="Equation" r:id="rId3" imgW="1397000" imgH="533400" progId="Equation.DSMT4">
+                <p:oleObj spid="_x0000_s72751" name="Equation" r:id="rId3" imgW="1397000" imgH="533400" progId="Equation.DSMT4">
                   <p:embed/>
                 </p:oleObj>
               </mc:Choice>
@@ -4964,7 +8814,7 @@
           <a:graphicData uri="http://schemas.openxmlformats.org/presentationml/2006/ole">
             <mc:AlternateContent xmlns:mc="http://schemas.openxmlformats.org/markup-compatibility/2006">
               <mc:Choice xmlns:v="urn:schemas-microsoft-com:vml" Requires="v">
-                <p:oleObj spid="_x0000_s72747" name="Equation" r:id="rId5" imgW="203200" imgH="469900" progId="Equation.DSMT4">
+                <p:oleObj spid="_x0000_s72752" name="Equation" r:id="rId5" imgW="203200" imgH="469900" progId="Equation.DSMT4">
                   <p:embed/>
                 </p:oleObj>
               </mc:Choice>
@@ -6553,7 +10403,7 @@
           <a:graphicData uri="http://schemas.openxmlformats.org/presentationml/2006/ole">
             <mc:AlternateContent xmlns:mc="http://schemas.openxmlformats.org/markup-compatibility/2006">
               <mc:Choice xmlns:v="urn:schemas-microsoft-com:vml" Requires="v">
-                <p:oleObj spid="_x0000_s63534" name="Equation" r:id="rId3" imgW="241300" imgH="533400" progId="Equation.DSMT4">
+                <p:oleObj spid="_x0000_s63539" name="Equation" r:id="rId3" imgW="241300" imgH="533400" progId="Equation.DSMT4">
                   <p:embed/>
                 </p:oleObj>
               </mc:Choice>
@@ -6623,7 +10473,7 @@
           <a:graphicData uri="http://schemas.openxmlformats.org/presentationml/2006/ole">
             <mc:AlternateContent xmlns:mc="http://schemas.openxmlformats.org/markup-compatibility/2006">
               <mc:Choice xmlns:v="urn:schemas-microsoft-com:vml" Requires="v">
-                <p:oleObj spid="_x0000_s63535" name="Equation" r:id="rId5" imgW="241300" imgH="533400" progId="Equation.DSMT4">
+                <p:oleObj spid="_x0000_s63540" name="Equation" r:id="rId5" imgW="241300" imgH="533400" progId="Equation.DSMT4">
                   <p:embed/>
                 </p:oleObj>
               </mc:Choice>
@@ -7141,141 +10991,6 @@
       </p:sp>
       <p:sp>
         <p:nvSpPr>
-          <p:cNvPr id="7" name="TextBox 6"/>
-          <p:cNvSpPr txBox="1"/>
-          <p:nvPr/>
-        </p:nvSpPr>
-        <p:spPr>
-          <a:xfrm>
-            <a:off x="1371600" y="3962400"/>
-            <a:ext cx="6373860" cy="923330"/>
-          </a:xfrm>
-          <a:prstGeom prst="rect">
-            <a:avLst/>
-          </a:prstGeom>
-          <a:noFill/>
-        </p:spPr>
-        <p:txBody>
-          <a:bodyPr wrap="none" rtlCol="0">
-            <a:spAutoFit/>
-          </a:bodyPr>
-          <a:lstStyle/>
-          <a:p>
-            <a:r>
-              <a:rPr lang="en-US" sz="5400" dirty="0" smtClean="0">
-                <a:solidFill>
-                  <a:schemeClr val="accent1">
-                    <a:lumMod val="50000"/>
-                  </a:schemeClr>
-                </a:solidFill>
-                <a:latin typeface="Comic Sans MS"/>
-                <a:cs typeface="Comic Sans MS"/>
-              </a:rPr>
-              <a:t>K</a:t>
-            </a:r>
-            <a:r>
-              <a:rPr lang="en-US" sz="5400" dirty="0" smtClean="0">
-                <a:solidFill>
-                  <a:srgbClr val="FF0000"/>
-                </a:solidFill>
-                <a:latin typeface="Comic Sans MS"/>
-                <a:cs typeface="Comic Sans MS"/>
-              </a:rPr>
-              <a:t>♦</a:t>
-            </a:r>
-            <a:r>
-              <a:rPr lang="en-US" sz="5400" dirty="0" smtClean="0">
-                <a:solidFill>
-                  <a:schemeClr val="accent1">
-                    <a:lumMod val="50000"/>
-                  </a:schemeClr>
-                </a:solidFill>
-                <a:latin typeface="Comic Sans MS"/>
-                <a:cs typeface="Comic Sans MS"/>
-              </a:rPr>
-              <a:t>, K</a:t>
-            </a:r>
-            <a:r>
-              <a:rPr lang="en-US" sz="5400" dirty="0" smtClean="0">
-                <a:solidFill>
-                  <a:srgbClr val="FF0000"/>
-                </a:solidFill>
-                <a:latin typeface="Comic Sans MS"/>
-                <a:cs typeface="Comic Sans MS"/>
-              </a:rPr>
-              <a:t>♥</a:t>
-            </a:r>
-            <a:r>
-              <a:rPr lang="en-US" sz="5400" dirty="0" smtClean="0">
-                <a:solidFill>
-                  <a:schemeClr val="accent1">
-                    <a:lumMod val="50000"/>
-                  </a:schemeClr>
-                </a:solidFill>
-                <a:latin typeface="Comic Sans MS"/>
-                <a:cs typeface="Comic Sans MS"/>
-              </a:rPr>
-              <a:t>, A</a:t>
-            </a:r>
-            <a:r>
-              <a:rPr lang="en-US" sz="5400" dirty="0" smtClean="0">
-                <a:solidFill>
-                  <a:srgbClr val="FF0000"/>
-                </a:solidFill>
-                <a:latin typeface="Comic Sans MS"/>
-                <a:cs typeface="Comic Sans MS"/>
-              </a:rPr>
-              <a:t>♦</a:t>
-            </a:r>
-            <a:r>
-              <a:rPr lang="en-US" sz="5400" dirty="0" smtClean="0">
-                <a:solidFill>
-                  <a:schemeClr val="accent1">
-                    <a:lumMod val="50000"/>
-                  </a:schemeClr>
-                </a:solidFill>
-                <a:latin typeface="Comic Sans MS"/>
-                <a:cs typeface="Comic Sans MS"/>
-              </a:rPr>
-              <a:t>, A</a:t>
-            </a:r>
-            <a:r>
-              <a:rPr lang="en-US" sz="5400" dirty="0" smtClean="0">
-                <a:solidFill>
-                  <a:schemeClr val="tx2"/>
-                </a:solidFill>
-                <a:latin typeface="Comic Sans MS"/>
-                <a:cs typeface="Comic Sans MS"/>
-              </a:rPr>
-              <a:t>♠</a:t>
-            </a:r>
-            <a:r>
-              <a:rPr lang="en-US" sz="5400" dirty="0" smtClean="0">
-                <a:solidFill>
-                  <a:schemeClr val="accent1">
-                    <a:lumMod val="50000"/>
-                  </a:schemeClr>
-                </a:solidFill>
-                <a:latin typeface="Comic Sans MS"/>
-                <a:cs typeface="Comic Sans MS"/>
-              </a:rPr>
-              <a:t>, 3</a:t>
-            </a:r>
-            <a:r>
-              <a:rPr lang="en-US" sz="5400" dirty="0" smtClean="0">
-                <a:solidFill>
-                  <a:srgbClr val="000000"/>
-                </a:solidFill>
-                <a:latin typeface="Comic Sans MS"/>
-                <a:cs typeface="Comic Sans MS"/>
-              </a:rPr>
-              <a:t>♣</a:t>
-            </a:r>
-          </a:p>
-        </p:txBody>
-      </p:sp>
-      <p:sp>
-        <p:nvSpPr>
           <p:cNvPr id="8" name="TextBox 7"/>
           <p:cNvSpPr txBox="1"/>
           <p:nvPr/>
@@ -7619,7 +11334,7 @@
                             </p:stCondLst>
                             <p:childTnLst>
                               <p:par>
-                                <p:cTn id="10" presetID="1" presetClass="entr" presetSubtype="0" fill="hold" grpId="0" nodeType="clickEffect">
+                                <p:cTn id="10" presetID="10" presetClass="entr" presetSubtype="0" fill="hold" grpId="0" nodeType="clickEffect">
                                   <p:stCondLst>
                                     <p:cond delay="0"/>
                                   </p:stCondLst>
@@ -7642,56 +11357,11 @@
                                         <p:strVal val="visible"/>
                                       </p:to>
                                     </p:set>
-                                  </p:childTnLst>
-                                </p:cTn>
-                              </p:par>
-                            </p:childTnLst>
-                          </p:cTn>
-                        </p:par>
-                      </p:childTnLst>
-                    </p:cTn>
-                  </p:par>
-                  <p:par>
-                    <p:cTn id="12" fill="hold">
-                      <p:stCondLst>
-                        <p:cond delay="indefinite"/>
-                      </p:stCondLst>
-                      <p:childTnLst>
-                        <p:par>
-                          <p:cTn id="13" fill="hold">
-                            <p:stCondLst>
-                              <p:cond delay="0"/>
-                            </p:stCondLst>
-                            <p:childTnLst>
-                              <p:par>
-                                <p:cTn id="14" presetID="22" presetClass="entr" presetSubtype="8" fill="hold" grpId="0" nodeType="clickEffect">
-                                  <p:stCondLst>
-                                    <p:cond delay="0"/>
-                                  </p:stCondLst>
-                                  <p:childTnLst>
-                                    <p:set>
+                                    <p:animEffect transition="in" filter="fade">
                                       <p:cBhvr>
-                                        <p:cTn id="15" dur="1" fill="hold">
-                                          <p:stCondLst>
-                                            <p:cond delay="0"/>
-                                          </p:stCondLst>
-                                        </p:cTn>
+                                        <p:cTn id="12" dur="500"/>
                                         <p:tgtEl>
-                                          <p:spTgt spid="7"/>
-                                        </p:tgtEl>
-                                        <p:attrNameLst>
-                                          <p:attrName>style.visibility</p:attrName>
-                                        </p:attrNameLst>
-                                      </p:cBhvr>
-                                      <p:to>
-                                        <p:strVal val="visible"/>
-                                      </p:to>
-                                    </p:set>
-                                    <p:animEffect transition="in" filter="wipe(left)">
-                                      <p:cBhvr>
-                                        <p:cTn id="16" dur="1000"/>
-                                        <p:tgtEl>
-                                          <p:spTgt spid="7"/>
+                                          <p:spTgt spid="10"/>
                                         </p:tgtEl>
                                       </p:cBhvr>
                                     </p:animEffect>
@@ -7726,7 +11396,6 @@
       </p:par>
     </p:tnLst>
     <p:bldLst>
-      <p:bldP spid="7" grpId="0"/>
       <p:bldP spid="8" grpId="0"/>
       <p:bldP spid="10" grpId="0"/>
     </p:bldLst>
@@ -7776,42 +11445,6 @@
       </p:sp>
       <p:sp>
         <p:nvSpPr>
-          <p:cNvPr id="3" name="Content Placeholder 2"/>
-          <p:cNvSpPr>
-            <a:spLocks noGrp="1"/>
-          </p:cNvSpPr>
-          <p:nvPr>
-            <p:ph idx="1"/>
-          </p:nvPr>
-        </p:nvSpPr>
-        <p:spPr>
-          <a:xfrm>
-            <a:off x="228600" y="1250950"/>
-            <a:ext cx="8763000" cy="4997450"/>
-          </a:xfrm>
-        </p:spPr>
-        <p:txBody>
-          <a:bodyPr/>
-          <a:lstStyle/>
-          <a:p>
-            <a:r>
-              <a:rPr lang="en-US" sz="4400" dirty="0" smtClean="0">
-                <a:solidFill>
-                  <a:srgbClr val="000000"/>
-                </a:solidFill>
-              </a:rPr>
-              <a:t>so # 2-pair hands is</a:t>
-            </a:r>
-            <a:endParaRPr lang="en-US" sz="4400" dirty="0">
-              <a:solidFill>
-                <a:srgbClr val="000000"/>
-              </a:solidFill>
-            </a:endParaRPr>
-          </a:p>
-        </p:txBody>
-      </p:sp>
-      <p:sp>
-        <p:nvSpPr>
           <p:cNvPr id="4" name="Slide Number Placeholder 3"/>
           <p:cNvSpPr>
             <a:spLocks noGrp="1"/>
@@ -7843,86 +11476,16 @@
           </a:p>
         </p:txBody>
       </p:sp>
-      <p:graphicFrame>
-        <p:nvGraphicFramePr>
-          <p:cNvPr id="5" name="Object 4"/>
-          <p:cNvGraphicFramePr>
-            <a:graphicFrameLocks noChangeAspect="1"/>
-          </p:cNvGraphicFramePr>
-          <p:nvPr/>
-        </p:nvGraphicFramePr>
-        <p:xfrm>
-          <a:off x="1268412" y="2211801"/>
-          <a:ext cx="6580188" cy="2512599"/>
-        </p:xfrm>
-        <a:graphic>
-          <a:graphicData uri="http://schemas.openxmlformats.org/presentationml/2006/ole">
-            <mc:AlternateContent xmlns:mc="http://schemas.openxmlformats.org/markup-compatibility/2006">
-              <mc:Choice xmlns:v="urn:schemas-microsoft-com:vml" Requires="v">
-                <p:oleObj spid="_x0000_s66586" name="Equation" r:id="rId3" imgW="1397000" imgH="533400" progId="Equation.DSMT4">
-                  <p:embed/>
-                </p:oleObj>
-              </mc:Choice>
-              <mc:Fallback>
-                <p:oleObj name="Equation" r:id="rId3" imgW="1397000" imgH="533400" progId="Equation.DSMT4">
-                  <p:embed/>
-                  <p:pic>
-                    <p:nvPicPr>
-                      <p:cNvPr id="0" name="Picture 2"/>
-                      <p:cNvPicPr>
-                        <a:picLocks noChangeAspect="1" noChangeArrowheads="1"/>
-                      </p:cNvPicPr>
-                      <p:nvPr/>
-                    </p:nvPicPr>
-                    <p:blipFill>
-                      <a:blip r:embed="rId4">
-                        <a:extLst>
-                          <a:ext uri="{28A0092B-C50C-407E-A947-70E740481C1C}">
-                            <a14:useLocalDpi xmlns:a14="http://schemas.microsoft.com/office/drawing/2010/main" val="0"/>
-                          </a:ext>
-                        </a:extLst>
-                      </a:blip>
-                      <a:srcRect/>
-                      <a:stretch>
-                        <a:fillRect/>
-                      </a:stretch>
-                    </p:blipFill>
-                    <p:spPr bwMode="auto">
-                      <a:xfrm>
-                        <a:off x="1268412" y="2211801"/>
-                        <a:ext cx="6580188" cy="2512599"/>
-                      </a:xfrm>
-                      <a:prstGeom prst="rect">
-                        <a:avLst/>
-                      </a:prstGeom>
-                      <a:noFill/>
-                      <a:extLst>
-                        <a:ext uri="{909E8E84-426E-40dd-AFC4-6F175D3DCCD1}">
-                          <a14:hiddenFill xmlns:a14="http://schemas.microsoft.com/office/drawing/2010/main">
-                            <a:solidFill>
-                              <a:srgbClr val="FFFFFF"/>
-                            </a:solidFill>
-                          </a14:hiddenFill>
-                        </a:ext>
-                      </a:extLst>
-                    </p:spPr>
-                  </p:pic>
-                </p:oleObj>
-              </mc:Fallback>
-            </mc:AlternateContent>
-          </a:graphicData>
-        </a:graphic>
-      </p:graphicFrame>
       <p:sp>
         <p:nvSpPr>
-          <p:cNvPr id="6" name="TextBox 5"/>
+          <p:cNvPr id="7" name="TextBox 6"/>
           <p:cNvSpPr txBox="1"/>
           <p:nvPr/>
         </p:nvSpPr>
         <p:spPr>
           <a:xfrm>
-            <a:off x="2514600" y="2203609"/>
-            <a:ext cx="3428568" cy="2215991"/>
+            <a:off x="1371600" y="3962400"/>
+            <a:ext cx="2354468" cy="923330"/>
           </a:xfrm>
           <a:prstGeom prst="rect">
             <a:avLst/>
@@ -7936,18 +11499,52 @@
           <a:lstStyle/>
           <a:p>
             <a:r>
-              <a:rPr lang="en-US" sz="13800" dirty="0" smtClean="0">
-                <a:solidFill>
-                  <a:schemeClr val="accent2"/>
-                </a:solidFill>
-                <a:latin typeface="Comic Sans MS"/>
-                <a:cs typeface="Comic Sans MS"/>
-              </a:rPr>
-              <a:t>NO!</a:t>
-            </a:r>
-            <a:endParaRPr lang="en-US" sz="13800" dirty="0">
+              <a:rPr lang="en-US" sz="5400" dirty="0" smtClean="0">
+                <a:solidFill>
+                  <a:schemeClr val="accent1">
+                    <a:lumMod val="50000"/>
+                  </a:schemeClr>
+                </a:solidFill>
+                <a:latin typeface="Comic Sans MS"/>
+                <a:cs typeface="Comic Sans MS"/>
+              </a:rPr>
+              <a:t>K</a:t>
+            </a:r>
+            <a:r>
+              <a:rPr lang="en-US" sz="5400" dirty="0" smtClean="0">
+                <a:solidFill>
+                  <a:srgbClr val="FF0000"/>
+                </a:solidFill>
+                <a:latin typeface="Comic Sans MS"/>
+                <a:cs typeface="Comic Sans MS"/>
+              </a:rPr>
+              <a:t>♦</a:t>
+            </a:r>
+            <a:r>
+              <a:rPr lang="en-US" sz="5400" dirty="0" smtClean="0">
+                <a:solidFill>
+                  <a:schemeClr val="accent1">
+                    <a:lumMod val="50000"/>
+                  </a:schemeClr>
+                </a:solidFill>
+                <a:latin typeface="Comic Sans MS"/>
+                <a:cs typeface="Comic Sans MS"/>
+              </a:rPr>
+              <a:t>, K</a:t>
+            </a:r>
+            <a:r>
+              <a:rPr lang="en-US" sz="5400" dirty="0" smtClean="0">
+                <a:solidFill>
+                  <a:srgbClr val="FF0000"/>
+                </a:solidFill>
+                <a:latin typeface="Comic Sans MS"/>
+                <a:cs typeface="Comic Sans MS"/>
+              </a:rPr>
+              <a:t>♥</a:t>
+            </a:r>
+            <a:endParaRPr lang="en-US" sz="5400" dirty="0" smtClean="0">
               <a:solidFill>
-                <a:schemeClr val="accent2"/>
+                <a:srgbClr val="000000"/>
               </a:solidFill>
               <a:latin typeface="Comic Sans MS"/>
               <a:cs typeface="Comic Sans MS"/>
@@ -7955,19 +11552,330 @@
           </a:p>
         </p:txBody>
       </p:sp>
+      <p:sp>
+        <p:nvSpPr>
+          <p:cNvPr id="8" name="TextBox 7"/>
+          <p:cNvSpPr txBox="1"/>
+          <p:nvPr/>
+        </p:nvSpPr>
+        <p:spPr>
+          <a:xfrm>
+            <a:off x="914400" y="2209800"/>
+            <a:ext cx="6961461" cy="830997"/>
+          </a:xfrm>
+          <a:prstGeom prst="rect">
+            <a:avLst/>
+          </a:prstGeom>
+          <a:noFill/>
+        </p:spPr>
+        <p:txBody>
+          <a:bodyPr wrap="none" rtlCol="0">
+            <a:spAutoFit/>
+          </a:bodyPr>
+          <a:lstStyle/>
+          <a:p>
+            <a:r>
+              <a:rPr lang="en-US" sz="4800" dirty="0" smtClean="0">
+                <a:solidFill>
+                  <a:schemeClr val="accent1">
+                    <a:lumMod val="50000"/>
+                  </a:schemeClr>
+                </a:solidFill>
+                <a:effectLst>
+                  <a:glow rad="139700">
+                    <a:schemeClr val="accent2">
+                      <a:satMod val="175000"/>
+                      <a:alpha val="40000"/>
+                    </a:schemeClr>
+                  </a:glow>
+                </a:effectLst>
+                <a:latin typeface="Comic Sans MS"/>
+                <a:cs typeface="Comic Sans MS"/>
+              </a:rPr>
+              <a:t>K</a:t>
+            </a:r>
+            <a:r>
+              <a:rPr lang="en-US" sz="4800" dirty="0" smtClean="0">
+                <a:solidFill>
+                  <a:schemeClr val="accent1">
+                    <a:lumMod val="50000"/>
+                  </a:schemeClr>
+                </a:solidFill>
+                <a:latin typeface="Comic Sans MS"/>
+                <a:cs typeface="Comic Sans MS"/>
+              </a:rPr>
+              <a:t>, A, 3, </a:t>
+            </a:r>
+            <a:r>
+              <a:rPr lang="en-US" sz="4800" dirty="0" smtClean="0">
+                <a:solidFill>
+                  <a:srgbClr val="000000"/>
+                </a:solidFill>
+                <a:effectLst/>
+                <a:latin typeface="Comic Sans MS"/>
+                <a:cs typeface="Comic Sans MS"/>
+              </a:rPr>
+              <a:t>{</a:t>
+            </a:r>
+            <a:r>
+              <a:rPr lang="en-US" sz="4800" dirty="0">
+                <a:solidFill>
+                  <a:srgbClr val="FF0000"/>
+                </a:solidFill>
+                <a:effectLst>
+                  <a:glow rad="139700">
+                    <a:schemeClr val="accent2">
+                      <a:satMod val="175000"/>
+                      <a:alpha val="40000"/>
+                    </a:schemeClr>
+                  </a:glow>
+                </a:effectLst>
+                <a:latin typeface="Comic Sans MS"/>
+                <a:cs typeface="Comic Sans MS"/>
+              </a:rPr>
+              <a:t>♦</a:t>
+            </a:r>
+            <a:r>
+              <a:rPr lang="en-US" sz="4800" dirty="0" smtClean="0">
+                <a:solidFill>
+                  <a:schemeClr val="accent1">
+                    <a:lumMod val="50000"/>
+                  </a:schemeClr>
+                </a:solidFill>
+                <a:effectLst/>
+                <a:latin typeface="Comic Sans MS"/>
+                <a:cs typeface="Comic Sans MS"/>
+              </a:rPr>
+              <a:t>, </a:t>
+            </a:r>
+            <a:r>
+              <a:rPr lang="en-US" sz="4800" dirty="0" smtClean="0">
+                <a:solidFill>
+                  <a:srgbClr val="FF0000"/>
+                </a:solidFill>
+                <a:effectLst>
+                  <a:glow rad="139700">
+                    <a:schemeClr val="accent2">
+                      <a:satMod val="175000"/>
+                      <a:alpha val="40000"/>
+                    </a:schemeClr>
+                  </a:glow>
+                </a:effectLst>
+                <a:latin typeface="Comic Sans MS"/>
+                <a:cs typeface="Comic Sans MS"/>
+              </a:rPr>
+              <a:t>♥</a:t>
+            </a:r>
+            <a:r>
+              <a:rPr lang="en-US" sz="4800" dirty="0" smtClean="0">
+                <a:solidFill>
+                  <a:srgbClr val="000000"/>
+                </a:solidFill>
+                <a:effectLst/>
+                <a:latin typeface="Comic Sans MS"/>
+                <a:cs typeface="Comic Sans MS"/>
+              </a:rPr>
+              <a:t>}</a:t>
+            </a:r>
+            <a:r>
+              <a:rPr lang="en-US" sz="4800" dirty="0" smtClean="0">
+                <a:solidFill>
+                  <a:schemeClr val="accent1">
+                    <a:lumMod val="50000"/>
+                  </a:schemeClr>
+                </a:solidFill>
+                <a:effectLst/>
+                <a:latin typeface="Comic Sans MS"/>
+                <a:cs typeface="Comic Sans MS"/>
+              </a:rPr>
+              <a:t>,</a:t>
+            </a:r>
+            <a:r>
+              <a:rPr lang="en-US" sz="4800" dirty="0" smtClean="0">
+                <a:solidFill>
+                  <a:schemeClr val="accent1">
+                    <a:lumMod val="50000"/>
+                  </a:schemeClr>
+                </a:solidFill>
+                <a:latin typeface="Comic Sans MS"/>
+                <a:cs typeface="Comic Sans MS"/>
+              </a:rPr>
+              <a:t> </a:t>
+            </a:r>
+            <a:r>
+              <a:rPr lang="en-US" sz="4800" dirty="0" smtClean="0">
+                <a:solidFill>
+                  <a:srgbClr val="000000"/>
+                </a:solidFill>
+                <a:latin typeface="Comic Sans MS"/>
+                <a:cs typeface="Comic Sans MS"/>
+              </a:rPr>
+              <a:t>{</a:t>
+            </a:r>
+            <a:r>
+              <a:rPr lang="en-US" sz="4800" dirty="0" smtClean="0">
+                <a:solidFill>
+                  <a:srgbClr val="FF0000"/>
+                </a:solidFill>
+                <a:latin typeface="Comic Sans MS"/>
+                <a:cs typeface="Comic Sans MS"/>
+              </a:rPr>
+              <a:t>♦</a:t>
+            </a:r>
+            <a:r>
+              <a:rPr lang="en-US" sz="4800" dirty="0" smtClean="0">
+                <a:solidFill>
+                  <a:schemeClr val="accent1">
+                    <a:lumMod val="50000"/>
+                  </a:schemeClr>
+                </a:solidFill>
+                <a:latin typeface="Comic Sans MS"/>
+                <a:cs typeface="Comic Sans MS"/>
+              </a:rPr>
+              <a:t>, </a:t>
+            </a:r>
+            <a:r>
+              <a:rPr lang="en-US" sz="4800" dirty="0" smtClean="0">
+                <a:solidFill>
+                  <a:schemeClr val="tx2"/>
+                </a:solidFill>
+                <a:latin typeface="Comic Sans MS"/>
+                <a:cs typeface="Comic Sans MS"/>
+              </a:rPr>
+              <a:t>♠}</a:t>
+            </a:r>
+            <a:r>
+              <a:rPr lang="en-US" sz="4800" dirty="0" smtClean="0">
+                <a:solidFill>
+                  <a:schemeClr val="accent1">
+                    <a:lumMod val="50000"/>
+                  </a:schemeClr>
+                </a:solidFill>
+                <a:latin typeface="Comic Sans MS"/>
+                <a:cs typeface="Comic Sans MS"/>
+              </a:rPr>
+              <a:t>, </a:t>
+            </a:r>
+            <a:r>
+              <a:rPr lang="en-US" sz="4800" dirty="0" smtClean="0">
+                <a:solidFill>
+                  <a:srgbClr val="000000"/>
+                </a:solidFill>
+                <a:latin typeface="Comic Sans MS"/>
+                <a:cs typeface="Comic Sans MS"/>
+              </a:rPr>
+              <a:t>♣</a:t>
+            </a:r>
+          </a:p>
+        </p:txBody>
+      </p:sp>
+      <p:sp>
+        <p:nvSpPr>
+          <p:cNvPr id="9" name="TextBox 8"/>
+          <p:cNvSpPr txBox="1"/>
+          <p:nvPr/>
+        </p:nvSpPr>
+        <p:spPr>
+          <a:xfrm>
+            <a:off x="609600" y="1371600"/>
+            <a:ext cx="5086749" cy="830997"/>
+          </a:xfrm>
+          <a:prstGeom prst="rect">
+            <a:avLst/>
+          </a:prstGeom>
+          <a:noFill/>
+        </p:spPr>
+        <p:txBody>
+          <a:bodyPr wrap="none" rtlCol="0">
+            <a:spAutoFit/>
+          </a:bodyPr>
+          <a:lstStyle/>
+          <a:p>
+            <a:r>
+              <a:rPr lang="en-US" sz="4000" dirty="0" smtClean="0">
+                <a:latin typeface="Comic Sans MS"/>
+                <a:cs typeface="Comic Sans MS"/>
+              </a:rPr>
+              <a:t>example:</a:t>
+            </a:r>
+            <a:r>
+              <a:rPr lang="en-US" sz="4800" dirty="0" smtClean="0">
+                <a:latin typeface="Comic Sans MS"/>
+                <a:cs typeface="Comic Sans MS"/>
+              </a:rPr>
+              <a:t> </a:t>
+            </a:r>
+            <a:r>
+              <a:rPr lang="en-US" sz="4800" dirty="0" smtClean="0">
+                <a:solidFill>
+                  <a:srgbClr val="0000FF"/>
+                </a:solidFill>
+                <a:latin typeface="Comic Sans MS"/>
+                <a:cs typeface="Comic Sans MS"/>
+              </a:rPr>
+              <a:t>choosing</a:t>
+            </a:r>
+            <a:endParaRPr lang="en-US" sz="4800" dirty="0">
+              <a:latin typeface="Comic Sans MS"/>
+              <a:cs typeface="Comic Sans MS"/>
+            </a:endParaRPr>
+          </a:p>
+        </p:txBody>
+      </p:sp>
+      <p:sp>
+        <p:nvSpPr>
+          <p:cNvPr id="10" name="TextBox 9"/>
+          <p:cNvSpPr txBox="1"/>
+          <p:nvPr/>
+        </p:nvSpPr>
+        <p:spPr>
+          <a:xfrm>
+            <a:off x="533400" y="3048000"/>
+            <a:ext cx="6412332" cy="830997"/>
+          </a:xfrm>
+          <a:prstGeom prst="rect">
+            <a:avLst/>
+          </a:prstGeom>
+          <a:noFill/>
+        </p:spPr>
+        <p:txBody>
+          <a:bodyPr wrap="none" rtlCol="0">
+            <a:spAutoFit/>
+          </a:bodyPr>
+          <a:lstStyle/>
+          <a:p>
+            <a:r>
+              <a:rPr lang="en-US" sz="4800" dirty="0" smtClean="0">
+                <a:latin typeface="Comic Sans MS"/>
+                <a:cs typeface="Comic Sans MS"/>
+              </a:rPr>
+              <a:t>specifies 2-pair hand:</a:t>
+            </a:r>
+            <a:endParaRPr lang="en-US" sz="4800" dirty="0">
+              <a:latin typeface="Comic Sans MS"/>
+              <a:cs typeface="Comic Sans MS"/>
+            </a:endParaRPr>
+          </a:p>
+        </p:txBody>
+      </p:sp>
     </p:spTree>
+    <p:extLst>
+      <p:ext uri="{BB962C8B-B14F-4D97-AF65-F5344CB8AC3E}">
+        <p14:creationId xmlns:p14="http://schemas.microsoft.com/office/powerpoint/2010/main" val="2850691203"/>
+      </p:ext>
+    </p:extLst>
   </p:cSld>
   <p:clrMapOvr>
     <a:masterClrMapping/>
   </p:clrMapOvr>
-  <mc:AlternateContent xmlns:mc="http://schemas.openxmlformats.org/markup-compatibility/2006" xmlns:p14="http://schemas.microsoft.com/office/powerpoint/2010/main">
-    <mc:Choice Requires="p14">
-      <p:transition spd="slow" p14:dur="900" advClick="0">
+  <mc:AlternateContent xmlns:mc="http://schemas.openxmlformats.org/markup-compatibility/2006">
+    <mc:Choice xmlns:p14="http://schemas.microsoft.com/office/powerpoint/2010/main" Requires="p14">
+      <p:transition spd="med" p14:dur="600" advClick="0">
         <p:fade/>
       </p:transition>
     </mc:Choice>
-    <mc:Fallback xmlns="">
-      <p:transition xmlns:p14="http://schemas.microsoft.com/office/powerpoint/2010/main" spd="slow" advClick="0">
+    <mc:Fallback>
+      <p:transition xmlns:p14="http://schemas.microsoft.com/office/powerpoint/2010/main" spd="med" advClick="0">
         <p:fade/>
       </p:transition>
     </mc:Fallback>
@@ -7984,6 +11892,9 @@
                     <p:cTn id="3" fill="hold">
                       <p:stCondLst>
                         <p:cond delay="indefinite"/>
+                        <p:cond evt="onBegin" delay="0">
+                          <p:tn val="2"/>
+                        </p:cond>
                       </p:stCondLst>
                       <p:childTnLst>
                         <p:par>
@@ -7993,7 +11904,7 @@
                             </p:stCondLst>
                             <p:childTnLst>
                               <p:par>
-                                <p:cTn id="5" presetID="22" presetClass="entr" presetSubtype="8" fill="hold" nodeType="clickEffect">
+                                <p:cTn id="5" presetID="10" presetClass="entr" presetSubtype="0" fill="hold" grpId="0" nodeType="afterEffect">
                                   <p:stCondLst>
                                     <p:cond delay="0"/>
                                   </p:stCondLst>
@@ -8006,7 +11917,7 @@
                                           </p:stCondLst>
                                         </p:cTn>
                                         <p:tgtEl>
-                                          <p:spTgt spid="5"/>
+                                          <p:spTgt spid="7"/>
                                         </p:tgtEl>
                                         <p:attrNameLst>
                                           <p:attrName>style.visibility</p:attrName>
@@ -8016,105 +11927,14 @@
                                         <p:strVal val="visible"/>
                                       </p:to>
                                     </p:set>
-                                    <p:animEffect transition="in" filter="wipe(left)">
+                                    <p:animEffect transition="in" filter="fade">
                                       <p:cBhvr>
-                                        <p:cTn id="7" dur="2000"/>
+                                        <p:cTn id="7" dur="1000"/>
                                         <p:tgtEl>
-                                          <p:spTgt spid="5"/>
+                                          <p:spTgt spid="7"/>
                                         </p:tgtEl>
                                       </p:cBhvr>
                                     </p:animEffect>
-                                  </p:childTnLst>
-                                </p:cTn>
-                              </p:par>
-                            </p:childTnLst>
-                          </p:cTn>
-                        </p:par>
-                      </p:childTnLst>
-                    </p:cTn>
-                  </p:par>
-                  <p:par>
-                    <p:cTn id="8" fill="hold">
-                      <p:stCondLst>
-                        <p:cond delay="indefinite"/>
-                      </p:stCondLst>
-                      <p:childTnLst>
-                        <p:par>
-                          <p:cTn id="9" fill="hold">
-                            <p:stCondLst>
-                              <p:cond delay="0"/>
-                            </p:stCondLst>
-                            <p:childTnLst>
-                              <p:par>
-                                <p:cTn id="10" presetID="23" presetClass="entr" presetSubtype="16" fill="hold" grpId="0" nodeType="clickEffect">
-                                  <p:stCondLst>
-                                    <p:cond delay="0"/>
-                                  </p:stCondLst>
-                                  <p:childTnLst>
-                                    <p:set>
-                                      <p:cBhvr>
-                                        <p:cTn id="11" dur="1" fill="hold">
-                                          <p:stCondLst>
-                                            <p:cond delay="0"/>
-                                          </p:stCondLst>
-                                        </p:cTn>
-                                        <p:tgtEl>
-                                          <p:spTgt spid="6"/>
-                                        </p:tgtEl>
-                                        <p:attrNameLst>
-                                          <p:attrName>style.visibility</p:attrName>
-                                        </p:attrNameLst>
-                                      </p:cBhvr>
-                                      <p:to>
-                                        <p:strVal val="visible"/>
-                                      </p:to>
-                                    </p:set>
-                                    <p:anim calcmode="lin" valueType="num">
-                                      <p:cBhvr>
-                                        <p:cTn id="12" dur="500" fill="hold"/>
-                                        <p:tgtEl>
-                                          <p:spTgt spid="6"/>
-                                        </p:tgtEl>
-                                        <p:attrNameLst>
-                                          <p:attrName>ppt_w</p:attrName>
-                                        </p:attrNameLst>
-                                      </p:cBhvr>
-                                      <p:tavLst>
-                                        <p:tav tm="0">
-                                          <p:val>
-                                            <p:fltVal val="0"/>
-                                          </p:val>
-                                        </p:tav>
-                                        <p:tav tm="100000">
-                                          <p:val>
-                                            <p:strVal val="#ppt_w"/>
-                                          </p:val>
-                                        </p:tav>
-                                      </p:tavLst>
-                                    </p:anim>
-                                    <p:anim calcmode="lin" valueType="num">
-                                      <p:cBhvr>
-                                        <p:cTn id="13" dur="500" fill="hold"/>
-                                        <p:tgtEl>
-                                          <p:spTgt spid="6"/>
-                                        </p:tgtEl>
-                                        <p:attrNameLst>
-                                          <p:attrName>ppt_h</p:attrName>
-                                        </p:attrNameLst>
-                                      </p:cBhvr>
-                                      <p:tavLst>
-                                        <p:tav tm="0">
-                                          <p:val>
-                                            <p:fltVal val="0"/>
-                                          </p:val>
-                                        </p:tav>
-                                        <p:tav tm="100000">
-                                          <p:val>
-                                            <p:strVal val="#ppt_h"/>
-                                          </p:val>
-                                        </p:tav>
-                                      </p:tavLst>
-                                    </p:anim>
                                   </p:childTnLst>
                                 </p:cTn>
                               </p:par>
@@ -8146,7 +11966,7 @@
       </p:par>
     </p:tnLst>
     <p:bldLst>
-      <p:bldP spid="6" grpId="0"/>
+      <p:bldP spid="7" grpId="0"/>
     </p:bldLst>
   </p:timing>
 </p:sld>
@@ -8194,230 +12014,6 @@
       </p:sp>
       <p:sp>
         <p:nvSpPr>
-          <p:cNvPr id="3" name="Content Placeholder 2"/>
-          <p:cNvSpPr>
-            <a:spLocks noGrp="1"/>
-          </p:cNvSpPr>
-          <p:nvPr>
-            <p:ph idx="1"/>
-          </p:nvPr>
-        </p:nvSpPr>
-        <p:spPr>
-          <a:xfrm>
-            <a:off x="152400" y="1250950"/>
-            <a:ext cx="8763000" cy="4997450"/>
-          </a:xfrm>
-        </p:spPr>
-        <p:txBody>
-          <a:bodyPr/>
-          <a:lstStyle/>
-          <a:p>
-            <a:r>
-              <a:rPr lang="en-US" sz="4400" dirty="0" smtClean="0">
-                <a:solidFill>
-                  <a:srgbClr val="000000"/>
-                </a:solidFill>
-              </a:rPr>
-              <a:t>this method counts 6-tuples</a:t>
-            </a:r>
-          </a:p>
-          <a:p>
-            <a:r>
-              <a:rPr lang="en-US" sz="4400" dirty="0" smtClean="0">
-                <a:solidFill>
-                  <a:srgbClr val="000000"/>
-                </a:solidFill>
-              </a:rPr>
-              <a:t>[1</a:t>
-            </a:r>
-            <a:r>
-              <a:rPr lang="en-US" sz="4400" baseline="30000" dirty="0" smtClean="0">
-                <a:solidFill>
-                  <a:srgbClr val="000000"/>
-                </a:solidFill>
-              </a:rPr>
-              <a:t>st</a:t>
-            </a:r>
-            <a:r>
-              <a:rPr lang="en-US" sz="4400" dirty="0" smtClean="0">
-                <a:solidFill>
-                  <a:srgbClr val="000000"/>
-                </a:solidFill>
-              </a:rPr>
-              <a:t> card ranks]</a:t>
-            </a:r>
-            <a:r>
-              <a:rPr lang="en-US" sz="4400" b="1" dirty="0" smtClean="0">
-                <a:solidFill>
-                  <a:srgbClr val="000000"/>
-                </a:solidFill>
-                <a:latin typeface="Euclid Symbol" charset="2"/>
-                <a:cs typeface="Euclid Symbol" charset="2"/>
-              </a:rPr>
-              <a:t>×</a:t>
-            </a:r>
-            <a:r>
-              <a:rPr lang="en-US" sz="4400" dirty="0" smtClean="0">
-                <a:solidFill>
-                  <a:srgbClr val="000000"/>
-                </a:solidFill>
-              </a:rPr>
-              <a:t>[2</a:t>
-            </a:r>
-            <a:r>
-              <a:rPr lang="en-US" sz="4400" baseline="30000" dirty="0" smtClean="0">
-                <a:solidFill>
-                  <a:srgbClr val="000000"/>
-                </a:solidFill>
-              </a:rPr>
-              <a:t>nd</a:t>
-            </a:r>
-            <a:r>
-              <a:rPr lang="en-US" sz="4400" dirty="0" smtClean="0">
-                <a:solidFill>
-                  <a:srgbClr val="000000"/>
-                </a:solidFill>
-              </a:rPr>
-              <a:t> card ranks]</a:t>
-            </a:r>
-          </a:p>
-          <a:p>
-            <a:r>
-              <a:rPr lang="en-US" sz="4400" b="1" dirty="0" smtClean="0">
-                <a:solidFill>
-                  <a:srgbClr val="000000"/>
-                </a:solidFill>
-                <a:latin typeface="Euclid Symbol" charset="2"/>
-                <a:cs typeface="Euclid Symbol" charset="2"/>
-              </a:rPr>
-              <a:t>		× </a:t>
-            </a:r>
-            <a:r>
-              <a:rPr lang="en-US" sz="4400" dirty="0" smtClean="0">
-                <a:solidFill>
-                  <a:srgbClr val="000000"/>
-                </a:solidFill>
-              </a:rPr>
-              <a:t>[last card rank] </a:t>
-            </a:r>
-            <a:r>
-              <a:rPr lang="en-US" sz="4400" b="1" dirty="0" smtClean="0">
-                <a:solidFill>
-                  <a:srgbClr val="000000"/>
-                </a:solidFill>
-                <a:latin typeface="Euclid Symbol" charset="2"/>
-                <a:cs typeface="Euclid Symbol" charset="2"/>
-              </a:rPr>
-              <a:t>×</a:t>
-            </a:r>
-          </a:p>
-          <a:p>
-            <a:r>
-              <a:rPr lang="en-US" sz="4400" dirty="0" smtClean="0">
-                <a:solidFill>
-                  <a:srgbClr val="000000"/>
-                </a:solidFill>
-              </a:rPr>
-              <a:t>[1</a:t>
-            </a:r>
-            <a:r>
-              <a:rPr lang="en-US" sz="4400" baseline="30000" dirty="0" smtClean="0">
-                <a:solidFill>
-                  <a:srgbClr val="000000"/>
-                </a:solidFill>
-              </a:rPr>
-              <a:t>st</a:t>
-            </a:r>
-            <a:r>
-              <a:rPr lang="en-US" sz="4400" dirty="0" smtClean="0">
-                <a:solidFill>
-                  <a:srgbClr val="000000"/>
-                </a:solidFill>
-              </a:rPr>
-              <a:t> card suits] </a:t>
-            </a:r>
-            <a:r>
-              <a:rPr lang="en-US" sz="4400" b="1" dirty="0" smtClean="0">
-                <a:solidFill>
-                  <a:srgbClr val="000000"/>
-                </a:solidFill>
-                <a:latin typeface="Euclid Symbol" charset="2"/>
-                <a:cs typeface="Euclid Symbol" charset="2"/>
-              </a:rPr>
-              <a:t>× </a:t>
-            </a:r>
-            <a:r>
-              <a:rPr lang="en-US" sz="4400" dirty="0" smtClean="0">
-                <a:solidFill>
-                  <a:srgbClr val="000000"/>
-                </a:solidFill>
-              </a:rPr>
-              <a:t>[2</a:t>
-            </a:r>
-            <a:r>
-              <a:rPr lang="en-US" sz="4400" baseline="30000" dirty="0" smtClean="0">
-                <a:solidFill>
-                  <a:srgbClr val="000000"/>
-                </a:solidFill>
-              </a:rPr>
-              <a:t>nd</a:t>
-            </a:r>
-            <a:r>
-              <a:rPr lang="en-US" sz="4400" dirty="0" smtClean="0">
-                <a:solidFill>
-                  <a:srgbClr val="000000"/>
-                </a:solidFill>
-              </a:rPr>
-              <a:t> card suits]</a:t>
-            </a:r>
-          </a:p>
-          <a:p>
-            <a:r>
-              <a:rPr lang="en-US" sz="4400" b="1" dirty="0">
-                <a:solidFill>
-                  <a:srgbClr val="000000"/>
-                </a:solidFill>
-                <a:latin typeface="Euclid Symbol" charset="2"/>
-                <a:cs typeface="Euclid Symbol" charset="2"/>
-              </a:rPr>
-              <a:t> </a:t>
-            </a:r>
-            <a:r>
-              <a:rPr lang="en-US" sz="4400" b="1" dirty="0" smtClean="0">
-                <a:solidFill>
-                  <a:srgbClr val="000000"/>
-                </a:solidFill>
-                <a:latin typeface="Euclid Symbol" charset="2"/>
-                <a:cs typeface="Euclid Symbol" charset="2"/>
-              </a:rPr>
-              <a:t>     × </a:t>
-            </a:r>
-            <a:r>
-              <a:rPr lang="en-US" sz="4400" dirty="0" smtClean="0">
-                <a:solidFill>
-                  <a:srgbClr val="000000"/>
-                </a:solidFill>
-              </a:rPr>
-              <a:t>[last card suit]</a:t>
-            </a:r>
-          </a:p>
-          <a:p>
-            <a:pPr algn="ctr"/>
-            <a:r>
-              <a:rPr lang="en-US" sz="4400" b="1" dirty="0" smtClean="0">
-                <a:solidFill>
-                  <a:srgbClr val="008000"/>
-                </a:solidFill>
-                <a:latin typeface="Comic Sans MS"/>
-                <a:cs typeface="Comic Sans MS"/>
-              </a:rPr>
-              <a:t>correctly</a:t>
-            </a:r>
-          </a:p>
-        </p:txBody>
-      </p:sp>
-      <p:sp>
-        <p:nvSpPr>
           <p:cNvPr id="4" name="Slide Number Placeholder 3"/>
           <p:cNvSpPr>
             <a:spLocks noGrp="1"/>
@@ -8449,84 +12045,536 @@
           </a:p>
         </p:txBody>
       </p:sp>
-      <p:graphicFrame>
-        <p:nvGraphicFramePr>
-          <p:cNvPr id="7" name="Object 6"/>
-          <p:cNvGraphicFramePr>
-            <a:graphicFrameLocks noChangeAspect="1"/>
-          </p:cNvGraphicFramePr>
+      <p:sp>
+        <p:nvSpPr>
+          <p:cNvPr id="7" name="TextBox 6"/>
+          <p:cNvSpPr txBox="1"/>
           <p:nvPr/>
-        </p:nvGraphicFramePr>
-        <p:xfrm>
-          <a:off x="4419600" y="3314700"/>
-          <a:ext cx="139700" cy="228600"/>
-        </p:xfrm>
-        <a:graphic>
-          <a:graphicData uri="http://schemas.openxmlformats.org/presentationml/2006/ole">
-            <mc:AlternateContent xmlns:mc="http://schemas.openxmlformats.org/markup-compatibility/2006">
-              <mc:Choice xmlns:v="urn:schemas-microsoft-com:vml" Requires="v">
-                <p:oleObj spid="_x0000_s67611" name="Equation" r:id="rId3" imgW="139700" imgH="228600" progId="Equation.DSMT4">
-                  <p:embed/>
-                </p:oleObj>
-              </mc:Choice>
-              <mc:Fallback>
-                <p:oleObj name="Equation" r:id="rId3" imgW="139700" imgH="228600" progId="Equation.DSMT4">
-                  <p:embed/>
-                  <p:pic>
-                    <p:nvPicPr>
-                      <p:cNvPr id="0" name="Picture 3"/>
-                      <p:cNvPicPr>
-                        <a:picLocks noChangeAspect="1" noChangeArrowheads="1"/>
-                      </p:cNvPicPr>
-                      <p:nvPr/>
-                    </p:nvPicPr>
-                    <p:blipFill>
-                      <a:blip r:embed="rId4">
-                        <a:extLst>
-                          <a:ext uri="{28A0092B-C50C-407E-A947-70E740481C1C}">
-                            <a14:useLocalDpi xmlns:a14="http://schemas.microsoft.com/office/drawing/2010/main" val="0"/>
-                          </a:ext>
-                        </a:extLst>
-                      </a:blip>
-                      <a:srcRect/>
-                      <a:stretch>
-                        <a:fillRect/>
-                      </a:stretch>
-                    </p:blipFill>
-                    <p:spPr bwMode="auto">
-                      <a:xfrm>
-                        <a:off x="4419600" y="3314700"/>
-                        <a:ext cx="139700" cy="228600"/>
-                      </a:xfrm>
-                      <a:prstGeom prst="rect">
-                        <a:avLst/>
-                      </a:prstGeom>
-                      <a:noFill/>
-                      <a:extLst>
-                        <a:ext uri="{909E8E84-426E-40dd-AFC4-6F175D3DCCD1}">
-                          <a14:hiddenFill xmlns:a14="http://schemas.microsoft.com/office/drawing/2010/main">
-                            <a:solidFill>
-                              <a:srgbClr val="FFFFFF"/>
-                            </a:solidFill>
-                          </a14:hiddenFill>
-                        </a:ext>
-                      </a:extLst>
-                    </p:spPr>
-                  </p:pic>
-                </p:oleObj>
-              </mc:Fallback>
-            </mc:AlternateContent>
-          </a:graphicData>
-        </a:graphic>
-      </p:graphicFrame>
+        </p:nvSpPr>
+        <p:spPr>
+          <a:xfrm>
+            <a:off x="1371600" y="3962400"/>
+            <a:ext cx="2354468" cy="923330"/>
+          </a:xfrm>
+          <a:prstGeom prst="rect">
+            <a:avLst/>
+          </a:prstGeom>
+          <a:noFill/>
+        </p:spPr>
+        <p:txBody>
+          <a:bodyPr wrap="none" rtlCol="0">
+            <a:spAutoFit/>
+          </a:bodyPr>
+          <a:lstStyle/>
+          <a:p>
+            <a:r>
+              <a:rPr lang="en-US" sz="5400" dirty="0" smtClean="0">
+                <a:solidFill>
+                  <a:schemeClr val="accent1">
+                    <a:lumMod val="50000"/>
+                  </a:schemeClr>
+                </a:solidFill>
+                <a:latin typeface="Comic Sans MS"/>
+                <a:cs typeface="Comic Sans MS"/>
+              </a:rPr>
+              <a:t>K</a:t>
+            </a:r>
+            <a:r>
+              <a:rPr lang="en-US" sz="5400" dirty="0" smtClean="0">
+                <a:solidFill>
+                  <a:srgbClr val="FF0000"/>
+                </a:solidFill>
+                <a:latin typeface="Comic Sans MS"/>
+                <a:cs typeface="Comic Sans MS"/>
+              </a:rPr>
+              <a:t>♦</a:t>
+            </a:r>
+            <a:r>
+              <a:rPr lang="en-US" sz="5400" dirty="0" smtClean="0">
+                <a:solidFill>
+                  <a:schemeClr val="accent1">
+                    <a:lumMod val="50000"/>
+                  </a:schemeClr>
+                </a:solidFill>
+                <a:latin typeface="Comic Sans MS"/>
+                <a:cs typeface="Comic Sans MS"/>
+              </a:rPr>
+              <a:t>, K</a:t>
+            </a:r>
+            <a:r>
+              <a:rPr lang="en-US" sz="5400" dirty="0" smtClean="0">
+                <a:solidFill>
+                  <a:srgbClr val="FF0000"/>
+                </a:solidFill>
+                <a:latin typeface="Comic Sans MS"/>
+                <a:cs typeface="Comic Sans MS"/>
+              </a:rPr>
+              <a:t>♥</a:t>
+            </a:r>
+            <a:endParaRPr lang="en-US" sz="5400" dirty="0" smtClean="0">
+              <a:solidFill>
+                <a:srgbClr val="000000"/>
+              </a:solidFill>
+              <a:latin typeface="Comic Sans MS"/>
+              <a:cs typeface="Comic Sans MS"/>
+            </a:endParaRPr>
+          </a:p>
+        </p:txBody>
+      </p:sp>
+      <p:sp>
+        <p:nvSpPr>
+          <p:cNvPr id="8" name="TextBox 7"/>
+          <p:cNvSpPr txBox="1"/>
+          <p:nvPr/>
+        </p:nvSpPr>
+        <p:spPr>
+          <a:xfrm>
+            <a:off x="914400" y="2209800"/>
+            <a:ext cx="6824705" cy="830997"/>
+          </a:xfrm>
+          <a:prstGeom prst="rect">
+            <a:avLst/>
+          </a:prstGeom>
+          <a:noFill/>
+        </p:spPr>
+        <p:txBody>
+          <a:bodyPr wrap="none" rtlCol="0">
+            <a:spAutoFit/>
+          </a:bodyPr>
+          <a:lstStyle/>
+          <a:p>
+            <a:r>
+              <a:rPr lang="en-US" sz="4800" dirty="0" smtClean="0">
+                <a:solidFill>
+                  <a:schemeClr val="accent1">
+                    <a:lumMod val="50000"/>
+                  </a:schemeClr>
+                </a:solidFill>
+                <a:latin typeface="Comic Sans MS"/>
+                <a:cs typeface="Comic Sans MS"/>
+              </a:rPr>
+              <a:t>K, </a:t>
+            </a:r>
+            <a:r>
+              <a:rPr lang="en-US" sz="4800" dirty="0" smtClean="0">
+                <a:solidFill>
+                  <a:schemeClr val="accent1">
+                    <a:lumMod val="50000"/>
+                  </a:schemeClr>
+                </a:solidFill>
+                <a:effectLst>
+                  <a:glow rad="139700">
+                    <a:schemeClr val="accent2">
+                      <a:satMod val="175000"/>
+                      <a:alpha val="40000"/>
+                    </a:schemeClr>
+                  </a:glow>
+                </a:effectLst>
+                <a:latin typeface="Comic Sans MS"/>
+                <a:cs typeface="Comic Sans MS"/>
+              </a:rPr>
+              <a:t>A</a:t>
+            </a:r>
+            <a:r>
+              <a:rPr lang="en-US" sz="4800" dirty="0" smtClean="0">
+                <a:solidFill>
+                  <a:schemeClr val="accent1">
+                    <a:lumMod val="50000"/>
+                  </a:schemeClr>
+                </a:solidFill>
+                <a:latin typeface="Comic Sans MS"/>
+                <a:cs typeface="Comic Sans MS"/>
+              </a:rPr>
+              <a:t>, 3, </a:t>
+            </a:r>
+            <a:r>
+              <a:rPr lang="en-US" sz="4800" dirty="0" smtClean="0">
+                <a:solidFill>
+                  <a:srgbClr val="000000"/>
+                </a:solidFill>
+                <a:latin typeface="Comic Sans MS"/>
+                <a:cs typeface="Comic Sans MS"/>
+              </a:rPr>
+              <a:t>{</a:t>
+            </a:r>
+            <a:r>
+              <a:rPr lang="en-US" sz="4800" dirty="0">
+                <a:solidFill>
+                  <a:srgbClr val="FF0000"/>
+                </a:solidFill>
+                <a:latin typeface="Comic Sans MS"/>
+                <a:cs typeface="Comic Sans MS"/>
+              </a:rPr>
+              <a:t>♦</a:t>
+            </a:r>
+            <a:r>
+              <a:rPr lang="en-US" sz="4800" dirty="0" smtClean="0">
+                <a:solidFill>
+                  <a:schemeClr val="accent1">
+                    <a:lumMod val="50000"/>
+                  </a:schemeClr>
+                </a:solidFill>
+                <a:latin typeface="Comic Sans MS"/>
+                <a:cs typeface="Comic Sans MS"/>
+              </a:rPr>
+              <a:t>, </a:t>
+            </a:r>
+            <a:r>
+              <a:rPr lang="en-US" sz="4800" dirty="0" smtClean="0">
+                <a:solidFill>
+                  <a:srgbClr val="FF0000"/>
+                </a:solidFill>
+                <a:latin typeface="Comic Sans MS"/>
+                <a:cs typeface="Comic Sans MS"/>
+              </a:rPr>
+              <a:t>♥</a:t>
+            </a:r>
+            <a:r>
+              <a:rPr lang="en-US" sz="4800" dirty="0" smtClean="0">
+                <a:solidFill>
+                  <a:srgbClr val="000000"/>
+                </a:solidFill>
+                <a:latin typeface="Comic Sans MS"/>
+                <a:cs typeface="Comic Sans MS"/>
+              </a:rPr>
+              <a:t>}</a:t>
+            </a:r>
+            <a:r>
+              <a:rPr lang="en-US" sz="4800" dirty="0" smtClean="0">
+                <a:solidFill>
+                  <a:schemeClr val="accent1">
+                    <a:lumMod val="50000"/>
+                  </a:schemeClr>
+                </a:solidFill>
+                <a:latin typeface="Comic Sans MS"/>
+                <a:cs typeface="Comic Sans MS"/>
+              </a:rPr>
+              <a:t>, </a:t>
+            </a:r>
+            <a:r>
+              <a:rPr lang="en-US" sz="4800" dirty="0" smtClean="0">
+                <a:solidFill>
+                  <a:srgbClr val="000000"/>
+                </a:solidFill>
+                <a:latin typeface="Comic Sans MS"/>
+                <a:cs typeface="Comic Sans MS"/>
+              </a:rPr>
+              <a:t>{</a:t>
+            </a:r>
+            <a:r>
+              <a:rPr lang="en-US" sz="4800" dirty="0" smtClean="0">
+                <a:solidFill>
+                  <a:srgbClr val="FF0000"/>
+                </a:solidFill>
+                <a:effectLst>
+                  <a:glow rad="139700">
+                    <a:schemeClr val="accent2">
+                      <a:satMod val="175000"/>
+                      <a:alpha val="40000"/>
+                    </a:schemeClr>
+                  </a:glow>
+                </a:effectLst>
+                <a:latin typeface="Comic Sans MS"/>
+                <a:cs typeface="Comic Sans MS"/>
+              </a:rPr>
+              <a:t>♦</a:t>
+            </a:r>
+            <a:r>
+              <a:rPr lang="en-US" sz="4800" dirty="0" smtClean="0">
+                <a:solidFill>
+                  <a:schemeClr val="accent1">
+                    <a:lumMod val="50000"/>
+                  </a:schemeClr>
+                </a:solidFill>
+                <a:latin typeface="Comic Sans MS"/>
+                <a:cs typeface="Comic Sans MS"/>
+              </a:rPr>
+              <a:t>, </a:t>
+            </a:r>
+            <a:r>
+              <a:rPr lang="en-US" sz="4800" dirty="0" smtClean="0">
+                <a:solidFill>
+                  <a:schemeClr val="tx2"/>
+                </a:solidFill>
+                <a:effectLst>
+                  <a:glow rad="139700">
+                    <a:schemeClr val="accent2">
+                      <a:satMod val="175000"/>
+                      <a:alpha val="40000"/>
+                    </a:schemeClr>
+                  </a:glow>
+                </a:effectLst>
+                <a:latin typeface="Comic Sans MS"/>
+                <a:cs typeface="Comic Sans MS"/>
+              </a:rPr>
+              <a:t>♠</a:t>
+            </a:r>
+            <a:r>
+              <a:rPr lang="en-US" sz="4800" dirty="0" smtClean="0">
+                <a:solidFill>
+                  <a:schemeClr val="tx2"/>
+                </a:solidFill>
+                <a:latin typeface="Comic Sans MS"/>
+                <a:cs typeface="Comic Sans MS"/>
+              </a:rPr>
+              <a:t>}</a:t>
+            </a:r>
+            <a:r>
+              <a:rPr lang="en-US" sz="4800" dirty="0" smtClean="0">
+                <a:solidFill>
+                  <a:schemeClr val="accent1">
+                    <a:lumMod val="50000"/>
+                  </a:schemeClr>
+                </a:solidFill>
+                <a:latin typeface="Comic Sans MS"/>
+                <a:cs typeface="Comic Sans MS"/>
+              </a:rPr>
+              <a:t>, </a:t>
+            </a:r>
+            <a:r>
+              <a:rPr lang="en-US" sz="4800" dirty="0" smtClean="0">
+                <a:solidFill>
+                  <a:srgbClr val="000000"/>
+                </a:solidFill>
+                <a:latin typeface="Comic Sans MS"/>
+                <a:cs typeface="Comic Sans MS"/>
+              </a:rPr>
+              <a:t>♣</a:t>
+            </a:r>
+          </a:p>
+        </p:txBody>
+      </p:sp>
+      <p:sp>
+        <p:nvSpPr>
+          <p:cNvPr id="9" name="TextBox 8"/>
+          <p:cNvSpPr txBox="1"/>
+          <p:nvPr/>
+        </p:nvSpPr>
+        <p:spPr>
+          <a:xfrm>
+            <a:off x="609600" y="1371600"/>
+            <a:ext cx="5086749" cy="830997"/>
+          </a:xfrm>
+          <a:prstGeom prst="rect">
+            <a:avLst/>
+          </a:prstGeom>
+          <a:noFill/>
+        </p:spPr>
+        <p:txBody>
+          <a:bodyPr wrap="none" rtlCol="0">
+            <a:spAutoFit/>
+          </a:bodyPr>
+          <a:lstStyle/>
+          <a:p>
+            <a:r>
+              <a:rPr lang="en-US" sz="4000" dirty="0" smtClean="0">
+                <a:latin typeface="Comic Sans MS"/>
+                <a:cs typeface="Comic Sans MS"/>
+              </a:rPr>
+              <a:t>example:</a:t>
+            </a:r>
+            <a:r>
+              <a:rPr lang="en-US" sz="4800" dirty="0" smtClean="0">
+                <a:latin typeface="Comic Sans MS"/>
+                <a:cs typeface="Comic Sans MS"/>
+              </a:rPr>
+              <a:t> </a:t>
+            </a:r>
+            <a:r>
+              <a:rPr lang="en-US" sz="4800" dirty="0" smtClean="0">
+                <a:solidFill>
+                  <a:srgbClr val="0000FF"/>
+                </a:solidFill>
+                <a:latin typeface="Comic Sans MS"/>
+                <a:cs typeface="Comic Sans MS"/>
+              </a:rPr>
+              <a:t>choosing</a:t>
+            </a:r>
+            <a:endParaRPr lang="en-US" sz="4800" dirty="0">
+              <a:latin typeface="Comic Sans MS"/>
+              <a:cs typeface="Comic Sans MS"/>
+            </a:endParaRPr>
+          </a:p>
+        </p:txBody>
+      </p:sp>
+      <p:sp>
+        <p:nvSpPr>
+          <p:cNvPr id="10" name="TextBox 9"/>
+          <p:cNvSpPr txBox="1"/>
+          <p:nvPr/>
+        </p:nvSpPr>
+        <p:spPr>
+          <a:xfrm>
+            <a:off x="533400" y="3048000"/>
+            <a:ext cx="6412332" cy="830997"/>
+          </a:xfrm>
+          <a:prstGeom prst="rect">
+            <a:avLst/>
+          </a:prstGeom>
+          <a:noFill/>
+        </p:spPr>
+        <p:txBody>
+          <a:bodyPr wrap="none" rtlCol="0">
+            <a:spAutoFit/>
+          </a:bodyPr>
+          <a:lstStyle/>
+          <a:p>
+            <a:r>
+              <a:rPr lang="en-US" sz="4800" dirty="0" smtClean="0">
+                <a:latin typeface="Comic Sans MS"/>
+                <a:cs typeface="Comic Sans MS"/>
+              </a:rPr>
+              <a:t>specifies 2-pair hand:</a:t>
+            </a:r>
+            <a:endParaRPr lang="en-US" sz="4800" dirty="0">
+              <a:latin typeface="Comic Sans MS"/>
+              <a:cs typeface="Comic Sans MS"/>
+            </a:endParaRPr>
+          </a:p>
+        </p:txBody>
+      </p:sp>
+      <p:sp>
+        <p:nvSpPr>
+          <p:cNvPr id="11" name="TextBox 10"/>
+          <p:cNvSpPr txBox="1"/>
+          <p:nvPr/>
+        </p:nvSpPr>
+        <p:spPr>
+          <a:xfrm>
+            <a:off x="1371600" y="3962400"/>
+            <a:ext cx="5089967" cy="923330"/>
+          </a:xfrm>
+          <a:prstGeom prst="rect">
+            <a:avLst/>
+          </a:prstGeom>
+          <a:noFill/>
+        </p:spPr>
+        <p:txBody>
+          <a:bodyPr wrap="none" rtlCol="0">
+            <a:spAutoFit/>
+          </a:bodyPr>
+          <a:lstStyle/>
+          <a:p>
+            <a:r>
+              <a:rPr lang="en-US" sz="5400" dirty="0" smtClean="0">
+                <a:solidFill>
+                  <a:schemeClr val="accent1">
+                    <a:lumMod val="50000"/>
+                  </a:schemeClr>
+                </a:solidFill>
+                <a:latin typeface="Comic Sans MS"/>
+                <a:cs typeface="Comic Sans MS"/>
+              </a:rPr>
+              <a:t>K</a:t>
+            </a:r>
+            <a:r>
+              <a:rPr lang="en-US" sz="5400" dirty="0" smtClean="0">
+                <a:solidFill>
+                  <a:srgbClr val="FF0000"/>
+                </a:solidFill>
+                <a:latin typeface="Comic Sans MS"/>
+                <a:cs typeface="Comic Sans MS"/>
+              </a:rPr>
+              <a:t>♦</a:t>
+            </a:r>
+            <a:r>
+              <a:rPr lang="en-US" sz="5400" dirty="0" smtClean="0">
+                <a:solidFill>
+                  <a:schemeClr val="accent1">
+                    <a:lumMod val="50000"/>
+                  </a:schemeClr>
+                </a:solidFill>
+                <a:latin typeface="Comic Sans MS"/>
+                <a:cs typeface="Comic Sans MS"/>
+              </a:rPr>
+              <a:t>, K</a:t>
+            </a:r>
+            <a:r>
+              <a:rPr lang="en-US" sz="5400" dirty="0" smtClean="0">
+                <a:solidFill>
+                  <a:srgbClr val="FF0000"/>
+                </a:solidFill>
+                <a:latin typeface="Comic Sans MS"/>
+                <a:cs typeface="Comic Sans MS"/>
+              </a:rPr>
+              <a:t>♥</a:t>
+            </a:r>
+            <a:r>
+              <a:rPr lang="en-US" sz="5400" dirty="0" smtClean="0">
+                <a:solidFill>
+                  <a:schemeClr val="accent1">
+                    <a:lumMod val="50000"/>
+                  </a:schemeClr>
+                </a:solidFill>
+                <a:latin typeface="Comic Sans MS"/>
+                <a:cs typeface="Comic Sans MS"/>
+              </a:rPr>
+              <a:t>, A</a:t>
+            </a:r>
+            <a:r>
+              <a:rPr lang="en-US" sz="5400" dirty="0" smtClean="0">
+                <a:solidFill>
+                  <a:srgbClr val="FF0000"/>
+                </a:solidFill>
+                <a:latin typeface="Comic Sans MS"/>
+                <a:cs typeface="Comic Sans MS"/>
+              </a:rPr>
+              <a:t>♦</a:t>
+            </a:r>
+            <a:r>
+              <a:rPr lang="en-US" sz="5400" dirty="0" smtClean="0">
+                <a:solidFill>
+                  <a:schemeClr val="accent1">
+                    <a:lumMod val="50000"/>
+                  </a:schemeClr>
+                </a:solidFill>
+                <a:latin typeface="Comic Sans MS"/>
+                <a:cs typeface="Comic Sans MS"/>
+              </a:rPr>
+              <a:t>, A</a:t>
+            </a:r>
+            <a:r>
+              <a:rPr lang="en-US" sz="5400" dirty="0" smtClean="0">
+                <a:solidFill>
+                  <a:schemeClr val="tx2"/>
+                </a:solidFill>
+                <a:latin typeface="Comic Sans MS"/>
+                <a:cs typeface="Comic Sans MS"/>
+              </a:rPr>
+              <a:t>♠</a:t>
+            </a:r>
+            <a:endParaRPr lang="en-US" sz="5400" dirty="0" smtClean="0">
+              <a:solidFill>
+                <a:srgbClr val="000000"/>
+              </a:solidFill>
+              <a:latin typeface="Comic Sans MS"/>
+              <a:cs typeface="Comic Sans MS"/>
+            </a:endParaRPr>
+          </a:p>
+        </p:txBody>
+      </p:sp>
     </p:spTree>
+    <p:extLst>
+      <p:ext uri="{BB962C8B-B14F-4D97-AF65-F5344CB8AC3E}">
+        <p14:creationId xmlns:p14="http://schemas.microsoft.com/office/powerpoint/2010/main" val="739410534"/>
+      </p:ext>
+    </p:extLst>
   </p:cSld>
   <p:clrMapOvr>
     <a:masterClrMapping/>
   </p:clrMapOvr>
-  <p:transition xmlns:p14="http://schemas.microsoft.com/office/powerpoint/2010/main" spd="slow" advClick="0">
-    <p:fade thruBlk="1"/>
-  </p:transition>
+  <mc:AlternateContent xmlns:mc="http://schemas.openxmlformats.org/markup-compatibility/2006">
+    <mc:Choice xmlns:p14="http://schemas.microsoft.com/office/powerpoint/2010/main" Requires="p14">
+      <p:transition spd="slow" p14:dur="1200" advClick="0">
+        <p:fade/>
+      </p:transition>
+    </mc:Choice>
+    <mc:Fallback>
+      <p:transition xmlns:p14="http://schemas.microsoft.com/office/powerpoint/2010/main" spd="slow" advClick="0">
+        <p:fade/>
+      </p:transition>
+    </mc:Fallback>
+  </mc:AlternateContent>
   <p:timing>
     <p:tnLst>
       <p:par>
@@ -8539,6 +12587,9 @@
                     <p:cTn id="3" fill="hold">
                       <p:stCondLst>
                         <p:cond delay="indefinite"/>
+                        <p:cond evt="onBegin" delay="0">
+                          <p:tn val="2"/>
+                        </p:cond>
                       </p:stCondLst>
                       <p:childTnLst>
                         <p:par>
@@ -8548,7 +12599,7 @@
                             </p:stCondLst>
                             <p:childTnLst>
                               <p:par>
-                                <p:cTn id="5" presetID="22" presetClass="entr" presetSubtype="1" fill="hold" grpId="0" nodeType="clickEffect">
+                                <p:cTn id="5" presetID="10" presetClass="entr" presetSubtype="0" fill="hold" grpId="0" nodeType="afterEffect">
                                   <p:stCondLst>
                                     <p:cond delay="0"/>
                                   </p:stCondLst>
@@ -8561,11 +12612,7 @@
                                           </p:stCondLst>
                                         </p:cTn>
                                         <p:tgtEl>
-                                          <p:spTgt spid="3">
-                                            <p:txEl>
-                                              <p:pRg st="1" end="1"/>
-                                            </p:txEl>
-                                          </p:spTgt>
+                                          <p:spTgt spid="11"/>
                                         </p:tgtEl>
                                         <p:attrNameLst>
                                           <p:attrName>style.visibility</p:attrName>
@@ -8575,340 +12622,14 @@
                                         <p:strVal val="visible"/>
                                       </p:to>
                                     </p:set>
-                                    <p:animEffect transition="in" filter="wipe(up)">
+                                    <p:animEffect transition="in" filter="fade">
                                       <p:cBhvr>
                                         <p:cTn id="7" dur="500"/>
                                         <p:tgtEl>
-                                          <p:spTgt spid="3">
-                                            <p:txEl>
-                                              <p:pRg st="1" end="1"/>
-                                            </p:txEl>
-                                          </p:spTgt>
+                                          <p:spTgt spid="11"/>
                                         </p:tgtEl>
                                       </p:cBhvr>
                                     </p:animEffect>
-                                  </p:childTnLst>
-                                </p:cTn>
-                              </p:par>
-                            </p:childTnLst>
-                          </p:cTn>
-                        </p:par>
-                        <p:par>
-                          <p:cTn id="8" fill="hold">
-                            <p:stCondLst>
-                              <p:cond delay="500"/>
-                            </p:stCondLst>
-                            <p:childTnLst>
-                              <p:par>
-                                <p:cTn id="9" presetID="22" presetClass="entr" presetSubtype="1" fill="hold" grpId="0" nodeType="afterEffect">
-                                  <p:stCondLst>
-                                    <p:cond delay="0"/>
-                                  </p:stCondLst>
-                                  <p:childTnLst>
-                                    <p:set>
-                                      <p:cBhvr>
-                                        <p:cTn id="10" dur="1" fill="hold">
-                                          <p:stCondLst>
-                                            <p:cond delay="0"/>
-                                          </p:stCondLst>
-                                        </p:cTn>
-                                        <p:tgtEl>
-                                          <p:spTgt spid="3">
-                                            <p:txEl>
-                                              <p:pRg st="2" end="2"/>
-                                            </p:txEl>
-                                          </p:spTgt>
-                                        </p:tgtEl>
-                                        <p:attrNameLst>
-                                          <p:attrName>style.visibility</p:attrName>
-                                        </p:attrNameLst>
-                                      </p:cBhvr>
-                                      <p:to>
-                                        <p:strVal val="visible"/>
-                                      </p:to>
-                                    </p:set>
-                                    <p:animEffect transition="in" filter="wipe(up)">
-                                      <p:cBhvr>
-                                        <p:cTn id="11" dur="500"/>
-                                        <p:tgtEl>
-                                          <p:spTgt spid="3">
-                                            <p:txEl>
-                                              <p:pRg st="2" end="2"/>
-                                            </p:txEl>
-                                          </p:spTgt>
-                                        </p:tgtEl>
-                                      </p:cBhvr>
-                                    </p:animEffect>
-                                  </p:childTnLst>
-                                </p:cTn>
-                              </p:par>
-                            </p:childTnLst>
-                          </p:cTn>
-                        </p:par>
-                      </p:childTnLst>
-                    </p:cTn>
-                  </p:par>
-                  <p:par>
-                    <p:cTn id="12" fill="hold">
-                      <p:stCondLst>
-                        <p:cond delay="indefinite"/>
-                      </p:stCondLst>
-                      <p:childTnLst>
-                        <p:par>
-                          <p:cTn id="13" fill="hold">
-                            <p:stCondLst>
-                              <p:cond delay="0"/>
-                            </p:stCondLst>
-                            <p:childTnLst>
-                              <p:par>
-                                <p:cTn id="14" presetID="22" presetClass="entr" presetSubtype="1" fill="hold" grpId="0" nodeType="clickEffect">
-                                  <p:stCondLst>
-                                    <p:cond delay="0"/>
-                                  </p:stCondLst>
-                                  <p:childTnLst>
-                                    <p:set>
-                                      <p:cBhvr>
-                                        <p:cTn id="15" dur="1" fill="hold">
-                                          <p:stCondLst>
-                                            <p:cond delay="0"/>
-                                          </p:stCondLst>
-                                        </p:cTn>
-                                        <p:tgtEl>
-                                          <p:spTgt spid="3">
-                                            <p:txEl>
-                                              <p:pRg st="3" end="3"/>
-                                            </p:txEl>
-                                          </p:spTgt>
-                                        </p:tgtEl>
-                                        <p:attrNameLst>
-                                          <p:attrName>style.visibility</p:attrName>
-                                        </p:attrNameLst>
-                                      </p:cBhvr>
-                                      <p:to>
-                                        <p:strVal val="visible"/>
-                                      </p:to>
-                                    </p:set>
-                                    <p:animEffect transition="in" filter="wipe(up)">
-                                      <p:cBhvr>
-                                        <p:cTn id="16" dur="500"/>
-                                        <p:tgtEl>
-                                          <p:spTgt spid="3">
-                                            <p:txEl>
-                                              <p:pRg st="3" end="3"/>
-                                            </p:txEl>
-                                          </p:spTgt>
-                                        </p:tgtEl>
-                                      </p:cBhvr>
-                                    </p:animEffect>
-                                  </p:childTnLst>
-                                </p:cTn>
-                              </p:par>
-                            </p:childTnLst>
-                          </p:cTn>
-                        </p:par>
-                        <p:par>
-                          <p:cTn id="17" fill="hold">
-                            <p:stCondLst>
-                              <p:cond delay="500"/>
-                            </p:stCondLst>
-                            <p:childTnLst>
-                              <p:par>
-                                <p:cTn id="18" presetID="22" presetClass="entr" presetSubtype="1" fill="hold" grpId="0" nodeType="afterEffect">
-                                  <p:stCondLst>
-                                    <p:cond delay="0"/>
-                                  </p:stCondLst>
-                                  <p:childTnLst>
-                                    <p:set>
-                                      <p:cBhvr>
-                                        <p:cTn id="19" dur="1" fill="hold">
-                                          <p:stCondLst>
-                                            <p:cond delay="0"/>
-                                          </p:stCondLst>
-                                        </p:cTn>
-                                        <p:tgtEl>
-                                          <p:spTgt spid="3">
-                                            <p:txEl>
-                                              <p:pRg st="4" end="4"/>
-                                            </p:txEl>
-                                          </p:spTgt>
-                                        </p:tgtEl>
-                                        <p:attrNameLst>
-                                          <p:attrName>style.visibility</p:attrName>
-                                        </p:attrNameLst>
-                                      </p:cBhvr>
-                                      <p:to>
-                                        <p:strVal val="visible"/>
-                                      </p:to>
-                                    </p:set>
-                                    <p:animEffect transition="in" filter="wipe(up)">
-                                      <p:cBhvr>
-                                        <p:cTn id="20" dur="500"/>
-                                        <p:tgtEl>
-                                          <p:spTgt spid="3">
-                                            <p:txEl>
-                                              <p:pRg st="4" end="4"/>
-                                            </p:txEl>
-                                          </p:spTgt>
-                                        </p:tgtEl>
-                                      </p:cBhvr>
-                                    </p:animEffect>
-                                  </p:childTnLst>
-                                </p:cTn>
-                              </p:par>
-                            </p:childTnLst>
-                          </p:cTn>
-                        </p:par>
-                      </p:childTnLst>
-                    </p:cTn>
-                  </p:par>
-                  <p:par>
-                    <p:cTn id="21" fill="hold">
-                      <p:stCondLst>
-                        <p:cond delay="indefinite"/>
-                      </p:stCondLst>
-                      <p:childTnLst>
-                        <p:par>
-                          <p:cTn id="22" fill="hold">
-                            <p:stCondLst>
-                              <p:cond delay="0"/>
-                            </p:stCondLst>
-                            <p:childTnLst>
-                              <p:par>
-                                <p:cTn id="23" presetID="15" presetClass="entr" presetSubtype="0" fill="hold" grpId="0" nodeType="clickEffect">
-                                  <p:stCondLst>
-                                    <p:cond delay="0"/>
-                                  </p:stCondLst>
-                                  <p:childTnLst>
-                                    <p:set>
-                                      <p:cBhvr>
-                                        <p:cTn id="24" dur="1" fill="hold">
-                                          <p:stCondLst>
-                                            <p:cond delay="0"/>
-                                          </p:stCondLst>
-                                        </p:cTn>
-                                        <p:tgtEl>
-                                          <p:spTgt spid="3">
-                                            <p:txEl>
-                                              <p:pRg st="5" end="5"/>
-                                            </p:txEl>
-                                          </p:spTgt>
-                                        </p:tgtEl>
-                                        <p:attrNameLst>
-                                          <p:attrName>style.visibility</p:attrName>
-                                        </p:attrNameLst>
-                                      </p:cBhvr>
-                                      <p:to>
-                                        <p:strVal val="visible"/>
-                                      </p:to>
-                                    </p:set>
-                                    <p:anim calcmode="lin" valueType="num">
-                                      <p:cBhvr>
-                                        <p:cTn id="25" dur="1000" fill="hold"/>
-                                        <p:tgtEl>
-                                          <p:spTgt spid="3">
-                                            <p:txEl>
-                                              <p:pRg st="5" end="5"/>
-                                            </p:txEl>
-                                          </p:spTgt>
-                                        </p:tgtEl>
-                                        <p:attrNameLst>
-                                          <p:attrName>ppt_w</p:attrName>
-                                        </p:attrNameLst>
-                                      </p:cBhvr>
-                                      <p:tavLst>
-                                        <p:tav tm="0">
-                                          <p:val>
-                                            <p:fltVal val="0"/>
-                                          </p:val>
-                                        </p:tav>
-                                        <p:tav tm="100000">
-                                          <p:val>
-                                            <p:strVal val="#ppt_w"/>
-                                          </p:val>
-                                        </p:tav>
-                                      </p:tavLst>
-                                    </p:anim>
-                                    <p:anim calcmode="lin" valueType="num">
-                                      <p:cBhvr>
-                                        <p:cTn id="26" dur="1000" fill="hold"/>
-                                        <p:tgtEl>
-                                          <p:spTgt spid="3">
-                                            <p:txEl>
-                                              <p:pRg st="5" end="5"/>
-                                            </p:txEl>
-                                          </p:spTgt>
-                                        </p:tgtEl>
-                                        <p:attrNameLst>
-                                          <p:attrName>ppt_h</p:attrName>
-                                        </p:attrNameLst>
-                                      </p:cBhvr>
-                                      <p:tavLst>
-                                        <p:tav tm="0">
-                                          <p:val>
-                                            <p:fltVal val="0"/>
-                                          </p:val>
-                                        </p:tav>
-                                        <p:tav tm="100000">
-                                          <p:val>
-                                            <p:strVal val="#ppt_h"/>
-                                          </p:val>
-                                        </p:tav>
-                                      </p:tavLst>
-                                    </p:anim>
-                                    <p:anim calcmode="lin" valueType="num">
-                                      <p:cBhvr>
-                                        <p:cTn id="27" dur="1000" fill="hold"/>
-                                        <p:tgtEl>
-                                          <p:spTgt spid="3">
-                                            <p:txEl>
-                                              <p:pRg st="5" end="5"/>
-                                            </p:txEl>
-                                          </p:spTgt>
-                                        </p:tgtEl>
-                                        <p:attrNameLst>
-                                          <p:attrName>ppt_x</p:attrName>
-                                        </p:attrNameLst>
-                                      </p:cBhvr>
-                                      <p:tavLst>
-                                        <p:tav tm="0" fmla="#ppt_x+(cos(-2*pi*(1-$))*-#ppt_x-sin(-2*pi*(1-$))*(1-#ppt_y))*(1-$)">
-                                          <p:val>
-                                            <p:fltVal val="0"/>
-                                          </p:val>
-                                        </p:tav>
-                                        <p:tav tm="100000">
-                                          <p:val>
-                                            <p:fltVal val="1"/>
-                                          </p:val>
-                                        </p:tav>
-                                      </p:tavLst>
-                                    </p:anim>
-                                    <p:anim calcmode="lin" valueType="num">
-                                      <p:cBhvr>
-                                        <p:cTn id="28" dur="1000" fill="hold"/>
-                                        <p:tgtEl>
-                                          <p:spTgt spid="3">
-                                            <p:txEl>
-                                              <p:pRg st="5" end="5"/>
-                                            </p:txEl>
-                                          </p:spTgt>
-                                        </p:tgtEl>
-                                        <p:attrNameLst>
-                                          <p:attrName>ppt_y</p:attrName>
-                                        </p:attrNameLst>
-                                      </p:cBhvr>
-                                      <p:tavLst>
-                                        <p:tav tm="0" fmla="#ppt_y+(sin(-2*pi*(1-$))*-#ppt_x+cos(-2*pi*(1-$))*(1-#ppt_y))*(1-$)">
-                                          <p:val>
-                                            <p:fltVal val="0"/>
-                                          </p:val>
-                                        </p:tav>
-                                        <p:tav tm="100000">
-                                          <p:val>
-                                            <p:fltVal val="1"/>
-                                          </p:val>
-                                        </p:tav>
-                                      </p:tavLst>
-                                    </p:anim>
                                   </p:childTnLst>
                                 </p:cTn>
                               </p:par>
@@ -8940,7 +12661,7 @@
       </p:par>
     </p:tnLst>
     <p:bldLst>
-      <p:bldP spid="3" grpId="0" build="p"/>
+      <p:bldP spid="11" grpId="0"/>
     </p:bldLst>
   </p:timing>
 </p:sld>
@@ -8988,82 +12709,6 @@
       </p:sp>
       <p:sp>
         <p:nvSpPr>
-          <p:cNvPr id="3" name="Content Placeholder 2"/>
-          <p:cNvSpPr>
-            <a:spLocks noGrp="1"/>
-          </p:cNvSpPr>
-          <p:nvPr>
-            <p:ph idx="1"/>
-          </p:nvPr>
-        </p:nvSpPr>
-        <p:spPr>
-          <a:xfrm>
-            <a:off x="190500" y="1250950"/>
-            <a:ext cx="8763000" cy="5149850"/>
-          </a:xfrm>
-        </p:spPr>
-        <p:txBody>
-          <a:bodyPr/>
-          <a:lstStyle/>
-          <a:p>
-            <a:r>
-              <a:rPr lang="en-US" sz="4400" dirty="0" smtClean="0">
-                <a:solidFill>
-                  <a:srgbClr val="000000"/>
-                </a:solidFill>
-              </a:rPr>
-              <a:t>but the correspondence to</a:t>
-            </a:r>
-          </a:p>
-          <a:p>
-            <a:r>
-              <a:rPr lang="en-US" sz="4400" dirty="0" smtClean="0">
-                <a:solidFill>
-                  <a:srgbClr val="000000"/>
-                </a:solidFill>
-              </a:rPr>
-              <a:t>2-pair hands is </a:t>
-            </a:r>
-            <a:r>
-              <a:rPr lang="en-US" sz="4400" dirty="0" smtClean="0">
-                <a:solidFill>
-                  <a:schemeClr val="accent2"/>
-                </a:solidFill>
-              </a:rPr>
-              <a:t>not a </a:t>
-            </a:r>
-            <a:r>
-              <a:rPr lang="en-US" sz="4400" dirty="0" err="1" smtClean="0">
-                <a:solidFill>
-                  <a:schemeClr val="accent2"/>
-                </a:solidFill>
-                <a:latin typeface="Comic Sans MS"/>
-                <a:cs typeface="Comic Sans MS"/>
-              </a:rPr>
-              <a:t>bijection</a:t>
-            </a:r>
-            <a:r>
-              <a:rPr lang="en-US" sz="4400" dirty="0" smtClean="0">
-                <a:solidFill>
-                  <a:srgbClr val="000000"/>
-                </a:solidFill>
-                <a:latin typeface="Comic Sans MS"/>
-                <a:cs typeface="Comic Sans MS"/>
-              </a:rPr>
-              <a:t>:</a:t>
-            </a:r>
-            <a:endParaRPr lang="en-US" sz="4400" dirty="0" smtClean="0">
-              <a:solidFill>
-                <a:srgbClr val="008000"/>
-              </a:solidFill>
-              <a:latin typeface="Comic Sans MS"/>
-              <a:cs typeface="Comic Sans MS"/>
-            </a:endParaRPr>
-          </a:p>
-        </p:txBody>
-      </p:sp>
-      <p:sp>
-        <p:nvSpPr>
           <p:cNvPr id="4" name="Slide Number Placeholder 3"/>
           <p:cNvSpPr>
             <a:spLocks noGrp="1"/>
@@ -9095,79 +12740,423 @@
           </a:p>
         </p:txBody>
       </p:sp>
-      <p:graphicFrame>
-        <p:nvGraphicFramePr>
-          <p:cNvPr id="7" name="Object 6"/>
-          <p:cNvGraphicFramePr>
-            <a:graphicFrameLocks noChangeAspect="1"/>
-          </p:cNvGraphicFramePr>
-          <p:nvPr/>
-        </p:nvGraphicFramePr>
-        <p:xfrm>
-          <a:off x="4419600" y="3314700"/>
-          <a:ext cx="139700" cy="228600"/>
-        </p:xfrm>
-        <a:graphic>
-          <a:graphicData uri="http://schemas.openxmlformats.org/presentationml/2006/ole">
-            <mc:AlternateContent xmlns:mc="http://schemas.openxmlformats.org/markup-compatibility/2006">
-              <mc:Choice xmlns:v="urn:schemas-microsoft-com:vml" Requires="v">
-                <p:oleObj spid="_x0000_s69660" name="Equation" r:id="rId3" imgW="139700" imgH="228600" progId="Equation.DSMT4">
-                  <p:embed/>
-                </p:oleObj>
-              </mc:Choice>
-              <mc:Fallback>
-                <p:oleObj name="Equation" r:id="rId3" imgW="139700" imgH="228600" progId="Equation.DSMT4">
-                  <p:embed/>
-                  <p:pic>
-                    <p:nvPicPr>
-                      <p:cNvPr id="0" name="Picture 2"/>
-                      <p:cNvPicPr>
-                        <a:picLocks noChangeAspect="1" noChangeArrowheads="1"/>
-                      </p:cNvPicPr>
-                      <p:nvPr/>
-                    </p:nvPicPr>
-                    <p:blipFill>
-                      <a:blip r:embed="rId4">
-                        <a:extLst>
-                          <a:ext uri="{28A0092B-C50C-407E-A947-70E740481C1C}">
-                            <a14:useLocalDpi xmlns:a14="http://schemas.microsoft.com/office/drawing/2010/main" val="0"/>
-                          </a:ext>
-                        </a:extLst>
-                      </a:blip>
-                      <a:srcRect/>
-                      <a:stretch>
-                        <a:fillRect/>
-                      </a:stretch>
-                    </p:blipFill>
-                    <p:spPr bwMode="auto">
-                      <a:xfrm>
-                        <a:off x="4419600" y="3314700"/>
-                        <a:ext cx="139700" cy="228600"/>
-                      </a:xfrm>
-                      <a:prstGeom prst="rect">
-                        <a:avLst/>
-                      </a:prstGeom>
-                      <a:noFill/>
-                      <a:extLst>
-                        <a:ext uri="{909E8E84-426E-40dd-AFC4-6F175D3DCCD1}">
-                          <a14:hiddenFill xmlns:a14="http://schemas.microsoft.com/office/drawing/2010/main">
-                            <a:solidFill>
-                              <a:srgbClr val="FFFFFF"/>
-                            </a:solidFill>
-                          </a14:hiddenFill>
-                        </a:ext>
-                      </a:extLst>
-                    </p:spPr>
-                  </p:pic>
-                </p:oleObj>
-              </mc:Fallback>
-            </mc:AlternateContent>
-          </a:graphicData>
-        </a:graphic>
-      </p:graphicFrame>
       <p:sp>
         <p:nvSpPr>
-          <p:cNvPr id="6" name="TextBox 5"/>
+          <p:cNvPr id="7" name="TextBox 6"/>
+          <p:cNvSpPr txBox="1"/>
+          <p:nvPr/>
+        </p:nvSpPr>
+        <p:spPr>
+          <a:xfrm>
+            <a:off x="1371600" y="3962400"/>
+            <a:ext cx="5089967" cy="923330"/>
+          </a:xfrm>
+          <a:prstGeom prst="rect">
+            <a:avLst/>
+          </a:prstGeom>
+          <a:noFill/>
+        </p:spPr>
+        <p:txBody>
+          <a:bodyPr wrap="none" rtlCol="0">
+            <a:spAutoFit/>
+          </a:bodyPr>
+          <a:lstStyle/>
+          <a:p>
+            <a:r>
+              <a:rPr lang="en-US" sz="5400" dirty="0" smtClean="0">
+                <a:solidFill>
+                  <a:schemeClr val="accent1">
+                    <a:lumMod val="50000"/>
+                  </a:schemeClr>
+                </a:solidFill>
+                <a:latin typeface="Comic Sans MS"/>
+                <a:cs typeface="Comic Sans MS"/>
+              </a:rPr>
+              <a:t>K</a:t>
+            </a:r>
+            <a:r>
+              <a:rPr lang="en-US" sz="5400" dirty="0" smtClean="0">
+                <a:solidFill>
+                  <a:srgbClr val="FF0000"/>
+                </a:solidFill>
+                <a:latin typeface="Comic Sans MS"/>
+                <a:cs typeface="Comic Sans MS"/>
+              </a:rPr>
+              <a:t>♦</a:t>
+            </a:r>
+            <a:r>
+              <a:rPr lang="en-US" sz="5400" dirty="0" smtClean="0">
+                <a:solidFill>
+                  <a:schemeClr val="accent1">
+                    <a:lumMod val="50000"/>
+                  </a:schemeClr>
+                </a:solidFill>
+                <a:latin typeface="Comic Sans MS"/>
+                <a:cs typeface="Comic Sans MS"/>
+              </a:rPr>
+              <a:t>, K</a:t>
+            </a:r>
+            <a:r>
+              <a:rPr lang="en-US" sz="5400" dirty="0" smtClean="0">
+                <a:solidFill>
+                  <a:srgbClr val="FF0000"/>
+                </a:solidFill>
+                <a:latin typeface="Comic Sans MS"/>
+                <a:cs typeface="Comic Sans MS"/>
+              </a:rPr>
+              <a:t>♥</a:t>
+            </a:r>
+            <a:r>
+              <a:rPr lang="en-US" sz="5400" dirty="0" smtClean="0">
+                <a:solidFill>
+                  <a:schemeClr val="accent1">
+                    <a:lumMod val="50000"/>
+                  </a:schemeClr>
+                </a:solidFill>
+                <a:latin typeface="Comic Sans MS"/>
+                <a:cs typeface="Comic Sans MS"/>
+              </a:rPr>
+              <a:t>, A</a:t>
+            </a:r>
+            <a:r>
+              <a:rPr lang="en-US" sz="5400" dirty="0" smtClean="0">
+                <a:solidFill>
+                  <a:srgbClr val="FF0000"/>
+                </a:solidFill>
+                <a:latin typeface="Comic Sans MS"/>
+                <a:cs typeface="Comic Sans MS"/>
+              </a:rPr>
+              <a:t>♦</a:t>
+            </a:r>
+            <a:r>
+              <a:rPr lang="en-US" sz="5400" dirty="0" smtClean="0">
+                <a:solidFill>
+                  <a:schemeClr val="accent1">
+                    <a:lumMod val="50000"/>
+                  </a:schemeClr>
+                </a:solidFill>
+                <a:latin typeface="Comic Sans MS"/>
+                <a:cs typeface="Comic Sans MS"/>
+              </a:rPr>
+              <a:t>, A</a:t>
+            </a:r>
+            <a:r>
+              <a:rPr lang="en-US" sz="5400" dirty="0" smtClean="0">
+                <a:solidFill>
+                  <a:schemeClr val="tx2"/>
+                </a:solidFill>
+                <a:latin typeface="Comic Sans MS"/>
+                <a:cs typeface="Comic Sans MS"/>
+              </a:rPr>
+              <a:t>♠</a:t>
+            </a:r>
+            <a:endParaRPr lang="en-US" sz="5400" dirty="0" smtClean="0">
+              <a:solidFill>
+                <a:srgbClr val="000000"/>
+              </a:solidFill>
+              <a:latin typeface="Comic Sans MS"/>
+              <a:cs typeface="Comic Sans MS"/>
+            </a:endParaRPr>
+          </a:p>
+        </p:txBody>
+      </p:sp>
+      <p:sp>
+        <p:nvSpPr>
+          <p:cNvPr id="8" name="TextBox 7"/>
+          <p:cNvSpPr txBox="1"/>
+          <p:nvPr/>
+        </p:nvSpPr>
+        <p:spPr>
+          <a:xfrm>
+            <a:off x="914400" y="2209800"/>
+            <a:ext cx="6824705" cy="830997"/>
+          </a:xfrm>
+          <a:prstGeom prst="rect">
+            <a:avLst/>
+          </a:prstGeom>
+          <a:noFill/>
+        </p:spPr>
+        <p:txBody>
+          <a:bodyPr wrap="none" rtlCol="0">
+            <a:spAutoFit/>
+          </a:bodyPr>
+          <a:lstStyle/>
+          <a:p>
+            <a:r>
+              <a:rPr lang="en-US" sz="4800" dirty="0" smtClean="0">
+                <a:solidFill>
+                  <a:schemeClr val="accent1">
+                    <a:lumMod val="50000"/>
+                  </a:schemeClr>
+                </a:solidFill>
+                <a:latin typeface="Comic Sans MS"/>
+                <a:cs typeface="Comic Sans MS"/>
+              </a:rPr>
+              <a:t>K, A, </a:t>
+            </a:r>
+            <a:r>
+              <a:rPr lang="en-US" sz="4800" dirty="0" smtClean="0">
+                <a:solidFill>
+                  <a:schemeClr val="accent1">
+                    <a:lumMod val="50000"/>
+                  </a:schemeClr>
+                </a:solidFill>
+                <a:effectLst>
+                  <a:glow rad="139700">
+                    <a:schemeClr val="accent2">
+                      <a:satMod val="175000"/>
+                      <a:alpha val="40000"/>
+                    </a:schemeClr>
+                  </a:glow>
+                </a:effectLst>
+                <a:latin typeface="Comic Sans MS"/>
+                <a:cs typeface="Comic Sans MS"/>
+              </a:rPr>
+              <a:t>3</a:t>
+            </a:r>
+            <a:r>
+              <a:rPr lang="en-US" sz="4800" dirty="0" smtClean="0">
+                <a:solidFill>
+                  <a:schemeClr val="accent1">
+                    <a:lumMod val="50000"/>
+                  </a:schemeClr>
+                </a:solidFill>
+                <a:latin typeface="Comic Sans MS"/>
+                <a:cs typeface="Comic Sans MS"/>
+              </a:rPr>
+              <a:t>, </a:t>
+            </a:r>
+            <a:r>
+              <a:rPr lang="en-US" sz="4800" dirty="0" smtClean="0">
+                <a:solidFill>
+                  <a:srgbClr val="000000"/>
+                </a:solidFill>
+                <a:latin typeface="Comic Sans MS"/>
+                <a:cs typeface="Comic Sans MS"/>
+              </a:rPr>
+              <a:t>{</a:t>
+            </a:r>
+            <a:r>
+              <a:rPr lang="en-US" sz="4800" dirty="0">
+                <a:solidFill>
+                  <a:srgbClr val="FF0000"/>
+                </a:solidFill>
+                <a:latin typeface="Comic Sans MS"/>
+                <a:cs typeface="Comic Sans MS"/>
+              </a:rPr>
+              <a:t>♦</a:t>
+            </a:r>
+            <a:r>
+              <a:rPr lang="en-US" sz="4800" dirty="0" smtClean="0">
+                <a:solidFill>
+                  <a:schemeClr val="accent1">
+                    <a:lumMod val="50000"/>
+                  </a:schemeClr>
+                </a:solidFill>
+                <a:latin typeface="Comic Sans MS"/>
+                <a:cs typeface="Comic Sans MS"/>
+              </a:rPr>
+              <a:t>, </a:t>
+            </a:r>
+            <a:r>
+              <a:rPr lang="en-US" sz="4800" dirty="0" smtClean="0">
+                <a:solidFill>
+                  <a:srgbClr val="FF0000"/>
+                </a:solidFill>
+                <a:latin typeface="Comic Sans MS"/>
+                <a:cs typeface="Comic Sans MS"/>
+              </a:rPr>
+              <a:t>♥</a:t>
+            </a:r>
+            <a:r>
+              <a:rPr lang="en-US" sz="4800" dirty="0" smtClean="0">
+                <a:solidFill>
+                  <a:srgbClr val="000000"/>
+                </a:solidFill>
+                <a:latin typeface="Comic Sans MS"/>
+                <a:cs typeface="Comic Sans MS"/>
+              </a:rPr>
+              <a:t>}</a:t>
+            </a:r>
+            <a:r>
+              <a:rPr lang="en-US" sz="4800" dirty="0" smtClean="0">
+                <a:solidFill>
+                  <a:schemeClr val="accent1">
+                    <a:lumMod val="50000"/>
+                  </a:schemeClr>
+                </a:solidFill>
+                <a:latin typeface="Comic Sans MS"/>
+                <a:cs typeface="Comic Sans MS"/>
+              </a:rPr>
+              <a:t>, </a:t>
+            </a:r>
+            <a:r>
+              <a:rPr lang="en-US" sz="4800" dirty="0" smtClean="0">
+                <a:solidFill>
+                  <a:srgbClr val="000000"/>
+                </a:solidFill>
+                <a:latin typeface="Comic Sans MS"/>
+                <a:cs typeface="Comic Sans MS"/>
+              </a:rPr>
+              <a:t>{</a:t>
+            </a:r>
+            <a:r>
+              <a:rPr lang="en-US" sz="4800" dirty="0" smtClean="0">
+                <a:solidFill>
+                  <a:srgbClr val="FF0000"/>
+                </a:solidFill>
+                <a:latin typeface="Comic Sans MS"/>
+                <a:cs typeface="Comic Sans MS"/>
+              </a:rPr>
+              <a:t>♦</a:t>
+            </a:r>
+            <a:r>
+              <a:rPr lang="en-US" sz="4800" dirty="0" smtClean="0">
+                <a:solidFill>
+                  <a:schemeClr val="accent1">
+                    <a:lumMod val="50000"/>
+                  </a:schemeClr>
+                </a:solidFill>
+                <a:latin typeface="Comic Sans MS"/>
+                <a:cs typeface="Comic Sans MS"/>
+              </a:rPr>
+              <a:t>, </a:t>
+            </a:r>
+            <a:r>
+              <a:rPr lang="en-US" sz="4800" dirty="0" smtClean="0">
+                <a:solidFill>
+                  <a:schemeClr val="tx2"/>
+                </a:solidFill>
+                <a:latin typeface="Comic Sans MS"/>
+                <a:cs typeface="Comic Sans MS"/>
+              </a:rPr>
+              <a:t>♠}</a:t>
+            </a:r>
+            <a:r>
+              <a:rPr lang="en-US" sz="4800" dirty="0" smtClean="0">
+                <a:solidFill>
+                  <a:schemeClr val="accent1">
+                    <a:lumMod val="50000"/>
+                  </a:schemeClr>
+                </a:solidFill>
+                <a:latin typeface="Comic Sans MS"/>
+                <a:cs typeface="Comic Sans MS"/>
+              </a:rPr>
+              <a:t>, </a:t>
+            </a:r>
+            <a:r>
+              <a:rPr lang="en-US" sz="4800" dirty="0" smtClean="0">
+                <a:solidFill>
+                  <a:srgbClr val="000000"/>
+                </a:solidFill>
+                <a:effectLst>
+                  <a:glow rad="228600">
+                    <a:schemeClr val="accent2">
+                      <a:satMod val="175000"/>
+                      <a:alpha val="40000"/>
+                    </a:schemeClr>
+                  </a:glow>
+                </a:effectLst>
+                <a:latin typeface="Comic Sans MS"/>
+                <a:cs typeface="Comic Sans MS"/>
+              </a:rPr>
+              <a:t>♣</a:t>
+            </a:r>
+          </a:p>
+        </p:txBody>
+      </p:sp>
+      <p:sp>
+        <p:nvSpPr>
+          <p:cNvPr id="9" name="TextBox 8"/>
+          <p:cNvSpPr txBox="1"/>
+          <p:nvPr/>
+        </p:nvSpPr>
+        <p:spPr>
+          <a:xfrm>
+            <a:off x="609600" y="1371600"/>
+            <a:ext cx="5086749" cy="830997"/>
+          </a:xfrm>
+          <a:prstGeom prst="rect">
+            <a:avLst/>
+          </a:prstGeom>
+          <a:noFill/>
+        </p:spPr>
+        <p:txBody>
+          <a:bodyPr wrap="none" rtlCol="0">
+            <a:spAutoFit/>
+          </a:bodyPr>
+          <a:lstStyle/>
+          <a:p>
+            <a:r>
+              <a:rPr lang="en-US" sz="4000" dirty="0" smtClean="0">
+                <a:latin typeface="Comic Sans MS"/>
+                <a:cs typeface="Comic Sans MS"/>
+              </a:rPr>
+              <a:t>example:</a:t>
+            </a:r>
+            <a:r>
+              <a:rPr lang="en-US" sz="4800" dirty="0" smtClean="0">
+                <a:latin typeface="Comic Sans MS"/>
+                <a:cs typeface="Comic Sans MS"/>
+              </a:rPr>
+              <a:t> </a:t>
+            </a:r>
+            <a:r>
+              <a:rPr lang="en-US" sz="4800" dirty="0" smtClean="0">
+                <a:solidFill>
+                  <a:srgbClr val="0000FF"/>
+                </a:solidFill>
+                <a:latin typeface="Comic Sans MS"/>
+                <a:cs typeface="Comic Sans MS"/>
+              </a:rPr>
+              <a:t>choosing</a:t>
+            </a:r>
+            <a:endParaRPr lang="en-US" sz="4800" dirty="0">
+              <a:latin typeface="Comic Sans MS"/>
+              <a:cs typeface="Comic Sans MS"/>
+            </a:endParaRPr>
+          </a:p>
+        </p:txBody>
+      </p:sp>
+      <p:sp>
+        <p:nvSpPr>
+          <p:cNvPr id="10" name="TextBox 9"/>
+          <p:cNvSpPr txBox="1"/>
+          <p:nvPr/>
+        </p:nvSpPr>
+        <p:spPr>
+          <a:xfrm>
+            <a:off x="533400" y="3048000"/>
+            <a:ext cx="6412332" cy="830997"/>
+          </a:xfrm>
+          <a:prstGeom prst="rect">
+            <a:avLst/>
+          </a:prstGeom>
+          <a:noFill/>
+        </p:spPr>
+        <p:txBody>
+          <a:bodyPr wrap="none" rtlCol="0">
+            <a:spAutoFit/>
+          </a:bodyPr>
+          <a:lstStyle/>
+          <a:p>
+            <a:r>
+              <a:rPr lang="en-US" sz="4800" dirty="0" smtClean="0">
+                <a:latin typeface="Comic Sans MS"/>
+                <a:cs typeface="Comic Sans MS"/>
+              </a:rPr>
+              <a:t>specifies 2-pair hand:</a:t>
+            </a:r>
+            <a:endParaRPr lang="en-US" sz="4800" dirty="0">
+              <a:latin typeface="Comic Sans MS"/>
+              <a:cs typeface="Comic Sans MS"/>
+            </a:endParaRPr>
+          </a:p>
+        </p:txBody>
+      </p:sp>
+      <p:sp>
+        <p:nvSpPr>
+          <p:cNvPr id="11" name="TextBox 10"/>
           <p:cNvSpPr txBox="1"/>
           <p:nvPr/>
         </p:nvSpPr>
@@ -9300,848 +13289,12 @@
           </a:p>
         </p:txBody>
       </p:sp>
-      <p:sp>
-        <p:nvSpPr>
-          <p:cNvPr id="8" name="TextBox 7"/>
-          <p:cNvSpPr txBox="1"/>
-          <p:nvPr/>
-        </p:nvSpPr>
-        <p:spPr>
-          <a:xfrm>
-            <a:off x="914400" y="2971800"/>
-            <a:ext cx="7275549" cy="830997"/>
-          </a:xfrm>
-          <a:prstGeom prst="rect">
-            <a:avLst/>
-          </a:prstGeom>
-          <a:noFill/>
-        </p:spPr>
-        <p:txBody>
-          <a:bodyPr wrap="none" rtlCol="0">
-            <a:spAutoFit/>
-          </a:bodyPr>
-          <a:lstStyle/>
-          <a:p>
-            <a:r>
-              <a:rPr lang="en-US" sz="4800" dirty="0" smtClean="0">
-                <a:latin typeface="Comic Sans MS"/>
-                <a:cs typeface="Comic Sans MS"/>
-              </a:rPr>
-              <a:t>(</a:t>
-            </a:r>
-            <a:r>
-              <a:rPr lang="en-US" sz="4800" dirty="0" smtClean="0">
-                <a:solidFill>
-                  <a:schemeClr val="accent1">
-                    <a:lumMod val="50000"/>
-                  </a:schemeClr>
-                </a:solidFill>
-                <a:latin typeface="Comic Sans MS"/>
-                <a:cs typeface="Comic Sans MS"/>
-              </a:rPr>
-              <a:t>K, A, 3, </a:t>
-            </a:r>
-            <a:r>
-              <a:rPr lang="en-US" sz="4800" dirty="0" smtClean="0">
-                <a:solidFill>
-                  <a:srgbClr val="000000"/>
-                </a:solidFill>
-                <a:latin typeface="Comic Sans MS"/>
-                <a:cs typeface="Comic Sans MS"/>
-              </a:rPr>
-              <a:t>{</a:t>
-            </a:r>
-            <a:r>
-              <a:rPr lang="en-US" sz="4800" dirty="0">
-                <a:solidFill>
-                  <a:srgbClr val="FF0000"/>
-                </a:solidFill>
-                <a:latin typeface="Comic Sans MS"/>
-                <a:cs typeface="Comic Sans MS"/>
-              </a:rPr>
-              <a:t>♦</a:t>
-            </a:r>
-            <a:r>
-              <a:rPr lang="en-US" sz="4800" dirty="0" smtClean="0">
-                <a:solidFill>
-                  <a:schemeClr val="accent1">
-                    <a:lumMod val="50000"/>
-                  </a:schemeClr>
-                </a:solidFill>
-                <a:latin typeface="Comic Sans MS"/>
-                <a:cs typeface="Comic Sans MS"/>
-              </a:rPr>
-              <a:t>, </a:t>
-            </a:r>
-            <a:r>
-              <a:rPr lang="en-US" sz="4800" dirty="0" smtClean="0">
-                <a:solidFill>
-                  <a:srgbClr val="FF0000"/>
-                </a:solidFill>
-                <a:latin typeface="Comic Sans MS"/>
-                <a:cs typeface="Comic Sans MS"/>
-              </a:rPr>
-              <a:t>♥</a:t>
-            </a:r>
-            <a:r>
-              <a:rPr lang="en-US" sz="4800" dirty="0" smtClean="0">
-                <a:solidFill>
-                  <a:srgbClr val="000000"/>
-                </a:solidFill>
-                <a:latin typeface="Comic Sans MS"/>
-                <a:cs typeface="Comic Sans MS"/>
-              </a:rPr>
-              <a:t>}</a:t>
-            </a:r>
-            <a:r>
-              <a:rPr lang="en-US" sz="4800" dirty="0" smtClean="0">
-                <a:solidFill>
-                  <a:schemeClr val="accent1">
-                    <a:lumMod val="50000"/>
-                  </a:schemeClr>
-                </a:solidFill>
-                <a:latin typeface="Comic Sans MS"/>
-                <a:cs typeface="Comic Sans MS"/>
-              </a:rPr>
-              <a:t>, </a:t>
-            </a:r>
-            <a:r>
-              <a:rPr lang="en-US" sz="4800" dirty="0" smtClean="0">
-                <a:solidFill>
-                  <a:srgbClr val="000000"/>
-                </a:solidFill>
-                <a:latin typeface="Comic Sans MS"/>
-                <a:cs typeface="Comic Sans MS"/>
-              </a:rPr>
-              <a:t>{</a:t>
-            </a:r>
-            <a:r>
-              <a:rPr lang="en-US" sz="4800" dirty="0" smtClean="0">
-                <a:solidFill>
-                  <a:srgbClr val="FF0000"/>
-                </a:solidFill>
-                <a:latin typeface="Comic Sans MS"/>
-                <a:cs typeface="Comic Sans MS"/>
-              </a:rPr>
-              <a:t>♦</a:t>
-            </a:r>
-            <a:r>
-              <a:rPr lang="en-US" sz="4800" dirty="0" smtClean="0">
-                <a:solidFill>
-                  <a:schemeClr val="accent1">
-                    <a:lumMod val="50000"/>
-                  </a:schemeClr>
-                </a:solidFill>
-                <a:latin typeface="Comic Sans MS"/>
-                <a:cs typeface="Comic Sans MS"/>
-              </a:rPr>
-              <a:t>, </a:t>
-            </a:r>
-            <a:r>
-              <a:rPr lang="en-US" sz="4800" dirty="0" smtClean="0">
-                <a:solidFill>
-                  <a:schemeClr val="tx2"/>
-                </a:solidFill>
-                <a:latin typeface="Comic Sans MS"/>
-                <a:cs typeface="Comic Sans MS"/>
-              </a:rPr>
-              <a:t>♠}</a:t>
-            </a:r>
-            <a:r>
-              <a:rPr lang="en-US" sz="4800" dirty="0" smtClean="0">
-                <a:solidFill>
-                  <a:schemeClr val="accent1">
-                    <a:lumMod val="50000"/>
-                  </a:schemeClr>
-                </a:solidFill>
-                <a:latin typeface="Comic Sans MS"/>
-                <a:cs typeface="Comic Sans MS"/>
-              </a:rPr>
-              <a:t>, </a:t>
-            </a:r>
-            <a:r>
-              <a:rPr lang="en-US" sz="4800" dirty="0" smtClean="0">
-                <a:solidFill>
-                  <a:srgbClr val="000000"/>
-                </a:solidFill>
-                <a:latin typeface="Comic Sans MS"/>
-                <a:cs typeface="Comic Sans MS"/>
-              </a:rPr>
-              <a:t>♣)</a:t>
-            </a:r>
-          </a:p>
-        </p:txBody>
-      </p:sp>
-      <p:sp>
-        <p:nvSpPr>
-          <p:cNvPr id="9" name="TextBox 8"/>
-          <p:cNvSpPr txBox="1"/>
-          <p:nvPr/>
-        </p:nvSpPr>
-        <p:spPr>
-          <a:xfrm>
-            <a:off x="914400" y="5097959"/>
-            <a:ext cx="7254510" cy="830997"/>
-          </a:xfrm>
-          <a:prstGeom prst="rect">
-            <a:avLst/>
-          </a:prstGeom>
-          <a:noFill/>
-        </p:spPr>
-        <p:txBody>
-          <a:bodyPr wrap="none" rtlCol="0">
-            <a:spAutoFit/>
-          </a:bodyPr>
-          <a:lstStyle/>
-          <a:p>
-            <a:r>
-              <a:rPr lang="en-US" sz="4800" dirty="0" smtClean="0">
-                <a:latin typeface="Comic Sans MS"/>
-                <a:cs typeface="Comic Sans MS"/>
-              </a:rPr>
-              <a:t>(</a:t>
-            </a:r>
-            <a:r>
-              <a:rPr lang="en-US" sz="4800" dirty="0">
-                <a:solidFill>
-                  <a:schemeClr val="accent1">
-                    <a:lumMod val="50000"/>
-                  </a:schemeClr>
-                </a:solidFill>
-                <a:latin typeface="Comic Sans MS"/>
-                <a:cs typeface="Comic Sans MS"/>
-              </a:rPr>
-              <a:t> </a:t>
-            </a:r>
-            <a:r>
-              <a:rPr lang="en-US" sz="4800" dirty="0" smtClean="0">
-                <a:solidFill>
-                  <a:schemeClr val="accent1">
-                    <a:lumMod val="50000"/>
-                  </a:schemeClr>
-                </a:solidFill>
-                <a:latin typeface="Comic Sans MS"/>
-                <a:cs typeface="Comic Sans MS"/>
-              </a:rPr>
-              <a:t> </a:t>
-            </a:r>
-            <a:r>
-              <a:rPr lang="en-US" sz="4800" dirty="0">
-                <a:solidFill>
-                  <a:schemeClr val="accent1">
-                    <a:lumMod val="50000"/>
-                  </a:schemeClr>
-                </a:solidFill>
-                <a:latin typeface="Comic Sans MS"/>
-                <a:cs typeface="Comic Sans MS"/>
-              </a:rPr>
-              <a:t> </a:t>
-            </a:r>
-            <a:r>
-              <a:rPr lang="en-US" sz="4800" dirty="0" smtClean="0">
-                <a:solidFill>
-                  <a:schemeClr val="accent1">
-                    <a:lumMod val="50000"/>
-                  </a:schemeClr>
-                </a:solidFill>
-                <a:latin typeface="Comic Sans MS"/>
-                <a:cs typeface="Comic Sans MS"/>
-              </a:rPr>
-              <a:t>   , 3, </a:t>
-            </a:r>
-            <a:r>
-              <a:rPr lang="en-US" sz="4800" dirty="0" smtClean="0">
-                <a:solidFill>
-                  <a:srgbClr val="000000"/>
-                </a:solidFill>
-                <a:latin typeface="Comic Sans MS"/>
-                <a:cs typeface="Comic Sans MS"/>
-              </a:rPr>
-              <a:t>                    </a:t>
-            </a:r>
-            <a:r>
-              <a:rPr lang="en-US" sz="4800" dirty="0" smtClean="0">
-                <a:solidFill>
-                  <a:schemeClr val="accent1">
-                    <a:lumMod val="50000"/>
-                  </a:schemeClr>
-                </a:solidFill>
-                <a:latin typeface="Comic Sans MS"/>
-                <a:cs typeface="Comic Sans MS"/>
-              </a:rPr>
-              <a:t>, </a:t>
-            </a:r>
-            <a:r>
-              <a:rPr lang="en-US" sz="4800" dirty="0" smtClean="0">
-                <a:solidFill>
-                  <a:srgbClr val="000000"/>
-                </a:solidFill>
-                <a:latin typeface="Comic Sans MS"/>
-                <a:cs typeface="Comic Sans MS"/>
-              </a:rPr>
-              <a:t>♣)</a:t>
-            </a:r>
-          </a:p>
-        </p:txBody>
-      </p:sp>
-      <p:cxnSp>
-        <p:nvCxnSpPr>
-          <p:cNvPr id="25" name="Curved Connector 24"/>
-          <p:cNvCxnSpPr/>
-          <p:nvPr/>
-        </p:nvCxnSpPr>
-        <p:spPr bwMode="auto">
-          <a:xfrm rot="5400000">
-            <a:off x="1108622" y="4309020"/>
-            <a:ext cx="1364159" cy="533400"/>
-          </a:xfrm>
-          <a:prstGeom prst="curvedConnector3">
-            <a:avLst>
-              <a:gd name="adj1" fmla="val 50000"/>
-            </a:avLst>
-          </a:prstGeom>
-          <a:noFill/>
-          <a:ln w="38100" cap="flat" cmpd="sng" algn="ctr">
-            <a:solidFill>
-              <a:srgbClr val="FF00FF"/>
-            </a:solidFill>
-            <a:prstDash val="sysDash"/>
-            <a:round/>
-            <a:headEnd type="none" w="med" len="med"/>
-            <a:tailEnd type="stealth" w="lg" len="lg"/>
-          </a:ln>
-          <a:effectLst/>
-        </p:spPr>
-      </p:cxnSp>
-      <p:cxnSp>
-        <p:nvCxnSpPr>
-          <p:cNvPr id="27" name="Curved Connector 26"/>
-          <p:cNvCxnSpPr/>
-          <p:nvPr/>
-        </p:nvCxnSpPr>
-        <p:spPr bwMode="auto">
-          <a:xfrm rot="16200000" flipH="1">
-            <a:off x="1108621" y="4225380"/>
-            <a:ext cx="1364161" cy="533401"/>
-          </a:xfrm>
-          <a:prstGeom prst="curvedConnector3">
-            <a:avLst>
-              <a:gd name="adj1" fmla="val 50000"/>
-            </a:avLst>
-          </a:prstGeom>
-          <a:noFill/>
-          <a:ln w="38100" cap="flat" cmpd="sng" algn="ctr">
-            <a:solidFill>
-              <a:srgbClr val="FF00FF"/>
-            </a:solidFill>
-            <a:prstDash val="sysDash"/>
-            <a:round/>
-            <a:headEnd type="none" w="med" len="med"/>
-            <a:tailEnd type="stealth" w="lg" len="lg"/>
-          </a:ln>
-          <a:effectLst/>
-        </p:spPr>
-      </p:cxnSp>
-      <p:cxnSp>
-        <p:nvCxnSpPr>
-          <p:cNvPr id="33" name="Curved Connector 32"/>
-          <p:cNvCxnSpPr/>
-          <p:nvPr/>
-        </p:nvCxnSpPr>
-        <p:spPr bwMode="auto">
-          <a:xfrm rot="5400000" flipH="1" flipV="1">
-            <a:off x="3409662" y="3526629"/>
-            <a:ext cx="2172278" cy="1981202"/>
-          </a:xfrm>
-          <a:prstGeom prst="curvedConnector3">
-            <a:avLst>
-              <a:gd name="adj1" fmla="val 50000"/>
-            </a:avLst>
-          </a:prstGeom>
-          <a:noFill/>
-          <a:ln w="38100" cap="flat" cmpd="sng" algn="ctr">
-            <a:solidFill>
-              <a:srgbClr val="FF00FF"/>
-            </a:solidFill>
-            <a:prstDash val="sysDash"/>
-            <a:round/>
-            <a:headEnd type="stealth" w="lg" len="lg"/>
-            <a:tailEnd type="none"/>
-          </a:ln>
-          <a:effectLst/>
-        </p:spPr>
-      </p:cxnSp>
-      <p:cxnSp>
-        <p:nvCxnSpPr>
-          <p:cNvPr id="35" name="Curved Connector 34"/>
-          <p:cNvCxnSpPr/>
-          <p:nvPr/>
-        </p:nvCxnSpPr>
-        <p:spPr bwMode="auto">
-          <a:xfrm rot="16200000" flipV="1">
-            <a:off x="3409660" y="3562061"/>
-            <a:ext cx="2172279" cy="1981198"/>
-          </a:xfrm>
-          <a:prstGeom prst="curvedConnector3">
-            <a:avLst>
-              <a:gd name="adj1" fmla="val 50000"/>
-            </a:avLst>
-          </a:prstGeom>
-          <a:noFill/>
-          <a:ln w="38100" cap="flat" cmpd="sng" algn="ctr">
-            <a:solidFill>
-              <a:srgbClr val="FF00FF"/>
-            </a:solidFill>
-            <a:prstDash val="sysDash"/>
-            <a:round/>
-            <a:headEnd type="stealth" w="lg" len="lg"/>
-            <a:tailEnd type="none"/>
-          </a:ln>
-          <a:effectLst/>
-        </p:spPr>
-      </p:cxnSp>
-      <p:sp>
-        <p:nvSpPr>
-          <p:cNvPr id="38" name="TextBox 37"/>
-          <p:cNvSpPr txBox="1"/>
-          <p:nvPr/>
-        </p:nvSpPr>
-        <p:spPr>
-          <a:xfrm>
-            <a:off x="889178" y="5112603"/>
-            <a:ext cx="1549222" cy="830997"/>
-          </a:xfrm>
-          <a:prstGeom prst="rect">
-            <a:avLst/>
-          </a:prstGeom>
-          <a:noFill/>
-        </p:spPr>
-        <p:txBody>
-          <a:bodyPr wrap="none" rtlCol="0">
-            <a:spAutoFit/>
-          </a:bodyPr>
-          <a:lstStyle/>
-          <a:p>
-            <a:r>
-              <a:rPr lang="en-US" sz="4800" dirty="0" smtClean="0">
-                <a:solidFill>
-                  <a:schemeClr val="accent1">
-                    <a:lumMod val="50000"/>
-                  </a:schemeClr>
-                </a:solidFill>
-                <a:latin typeface="Comic Sans MS"/>
-                <a:cs typeface="Comic Sans MS"/>
-              </a:rPr>
-              <a:t> A, K</a:t>
-            </a:r>
-            <a:endParaRPr lang="en-US" sz="4800" dirty="0" smtClean="0">
-              <a:solidFill>
-                <a:srgbClr val="000000"/>
-              </a:solidFill>
-              <a:latin typeface="Comic Sans MS"/>
-              <a:cs typeface="Comic Sans MS"/>
-            </a:endParaRPr>
-          </a:p>
-        </p:txBody>
-      </p:sp>
-      <p:sp>
-        <p:nvSpPr>
-          <p:cNvPr id="15" name="Freeform 14"/>
-          <p:cNvSpPr/>
-          <p:nvPr/>
-        </p:nvSpPr>
-        <p:spPr bwMode="auto">
-          <a:xfrm>
-            <a:off x="516201" y="3431089"/>
-            <a:ext cx="831864" cy="980311"/>
-          </a:xfrm>
-          <a:custGeom>
-            <a:avLst/>
-            <a:gdLst>
-              <a:gd name="connsiteX0" fmla="*/ 508774 w 831864"/>
-              <a:gd name="connsiteY0" fmla="*/ 0 h 980311"/>
-              <a:gd name="connsiteX1" fmla="*/ 252530 w 831864"/>
-              <a:gd name="connsiteY1" fmla="*/ 44559 h 980311"/>
-              <a:gd name="connsiteX2" fmla="*/ 152261 w 831864"/>
-              <a:gd name="connsiteY2" fmla="*/ 144818 h 980311"/>
-              <a:gd name="connsiteX3" fmla="*/ 18568 w 831864"/>
-              <a:gd name="connsiteY3" fmla="*/ 512435 h 980311"/>
-              <a:gd name="connsiteX4" fmla="*/ 263671 w 831864"/>
-              <a:gd name="connsiteY4" fmla="*/ 846632 h 980311"/>
-              <a:gd name="connsiteX5" fmla="*/ 831864 w 831864"/>
-              <a:gd name="connsiteY5" fmla="*/ 980311 h 980311"/>
-            </a:gdLst>
-            <a:ahLst/>
-            <a:cxnLst>
-              <a:cxn ang="0">
-                <a:pos x="connsiteX0" y="connsiteY0"/>
-              </a:cxn>
-              <a:cxn ang="0">
-                <a:pos x="connsiteX1" y="connsiteY1"/>
-              </a:cxn>
-              <a:cxn ang="0">
-                <a:pos x="connsiteX2" y="connsiteY2"/>
-              </a:cxn>
-              <a:cxn ang="0">
-                <a:pos x="connsiteX3" y="connsiteY3"/>
-              </a:cxn>
-              <a:cxn ang="0">
-                <a:pos x="connsiteX4" y="connsiteY4"/>
-              </a:cxn>
-              <a:cxn ang="0">
-                <a:pos x="connsiteX5" y="connsiteY5"/>
-              </a:cxn>
-            </a:cxnLst>
-            <a:rect l="l" t="t" r="r" b="b"/>
-            <a:pathLst>
-              <a:path w="831864" h="980311">
-                <a:moveTo>
-                  <a:pt x="508774" y="0"/>
-                </a:moveTo>
-                <a:cubicBezTo>
-                  <a:pt x="410361" y="10211"/>
-                  <a:pt x="311949" y="20423"/>
-                  <a:pt x="252530" y="44559"/>
-                </a:cubicBezTo>
-                <a:cubicBezTo>
-                  <a:pt x="193111" y="68695"/>
-                  <a:pt x="191255" y="66839"/>
-                  <a:pt x="152261" y="144818"/>
-                </a:cubicBezTo>
-                <a:cubicBezTo>
-                  <a:pt x="113267" y="222797"/>
-                  <a:pt x="0" y="395466"/>
-                  <a:pt x="18568" y="512435"/>
-                </a:cubicBezTo>
-                <a:cubicBezTo>
-                  <a:pt x="37136" y="629404"/>
-                  <a:pt x="128122" y="768653"/>
-                  <a:pt x="263671" y="846632"/>
-                </a:cubicBezTo>
-                <a:cubicBezTo>
-                  <a:pt x="399220" y="924611"/>
-                  <a:pt x="831864" y="980311"/>
-                  <a:pt x="831864" y="980311"/>
-                </a:cubicBezTo>
-              </a:path>
-            </a:pathLst>
-          </a:custGeom>
-          <a:noFill/>
-          <a:ln w="41275" cap="flat" cmpd="sng" algn="ctr">
-            <a:solidFill>
-              <a:srgbClr val="008000"/>
-            </a:solidFill>
-            <a:prstDash val="sysDash"/>
-            <a:round/>
-            <a:headEnd type="none" w="med" len="med"/>
-            <a:tailEnd type="triangle" w="lg" len="lg"/>
-          </a:ln>
-          <a:effectLst/>
-        </p:spPr>
-        <p:txBody>
-          <a:bodyPr vert="horz" wrap="square" lIns="91440" tIns="45720" rIns="91440" bIns="45720" numCol="1" rtlCol="0" anchor="t" anchorCtr="0" compatLnSpc="1">
-            <a:prstTxWarp prst="textNoShape">
-              <a:avLst/>
-            </a:prstTxWarp>
-            <a:spAutoFit/>
-          </a:bodyPr>
-          <a:lstStyle/>
-          <a:p>
-            <a:pPr marL="342900" marR="0" indent="-342900" algn="l" defTabSz="914400" rtl="0" eaLnBrk="1" fontAlgn="base" latinLnBrk="0" hangingPunct="1">
-              <a:lnSpc>
-                <a:spcPct val="100000"/>
-              </a:lnSpc>
-              <a:spcBef>
-                <a:spcPct val="20000"/>
-              </a:spcBef>
-              <a:spcAft>
-                <a:spcPct val="0"/>
-              </a:spcAft>
-              <a:buClrTx/>
-              <a:buSzTx/>
-              <a:buFontTx/>
-              <a:buNone/>
-              <a:tabLst/>
-            </a:pPr>
-            <a:endParaRPr kumimoji="0" lang="en-US" sz="3200" b="0" i="0" u="none" strike="noStrike" cap="none" normalizeH="0" baseline="0" smtClean="0">
-              <a:ln>
-                <a:noFill/>
-              </a:ln>
-              <a:solidFill>
-                <a:schemeClr val="tx1"/>
-              </a:solidFill>
-              <a:effectLst/>
-              <a:latin typeface="Times New Roman" pitchFamily="18" charset="0"/>
-            </a:endParaRPr>
-          </a:p>
-        </p:txBody>
-      </p:sp>
-      <p:sp>
-        <p:nvSpPr>
-          <p:cNvPr id="16" name="Freeform 15"/>
-          <p:cNvSpPr/>
-          <p:nvPr/>
-        </p:nvSpPr>
-        <p:spPr bwMode="auto">
-          <a:xfrm>
-            <a:off x="443784" y="4611918"/>
-            <a:ext cx="792870" cy="991451"/>
-          </a:xfrm>
-          <a:custGeom>
-            <a:avLst/>
-            <a:gdLst>
-              <a:gd name="connsiteX0" fmla="*/ 469780 w 792870"/>
-              <a:gd name="connsiteY0" fmla="*/ 991451 h 991451"/>
-              <a:gd name="connsiteX1" fmla="*/ 180114 w 792870"/>
-              <a:gd name="connsiteY1" fmla="*/ 790933 h 991451"/>
-              <a:gd name="connsiteX2" fmla="*/ 1857 w 792870"/>
-              <a:gd name="connsiteY2" fmla="*/ 423316 h 991451"/>
-              <a:gd name="connsiteX3" fmla="*/ 191255 w 792870"/>
-              <a:gd name="connsiteY3" fmla="*/ 222798 h 991451"/>
-              <a:gd name="connsiteX4" fmla="*/ 792870 w 792870"/>
-              <a:gd name="connsiteY4" fmla="*/ 0 h 991451"/>
-            </a:gdLst>
-            <a:ahLst/>
-            <a:cxnLst>
-              <a:cxn ang="0">
-                <a:pos x="connsiteX0" y="connsiteY0"/>
-              </a:cxn>
-              <a:cxn ang="0">
-                <a:pos x="connsiteX1" y="connsiteY1"/>
-              </a:cxn>
-              <a:cxn ang="0">
-                <a:pos x="connsiteX2" y="connsiteY2"/>
-              </a:cxn>
-              <a:cxn ang="0">
-                <a:pos x="connsiteX3" y="connsiteY3"/>
-              </a:cxn>
-              <a:cxn ang="0">
-                <a:pos x="connsiteX4" y="connsiteY4"/>
-              </a:cxn>
-            </a:cxnLst>
-            <a:rect l="l" t="t" r="r" b="b"/>
-            <a:pathLst>
-              <a:path w="792870" h="991451">
-                <a:moveTo>
-                  <a:pt x="469780" y="991451"/>
-                </a:moveTo>
-                <a:cubicBezTo>
-                  <a:pt x="363940" y="938536"/>
-                  <a:pt x="258101" y="885622"/>
-                  <a:pt x="180114" y="790933"/>
-                </a:cubicBezTo>
-                <a:cubicBezTo>
-                  <a:pt x="102127" y="696244"/>
-                  <a:pt x="0" y="518005"/>
-                  <a:pt x="1857" y="423316"/>
-                </a:cubicBezTo>
-                <a:cubicBezTo>
-                  <a:pt x="3714" y="328627"/>
-                  <a:pt x="59420" y="293351"/>
-                  <a:pt x="191255" y="222798"/>
-                </a:cubicBezTo>
-                <a:cubicBezTo>
-                  <a:pt x="323091" y="152245"/>
-                  <a:pt x="792870" y="0"/>
-                  <a:pt x="792870" y="0"/>
-                </a:cubicBezTo>
-              </a:path>
-            </a:pathLst>
-          </a:custGeom>
-          <a:noFill/>
-          <a:ln w="41275" cap="flat" cmpd="sng" algn="ctr">
-            <a:solidFill>
-              <a:srgbClr val="008000"/>
-            </a:solidFill>
-            <a:prstDash val="sysDash"/>
-            <a:round/>
-            <a:headEnd type="none" w="med" len="med"/>
-            <a:tailEnd type="triangle" w="lg" len="lg"/>
-          </a:ln>
-          <a:effectLst/>
-        </p:spPr>
-        <p:txBody>
-          <a:bodyPr vert="horz" wrap="square" lIns="91440" tIns="45720" rIns="91440" bIns="45720" numCol="1" rtlCol="0" anchor="t" anchorCtr="0" compatLnSpc="1">
-            <a:prstTxWarp prst="textNoShape">
-              <a:avLst/>
-            </a:prstTxWarp>
-            <a:spAutoFit/>
-          </a:bodyPr>
-          <a:lstStyle/>
-          <a:p>
-            <a:pPr marL="342900" marR="0" indent="-342900" algn="l" defTabSz="914400" rtl="0" eaLnBrk="1" fontAlgn="base" latinLnBrk="0" hangingPunct="1">
-              <a:lnSpc>
-                <a:spcPct val="100000"/>
-              </a:lnSpc>
-              <a:spcBef>
-                <a:spcPct val="20000"/>
-              </a:spcBef>
-              <a:spcAft>
-                <a:spcPct val="0"/>
-              </a:spcAft>
-              <a:buClrTx/>
-              <a:buSzTx/>
-              <a:buFontTx/>
-              <a:buNone/>
-              <a:tabLst/>
-            </a:pPr>
-            <a:endParaRPr kumimoji="0" lang="en-US" sz="3200" b="0" i="0" u="none" strike="noStrike" cap="none" normalizeH="0" baseline="0" smtClean="0">
-              <a:ln>
-                <a:noFill/>
-              </a:ln>
-              <a:solidFill>
-                <a:schemeClr val="tx1"/>
-              </a:solidFill>
-              <a:effectLst/>
-              <a:latin typeface="Times New Roman" pitchFamily="18" charset="0"/>
-            </a:endParaRPr>
-          </a:p>
-        </p:txBody>
-      </p:sp>
-      <p:sp>
-        <p:nvSpPr>
-          <p:cNvPr id="22" name="TextBox 21"/>
-          <p:cNvSpPr txBox="1"/>
-          <p:nvPr/>
-        </p:nvSpPr>
-        <p:spPr>
-          <a:xfrm>
-            <a:off x="3260928" y="5029200"/>
-            <a:ext cx="3978072" cy="830997"/>
-          </a:xfrm>
-          <a:prstGeom prst="rect">
-            <a:avLst/>
-          </a:prstGeom>
-          <a:noFill/>
-        </p:spPr>
-        <p:txBody>
-          <a:bodyPr wrap="none" rtlCol="0">
-            <a:spAutoFit/>
-          </a:bodyPr>
-          <a:lstStyle/>
-          <a:p>
-            <a:r>
-              <a:rPr lang="en-US" sz="4800" dirty="0" smtClean="0">
-                <a:solidFill>
-                  <a:schemeClr val="accent1">
-                    <a:lumMod val="50000"/>
-                  </a:schemeClr>
-                </a:solidFill>
-                <a:latin typeface="Comic Sans MS"/>
-                <a:cs typeface="Comic Sans MS"/>
-              </a:rPr>
-              <a:t> </a:t>
-            </a:r>
-            <a:r>
-              <a:rPr lang="en-US" sz="4800" dirty="0" smtClean="0">
-                <a:solidFill>
-                  <a:srgbClr val="000000"/>
-                </a:solidFill>
-                <a:latin typeface="Comic Sans MS"/>
-                <a:cs typeface="Comic Sans MS"/>
-              </a:rPr>
-              <a:t>{</a:t>
-            </a:r>
-            <a:r>
-              <a:rPr lang="en-US" sz="4800" dirty="0" smtClean="0">
-                <a:solidFill>
-                  <a:srgbClr val="FF0000"/>
-                </a:solidFill>
-                <a:latin typeface="Comic Sans MS"/>
-                <a:cs typeface="Comic Sans MS"/>
-              </a:rPr>
-              <a:t>♦</a:t>
-            </a:r>
-            <a:r>
-              <a:rPr lang="en-US" sz="4800" dirty="0" smtClean="0">
-                <a:solidFill>
-                  <a:schemeClr val="accent1">
-                    <a:lumMod val="50000"/>
-                  </a:schemeClr>
-                </a:solidFill>
-                <a:latin typeface="Comic Sans MS"/>
-                <a:cs typeface="Comic Sans MS"/>
-              </a:rPr>
-              <a:t>, </a:t>
-            </a:r>
-            <a:r>
-              <a:rPr lang="en-US" sz="4800" dirty="0" smtClean="0">
-                <a:solidFill>
-                  <a:schemeClr val="tx2"/>
-                </a:solidFill>
-                <a:latin typeface="Comic Sans MS"/>
-                <a:cs typeface="Comic Sans MS"/>
-              </a:rPr>
-              <a:t>♠}</a:t>
-            </a:r>
-            <a:r>
-              <a:rPr lang="en-US" sz="4800" dirty="0" smtClean="0">
-                <a:solidFill>
-                  <a:schemeClr val="accent1">
-                    <a:lumMod val="50000"/>
-                  </a:schemeClr>
-                </a:solidFill>
-                <a:latin typeface="Comic Sans MS"/>
-                <a:cs typeface="Comic Sans MS"/>
-              </a:rPr>
-              <a:t>, </a:t>
-            </a:r>
-            <a:r>
-              <a:rPr lang="en-US" sz="4800" dirty="0" smtClean="0">
-                <a:solidFill>
-                  <a:srgbClr val="000000"/>
-                </a:solidFill>
-                <a:latin typeface="Comic Sans MS"/>
-                <a:cs typeface="Comic Sans MS"/>
-              </a:rPr>
-              <a:t>{</a:t>
-            </a:r>
-            <a:r>
-              <a:rPr lang="en-US" sz="4800" dirty="0">
-                <a:solidFill>
-                  <a:srgbClr val="FF0000"/>
-                </a:solidFill>
-                <a:latin typeface="Comic Sans MS"/>
-                <a:cs typeface="Comic Sans MS"/>
-              </a:rPr>
-              <a:t>♦</a:t>
-            </a:r>
-            <a:r>
-              <a:rPr lang="en-US" sz="4800" dirty="0" smtClean="0">
-                <a:solidFill>
-                  <a:schemeClr val="accent1">
-                    <a:lumMod val="50000"/>
-                  </a:schemeClr>
-                </a:solidFill>
-                <a:latin typeface="Comic Sans MS"/>
-                <a:cs typeface="Comic Sans MS"/>
-              </a:rPr>
-              <a:t>, </a:t>
-            </a:r>
-            <a:r>
-              <a:rPr lang="en-US" sz="4800" dirty="0" smtClean="0">
-                <a:solidFill>
-                  <a:srgbClr val="FF0000"/>
-                </a:solidFill>
-                <a:latin typeface="Comic Sans MS"/>
-                <a:cs typeface="Comic Sans MS"/>
-              </a:rPr>
-              <a:t>♥</a:t>
-            </a:r>
-            <a:r>
-              <a:rPr lang="en-US" sz="4800" dirty="0" smtClean="0">
-                <a:solidFill>
-                  <a:srgbClr val="000000"/>
-                </a:solidFill>
-                <a:latin typeface="Comic Sans MS"/>
-                <a:cs typeface="Comic Sans MS"/>
-              </a:rPr>
-              <a:t>} </a:t>
-            </a:r>
-          </a:p>
-        </p:txBody>
-      </p:sp>
     </p:spTree>
+    <p:extLst>
+      <p:ext uri="{BB962C8B-B14F-4D97-AF65-F5344CB8AC3E}">
+        <p14:creationId xmlns:p14="http://schemas.microsoft.com/office/powerpoint/2010/main" val="2893374386"/>
+      </p:ext>
+    </p:extLst>
   </p:cSld>
   <p:clrMapOvr>
     <a:masterClrMapping/>
@@ -10170,6 +13323,9 @@
                     <p:cTn id="3" fill="hold">
                       <p:stCondLst>
                         <p:cond delay="indefinite"/>
+                        <p:cond evt="onBegin" delay="0">
+                          <p:tn val="2"/>
+                        </p:cond>
                       </p:stCondLst>
                       <p:childTnLst>
                         <p:par>
@@ -10179,7 +13335,7 @@
                             </p:stCondLst>
                             <p:childTnLst>
                               <p:par>
-                                <p:cTn id="5" presetID="22" presetClass="entr" presetSubtype="8" fill="hold" grpId="0" nodeType="clickEffect">
+                                <p:cTn id="5" presetID="10" presetClass="entr" presetSubtype="0" fill="hold" grpId="0" nodeType="afterEffect">
                                   <p:stCondLst>
                                     <p:cond delay="0"/>
                                   </p:stCondLst>
@@ -10192,104 +13348,7 @@
                                           </p:stCondLst>
                                         </p:cTn>
                                         <p:tgtEl>
-                                          <p:spTgt spid="8"/>
-                                        </p:tgtEl>
-                                        <p:attrNameLst>
-                                          <p:attrName>style.visibility</p:attrName>
-                                        </p:attrNameLst>
-                                      </p:cBhvr>
-                                      <p:to>
-                                        <p:strVal val="visible"/>
-                                      </p:to>
-                                    </p:set>
-                                    <p:animEffect transition="in" filter="wipe(left)">
-                                      <p:cBhvr>
-                                        <p:cTn id="7" dur="2000"/>
-                                        <p:tgtEl>
-                                          <p:spTgt spid="8"/>
-                                        </p:tgtEl>
-                                      </p:cBhvr>
-                                    </p:animEffect>
-                                  </p:childTnLst>
-                                </p:cTn>
-                              </p:par>
-                            </p:childTnLst>
-                          </p:cTn>
-                        </p:par>
-                      </p:childTnLst>
-                    </p:cTn>
-                  </p:par>
-                  <p:par>
-                    <p:cTn id="8" fill="hold">
-                      <p:stCondLst>
-                        <p:cond delay="indefinite"/>
-                      </p:stCondLst>
-                      <p:childTnLst>
-                        <p:par>
-                          <p:cTn id="9" fill="hold">
-                            <p:stCondLst>
-                              <p:cond delay="0"/>
-                            </p:stCondLst>
-                            <p:childTnLst>
-                              <p:par>
-                                <p:cTn id="10" presetID="22" presetClass="entr" presetSubtype="1" fill="hold" grpId="0" nodeType="clickEffect">
-                                  <p:stCondLst>
-                                    <p:cond delay="0"/>
-                                  </p:stCondLst>
-                                  <p:childTnLst>
-                                    <p:set>
-                                      <p:cBhvr>
-                                        <p:cTn id="11" dur="1" fill="hold">
-                                          <p:stCondLst>
-                                            <p:cond delay="0"/>
-                                          </p:stCondLst>
-                                        </p:cTn>
-                                        <p:tgtEl>
-                                          <p:spTgt spid="15"/>
-                                        </p:tgtEl>
-                                        <p:attrNameLst>
-                                          <p:attrName>style.visibility</p:attrName>
-                                        </p:attrNameLst>
-                                      </p:cBhvr>
-                                      <p:to>
-                                        <p:strVal val="visible"/>
-                                      </p:to>
-                                    </p:set>
-                                    <p:animEffect transition="in" filter="wipe(up)">
-                                      <p:cBhvr>
-                                        <p:cTn id="12" dur="500"/>
-                                        <p:tgtEl>
-                                          <p:spTgt spid="15"/>
-                                        </p:tgtEl>
-                                      </p:cBhvr>
-                                    </p:animEffect>
-                                  </p:childTnLst>
-                                </p:cTn>
-                              </p:par>
-                            </p:childTnLst>
-                          </p:cTn>
-                        </p:par>
-                        <p:par>
-                          <p:cTn id="13" fill="hold">
-                            <p:stCondLst>
-                              <p:cond delay="500"/>
-                            </p:stCondLst>
-                            <p:childTnLst>
-                              <p:par>
-                                <p:cTn id="14" presetID="10" presetClass="entr" presetSubtype="1" fill="hold" grpId="0" nodeType="afterEffect">
-                                  <p:stCondLst>
-                                    <p:cond delay="0"/>
-                                  </p:stCondLst>
-                                  <p:childTnLst>
-                                    <p:set>
-                                      <p:cBhvr>
-                                        <p:cTn id="15" dur="1" fill="hold">
-                                          <p:stCondLst>
-                                            <p:cond delay="0"/>
-                                          </p:stCondLst>
-                                        </p:cTn>
-                                        <p:tgtEl>
-                                          <p:spTgt spid="6"/>
+                                          <p:spTgt spid="11"/>
                                         </p:tgtEl>
                                         <p:attrNameLst>
                                           <p:attrName>style.visibility</p:attrName>
@@ -10301,370 +13360,9 @@
                                     </p:set>
                                     <p:animEffect transition="in" filter="fade">
                                       <p:cBhvr>
-                                        <p:cTn id="16" dur="2000"/>
+                                        <p:cTn id="7" dur="500"/>
                                         <p:tgtEl>
-                                          <p:spTgt spid="6"/>
-                                        </p:tgtEl>
-                                      </p:cBhvr>
-                                    </p:animEffect>
-                                  </p:childTnLst>
-                                </p:cTn>
-                              </p:par>
-                            </p:childTnLst>
-                          </p:cTn>
-                        </p:par>
-                      </p:childTnLst>
-                    </p:cTn>
-                  </p:par>
-                  <p:par>
-                    <p:cTn id="17" fill="hold">
-                      <p:stCondLst>
-                        <p:cond delay="indefinite"/>
-                      </p:stCondLst>
-                      <p:childTnLst>
-                        <p:par>
-                          <p:cTn id="18" fill="hold">
-                            <p:stCondLst>
-                              <p:cond delay="0"/>
-                            </p:stCondLst>
-                            <p:childTnLst>
-                              <p:par>
-                                <p:cTn id="19" presetID="22" presetClass="entr" presetSubtype="1" fill="hold" grpId="0" nodeType="clickEffect">
-                                  <p:stCondLst>
-                                    <p:cond delay="0"/>
-                                  </p:stCondLst>
-                                  <p:childTnLst>
-                                    <p:set>
-                                      <p:cBhvr>
-                                        <p:cTn id="20" dur="1" fill="hold">
-                                          <p:stCondLst>
-                                            <p:cond delay="0"/>
-                                          </p:stCondLst>
-                                        </p:cTn>
-                                        <p:tgtEl>
-                                          <p:spTgt spid="9"/>
-                                        </p:tgtEl>
-                                        <p:attrNameLst>
-                                          <p:attrName>style.visibility</p:attrName>
-                                        </p:attrNameLst>
-                                      </p:cBhvr>
-                                      <p:to>
-                                        <p:strVal val="visible"/>
-                                      </p:to>
-                                    </p:set>
-                                    <p:animEffect transition="in" filter="wipe(up)">
-                                      <p:cBhvr>
-                                        <p:cTn id="21" dur="1000"/>
-                                        <p:tgtEl>
-                                          <p:spTgt spid="9"/>
-                                        </p:tgtEl>
-                                      </p:cBhvr>
-                                    </p:animEffect>
-                                  </p:childTnLst>
-                                </p:cTn>
-                              </p:par>
-                            </p:childTnLst>
-                          </p:cTn>
-                        </p:par>
-                      </p:childTnLst>
-                    </p:cTn>
-                  </p:par>
-                  <p:par>
-                    <p:cTn id="22" fill="hold">
-                      <p:stCondLst>
-                        <p:cond delay="indefinite"/>
-                      </p:stCondLst>
-                      <p:childTnLst>
-                        <p:par>
-                          <p:cTn id="23" fill="hold">
-                            <p:stCondLst>
-                              <p:cond delay="0"/>
-                            </p:stCondLst>
-                            <p:childTnLst>
-                              <p:par>
-                                <p:cTn id="24" presetID="22" presetClass="entr" presetSubtype="1" fill="hold" nodeType="clickEffect">
-                                  <p:stCondLst>
-                                    <p:cond delay="0"/>
-                                  </p:stCondLst>
-                                  <p:childTnLst>
-                                    <p:set>
-                                      <p:cBhvr>
-                                        <p:cTn id="25" dur="1" fill="hold">
-                                          <p:stCondLst>
-                                            <p:cond delay="0"/>
-                                          </p:stCondLst>
-                                        </p:cTn>
-                                        <p:tgtEl>
-                                          <p:spTgt spid="25"/>
-                                        </p:tgtEl>
-                                        <p:attrNameLst>
-                                          <p:attrName>style.visibility</p:attrName>
-                                        </p:attrNameLst>
-                                      </p:cBhvr>
-                                      <p:to>
-                                        <p:strVal val="visible"/>
-                                      </p:to>
-                                    </p:set>
-                                    <p:animEffect transition="in" filter="wipe(up)">
-                                      <p:cBhvr>
-                                        <p:cTn id="26" dur="500"/>
-                                        <p:tgtEl>
-                                          <p:spTgt spid="25"/>
-                                        </p:tgtEl>
-                                      </p:cBhvr>
-                                    </p:animEffect>
-                                  </p:childTnLst>
-                                </p:cTn>
-                              </p:par>
-                              <p:par>
-                                <p:cTn id="27" presetID="22" presetClass="entr" presetSubtype="1" fill="hold" nodeType="withEffect">
-                                  <p:stCondLst>
-                                    <p:cond delay="0"/>
-                                  </p:stCondLst>
-                                  <p:childTnLst>
-                                    <p:set>
-                                      <p:cBhvr>
-                                        <p:cTn id="28" dur="1" fill="hold">
-                                          <p:stCondLst>
-                                            <p:cond delay="0"/>
-                                          </p:stCondLst>
-                                        </p:cTn>
-                                        <p:tgtEl>
-                                          <p:spTgt spid="27"/>
-                                        </p:tgtEl>
-                                        <p:attrNameLst>
-                                          <p:attrName>style.visibility</p:attrName>
-                                        </p:attrNameLst>
-                                      </p:cBhvr>
-                                      <p:to>
-                                        <p:strVal val="visible"/>
-                                      </p:to>
-                                    </p:set>
-                                    <p:animEffect transition="in" filter="wipe(up)">
-                                      <p:cBhvr>
-                                        <p:cTn id="29" dur="500"/>
-                                        <p:tgtEl>
-                                          <p:spTgt spid="27"/>
-                                        </p:tgtEl>
-                                      </p:cBhvr>
-                                    </p:animEffect>
-                                  </p:childTnLst>
-                                </p:cTn>
-                              </p:par>
-                            </p:childTnLst>
-                          </p:cTn>
-                        </p:par>
-                        <p:par>
-                          <p:cTn id="30" fill="hold">
-                            <p:stCondLst>
-                              <p:cond delay="500"/>
-                            </p:stCondLst>
-                            <p:childTnLst>
-                              <p:par>
-                                <p:cTn id="31" presetID="22" presetClass="entr" presetSubtype="1" fill="hold" grpId="0" nodeType="afterEffect">
-                                  <p:stCondLst>
-                                    <p:cond delay="0"/>
-                                  </p:stCondLst>
-                                  <p:childTnLst>
-                                    <p:set>
-                                      <p:cBhvr>
-                                        <p:cTn id="32" dur="1" fill="hold">
-                                          <p:stCondLst>
-                                            <p:cond delay="0"/>
-                                          </p:stCondLst>
-                                        </p:cTn>
-                                        <p:tgtEl>
-                                          <p:spTgt spid="38"/>
-                                        </p:tgtEl>
-                                        <p:attrNameLst>
-                                          <p:attrName>style.visibility</p:attrName>
-                                        </p:attrNameLst>
-                                      </p:cBhvr>
-                                      <p:to>
-                                        <p:strVal val="visible"/>
-                                      </p:to>
-                                    </p:set>
-                                    <p:animEffect transition="in" filter="wipe(up)">
-                                      <p:cBhvr>
-                                        <p:cTn id="33" dur="1000"/>
-                                        <p:tgtEl>
-                                          <p:spTgt spid="38"/>
-                                        </p:tgtEl>
-                                      </p:cBhvr>
-                                    </p:animEffect>
-                                  </p:childTnLst>
-                                </p:cTn>
-                              </p:par>
-                            </p:childTnLst>
-                          </p:cTn>
-                        </p:par>
-                      </p:childTnLst>
-                    </p:cTn>
-                  </p:par>
-                  <p:par>
-                    <p:cTn id="34" fill="hold">
-                      <p:stCondLst>
-                        <p:cond delay="indefinite"/>
-                      </p:stCondLst>
-                      <p:childTnLst>
-                        <p:par>
-                          <p:cTn id="35" fill="hold">
-                            <p:stCondLst>
-                              <p:cond delay="0"/>
-                            </p:stCondLst>
-                            <p:childTnLst>
-                              <p:par>
-                                <p:cTn id="36" presetID="22" presetClass="entr" presetSubtype="1" fill="hold" nodeType="clickEffect">
-                                  <p:stCondLst>
-                                    <p:cond delay="0"/>
-                                  </p:stCondLst>
-                                  <p:childTnLst>
-                                    <p:set>
-                                      <p:cBhvr>
-                                        <p:cTn id="37" dur="1" fill="hold">
-                                          <p:stCondLst>
-                                            <p:cond delay="0"/>
-                                          </p:stCondLst>
-                                        </p:cTn>
-                                        <p:tgtEl>
-                                          <p:spTgt spid="33"/>
-                                        </p:tgtEl>
-                                        <p:attrNameLst>
-                                          <p:attrName>style.visibility</p:attrName>
-                                        </p:attrNameLst>
-                                      </p:cBhvr>
-                                      <p:to>
-                                        <p:strVal val="visible"/>
-                                      </p:to>
-                                    </p:set>
-                                    <p:animEffect transition="in" filter="wipe(up)">
-                                      <p:cBhvr>
-                                        <p:cTn id="38" dur="500"/>
-                                        <p:tgtEl>
-                                          <p:spTgt spid="33"/>
-                                        </p:tgtEl>
-                                      </p:cBhvr>
-                                    </p:animEffect>
-                                  </p:childTnLst>
-                                </p:cTn>
-                              </p:par>
-                              <p:par>
-                                <p:cTn id="39" presetID="22" presetClass="entr" presetSubtype="1" fill="hold" nodeType="withEffect">
-                                  <p:stCondLst>
-                                    <p:cond delay="0"/>
-                                  </p:stCondLst>
-                                  <p:childTnLst>
-                                    <p:set>
-                                      <p:cBhvr>
-                                        <p:cTn id="40" dur="1" fill="hold">
-                                          <p:stCondLst>
-                                            <p:cond delay="0"/>
-                                          </p:stCondLst>
-                                        </p:cTn>
-                                        <p:tgtEl>
-                                          <p:spTgt spid="35"/>
-                                        </p:tgtEl>
-                                        <p:attrNameLst>
-                                          <p:attrName>style.visibility</p:attrName>
-                                        </p:attrNameLst>
-                                      </p:cBhvr>
-                                      <p:to>
-                                        <p:strVal val="visible"/>
-                                      </p:to>
-                                    </p:set>
-                                    <p:animEffect transition="in" filter="wipe(up)">
-                                      <p:cBhvr>
-                                        <p:cTn id="41" dur="500"/>
-                                        <p:tgtEl>
-                                          <p:spTgt spid="35"/>
-                                        </p:tgtEl>
-                                      </p:cBhvr>
-                                    </p:animEffect>
-                                  </p:childTnLst>
-                                </p:cTn>
-                              </p:par>
-                            </p:childTnLst>
-                          </p:cTn>
-                        </p:par>
-                        <p:par>
-                          <p:cTn id="42" fill="hold">
-                            <p:stCondLst>
-                              <p:cond delay="500"/>
-                            </p:stCondLst>
-                            <p:childTnLst>
-                              <p:par>
-                                <p:cTn id="43" presetID="22" presetClass="entr" presetSubtype="1" fill="hold" grpId="0" nodeType="afterEffect">
-                                  <p:stCondLst>
-                                    <p:cond delay="0"/>
-                                  </p:stCondLst>
-                                  <p:childTnLst>
-                                    <p:set>
-                                      <p:cBhvr>
-                                        <p:cTn id="44" dur="1" fill="hold">
-                                          <p:stCondLst>
-                                            <p:cond delay="0"/>
-                                          </p:stCondLst>
-                                        </p:cTn>
-                                        <p:tgtEl>
-                                          <p:spTgt spid="22"/>
-                                        </p:tgtEl>
-                                        <p:attrNameLst>
-                                          <p:attrName>style.visibility</p:attrName>
-                                        </p:attrNameLst>
-                                      </p:cBhvr>
-                                      <p:to>
-                                        <p:strVal val="visible"/>
-                                      </p:to>
-                                    </p:set>
-                                    <p:animEffect transition="in" filter="wipe(up)">
-                                      <p:cBhvr>
-                                        <p:cTn id="45" dur="1000"/>
-                                        <p:tgtEl>
-                                          <p:spTgt spid="22"/>
-                                        </p:tgtEl>
-                                      </p:cBhvr>
-                                    </p:animEffect>
-                                  </p:childTnLst>
-                                </p:cTn>
-                              </p:par>
-                            </p:childTnLst>
-                          </p:cTn>
-                        </p:par>
-                        <p:par>
-                          <p:cTn id="46" fill="hold">
-                            <p:stCondLst>
-                              <p:cond delay="1500"/>
-                            </p:stCondLst>
-                            <p:childTnLst>
-                              <p:par>
-                                <p:cTn id="47" presetID="22" presetClass="entr" presetSubtype="4" fill="hold" grpId="0" nodeType="afterEffect">
-                                  <p:stCondLst>
-                                    <p:cond delay="1000"/>
-                                  </p:stCondLst>
-                                  <p:childTnLst>
-                                    <p:set>
-                                      <p:cBhvr>
-                                        <p:cTn id="48" dur="1" fill="hold">
-                                          <p:stCondLst>
-                                            <p:cond delay="0"/>
-                                          </p:stCondLst>
-                                        </p:cTn>
-                                        <p:tgtEl>
-                                          <p:spTgt spid="16"/>
-                                        </p:tgtEl>
-                                        <p:attrNameLst>
-                                          <p:attrName>style.visibility</p:attrName>
-                                        </p:attrNameLst>
-                                      </p:cBhvr>
-                                      <p:to>
-                                        <p:strVal val="visible"/>
-                                      </p:to>
-                                    </p:set>
-                                    <p:animEffect transition="in" filter="wipe(down)">
-                                      <p:cBhvr>
-                                        <p:cTn id="49" dur="500"/>
-                                        <p:tgtEl>
-                                          <p:spTgt spid="16"/>
+                                          <p:spTgt spid="11"/>
                                         </p:tgtEl>
                                       </p:cBhvr>
                                     </p:animEffect>
@@ -10699,13 +13397,7 @@
       </p:par>
     </p:tnLst>
     <p:bldLst>
-      <p:bldP spid="6" grpId="0"/>
-      <p:bldP spid="8" grpId="0"/>
-      <p:bldP spid="9" grpId="0"/>
-      <p:bldP spid="38" grpId="0"/>
-      <p:bldP spid="15" grpId="0" animBg="1"/>
-      <p:bldP spid="16" grpId="0" animBg="1"/>
-      <p:bldP spid="22" grpId="0"/>
+      <p:bldP spid="11" grpId="0"/>
     </p:bldLst>
   </p:timing>
 </p:sld>

--- a/fall15/slidesF15/count-2pair.pptx
+++ b/fall15/slidesF15/count-2pair.pptx
@@ -5,36 +5,37 @@
     <p:sldMasterId id="2147483650" r:id="rId1"/>
   </p:sldMasterIdLst>
   <p:notesMasterIdLst>
-    <p:notesMasterId r:id="rId21"/>
+    <p:notesMasterId r:id="rId22"/>
   </p:notesMasterIdLst>
   <p:handoutMasterIdLst>
-    <p:handoutMasterId r:id="rId22"/>
+    <p:handoutMasterId r:id="rId23"/>
   </p:handoutMasterIdLst>
   <p:sldIdLst>
     <p:sldId id="322" r:id="rId2"/>
     <p:sldId id="374" r:id="rId3"/>
-    <p:sldId id="375" r:id="rId4"/>
-    <p:sldId id="381" r:id="rId5"/>
-    <p:sldId id="376" r:id="rId6"/>
-    <p:sldId id="387" r:id="rId7"/>
-    <p:sldId id="393" r:id="rId8"/>
-    <p:sldId id="390" r:id="rId9"/>
-    <p:sldId id="391" r:id="rId10"/>
-    <p:sldId id="379" r:id="rId11"/>
-    <p:sldId id="380" r:id="rId12"/>
-    <p:sldId id="382" r:id="rId13"/>
-    <p:sldId id="396" r:id="rId14"/>
-    <p:sldId id="388" r:id="rId15"/>
-    <p:sldId id="383" r:id="rId16"/>
-    <p:sldId id="389" r:id="rId17"/>
-    <p:sldId id="384" r:id="rId18"/>
-    <p:sldId id="386" r:id="rId19"/>
-    <p:sldId id="385" r:id="rId20"/>
+    <p:sldId id="398" r:id="rId4"/>
+    <p:sldId id="375" r:id="rId5"/>
+    <p:sldId id="381" r:id="rId6"/>
+    <p:sldId id="376" r:id="rId7"/>
+    <p:sldId id="387" r:id="rId8"/>
+    <p:sldId id="393" r:id="rId9"/>
+    <p:sldId id="390" r:id="rId10"/>
+    <p:sldId id="391" r:id="rId11"/>
+    <p:sldId id="379" r:id="rId12"/>
+    <p:sldId id="380" r:id="rId13"/>
+    <p:sldId id="382" r:id="rId14"/>
+    <p:sldId id="396" r:id="rId15"/>
+    <p:sldId id="388" r:id="rId16"/>
+    <p:sldId id="383" r:id="rId17"/>
+    <p:sldId id="389" r:id="rId18"/>
+    <p:sldId id="384" r:id="rId19"/>
+    <p:sldId id="386" r:id="rId20"/>
+    <p:sldId id="385" r:id="rId21"/>
   </p:sldIdLst>
   <p:sldSz cx="9144000" cy="6858000" type="screen4x3"/>
   <p:notesSz cx="9601200" cy="7315200"/>
   <p:custDataLst>
-    <p:tags r:id="rId24"/>
+    <p:tags r:id="rId25"/>
   </p:custDataLst>
   <p:defaultTextStyle>
     <a:defPPr>
@@ -2538,6 +2539,742 @@
       </p:sp>
       <p:sp>
         <p:nvSpPr>
+          <p:cNvPr id="4" name="Slide Number Placeholder 3"/>
+          <p:cNvSpPr>
+            <a:spLocks noGrp="1"/>
+          </p:cNvSpPr>
+          <p:nvPr>
+            <p:ph type="sldNum" sz="quarter" idx="10"/>
+          </p:nvPr>
+        </p:nvSpPr>
+        <p:spPr/>
+        <p:txBody>
+          <a:bodyPr/>
+          <a:lstStyle/>
+          <a:p>
+            <a:pPr>
+              <a:defRPr/>
+            </a:pPr>
+            <a:r>
+              <a:rPr lang="en-US" dirty="0" smtClean="0"/>
+              <a:t>2pair.</a:t>
+            </a:r>
+            <a:fld id="{9C0B6E0F-EDA7-4496-A72F-8E0EBD3F01E4}" type="slidenum">
+              <a:rPr lang="en-US" smtClean="0"/>
+              <a:pPr>
+                <a:defRPr/>
+              </a:pPr>
+              <a:t>10</a:t>
+            </a:fld>
+            <a:endParaRPr lang="en-US" dirty="0"/>
+          </a:p>
+        </p:txBody>
+      </p:sp>
+      <p:sp>
+        <p:nvSpPr>
+          <p:cNvPr id="7" name="TextBox 6"/>
+          <p:cNvSpPr txBox="1"/>
+          <p:nvPr/>
+        </p:nvSpPr>
+        <p:spPr>
+          <a:xfrm>
+            <a:off x="1371600" y="3962400"/>
+            <a:ext cx="5089967" cy="923330"/>
+          </a:xfrm>
+          <a:prstGeom prst="rect">
+            <a:avLst/>
+          </a:prstGeom>
+          <a:noFill/>
+        </p:spPr>
+        <p:txBody>
+          <a:bodyPr wrap="none" rtlCol="0">
+            <a:spAutoFit/>
+          </a:bodyPr>
+          <a:lstStyle/>
+          <a:p>
+            <a:r>
+              <a:rPr lang="en-US" sz="5400" dirty="0" smtClean="0">
+                <a:solidFill>
+                  <a:schemeClr val="accent1">
+                    <a:lumMod val="50000"/>
+                  </a:schemeClr>
+                </a:solidFill>
+                <a:latin typeface="Comic Sans MS"/>
+                <a:cs typeface="Comic Sans MS"/>
+              </a:rPr>
+              <a:t>K</a:t>
+            </a:r>
+            <a:r>
+              <a:rPr lang="en-US" sz="5400" dirty="0" smtClean="0">
+                <a:solidFill>
+                  <a:srgbClr val="FF0000"/>
+                </a:solidFill>
+                <a:latin typeface="Comic Sans MS"/>
+                <a:cs typeface="Comic Sans MS"/>
+              </a:rPr>
+              <a:t>♦</a:t>
+            </a:r>
+            <a:r>
+              <a:rPr lang="en-US" sz="5400" dirty="0" smtClean="0">
+                <a:solidFill>
+                  <a:schemeClr val="accent1">
+                    <a:lumMod val="50000"/>
+                  </a:schemeClr>
+                </a:solidFill>
+                <a:latin typeface="Comic Sans MS"/>
+                <a:cs typeface="Comic Sans MS"/>
+              </a:rPr>
+              <a:t>, K</a:t>
+            </a:r>
+            <a:r>
+              <a:rPr lang="en-US" sz="5400" dirty="0" smtClean="0">
+                <a:solidFill>
+                  <a:srgbClr val="FF0000"/>
+                </a:solidFill>
+                <a:latin typeface="Comic Sans MS"/>
+                <a:cs typeface="Comic Sans MS"/>
+              </a:rPr>
+              <a:t>♥</a:t>
+            </a:r>
+            <a:r>
+              <a:rPr lang="en-US" sz="5400" dirty="0" smtClean="0">
+                <a:solidFill>
+                  <a:schemeClr val="accent1">
+                    <a:lumMod val="50000"/>
+                  </a:schemeClr>
+                </a:solidFill>
+                <a:latin typeface="Comic Sans MS"/>
+                <a:cs typeface="Comic Sans MS"/>
+              </a:rPr>
+              <a:t>, A</a:t>
+            </a:r>
+            <a:r>
+              <a:rPr lang="en-US" sz="5400" dirty="0" smtClean="0">
+                <a:solidFill>
+                  <a:srgbClr val="FF0000"/>
+                </a:solidFill>
+                <a:latin typeface="Comic Sans MS"/>
+                <a:cs typeface="Comic Sans MS"/>
+              </a:rPr>
+              <a:t>♦</a:t>
+            </a:r>
+            <a:r>
+              <a:rPr lang="en-US" sz="5400" dirty="0" smtClean="0">
+                <a:solidFill>
+                  <a:schemeClr val="accent1">
+                    <a:lumMod val="50000"/>
+                  </a:schemeClr>
+                </a:solidFill>
+                <a:latin typeface="Comic Sans MS"/>
+                <a:cs typeface="Comic Sans MS"/>
+              </a:rPr>
+              <a:t>, A</a:t>
+            </a:r>
+            <a:r>
+              <a:rPr lang="en-US" sz="5400" dirty="0" smtClean="0">
+                <a:solidFill>
+                  <a:schemeClr val="tx2"/>
+                </a:solidFill>
+                <a:latin typeface="Comic Sans MS"/>
+                <a:cs typeface="Comic Sans MS"/>
+              </a:rPr>
+              <a:t>♠</a:t>
+            </a:r>
+            <a:endParaRPr lang="en-US" sz="5400" dirty="0" smtClean="0">
+              <a:solidFill>
+                <a:srgbClr val="000000"/>
+              </a:solidFill>
+              <a:latin typeface="Comic Sans MS"/>
+              <a:cs typeface="Comic Sans MS"/>
+            </a:endParaRPr>
+          </a:p>
+        </p:txBody>
+      </p:sp>
+      <p:sp>
+        <p:nvSpPr>
+          <p:cNvPr id="8" name="TextBox 7"/>
+          <p:cNvSpPr txBox="1"/>
+          <p:nvPr/>
+        </p:nvSpPr>
+        <p:spPr>
+          <a:xfrm>
+            <a:off x="914400" y="2209800"/>
+            <a:ext cx="6824705" cy="830997"/>
+          </a:xfrm>
+          <a:prstGeom prst="rect">
+            <a:avLst/>
+          </a:prstGeom>
+          <a:noFill/>
+        </p:spPr>
+        <p:txBody>
+          <a:bodyPr wrap="none" rtlCol="0">
+            <a:spAutoFit/>
+          </a:bodyPr>
+          <a:lstStyle/>
+          <a:p>
+            <a:r>
+              <a:rPr lang="en-US" sz="4800" dirty="0" smtClean="0">
+                <a:solidFill>
+                  <a:schemeClr val="accent1">
+                    <a:lumMod val="50000"/>
+                  </a:schemeClr>
+                </a:solidFill>
+                <a:latin typeface="Comic Sans MS"/>
+                <a:cs typeface="Comic Sans MS"/>
+              </a:rPr>
+              <a:t>K, A, </a:t>
+            </a:r>
+            <a:r>
+              <a:rPr lang="en-US" sz="4800" dirty="0" smtClean="0">
+                <a:solidFill>
+                  <a:schemeClr val="accent1">
+                    <a:lumMod val="50000"/>
+                  </a:schemeClr>
+                </a:solidFill>
+                <a:effectLst>
+                  <a:glow rad="139700">
+                    <a:schemeClr val="accent2">
+                      <a:satMod val="175000"/>
+                      <a:alpha val="40000"/>
+                    </a:schemeClr>
+                  </a:glow>
+                </a:effectLst>
+                <a:latin typeface="Comic Sans MS"/>
+                <a:cs typeface="Comic Sans MS"/>
+              </a:rPr>
+              <a:t>3</a:t>
+            </a:r>
+            <a:r>
+              <a:rPr lang="en-US" sz="4800" dirty="0" smtClean="0">
+                <a:solidFill>
+                  <a:schemeClr val="accent1">
+                    <a:lumMod val="50000"/>
+                  </a:schemeClr>
+                </a:solidFill>
+                <a:latin typeface="Comic Sans MS"/>
+                <a:cs typeface="Comic Sans MS"/>
+              </a:rPr>
+              <a:t>, </a:t>
+            </a:r>
+            <a:r>
+              <a:rPr lang="en-US" sz="4800" dirty="0" smtClean="0">
+                <a:solidFill>
+                  <a:srgbClr val="000000"/>
+                </a:solidFill>
+                <a:latin typeface="Comic Sans MS"/>
+                <a:cs typeface="Comic Sans MS"/>
+              </a:rPr>
+              <a:t>{</a:t>
+            </a:r>
+            <a:r>
+              <a:rPr lang="en-US" sz="4800" dirty="0">
+                <a:solidFill>
+                  <a:srgbClr val="FF0000"/>
+                </a:solidFill>
+                <a:latin typeface="Comic Sans MS"/>
+                <a:cs typeface="Comic Sans MS"/>
+              </a:rPr>
+              <a:t>♦</a:t>
+            </a:r>
+            <a:r>
+              <a:rPr lang="en-US" sz="4800" dirty="0" smtClean="0">
+                <a:solidFill>
+                  <a:schemeClr val="accent1">
+                    <a:lumMod val="50000"/>
+                  </a:schemeClr>
+                </a:solidFill>
+                <a:latin typeface="Comic Sans MS"/>
+                <a:cs typeface="Comic Sans MS"/>
+              </a:rPr>
+              <a:t>, </a:t>
+            </a:r>
+            <a:r>
+              <a:rPr lang="en-US" sz="4800" dirty="0" smtClean="0">
+                <a:solidFill>
+                  <a:srgbClr val="FF0000"/>
+                </a:solidFill>
+                <a:latin typeface="Comic Sans MS"/>
+                <a:cs typeface="Comic Sans MS"/>
+              </a:rPr>
+              <a:t>♥</a:t>
+            </a:r>
+            <a:r>
+              <a:rPr lang="en-US" sz="4800" dirty="0" smtClean="0">
+                <a:solidFill>
+                  <a:srgbClr val="000000"/>
+                </a:solidFill>
+                <a:latin typeface="Comic Sans MS"/>
+                <a:cs typeface="Comic Sans MS"/>
+              </a:rPr>
+              <a:t>}</a:t>
+            </a:r>
+            <a:r>
+              <a:rPr lang="en-US" sz="4800" dirty="0" smtClean="0">
+                <a:solidFill>
+                  <a:schemeClr val="accent1">
+                    <a:lumMod val="50000"/>
+                  </a:schemeClr>
+                </a:solidFill>
+                <a:latin typeface="Comic Sans MS"/>
+                <a:cs typeface="Comic Sans MS"/>
+              </a:rPr>
+              <a:t>, </a:t>
+            </a:r>
+            <a:r>
+              <a:rPr lang="en-US" sz="4800" dirty="0" smtClean="0">
+                <a:solidFill>
+                  <a:srgbClr val="000000"/>
+                </a:solidFill>
+                <a:latin typeface="Comic Sans MS"/>
+                <a:cs typeface="Comic Sans MS"/>
+              </a:rPr>
+              <a:t>{</a:t>
+            </a:r>
+            <a:r>
+              <a:rPr lang="en-US" sz="4800" dirty="0" smtClean="0">
+                <a:solidFill>
+                  <a:srgbClr val="FF0000"/>
+                </a:solidFill>
+                <a:latin typeface="Comic Sans MS"/>
+                <a:cs typeface="Comic Sans MS"/>
+              </a:rPr>
+              <a:t>♦</a:t>
+            </a:r>
+            <a:r>
+              <a:rPr lang="en-US" sz="4800" dirty="0" smtClean="0">
+                <a:solidFill>
+                  <a:schemeClr val="accent1">
+                    <a:lumMod val="50000"/>
+                  </a:schemeClr>
+                </a:solidFill>
+                <a:latin typeface="Comic Sans MS"/>
+                <a:cs typeface="Comic Sans MS"/>
+              </a:rPr>
+              <a:t>, </a:t>
+            </a:r>
+            <a:r>
+              <a:rPr lang="en-US" sz="4800" dirty="0" smtClean="0">
+                <a:solidFill>
+                  <a:schemeClr val="tx2"/>
+                </a:solidFill>
+                <a:latin typeface="Comic Sans MS"/>
+                <a:cs typeface="Comic Sans MS"/>
+              </a:rPr>
+              <a:t>♠}</a:t>
+            </a:r>
+            <a:r>
+              <a:rPr lang="en-US" sz="4800" dirty="0" smtClean="0">
+                <a:solidFill>
+                  <a:schemeClr val="accent1">
+                    <a:lumMod val="50000"/>
+                  </a:schemeClr>
+                </a:solidFill>
+                <a:latin typeface="Comic Sans MS"/>
+                <a:cs typeface="Comic Sans MS"/>
+              </a:rPr>
+              <a:t>, </a:t>
+            </a:r>
+            <a:r>
+              <a:rPr lang="en-US" sz="4800" dirty="0" smtClean="0">
+                <a:solidFill>
+                  <a:srgbClr val="000000"/>
+                </a:solidFill>
+                <a:effectLst>
+                  <a:glow rad="228600">
+                    <a:schemeClr val="accent2">
+                      <a:satMod val="175000"/>
+                      <a:alpha val="40000"/>
+                    </a:schemeClr>
+                  </a:glow>
+                </a:effectLst>
+                <a:latin typeface="Comic Sans MS"/>
+                <a:cs typeface="Comic Sans MS"/>
+              </a:rPr>
+              <a:t>♣</a:t>
+            </a:r>
+          </a:p>
+        </p:txBody>
+      </p:sp>
+      <p:sp>
+        <p:nvSpPr>
+          <p:cNvPr id="9" name="TextBox 8"/>
+          <p:cNvSpPr txBox="1"/>
+          <p:nvPr/>
+        </p:nvSpPr>
+        <p:spPr>
+          <a:xfrm>
+            <a:off x="609600" y="1371600"/>
+            <a:ext cx="5086749" cy="830997"/>
+          </a:xfrm>
+          <a:prstGeom prst="rect">
+            <a:avLst/>
+          </a:prstGeom>
+          <a:noFill/>
+        </p:spPr>
+        <p:txBody>
+          <a:bodyPr wrap="none" rtlCol="0">
+            <a:spAutoFit/>
+          </a:bodyPr>
+          <a:lstStyle/>
+          <a:p>
+            <a:r>
+              <a:rPr lang="en-US" sz="4000" dirty="0" smtClean="0">
+                <a:latin typeface="Comic Sans MS"/>
+                <a:cs typeface="Comic Sans MS"/>
+              </a:rPr>
+              <a:t>example:</a:t>
+            </a:r>
+            <a:r>
+              <a:rPr lang="en-US" sz="4800" dirty="0" smtClean="0">
+                <a:latin typeface="Comic Sans MS"/>
+                <a:cs typeface="Comic Sans MS"/>
+              </a:rPr>
+              <a:t> </a:t>
+            </a:r>
+            <a:r>
+              <a:rPr lang="en-US" sz="4800" dirty="0" smtClean="0">
+                <a:solidFill>
+                  <a:srgbClr val="0000FF"/>
+                </a:solidFill>
+                <a:latin typeface="Comic Sans MS"/>
+                <a:cs typeface="Comic Sans MS"/>
+              </a:rPr>
+              <a:t>choosing</a:t>
+            </a:r>
+            <a:endParaRPr lang="en-US" sz="4800" dirty="0">
+              <a:latin typeface="Comic Sans MS"/>
+              <a:cs typeface="Comic Sans MS"/>
+            </a:endParaRPr>
+          </a:p>
+        </p:txBody>
+      </p:sp>
+      <p:sp>
+        <p:nvSpPr>
+          <p:cNvPr id="10" name="TextBox 9"/>
+          <p:cNvSpPr txBox="1"/>
+          <p:nvPr/>
+        </p:nvSpPr>
+        <p:spPr>
+          <a:xfrm>
+            <a:off x="533400" y="3048000"/>
+            <a:ext cx="6412332" cy="830997"/>
+          </a:xfrm>
+          <a:prstGeom prst="rect">
+            <a:avLst/>
+          </a:prstGeom>
+          <a:noFill/>
+        </p:spPr>
+        <p:txBody>
+          <a:bodyPr wrap="none" rtlCol="0">
+            <a:spAutoFit/>
+          </a:bodyPr>
+          <a:lstStyle/>
+          <a:p>
+            <a:r>
+              <a:rPr lang="en-US" sz="4800" dirty="0" smtClean="0">
+                <a:latin typeface="Comic Sans MS"/>
+                <a:cs typeface="Comic Sans MS"/>
+              </a:rPr>
+              <a:t>specifies 2-pair hand:</a:t>
+            </a:r>
+            <a:endParaRPr lang="en-US" sz="4800" dirty="0">
+              <a:latin typeface="Comic Sans MS"/>
+              <a:cs typeface="Comic Sans MS"/>
+            </a:endParaRPr>
+          </a:p>
+        </p:txBody>
+      </p:sp>
+      <p:sp>
+        <p:nvSpPr>
+          <p:cNvPr id="11" name="TextBox 10"/>
+          <p:cNvSpPr txBox="1"/>
+          <p:nvPr/>
+        </p:nvSpPr>
+        <p:spPr>
+          <a:xfrm>
+            <a:off x="1371600" y="3962400"/>
+            <a:ext cx="6373860" cy="923330"/>
+          </a:xfrm>
+          <a:prstGeom prst="rect">
+            <a:avLst/>
+          </a:prstGeom>
+          <a:noFill/>
+        </p:spPr>
+        <p:txBody>
+          <a:bodyPr wrap="none" rtlCol="0">
+            <a:spAutoFit/>
+          </a:bodyPr>
+          <a:lstStyle/>
+          <a:p>
+            <a:r>
+              <a:rPr lang="en-US" sz="5400" dirty="0" smtClean="0">
+                <a:solidFill>
+                  <a:schemeClr val="accent1">
+                    <a:lumMod val="50000"/>
+                  </a:schemeClr>
+                </a:solidFill>
+                <a:latin typeface="Comic Sans MS"/>
+                <a:cs typeface="Comic Sans MS"/>
+              </a:rPr>
+              <a:t>K</a:t>
+            </a:r>
+            <a:r>
+              <a:rPr lang="en-US" sz="5400" dirty="0" smtClean="0">
+                <a:solidFill>
+                  <a:srgbClr val="FF0000"/>
+                </a:solidFill>
+                <a:latin typeface="Comic Sans MS"/>
+                <a:cs typeface="Comic Sans MS"/>
+              </a:rPr>
+              <a:t>♦</a:t>
+            </a:r>
+            <a:r>
+              <a:rPr lang="en-US" sz="5400" dirty="0" smtClean="0">
+                <a:solidFill>
+                  <a:schemeClr val="accent1">
+                    <a:lumMod val="50000"/>
+                  </a:schemeClr>
+                </a:solidFill>
+                <a:latin typeface="Comic Sans MS"/>
+                <a:cs typeface="Comic Sans MS"/>
+              </a:rPr>
+              <a:t>, K</a:t>
+            </a:r>
+            <a:r>
+              <a:rPr lang="en-US" sz="5400" dirty="0" smtClean="0">
+                <a:solidFill>
+                  <a:srgbClr val="FF0000"/>
+                </a:solidFill>
+                <a:latin typeface="Comic Sans MS"/>
+                <a:cs typeface="Comic Sans MS"/>
+              </a:rPr>
+              <a:t>♥</a:t>
+            </a:r>
+            <a:r>
+              <a:rPr lang="en-US" sz="5400" dirty="0" smtClean="0">
+                <a:solidFill>
+                  <a:schemeClr val="accent1">
+                    <a:lumMod val="50000"/>
+                  </a:schemeClr>
+                </a:solidFill>
+                <a:latin typeface="Comic Sans MS"/>
+                <a:cs typeface="Comic Sans MS"/>
+              </a:rPr>
+              <a:t>, A</a:t>
+            </a:r>
+            <a:r>
+              <a:rPr lang="en-US" sz="5400" dirty="0" smtClean="0">
+                <a:solidFill>
+                  <a:srgbClr val="FF0000"/>
+                </a:solidFill>
+                <a:latin typeface="Comic Sans MS"/>
+                <a:cs typeface="Comic Sans MS"/>
+              </a:rPr>
+              <a:t>♦</a:t>
+            </a:r>
+            <a:r>
+              <a:rPr lang="en-US" sz="5400" dirty="0" smtClean="0">
+                <a:solidFill>
+                  <a:schemeClr val="accent1">
+                    <a:lumMod val="50000"/>
+                  </a:schemeClr>
+                </a:solidFill>
+                <a:latin typeface="Comic Sans MS"/>
+                <a:cs typeface="Comic Sans MS"/>
+              </a:rPr>
+              <a:t>, A</a:t>
+            </a:r>
+            <a:r>
+              <a:rPr lang="en-US" sz="5400" dirty="0" smtClean="0">
+                <a:solidFill>
+                  <a:schemeClr val="tx2"/>
+                </a:solidFill>
+                <a:latin typeface="Comic Sans MS"/>
+                <a:cs typeface="Comic Sans MS"/>
+              </a:rPr>
+              <a:t>♠</a:t>
+            </a:r>
+            <a:r>
+              <a:rPr lang="en-US" sz="5400" dirty="0" smtClean="0">
+                <a:solidFill>
+                  <a:schemeClr val="accent1">
+                    <a:lumMod val="50000"/>
+                  </a:schemeClr>
+                </a:solidFill>
+                <a:latin typeface="Comic Sans MS"/>
+                <a:cs typeface="Comic Sans MS"/>
+              </a:rPr>
+              <a:t>, 3</a:t>
+            </a:r>
+            <a:r>
+              <a:rPr lang="en-US" sz="5400" dirty="0" smtClean="0">
+                <a:solidFill>
+                  <a:srgbClr val="000000"/>
+                </a:solidFill>
+                <a:latin typeface="Comic Sans MS"/>
+                <a:cs typeface="Comic Sans MS"/>
+              </a:rPr>
+              <a:t>♣</a:t>
+            </a:r>
+          </a:p>
+        </p:txBody>
+      </p:sp>
+    </p:spTree>
+    <p:extLst>
+      <p:ext uri="{BB962C8B-B14F-4D97-AF65-F5344CB8AC3E}">
+        <p14:creationId xmlns:p14="http://schemas.microsoft.com/office/powerpoint/2010/main" val="2893374386"/>
+      </p:ext>
+    </p:extLst>
+  </p:cSld>
+  <p:clrMapOvr>
+    <a:masterClrMapping/>
+  </p:clrMapOvr>
+  <mc:AlternateContent xmlns:mc="http://schemas.openxmlformats.org/markup-compatibility/2006" xmlns:p14="http://schemas.microsoft.com/office/powerpoint/2010/main">
+    <mc:Choice Requires="p14">
+      <p:transition spd="slow" p14:dur="900" advClick="0">
+        <p:fade/>
+      </p:transition>
+    </mc:Choice>
+    <mc:Fallback xmlns="">
+      <p:transition xmlns:p14="http://schemas.microsoft.com/office/powerpoint/2010/main" spd="slow" advClick="0">
+        <p:fade/>
+      </p:transition>
+    </mc:Fallback>
+  </mc:AlternateContent>
+  <p:timing>
+    <p:tnLst>
+      <p:par>
+        <p:cTn xmlns:p14="http://schemas.microsoft.com/office/powerpoint/2010/main" id="1" dur="indefinite" restart="never" nodeType="tmRoot">
+          <p:childTnLst>
+            <p:seq concurrent="1" nextAc="seek">
+              <p:cTn id="2" dur="indefinite" nodeType="mainSeq">
+                <p:childTnLst>
+                  <p:par>
+                    <p:cTn id="3" fill="hold">
+                      <p:stCondLst>
+                        <p:cond delay="indefinite"/>
+                        <p:cond evt="onBegin" delay="0">
+                          <p:tn val="2"/>
+                        </p:cond>
+                      </p:stCondLst>
+                      <p:childTnLst>
+                        <p:par>
+                          <p:cTn id="4" fill="hold">
+                            <p:stCondLst>
+                              <p:cond delay="0"/>
+                            </p:stCondLst>
+                            <p:childTnLst>
+                              <p:par>
+                                <p:cTn id="5" presetID="10" presetClass="entr" presetSubtype="0" fill="hold" grpId="0" nodeType="afterEffect">
+                                  <p:stCondLst>
+                                    <p:cond delay="0"/>
+                                  </p:stCondLst>
+                                  <p:childTnLst>
+                                    <p:set>
+                                      <p:cBhvr>
+                                        <p:cTn id="6" dur="1" fill="hold">
+                                          <p:stCondLst>
+                                            <p:cond delay="0"/>
+                                          </p:stCondLst>
+                                        </p:cTn>
+                                        <p:tgtEl>
+                                          <p:spTgt spid="11"/>
+                                        </p:tgtEl>
+                                        <p:attrNameLst>
+                                          <p:attrName>style.visibility</p:attrName>
+                                        </p:attrNameLst>
+                                      </p:cBhvr>
+                                      <p:to>
+                                        <p:strVal val="visible"/>
+                                      </p:to>
+                                    </p:set>
+                                    <p:animEffect transition="in" filter="fade">
+                                      <p:cBhvr>
+                                        <p:cTn id="7" dur="500"/>
+                                        <p:tgtEl>
+                                          <p:spTgt spid="11"/>
+                                        </p:tgtEl>
+                                      </p:cBhvr>
+                                    </p:animEffect>
+                                  </p:childTnLst>
+                                </p:cTn>
+                              </p:par>
+                            </p:childTnLst>
+                          </p:cTn>
+                        </p:par>
+                      </p:childTnLst>
+                    </p:cTn>
+                  </p:par>
+                </p:childTnLst>
+              </p:cTn>
+              <p:prevCondLst>
+                <p:cond evt="onPrev" delay="0">
+                  <p:tgtEl>
+                    <p:sldTgt/>
+                  </p:tgtEl>
+                </p:cond>
+              </p:prevCondLst>
+              <p:nextCondLst>
+                <p:cond evt="onNext" delay="0">
+                  <p:tgtEl>
+                    <p:sldTgt/>
+                  </p:tgtEl>
+                </p:cond>
+              </p:nextCondLst>
+            </p:seq>
+          </p:childTnLst>
+        </p:cTn>
+      </p:par>
+    </p:tnLst>
+    <p:bldLst>
+      <p:bldP spid="11" grpId="0"/>
+    </p:bldLst>
+  </p:timing>
+</p:sld>
+</file>
+
+<file path=ppt/slides/slide11.xml><?xml version="1.0" encoding="utf-8"?>
+<p:sld xmlns:a="http://schemas.openxmlformats.org/drawingml/2006/main" xmlns:r="http://schemas.openxmlformats.org/officeDocument/2006/relationships" xmlns:p="http://schemas.openxmlformats.org/presentationml/2006/main">
+  <p:cSld>
+    <p:spTree>
+      <p:nvGrpSpPr>
+        <p:cNvPr id="1" name=""/>
+        <p:cNvGrpSpPr/>
+        <p:nvPr/>
+      </p:nvGrpSpPr>
+      <p:grpSpPr>
+        <a:xfrm>
+          <a:off x="0" y="0"/>
+          <a:ext cx="0" cy="0"/>
+          <a:chOff x="0" y="0"/>
+          <a:chExt cx="0" cy="0"/>
+        </a:xfrm>
+      </p:grpSpPr>
+      <p:sp>
+        <p:nvSpPr>
+          <p:cNvPr id="2" name="Title 1"/>
+          <p:cNvSpPr>
+            <a:spLocks noGrp="1"/>
+          </p:cNvSpPr>
+          <p:nvPr>
+            <p:ph type="title"/>
+          </p:nvPr>
+        </p:nvSpPr>
+        <p:spPr/>
+        <p:txBody>
+          <a:bodyPr/>
+          <a:lstStyle/>
+          <a:p>
+            <a:r>
+              <a:rPr lang="en-US" dirty="0" smtClean="0"/>
+              <a:t>counting 2-pair poker hands</a:t>
+            </a:r>
+            <a:endParaRPr lang="en-US" dirty="0"/>
+          </a:p>
+        </p:txBody>
+      </p:sp>
+      <p:sp>
+        <p:nvSpPr>
           <p:cNvPr id="3" name="Content Placeholder 2"/>
           <p:cNvSpPr>
             <a:spLocks noGrp="1"/>
@@ -2599,7 +3336,7 @@
               <a:pPr>
                 <a:defRPr/>
               </a:pPr>
-              <a:t>10</a:t>
+              <a:t>11</a:t>
             </a:fld>
             <a:endParaRPr lang="en-US" dirty="0"/>
           </a:p>
@@ -2621,7 +3358,7 @@
           <a:graphicData uri="http://schemas.openxmlformats.org/presentationml/2006/ole">
             <mc:AlternateContent xmlns:mc="http://schemas.openxmlformats.org/markup-compatibility/2006">
               <mc:Choice xmlns:v="urn:schemas-microsoft-com:vml" Requires="v">
-                <p:oleObj spid="_x0000_s66589" name="Equation" r:id="rId3" imgW="1397000" imgH="533400" progId="Equation.DSMT4">
+                <p:oleObj spid="_x0000_s66592" name="Equation" r:id="rId3" imgW="1397000" imgH="533400" progId="Equation.DSMT4">
                   <p:embed/>
                 </p:oleObj>
               </mc:Choice>
@@ -2914,7 +3651,7 @@
 </p:sld>
 </file>
 
-<file path=ppt/slides/slide11.xml><?xml version="1.0" encoding="utf-8"?>
+<file path=ppt/slides/slide12.xml><?xml version="1.0" encoding="utf-8"?>
 <p:sld xmlns:a="http://schemas.openxmlformats.org/drawingml/2006/main" xmlns:r="http://schemas.openxmlformats.org/officeDocument/2006/relationships" xmlns:p="http://schemas.openxmlformats.org/presentationml/2006/main">
   <p:cSld>
     <p:spTree>
@@ -3205,7 +3942,7 @@
               <a:pPr>
                 <a:defRPr/>
               </a:pPr>
-              <a:t>11</a:t>
+              <a:t>12</a:t>
             </a:fld>
             <a:endParaRPr lang="en-US" dirty="0"/>
           </a:p>
@@ -3227,7 +3964,7 @@
           <a:graphicData uri="http://schemas.openxmlformats.org/presentationml/2006/ole">
             <mc:AlternateContent xmlns:mc="http://schemas.openxmlformats.org/markup-compatibility/2006">
               <mc:Choice xmlns:v="urn:schemas-microsoft-com:vml" Requires="v">
-                <p:oleObj spid="_x0000_s67615" name="Equation" r:id="rId3" imgW="139700" imgH="228600" progId="Equation.DSMT4">
+                <p:oleObj spid="_x0000_s67618" name="Equation" r:id="rId3" imgW="139700" imgH="228600" progId="Equation.DSMT4">
                   <p:embed/>
                 </p:oleObj>
               </mc:Choice>
@@ -3286,13 +4023,13 @@
   <p:clrMapOvr>
     <a:masterClrMapping/>
   </p:clrMapOvr>
-  <mc:AlternateContent xmlns:mc="http://schemas.openxmlformats.org/markup-compatibility/2006">
-    <mc:Choice xmlns:p14="http://schemas.microsoft.com/office/powerpoint/2010/main" Requires="p14">
+  <mc:AlternateContent xmlns:mc="http://schemas.openxmlformats.org/markup-compatibility/2006" xmlns:p14="http://schemas.microsoft.com/office/powerpoint/2010/main">
+    <mc:Choice Requires="p14">
       <p:transition spd="slow" p14:dur="1200" advClick="0">
         <p:fade/>
       </p:transition>
     </mc:Choice>
-    <mc:Fallback>
+    <mc:Fallback xmlns="">
       <p:transition xmlns:p14="http://schemas.microsoft.com/office/powerpoint/2010/main" spd="slow" advClick="0">
         <p:fade/>
       </p:transition>
@@ -3717,7 +4454,7 @@
 </p:sld>
 </file>
 
-<file path=ppt/slides/slide12.xml><?xml version="1.0" encoding="utf-8"?>
+<file path=ppt/slides/slide13.xml><?xml version="1.0" encoding="utf-8"?>
 <p:sld xmlns:a="http://schemas.openxmlformats.org/drawingml/2006/main" xmlns:r="http://schemas.openxmlformats.org/officeDocument/2006/relationships" xmlns:p="http://schemas.openxmlformats.org/presentationml/2006/main">
   <p:cSld>
     <p:spTree>
@@ -3860,7 +4597,7 @@
               <a:pPr>
                 <a:defRPr/>
               </a:pPr>
-              <a:t>12</a:t>
+              <a:t>13</a:t>
             </a:fld>
             <a:endParaRPr lang="en-US" dirty="0"/>
           </a:p>
@@ -3882,7 +4619,7 @@
           <a:graphicData uri="http://schemas.openxmlformats.org/presentationml/2006/ole">
             <mc:AlternateContent xmlns:mc="http://schemas.openxmlformats.org/markup-compatibility/2006">
               <mc:Choice xmlns:v="urn:schemas-microsoft-com:vml" Requires="v">
-                <p:oleObj spid="_x0000_s69667" name="Equation" r:id="rId3" imgW="139700" imgH="228600" progId="Equation.DSMT4">
+                <p:oleObj spid="_x0000_s69670" name="Equation" r:id="rId3" imgW="139700" imgH="228600" progId="Equation.DSMT4">
                   <p:embed/>
                 </p:oleObj>
               </mc:Choice>
@@ -5131,7 +5868,7 @@
 </p:sld>
 </file>
 
-<file path=ppt/slides/slide13.xml><?xml version="1.0" encoding="utf-8"?>
+<file path=ppt/slides/slide14.xml><?xml version="1.0" encoding="utf-8"?>
 <p:sld xmlns:a="http://schemas.openxmlformats.org/drawingml/2006/main" xmlns:r="http://schemas.openxmlformats.org/officeDocument/2006/relationships" xmlns:p="http://schemas.openxmlformats.org/presentationml/2006/main">
   <p:cSld>
     <p:spTree>
@@ -5274,7 +6011,7 @@
               <a:pPr>
                 <a:defRPr/>
               </a:pPr>
-              <a:t>13</a:t>
+              <a:t>14</a:t>
             </a:fld>
             <a:endParaRPr lang="en-US" dirty="0"/>
           </a:p>
@@ -5296,7 +6033,7 @@
           <a:graphicData uri="http://schemas.openxmlformats.org/presentationml/2006/ole">
             <mc:AlternateContent xmlns:mc="http://schemas.openxmlformats.org/markup-compatibility/2006">
               <mc:Choice xmlns:v="urn:schemas-microsoft-com:vml" Requires="v">
-                <p:oleObj spid="_x0000_s77826" name="Equation" r:id="rId3" imgW="139700" imgH="228600" progId="Equation.DSMT4">
+                <p:oleObj spid="_x0000_s77829" name="Equation" r:id="rId3" imgW="139700" imgH="228600" progId="Equation.DSMT4">
                   <p:embed/>
                 </p:oleObj>
               </mc:Choice>
@@ -6440,7 +7177,7 @@
 </p:sld>
 </file>
 
-<file path=ppt/slides/slide14.xml><?xml version="1.0" encoding="utf-8"?>
+<file path=ppt/slides/slide15.xml><?xml version="1.0" encoding="utf-8"?>
 <p:sld xmlns:a="http://schemas.openxmlformats.org/drawingml/2006/main" xmlns:r="http://schemas.openxmlformats.org/officeDocument/2006/relationships" xmlns:p="http://schemas.openxmlformats.org/presentationml/2006/main" show="0">
   <p:cSld>
     <p:spTree>
@@ -6617,7 +7354,7 @@
               <a:pPr>
                 <a:defRPr/>
               </a:pPr>
-              <a:t>14</a:t>
+              <a:t>15</a:t>
             </a:fld>
             <a:endParaRPr lang="en-US" dirty="0"/>
           </a:p>
@@ -6650,7 +7387,7 @@
 </p:sld>
 </file>
 
-<file path=ppt/slides/slide15.xml><?xml version="1.0" encoding="utf-8"?>
+<file path=ppt/slides/slide16.xml><?xml version="1.0" encoding="utf-8"?>
 <p:sld xmlns:a="http://schemas.openxmlformats.org/drawingml/2006/main" xmlns:r="http://schemas.openxmlformats.org/officeDocument/2006/relationships" xmlns:p="http://schemas.openxmlformats.org/presentationml/2006/main">
   <p:cSld>
     <p:spTree>
@@ -6811,7 +7548,7 @@
               <a:pPr>
                 <a:defRPr/>
               </a:pPr>
-              <a:t>15</a:t>
+              <a:t>16</a:t>
             </a:fld>
             <a:endParaRPr lang="en-US" dirty="0"/>
           </a:p>
@@ -7047,7 +7784,7 @@
 </p:sld>
 </file>
 
-<file path=ppt/slides/slide16.xml><?xml version="1.0" encoding="utf-8"?>
+<file path=ppt/slides/slide17.xml><?xml version="1.0" encoding="utf-8"?>
 <p:sld xmlns:a="http://schemas.openxmlformats.org/drawingml/2006/main" xmlns:r="http://schemas.openxmlformats.org/officeDocument/2006/relationships" xmlns:p="http://schemas.openxmlformats.org/presentationml/2006/main">
   <p:cSld>
     <p:spTree>
@@ -7240,7 +7977,7 @@
               <a:pPr>
                 <a:defRPr/>
               </a:pPr>
-              <a:t>16</a:t>
+              <a:t>17</a:t>
             </a:fld>
             <a:endParaRPr lang="en-US" dirty="0"/>
           </a:p>
@@ -7570,7 +8307,7 @@
 </p:sld>
 </file>
 
-<file path=ppt/slides/slide17.xml><?xml version="1.0" encoding="utf-8"?>
+<file path=ppt/slides/slide18.xml><?xml version="1.0" encoding="utf-8"?>
 <p:sld xmlns:a="http://schemas.openxmlformats.org/drawingml/2006/main" xmlns:r="http://schemas.openxmlformats.org/officeDocument/2006/relationships" xmlns:p="http://schemas.openxmlformats.org/presentationml/2006/main">
   <p:cSld>
     <p:spTree>
@@ -7637,7 +8374,7 @@
               <a:pPr>
                 <a:defRPr/>
               </a:pPr>
-              <a:t>17</a:t>
+              <a:t>18</a:t>
             </a:fld>
             <a:endParaRPr lang="en-US" dirty="0"/>
           </a:p>
@@ -8363,7 +9100,7 @@
 </p:sld>
 </file>
 
-<file path=ppt/slides/slide18.xml><?xml version="1.0" encoding="utf-8"?>
+<file path=ppt/slides/slide19.xml><?xml version="1.0" encoding="utf-8"?>
 <p:sld xmlns:a="http://schemas.openxmlformats.org/drawingml/2006/main" xmlns:r="http://schemas.openxmlformats.org/officeDocument/2006/relationships" xmlns:p="http://schemas.openxmlformats.org/presentationml/2006/main">
   <p:cSld>
     <p:spTree>
@@ -8466,7 +9203,7 @@
               <a:pPr>
                 <a:defRPr/>
               </a:pPr>
-              <a:t>18</a:t>
+              <a:t>19</a:t>
             </a:fld>
             <a:endParaRPr lang="en-US" dirty="0"/>
           </a:p>
@@ -8488,7 +9225,7 @@
           <a:graphicData uri="http://schemas.openxmlformats.org/presentationml/2006/ole">
             <mc:AlternateContent xmlns:mc="http://schemas.openxmlformats.org/markup-compatibility/2006">
               <mc:Choice xmlns:v="urn:schemas-microsoft-com:vml" Requires="v">
-                <p:oleObj spid="_x0000_s73756" name="Equation" r:id="rId3" imgW="1397000" imgH="533400" progId="Equation.DSMT4">
+                <p:oleObj spid="_x0000_s73759" name="Equation" r:id="rId3" imgW="1397000" imgH="533400" progId="Equation.DSMT4">
                   <p:embed/>
                 </p:oleObj>
               </mc:Choice>
@@ -8611,7 +9348,465 @@
 </p:sld>
 </file>
 
-<file path=ppt/slides/slide19.xml><?xml version="1.0" encoding="utf-8"?>
+<file path=ppt/slides/slide2.xml><?xml version="1.0" encoding="utf-8"?>
+<p:sld xmlns:a="http://schemas.openxmlformats.org/drawingml/2006/main" xmlns:r="http://schemas.openxmlformats.org/officeDocument/2006/relationships" xmlns:p="http://schemas.openxmlformats.org/presentationml/2006/main">
+  <p:cSld>
+    <p:spTree>
+      <p:nvGrpSpPr>
+        <p:cNvPr id="1" name=""/>
+        <p:cNvGrpSpPr/>
+        <p:nvPr/>
+      </p:nvGrpSpPr>
+      <p:grpSpPr>
+        <a:xfrm>
+          <a:off x="0" y="0"/>
+          <a:ext cx="0" cy="0"/>
+          <a:chOff x="0" y="0"/>
+          <a:chExt cx="0" cy="0"/>
+        </a:xfrm>
+      </p:grpSpPr>
+      <p:sp>
+        <p:nvSpPr>
+          <p:cNvPr id="2" name="Title 1"/>
+          <p:cNvSpPr>
+            <a:spLocks noGrp="1"/>
+          </p:cNvSpPr>
+          <p:nvPr>
+            <p:ph type="title"/>
+          </p:nvPr>
+        </p:nvSpPr>
+        <p:spPr>
+          <a:xfrm>
+            <a:off x="2514600" y="304800"/>
+            <a:ext cx="4495800" cy="1143000"/>
+          </a:xfrm>
+        </p:spPr>
+        <p:txBody>
+          <a:bodyPr/>
+          <a:lstStyle/>
+          <a:p>
+            <a:r>
+              <a:rPr lang="en-US" sz="4800" dirty="0" smtClean="0"/>
+              <a:t>playing cards</a:t>
+            </a:r>
+            <a:endParaRPr lang="en-US" sz="4800" dirty="0"/>
+          </a:p>
+        </p:txBody>
+      </p:sp>
+      <p:sp>
+        <p:nvSpPr>
+          <p:cNvPr id="3" name="Content Placeholder 2"/>
+          <p:cNvSpPr>
+            <a:spLocks noGrp="1"/>
+          </p:cNvSpPr>
+          <p:nvPr>
+            <p:ph idx="1"/>
+          </p:nvPr>
+        </p:nvSpPr>
+        <p:spPr>
+          <a:xfrm>
+            <a:off x="533400" y="1600200"/>
+            <a:ext cx="8153400" cy="3733800"/>
+          </a:xfrm>
+        </p:spPr>
+        <p:txBody>
+          <a:bodyPr/>
+          <a:lstStyle/>
+          <a:p>
+            <a:r>
+              <a:rPr lang="en-US" sz="4800" dirty="0" smtClean="0"/>
+              <a:t>cards have</a:t>
+            </a:r>
+          </a:p>
+          <a:p>
+            <a:r>
+              <a:rPr lang="en-US" sz="4800" dirty="0" smtClean="0">
+                <a:solidFill>
+                  <a:srgbClr val="A52174"/>
+                </a:solidFill>
+              </a:rPr>
+              <a:t>rank:</a:t>
+            </a:r>
+            <a:r>
+              <a:rPr lang="en-US" sz="4800" dirty="0" smtClean="0">
+                <a:solidFill>
+                  <a:schemeClr val="accent1">
+                    <a:lumMod val="50000"/>
+                  </a:schemeClr>
+                </a:solidFill>
+              </a:rPr>
+              <a:t> A, 2, 3,…,10, J, Q, K</a:t>
+            </a:r>
+          </a:p>
+          <a:p>
+            <a:r>
+              <a:rPr lang="en-US" sz="4800" dirty="0" smtClean="0">
+                <a:solidFill>
+                  <a:srgbClr val="A52174"/>
+                </a:solidFill>
+              </a:rPr>
+              <a:t>suit:  </a:t>
+            </a:r>
+            <a:r>
+              <a:rPr lang="en-US" sz="4800" dirty="0"/>
+              <a:t>♠</a:t>
+            </a:r>
+            <a:r>
+              <a:rPr lang="en-US" sz="4800" dirty="0" smtClean="0"/>
+              <a:t>,</a:t>
+            </a:r>
+            <a:r>
+              <a:rPr lang="en-US" sz="4800" dirty="0" smtClean="0">
+                <a:solidFill>
+                  <a:srgbClr val="FF0000"/>
+                </a:solidFill>
+              </a:rPr>
+              <a:t> ♥</a:t>
+            </a:r>
+            <a:r>
+              <a:rPr lang="en-US" sz="4800" dirty="0">
+                <a:solidFill>
+                  <a:srgbClr val="000000"/>
+                </a:solidFill>
+              </a:rPr>
+              <a:t>,</a:t>
+            </a:r>
+            <a:r>
+              <a:rPr lang="en-US" sz="4800" dirty="0">
+                <a:solidFill>
+                  <a:srgbClr val="FF0000"/>
+                </a:solidFill>
+              </a:rPr>
+              <a:t> ♦</a:t>
+            </a:r>
+            <a:r>
+              <a:rPr lang="en-US" sz="4800" dirty="0">
+                <a:solidFill>
+                  <a:srgbClr val="000000"/>
+                </a:solidFill>
+              </a:rPr>
+              <a:t>,</a:t>
+            </a:r>
+            <a:r>
+              <a:rPr lang="en-US" sz="4800" dirty="0">
+                <a:solidFill>
+                  <a:srgbClr val="FF0000"/>
+                </a:solidFill>
+              </a:rPr>
+              <a:t> </a:t>
+            </a:r>
+            <a:r>
+              <a:rPr lang="en-US" sz="4800" dirty="0" smtClean="0">
+                <a:solidFill>
+                  <a:srgbClr val="000000"/>
+                </a:solidFill>
+              </a:rPr>
+              <a:t>♣</a:t>
+            </a:r>
+          </a:p>
+          <a:p>
+            <a:r>
+              <a:rPr lang="en-US" sz="4800" dirty="0" smtClean="0">
+                <a:solidFill>
+                  <a:srgbClr val="000000"/>
+                </a:solidFill>
+              </a:rPr>
+              <a:t>total: 13</a:t>
+            </a:r>
+            <a:r>
+              <a:rPr lang="en-US" sz="4800" i="1" dirty="0">
+                <a:solidFill>
+                  <a:prstClr val="black"/>
+                </a:solidFill>
+                <a:latin typeface="AvenirNext-Italic"/>
+              </a:rPr>
+              <a:t>⋅</a:t>
+            </a:r>
+            <a:r>
+              <a:rPr lang="en-US" sz="4800" dirty="0" smtClean="0">
+                <a:solidFill>
+                  <a:srgbClr val="000000"/>
+                </a:solidFill>
+              </a:rPr>
+              <a:t>4 </a:t>
+            </a:r>
+            <a:r>
+              <a:rPr lang="en-US" sz="4800" dirty="0">
+                <a:solidFill>
+                  <a:srgbClr val="000000"/>
+                </a:solidFill>
+              </a:rPr>
+              <a:t>= 52 cards</a:t>
+            </a:r>
+            <a:endParaRPr lang="en-US" sz="4800" dirty="0">
+              <a:solidFill>
+                <a:srgbClr val="000000"/>
+              </a:solidFill>
+            </a:endParaRPr>
+          </a:p>
+        </p:txBody>
+      </p:sp>
+      <p:sp>
+        <p:nvSpPr>
+          <p:cNvPr id="4" name="Slide Number Placeholder 3"/>
+          <p:cNvSpPr>
+            <a:spLocks noGrp="1"/>
+          </p:cNvSpPr>
+          <p:nvPr>
+            <p:ph type="sldNum" sz="quarter" idx="10"/>
+          </p:nvPr>
+        </p:nvSpPr>
+        <p:spPr/>
+        <p:txBody>
+          <a:bodyPr/>
+          <a:lstStyle/>
+          <a:p>
+            <a:pPr>
+              <a:defRPr/>
+            </a:pPr>
+            <a:r>
+              <a:rPr lang="en-US" dirty="0" smtClean="0"/>
+              <a:t>2pair.</a:t>
+            </a:r>
+            <a:fld id="{9C0B6E0F-EDA7-4496-A72F-8E0EBD3F01E4}" type="slidenum">
+              <a:rPr lang="en-US" smtClean="0"/>
+              <a:pPr>
+                <a:defRPr/>
+              </a:pPr>
+              <a:t>2</a:t>
+            </a:fld>
+            <a:endParaRPr lang="en-US" dirty="0"/>
+          </a:p>
+        </p:txBody>
+      </p:sp>
+    </p:spTree>
+  </p:cSld>
+  <p:clrMapOvr>
+    <a:masterClrMapping/>
+  </p:clrMapOvr>
+  <p:transition xmlns:p14="http://schemas.microsoft.com/office/powerpoint/2010/main" spd="slow" advClick="0">
+    <p:fade thruBlk="1"/>
+  </p:transition>
+  <p:timing>
+    <p:tnLst>
+      <p:par>
+        <p:cTn xmlns:p14="http://schemas.microsoft.com/office/powerpoint/2010/main" id="1" dur="indefinite" restart="never" nodeType="tmRoot">
+          <p:childTnLst>
+            <p:seq concurrent="1" nextAc="seek">
+              <p:cTn id="2" dur="indefinite" nodeType="mainSeq">
+                <p:childTnLst>
+                  <p:par>
+                    <p:cTn id="3" fill="hold">
+                      <p:stCondLst>
+                        <p:cond delay="indefinite"/>
+                      </p:stCondLst>
+                      <p:childTnLst>
+                        <p:par>
+                          <p:cTn id="4" fill="hold">
+                            <p:stCondLst>
+                              <p:cond delay="0"/>
+                            </p:stCondLst>
+                            <p:childTnLst>
+                              <p:par>
+                                <p:cTn id="5" presetID="22" presetClass="entr" presetSubtype="8" fill="hold" grpId="0" nodeType="clickEffect">
+                                  <p:stCondLst>
+                                    <p:cond delay="0"/>
+                                  </p:stCondLst>
+                                  <p:childTnLst>
+                                    <p:set>
+                                      <p:cBhvr>
+                                        <p:cTn id="6" dur="1" fill="hold">
+                                          <p:stCondLst>
+                                            <p:cond delay="0"/>
+                                          </p:stCondLst>
+                                        </p:cTn>
+                                        <p:tgtEl>
+                                          <p:spTgt spid="3">
+                                            <p:txEl>
+                                              <p:pRg st="1" end="1"/>
+                                            </p:txEl>
+                                          </p:spTgt>
+                                        </p:tgtEl>
+                                        <p:attrNameLst>
+                                          <p:attrName>style.visibility</p:attrName>
+                                        </p:attrNameLst>
+                                      </p:cBhvr>
+                                      <p:to>
+                                        <p:strVal val="visible"/>
+                                      </p:to>
+                                    </p:set>
+                                    <p:animEffect transition="in" filter="wipe(left)">
+                                      <p:cBhvr>
+                                        <p:cTn id="7" dur="1000"/>
+                                        <p:tgtEl>
+                                          <p:spTgt spid="3">
+                                            <p:txEl>
+                                              <p:pRg st="1" end="1"/>
+                                            </p:txEl>
+                                          </p:spTgt>
+                                        </p:tgtEl>
+                                      </p:cBhvr>
+                                    </p:animEffect>
+                                  </p:childTnLst>
+                                </p:cTn>
+                              </p:par>
+                            </p:childTnLst>
+                          </p:cTn>
+                        </p:par>
+                      </p:childTnLst>
+                    </p:cTn>
+                  </p:par>
+                  <p:par>
+                    <p:cTn id="8" fill="hold">
+                      <p:stCondLst>
+                        <p:cond delay="indefinite"/>
+                      </p:stCondLst>
+                      <p:childTnLst>
+                        <p:par>
+                          <p:cTn id="9" fill="hold">
+                            <p:stCondLst>
+                              <p:cond delay="0"/>
+                            </p:stCondLst>
+                            <p:childTnLst>
+                              <p:par>
+                                <p:cTn id="10" presetID="22" presetClass="entr" presetSubtype="8" fill="hold" grpId="0" nodeType="clickEffect">
+                                  <p:stCondLst>
+                                    <p:cond delay="0"/>
+                                  </p:stCondLst>
+                                  <p:childTnLst>
+                                    <p:set>
+                                      <p:cBhvr>
+                                        <p:cTn id="11" dur="1" fill="hold">
+                                          <p:stCondLst>
+                                            <p:cond delay="0"/>
+                                          </p:stCondLst>
+                                        </p:cTn>
+                                        <p:tgtEl>
+                                          <p:spTgt spid="3">
+                                            <p:txEl>
+                                              <p:pRg st="2" end="2"/>
+                                            </p:txEl>
+                                          </p:spTgt>
+                                        </p:tgtEl>
+                                        <p:attrNameLst>
+                                          <p:attrName>style.visibility</p:attrName>
+                                        </p:attrNameLst>
+                                      </p:cBhvr>
+                                      <p:to>
+                                        <p:strVal val="visible"/>
+                                      </p:to>
+                                    </p:set>
+                                    <p:animEffect transition="in" filter="wipe(left)">
+                                      <p:cBhvr>
+                                        <p:cTn id="12" dur="1000"/>
+                                        <p:tgtEl>
+                                          <p:spTgt spid="3">
+                                            <p:txEl>
+                                              <p:pRg st="2" end="2"/>
+                                            </p:txEl>
+                                          </p:spTgt>
+                                        </p:tgtEl>
+                                      </p:cBhvr>
+                                    </p:animEffect>
+                                  </p:childTnLst>
+                                </p:cTn>
+                              </p:par>
+                            </p:childTnLst>
+                          </p:cTn>
+                        </p:par>
+                      </p:childTnLst>
+                    </p:cTn>
+                  </p:par>
+                  <p:par>
+                    <p:cTn id="13" fill="hold">
+                      <p:stCondLst>
+                        <p:cond delay="indefinite"/>
+                      </p:stCondLst>
+                      <p:childTnLst>
+                        <p:par>
+                          <p:cTn id="14" fill="hold">
+                            <p:stCondLst>
+                              <p:cond delay="0"/>
+                            </p:stCondLst>
+                            <p:childTnLst>
+                              <p:par>
+                                <p:cTn id="15" presetID="22" presetClass="entr" presetSubtype="8" fill="hold" grpId="0" nodeType="clickEffect">
+                                  <p:stCondLst>
+                                    <p:cond delay="0"/>
+                                  </p:stCondLst>
+                                  <p:childTnLst>
+                                    <p:set>
+                                      <p:cBhvr>
+                                        <p:cTn id="16" dur="1" fill="hold">
+                                          <p:stCondLst>
+                                            <p:cond delay="0"/>
+                                          </p:stCondLst>
+                                        </p:cTn>
+                                        <p:tgtEl>
+                                          <p:spTgt spid="3">
+                                            <p:txEl>
+                                              <p:pRg st="3" end="3"/>
+                                            </p:txEl>
+                                          </p:spTgt>
+                                        </p:tgtEl>
+                                        <p:attrNameLst>
+                                          <p:attrName>style.visibility</p:attrName>
+                                        </p:attrNameLst>
+                                      </p:cBhvr>
+                                      <p:to>
+                                        <p:strVal val="visible"/>
+                                      </p:to>
+                                    </p:set>
+                                    <p:animEffect transition="in" filter="wipe(left)">
+                                      <p:cBhvr>
+                                        <p:cTn id="17" dur="1000"/>
+                                        <p:tgtEl>
+                                          <p:spTgt spid="3">
+                                            <p:txEl>
+                                              <p:pRg st="3" end="3"/>
+                                            </p:txEl>
+                                          </p:spTgt>
+                                        </p:tgtEl>
+                                      </p:cBhvr>
+                                    </p:animEffect>
+                                  </p:childTnLst>
+                                </p:cTn>
+                              </p:par>
+                            </p:childTnLst>
+                          </p:cTn>
+                        </p:par>
+                      </p:childTnLst>
+                    </p:cTn>
+                  </p:par>
+                </p:childTnLst>
+              </p:cTn>
+              <p:prevCondLst>
+                <p:cond evt="onPrev" delay="0">
+                  <p:tgtEl>
+                    <p:sldTgt/>
+                  </p:tgtEl>
+                </p:cond>
+              </p:prevCondLst>
+              <p:nextCondLst>
+                <p:cond evt="onNext" delay="0">
+                  <p:tgtEl>
+                    <p:sldTgt/>
+                  </p:tgtEl>
+                </p:cond>
+              </p:nextCondLst>
+            </p:seq>
+          </p:childTnLst>
+        </p:cTn>
+      </p:par>
+    </p:tnLst>
+    <p:bldLst>
+      <p:bldP spid="3" grpId="0" build="p"/>
+    </p:bldLst>
+  </p:timing>
+</p:sld>
+</file>
+
+<file path=ppt/slides/slide20.xml><?xml version="1.0" encoding="utf-8"?>
 <p:sld xmlns:a="http://schemas.openxmlformats.org/drawingml/2006/main" xmlns:r="http://schemas.openxmlformats.org/officeDocument/2006/relationships" xmlns:p="http://schemas.openxmlformats.org/presentationml/2006/main">
   <p:cSld>
     <p:spTree>
@@ -8722,7 +9917,7 @@
               <a:pPr>
                 <a:defRPr/>
               </a:pPr>
-              <a:t>19</a:t>
+              <a:t>20</a:t>
             </a:fld>
             <a:endParaRPr lang="en-US" dirty="0"/>
           </a:p>
@@ -8744,7 +9939,7 @@
           <a:graphicData uri="http://schemas.openxmlformats.org/presentationml/2006/ole">
             <mc:AlternateContent xmlns:mc="http://schemas.openxmlformats.org/markup-compatibility/2006">
               <mc:Choice xmlns:v="urn:schemas-microsoft-com:vml" Requires="v">
-                <p:oleObj spid="_x0000_s72751" name="Equation" r:id="rId3" imgW="1397000" imgH="533400" progId="Equation.DSMT4">
+                <p:oleObj spid="_x0000_s72756" name="Equation" r:id="rId3" imgW="1397000" imgH="533400" progId="Equation.DSMT4">
                   <p:embed/>
                 </p:oleObj>
               </mc:Choice>
@@ -8814,7 +10009,7 @@
           <a:graphicData uri="http://schemas.openxmlformats.org/presentationml/2006/ole">
             <mc:AlternateContent xmlns:mc="http://schemas.openxmlformats.org/markup-compatibility/2006">
               <mc:Choice xmlns:v="urn:schemas-microsoft-com:vml" Requires="v">
-                <p:oleObj spid="_x0000_s72752" name="Equation" r:id="rId5" imgW="203200" imgH="469900" progId="Equation.DSMT4">
+                <p:oleObj spid="_x0000_s72757" name="Equation" r:id="rId5" imgW="203200" imgH="469900" progId="Equation.DSMT4">
                   <p:embed/>
                 </p:oleObj>
               </mc:Choice>
@@ -8897,6 +10092,9 @@
                     <p:cTn id="3" fill="hold">
                       <p:stCondLst>
                         <p:cond delay="indefinite"/>
+                        <p:cond evt="onBegin" delay="0">
+                          <p:tn val="2"/>
+                        </p:cond>
                       </p:stCondLst>
                       <p:childTnLst>
                         <p:par>
@@ -8906,7 +10104,7 @@
                             </p:stCondLst>
                             <p:childTnLst>
                               <p:par>
-                                <p:cTn id="5" presetID="16" presetClass="entr" presetSubtype="26" fill="hold" nodeType="clickEffect">
+                                <p:cTn id="5" presetID="16" presetClass="entr" presetSubtype="26" fill="hold" nodeType="afterEffect">
                                   <p:stCondLst>
                                     <p:cond delay="0"/>
                                   </p:stCondLst>
@@ -8971,7 +10169,7 @@
 </p:sld>
 </file>
 
-<file path=ppt/slides/slide2.xml><?xml version="1.0" encoding="utf-8"?>
+<file path=ppt/slides/slide3.xml><?xml version="1.0" encoding="utf-8"?>
 <p:sld xmlns:a="http://schemas.openxmlformats.org/drawingml/2006/main" xmlns:r="http://schemas.openxmlformats.org/officeDocument/2006/relationships" xmlns:p="http://schemas.openxmlformats.org/presentationml/2006/main">
   <p:cSld>
     <p:spTree>
@@ -9120,13 +10318,18 @@
               <a:pPr>
                 <a:defRPr/>
               </a:pPr>
-              <a:t>2</a:t>
+              <a:t>3</a:t>
             </a:fld>
             <a:endParaRPr lang="en-US" dirty="0"/>
           </a:p>
         </p:txBody>
       </p:sp>
     </p:spTree>
+    <p:extLst>
+      <p:ext uri="{BB962C8B-B14F-4D97-AF65-F5344CB8AC3E}">
+        <p14:creationId xmlns:p14="http://schemas.microsoft.com/office/powerpoint/2010/main" val="38590336"/>
+      </p:ext>
+    </p:extLst>
   </p:cSld>
   <p:clrMapOvr>
     <a:masterClrMapping/>
@@ -9414,7 +10617,7 @@
 </p:sld>
 </file>
 
-<file path=ppt/slides/slide3.xml><?xml version="1.0" encoding="utf-8"?>
+<file path=ppt/slides/slide4.xml><?xml version="1.0" encoding="utf-8"?>
 <p:sld xmlns:a="http://schemas.openxmlformats.org/drawingml/2006/main" xmlns:r="http://schemas.openxmlformats.org/officeDocument/2006/relationships" xmlns:p="http://schemas.openxmlformats.org/presentationml/2006/main">
   <p:cSld>
     <p:spTree>
@@ -9605,7 +10808,7 @@
               <a:pPr>
                 <a:defRPr/>
               </a:pPr>
-              <a:t>3</a:t>
+              <a:t>4</a:t>
             </a:fld>
             <a:endParaRPr lang="en-US" dirty="0"/>
           </a:p>
@@ -9725,7 +10928,7 @@
 </p:sld>
 </file>
 
-<file path=ppt/slides/slide4.xml><?xml version="1.0" encoding="utf-8"?>
+<file path=ppt/slides/slide5.xml><?xml version="1.0" encoding="utf-8"?>
 <p:sld xmlns:a="http://schemas.openxmlformats.org/drawingml/2006/main" xmlns:r="http://schemas.openxmlformats.org/officeDocument/2006/relationships" xmlns:p="http://schemas.openxmlformats.org/presentationml/2006/main">
   <p:cSld>
     <p:spTree>
@@ -9918,7 +11121,7 @@
               <a:pPr>
                 <a:defRPr/>
               </a:pPr>
-              <a:t>4</a:t>
+              <a:t>5</a:t>
             </a:fld>
             <a:endParaRPr lang="en-US" dirty="0"/>
           </a:p>
@@ -10160,7 +11363,7 @@
 </p:sld>
 </file>
 
-<file path=ppt/slides/slide5.xml><?xml version="1.0" encoding="utf-8"?>
+<file path=ppt/slides/slide6.xml><?xml version="1.0" encoding="utf-8"?>
 <p:sld xmlns:a="http://schemas.openxmlformats.org/drawingml/2006/main" xmlns:r="http://schemas.openxmlformats.org/officeDocument/2006/relationships" xmlns:p="http://schemas.openxmlformats.org/presentationml/2006/main">
   <p:cSld>
     <p:spTree>
@@ -10381,7 +11584,7 @@
               <a:pPr>
                 <a:defRPr/>
               </a:pPr>
-              <a:t>5</a:t>
+              <a:t>6</a:t>
             </a:fld>
             <a:endParaRPr lang="en-US" dirty="0"/>
           </a:p>
@@ -10403,7 +11606,7 @@
           <a:graphicData uri="http://schemas.openxmlformats.org/presentationml/2006/ole">
             <mc:AlternateContent xmlns:mc="http://schemas.openxmlformats.org/markup-compatibility/2006">
               <mc:Choice xmlns:v="urn:schemas-microsoft-com:vml" Requires="v">
-                <p:oleObj spid="_x0000_s63539" name="Equation" r:id="rId3" imgW="241300" imgH="533400" progId="Equation.DSMT4">
+                <p:oleObj spid="_x0000_s63544" name="Equation" r:id="rId3" imgW="241300" imgH="533400" progId="Equation.DSMT4">
                   <p:embed/>
                 </p:oleObj>
               </mc:Choice>
@@ -10473,7 +11676,7 @@
           <a:graphicData uri="http://schemas.openxmlformats.org/presentationml/2006/ole">
             <mc:AlternateContent xmlns:mc="http://schemas.openxmlformats.org/markup-compatibility/2006">
               <mc:Choice xmlns:v="urn:schemas-microsoft-com:vml" Requires="v">
-                <p:oleObj spid="_x0000_s63540" name="Equation" r:id="rId5" imgW="241300" imgH="533400" progId="Equation.DSMT4">
+                <p:oleObj spid="_x0000_s63545" name="Equation" r:id="rId5" imgW="241300" imgH="533400" progId="Equation.DSMT4">
                   <p:embed/>
                 </p:oleObj>
               </mc:Choice>
@@ -10916,7 +12119,7 @@
 </p:sld>
 </file>
 
-<file path=ppt/slides/slide6.xml><?xml version="1.0" encoding="utf-8"?>
+<file path=ppt/slides/slide7.xml><?xml version="1.0" encoding="utf-8"?>
 <p:sld xmlns:a="http://schemas.openxmlformats.org/drawingml/2006/main" xmlns:r="http://schemas.openxmlformats.org/officeDocument/2006/relationships" xmlns:p="http://schemas.openxmlformats.org/presentationml/2006/main">
   <p:cSld>
     <p:spTree>
@@ -10983,7 +12186,7 @@
               <a:pPr>
                 <a:defRPr/>
               </a:pPr>
-              <a:t>6</a:t>
+              <a:t>7</a:t>
             </a:fld>
             <a:endParaRPr lang="en-US" dirty="0"/>
           </a:p>
@@ -11403,7 +12606,7 @@
 </p:sld>
 </file>
 
-<file path=ppt/slides/slide7.xml><?xml version="1.0" encoding="utf-8"?>
+<file path=ppt/slides/slide8.xml><?xml version="1.0" encoding="utf-8"?>
 <p:sld xmlns:a="http://schemas.openxmlformats.org/drawingml/2006/main" xmlns:r="http://schemas.openxmlformats.org/officeDocument/2006/relationships" xmlns:p="http://schemas.openxmlformats.org/presentationml/2006/main">
   <p:cSld>
     <p:spTree>
@@ -11470,7 +12673,7 @@
               <a:pPr>
                 <a:defRPr/>
               </a:pPr>
-              <a:t>7</a:t>
+              <a:t>8</a:t>
             </a:fld>
             <a:endParaRPr lang="en-US" dirty="0"/>
           </a:p>
@@ -11868,13 +13071,13 @@
   <p:clrMapOvr>
     <a:masterClrMapping/>
   </p:clrMapOvr>
-  <mc:AlternateContent xmlns:mc="http://schemas.openxmlformats.org/markup-compatibility/2006">
-    <mc:Choice xmlns:p14="http://schemas.microsoft.com/office/powerpoint/2010/main" Requires="p14">
+  <mc:AlternateContent xmlns:mc="http://schemas.openxmlformats.org/markup-compatibility/2006" xmlns:p14="http://schemas.microsoft.com/office/powerpoint/2010/main">
+    <mc:Choice Requires="p14">
       <p:transition spd="med" p14:dur="600" advClick="0">
         <p:fade/>
       </p:transition>
     </mc:Choice>
-    <mc:Fallback>
+    <mc:Fallback xmlns="">
       <p:transition xmlns:p14="http://schemas.microsoft.com/office/powerpoint/2010/main" spd="med" advClick="0">
         <p:fade/>
       </p:transition>
@@ -11972,701 +13175,6 @@
 </p:sld>
 </file>
 
-<file path=ppt/slides/slide8.xml><?xml version="1.0" encoding="utf-8"?>
-<p:sld xmlns:a="http://schemas.openxmlformats.org/drawingml/2006/main" xmlns:r="http://schemas.openxmlformats.org/officeDocument/2006/relationships" xmlns:p="http://schemas.openxmlformats.org/presentationml/2006/main">
-  <p:cSld>
-    <p:spTree>
-      <p:nvGrpSpPr>
-        <p:cNvPr id="1" name=""/>
-        <p:cNvGrpSpPr/>
-        <p:nvPr/>
-      </p:nvGrpSpPr>
-      <p:grpSpPr>
-        <a:xfrm>
-          <a:off x="0" y="0"/>
-          <a:ext cx="0" cy="0"/>
-          <a:chOff x="0" y="0"/>
-          <a:chExt cx="0" cy="0"/>
-        </a:xfrm>
-      </p:grpSpPr>
-      <p:sp>
-        <p:nvSpPr>
-          <p:cNvPr id="2" name="Title 1"/>
-          <p:cNvSpPr>
-            <a:spLocks noGrp="1"/>
-          </p:cNvSpPr>
-          <p:nvPr>
-            <p:ph type="title"/>
-          </p:nvPr>
-        </p:nvSpPr>
-        <p:spPr/>
-        <p:txBody>
-          <a:bodyPr/>
-          <a:lstStyle/>
-          <a:p>
-            <a:r>
-              <a:rPr lang="en-US" dirty="0" smtClean="0"/>
-              <a:t>counting 2-pair poker hands</a:t>
-            </a:r>
-            <a:endParaRPr lang="en-US" dirty="0"/>
-          </a:p>
-        </p:txBody>
-      </p:sp>
-      <p:sp>
-        <p:nvSpPr>
-          <p:cNvPr id="4" name="Slide Number Placeholder 3"/>
-          <p:cNvSpPr>
-            <a:spLocks noGrp="1"/>
-          </p:cNvSpPr>
-          <p:nvPr>
-            <p:ph type="sldNum" sz="quarter" idx="10"/>
-          </p:nvPr>
-        </p:nvSpPr>
-        <p:spPr/>
-        <p:txBody>
-          <a:bodyPr/>
-          <a:lstStyle/>
-          <a:p>
-            <a:pPr>
-              <a:defRPr/>
-            </a:pPr>
-            <a:r>
-              <a:rPr lang="en-US" dirty="0" smtClean="0"/>
-              <a:t>2pair.</a:t>
-            </a:r>
-            <a:fld id="{9C0B6E0F-EDA7-4496-A72F-8E0EBD3F01E4}" type="slidenum">
-              <a:rPr lang="en-US" smtClean="0"/>
-              <a:pPr>
-                <a:defRPr/>
-              </a:pPr>
-              <a:t>8</a:t>
-            </a:fld>
-            <a:endParaRPr lang="en-US" dirty="0"/>
-          </a:p>
-        </p:txBody>
-      </p:sp>
-      <p:sp>
-        <p:nvSpPr>
-          <p:cNvPr id="7" name="TextBox 6"/>
-          <p:cNvSpPr txBox="1"/>
-          <p:nvPr/>
-        </p:nvSpPr>
-        <p:spPr>
-          <a:xfrm>
-            <a:off x="1371600" y="3962400"/>
-            <a:ext cx="2354468" cy="923330"/>
-          </a:xfrm>
-          <a:prstGeom prst="rect">
-            <a:avLst/>
-          </a:prstGeom>
-          <a:noFill/>
-        </p:spPr>
-        <p:txBody>
-          <a:bodyPr wrap="none" rtlCol="0">
-            <a:spAutoFit/>
-          </a:bodyPr>
-          <a:lstStyle/>
-          <a:p>
-            <a:r>
-              <a:rPr lang="en-US" sz="5400" dirty="0" smtClean="0">
-                <a:solidFill>
-                  <a:schemeClr val="accent1">
-                    <a:lumMod val="50000"/>
-                  </a:schemeClr>
-                </a:solidFill>
-                <a:latin typeface="Comic Sans MS"/>
-                <a:cs typeface="Comic Sans MS"/>
-              </a:rPr>
-              <a:t>K</a:t>
-            </a:r>
-            <a:r>
-              <a:rPr lang="en-US" sz="5400" dirty="0" smtClean="0">
-                <a:solidFill>
-                  <a:srgbClr val="FF0000"/>
-                </a:solidFill>
-                <a:latin typeface="Comic Sans MS"/>
-                <a:cs typeface="Comic Sans MS"/>
-              </a:rPr>
-              <a:t>♦</a:t>
-            </a:r>
-            <a:r>
-              <a:rPr lang="en-US" sz="5400" dirty="0" smtClean="0">
-                <a:solidFill>
-                  <a:schemeClr val="accent1">
-                    <a:lumMod val="50000"/>
-                  </a:schemeClr>
-                </a:solidFill>
-                <a:latin typeface="Comic Sans MS"/>
-                <a:cs typeface="Comic Sans MS"/>
-              </a:rPr>
-              <a:t>, K</a:t>
-            </a:r>
-            <a:r>
-              <a:rPr lang="en-US" sz="5400" dirty="0" smtClean="0">
-                <a:solidFill>
-                  <a:srgbClr val="FF0000"/>
-                </a:solidFill>
-                <a:latin typeface="Comic Sans MS"/>
-                <a:cs typeface="Comic Sans MS"/>
-              </a:rPr>
-              <a:t>♥</a:t>
-            </a:r>
-            <a:endParaRPr lang="en-US" sz="5400" dirty="0" smtClean="0">
-              <a:solidFill>
-                <a:srgbClr val="000000"/>
-              </a:solidFill>
-              <a:latin typeface="Comic Sans MS"/>
-              <a:cs typeface="Comic Sans MS"/>
-            </a:endParaRPr>
-          </a:p>
-        </p:txBody>
-      </p:sp>
-      <p:sp>
-        <p:nvSpPr>
-          <p:cNvPr id="8" name="TextBox 7"/>
-          <p:cNvSpPr txBox="1"/>
-          <p:nvPr/>
-        </p:nvSpPr>
-        <p:spPr>
-          <a:xfrm>
-            <a:off x="914400" y="2209800"/>
-            <a:ext cx="6824705" cy="830997"/>
-          </a:xfrm>
-          <a:prstGeom prst="rect">
-            <a:avLst/>
-          </a:prstGeom>
-          <a:noFill/>
-        </p:spPr>
-        <p:txBody>
-          <a:bodyPr wrap="none" rtlCol="0">
-            <a:spAutoFit/>
-          </a:bodyPr>
-          <a:lstStyle/>
-          <a:p>
-            <a:r>
-              <a:rPr lang="en-US" sz="4800" dirty="0" smtClean="0">
-                <a:solidFill>
-                  <a:schemeClr val="accent1">
-                    <a:lumMod val="50000"/>
-                  </a:schemeClr>
-                </a:solidFill>
-                <a:latin typeface="Comic Sans MS"/>
-                <a:cs typeface="Comic Sans MS"/>
-              </a:rPr>
-              <a:t>K, </a:t>
-            </a:r>
-            <a:r>
-              <a:rPr lang="en-US" sz="4800" dirty="0" smtClean="0">
-                <a:solidFill>
-                  <a:schemeClr val="accent1">
-                    <a:lumMod val="50000"/>
-                  </a:schemeClr>
-                </a:solidFill>
-                <a:effectLst>
-                  <a:glow rad="139700">
-                    <a:schemeClr val="accent2">
-                      <a:satMod val="175000"/>
-                      <a:alpha val="40000"/>
-                    </a:schemeClr>
-                  </a:glow>
-                </a:effectLst>
-                <a:latin typeface="Comic Sans MS"/>
-                <a:cs typeface="Comic Sans MS"/>
-              </a:rPr>
-              <a:t>A</a:t>
-            </a:r>
-            <a:r>
-              <a:rPr lang="en-US" sz="4800" dirty="0" smtClean="0">
-                <a:solidFill>
-                  <a:schemeClr val="accent1">
-                    <a:lumMod val="50000"/>
-                  </a:schemeClr>
-                </a:solidFill>
-                <a:latin typeface="Comic Sans MS"/>
-                <a:cs typeface="Comic Sans MS"/>
-              </a:rPr>
-              <a:t>, 3, </a:t>
-            </a:r>
-            <a:r>
-              <a:rPr lang="en-US" sz="4800" dirty="0" smtClean="0">
-                <a:solidFill>
-                  <a:srgbClr val="000000"/>
-                </a:solidFill>
-                <a:latin typeface="Comic Sans MS"/>
-                <a:cs typeface="Comic Sans MS"/>
-              </a:rPr>
-              <a:t>{</a:t>
-            </a:r>
-            <a:r>
-              <a:rPr lang="en-US" sz="4800" dirty="0">
-                <a:solidFill>
-                  <a:srgbClr val="FF0000"/>
-                </a:solidFill>
-                <a:latin typeface="Comic Sans MS"/>
-                <a:cs typeface="Comic Sans MS"/>
-              </a:rPr>
-              <a:t>♦</a:t>
-            </a:r>
-            <a:r>
-              <a:rPr lang="en-US" sz="4800" dirty="0" smtClean="0">
-                <a:solidFill>
-                  <a:schemeClr val="accent1">
-                    <a:lumMod val="50000"/>
-                  </a:schemeClr>
-                </a:solidFill>
-                <a:latin typeface="Comic Sans MS"/>
-                <a:cs typeface="Comic Sans MS"/>
-              </a:rPr>
-              <a:t>, </a:t>
-            </a:r>
-            <a:r>
-              <a:rPr lang="en-US" sz="4800" dirty="0" smtClean="0">
-                <a:solidFill>
-                  <a:srgbClr val="FF0000"/>
-                </a:solidFill>
-                <a:latin typeface="Comic Sans MS"/>
-                <a:cs typeface="Comic Sans MS"/>
-              </a:rPr>
-              <a:t>♥</a:t>
-            </a:r>
-            <a:r>
-              <a:rPr lang="en-US" sz="4800" dirty="0" smtClean="0">
-                <a:solidFill>
-                  <a:srgbClr val="000000"/>
-                </a:solidFill>
-                <a:latin typeface="Comic Sans MS"/>
-                <a:cs typeface="Comic Sans MS"/>
-              </a:rPr>
-              <a:t>}</a:t>
-            </a:r>
-            <a:r>
-              <a:rPr lang="en-US" sz="4800" dirty="0" smtClean="0">
-                <a:solidFill>
-                  <a:schemeClr val="accent1">
-                    <a:lumMod val="50000"/>
-                  </a:schemeClr>
-                </a:solidFill>
-                <a:latin typeface="Comic Sans MS"/>
-                <a:cs typeface="Comic Sans MS"/>
-              </a:rPr>
-              <a:t>, </a:t>
-            </a:r>
-            <a:r>
-              <a:rPr lang="en-US" sz="4800" dirty="0" smtClean="0">
-                <a:solidFill>
-                  <a:srgbClr val="000000"/>
-                </a:solidFill>
-                <a:latin typeface="Comic Sans MS"/>
-                <a:cs typeface="Comic Sans MS"/>
-              </a:rPr>
-              <a:t>{</a:t>
-            </a:r>
-            <a:r>
-              <a:rPr lang="en-US" sz="4800" dirty="0" smtClean="0">
-                <a:solidFill>
-                  <a:srgbClr val="FF0000"/>
-                </a:solidFill>
-                <a:effectLst>
-                  <a:glow rad="139700">
-                    <a:schemeClr val="accent2">
-                      <a:satMod val="175000"/>
-                      <a:alpha val="40000"/>
-                    </a:schemeClr>
-                  </a:glow>
-                </a:effectLst>
-                <a:latin typeface="Comic Sans MS"/>
-                <a:cs typeface="Comic Sans MS"/>
-              </a:rPr>
-              <a:t>♦</a:t>
-            </a:r>
-            <a:r>
-              <a:rPr lang="en-US" sz="4800" dirty="0" smtClean="0">
-                <a:solidFill>
-                  <a:schemeClr val="accent1">
-                    <a:lumMod val="50000"/>
-                  </a:schemeClr>
-                </a:solidFill>
-                <a:latin typeface="Comic Sans MS"/>
-                <a:cs typeface="Comic Sans MS"/>
-              </a:rPr>
-              <a:t>, </a:t>
-            </a:r>
-            <a:r>
-              <a:rPr lang="en-US" sz="4800" dirty="0" smtClean="0">
-                <a:solidFill>
-                  <a:schemeClr val="tx2"/>
-                </a:solidFill>
-                <a:effectLst>
-                  <a:glow rad="139700">
-                    <a:schemeClr val="accent2">
-                      <a:satMod val="175000"/>
-                      <a:alpha val="40000"/>
-                    </a:schemeClr>
-                  </a:glow>
-                </a:effectLst>
-                <a:latin typeface="Comic Sans MS"/>
-                <a:cs typeface="Comic Sans MS"/>
-              </a:rPr>
-              <a:t>♠</a:t>
-            </a:r>
-            <a:r>
-              <a:rPr lang="en-US" sz="4800" dirty="0" smtClean="0">
-                <a:solidFill>
-                  <a:schemeClr val="tx2"/>
-                </a:solidFill>
-                <a:latin typeface="Comic Sans MS"/>
-                <a:cs typeface="Comic Sans MS"/>
-              </a:rPr>
-              <a:t>}</a:t>
-            </a:r>
-            <a:r>
-              <a:rPr lang="en-US" sz="4800" dirty="0" smtClean="0">
-                <a:solidFill>
-                  <a:schemeClr val="accent1">
-                    <a:lumMod val="50000"/>
-                  </a:schemeClr>
-                </a:solidFill>
-                <a:latin typeface="Comic Sans MS"/>
-                <a:cs typeface="Comic Sans MS"/>
-              </a:rPr>
-              <a:t>, </a:t>
-            </a:r>
-            <a:r>
-              <a:rPr lang="en-US" sz="4800" dirty="0" smtClean="0">
-                <a:solidFill>
-                  <a:srgbClr val="000000"/>
-                </a:solidFill>
-                <a:latin typeface="Comic Sans MS"/>
-                <a:cs typeface="Comic Sans MS"/>
-              </a:rPr>
-              <a:t>♣</a:t>
-            </a:r>
-          </a:p>
-        </p:txBody>
-      </p:sp>
-      <p:sp>
-        <p:nvSpPr>
-          <p:cNvPr id="9" name="TextBox 8"/>
-          <p:cNvSpPr txBox="1"/>
-          <p:nvPr/>
-        </p:nvSpPr>
-        <p:spPr>
-          <a:xfrm>
-            <a:off x="609600" y="1371600"/>
-            <a:ext cx="5086749" cy="830997"/>
-          </a:xfrm>
-          <a:prstGeom prst="rect">
-            <a:avLst/>
-          </a:prstGeom>
-          <a:noFill/>
-        </p:spPr>
-        <p:txBody>
-          <a:bodyPr wrap="none" rtlCol="0">
-            <a:spAutoFit/>
-          </a:bodyPr>
-          <a:lstStyle/>
-          <a:p>
-            <a:r>
-              <a:rPr lang="en-US" sz="4000" dirty="0" smtClean="0">
-                <a:latin typeface="Comic Sans MS"/>
-                <a:cs typeface="Comic Sans MS"/>
-              </a:rPr>
-              <a:t>example:</a:t>
-            </a:r>
-            <a:r>
-              <a:rPr lang="en-US" sz="4800" dirty="0" smtClean="0">
-                <a:latin typeface="Comic Sans MS"/>
-                <a:cs typeface="Comic Sans MS"/>
-              </a:rPr>
-              <a:t> </a:t>
-            </a:r>
-            <a:r>
-              <a:rPr lang="en-US" sz="4800" dirty="0" smtClean="0">
-                <a:solidFill>
-                  <a:srgbClr val="0000FF"/>
-                </a:solidFill>
-                <a:latin typeface="Comic Sans MS"/>
-                <a:cs typeface="Comic Sans MS"/>
-              </a:rPr>
-              <a:t>choosing</a:t>
-            </a:r>
-            <a:endParaRPr lang="en-US" sz="4800" dirty="0">
-              <a:latin typeface="Comic Sans MS"/>
-              <a:cs typeface="Comic Sans MS"/>
-            </a:endParaRPr>
-          </a:p>
-        </p:txBody>
-      </p:sp>
-      <p:sp>
-        <p:nvSpPr>
-          <p:cNvPr id="10" name="TextBox 9"/>
-          <p:cNvSpPr txBox="1"/>
-          <p:nvPr/>
-        </p:nvSpPr>
-        <p:spPr>
-          <a:xfrm>
-            <a:off x="533400" y="3048000"/>
-            <a:ext cx="6412332" cy="830997"/>
-          </a:xfrm>
-          <a:prstGeom prst="rect">
-            <a:avLst/>
-          </a:prstGeom>
-          <a:noFill/>
-        </p:spPr>
-        <p:txBody>
-          <a:bodyPr wrap="none" rtlCol="0">
-            <a:spAutoFit/>
-          </a:bodyPr>
-          <a:lstStyle/>
-          <a:p>
-            <a:r>
-              <a:rPr lang="en-US" sz="4800" dirty="0" smtClean="0">
-                <a:latin typeface="Comic Sans MS"/>
-                <a:cs typeface="Comic Sans MS"/>
-              </a:rPr>
-              <a:t>specifies 2-pair hand:</a:t>
-            </a:r>
-            <a:endParaRPr lang="en-US" sz="4800" dirty="0">
-              <a:latin typeface="Comic Sans MS"/>
-              <a:cs typeface="Comic Sans MS"/>
-            </a:endParaRPr>
-          </a:p>
-        </p:txBody>
-      </p:sp>
-      <p:sp>
-        <p:nvSpPr>
-          <p:cNvPr id="11" name="TextBox 10"/>
-          <p:cNvSpPr txBox="1"/>
-          <p:nvPr/>
-        </p:nvSpPr>
-        <p:spPr>
-          <a:xfrm>
-            <a:off x="1371600" y="3962400"/>
-            <a:ext cx="5089967" cy="923330"/>
-          </a:xfrm>
-          <a:prstGeom prst="rect">
-            <a:avLst/>
-          </a:prstGeom>
-          <a:noFill/>
-        </p:spPr>
-        <p:txBody>
-          <a:bodyPr wrap="none" rtlCol="0">
-            <a:spAutoFit/>
-          </a:bodyPr>
-          <a:lstStyle/>
-          <a:p>
-            <a:r>
-              <a:rPr lang="en-US" sz="5400" dirty="0" smtClean="0">
-                <a:solidFill>
-                  <a:schemeClr val="accent1">
-                    <a:lumMod val="50000"/>
-                  </a:schemeClr>
-                </a:solidFill>
-                <a:latin typeface="Comic Sans MS"/>
-                <a:cs typeface="Comic Sans MS"/>
-              </a:rPr>
-              <a:t>K</a:t>
-            </a:r>
-            <a:r>
-              <a:rPr lang="en-US" sz="5400" dirty="0" smtClean="0">
-                <a:solidFill>
-                  <a:srgbClr val="FF0000"/>
-                </a:solidFill>
-                <a:latin typeface="Comic Sans MS"/>
-                <a:cs typeface="Comic Sans MS"/>
-              </a:rPr>
-              <a:t>♦</a:t>
-            </a:r>
-            <a:r>
-              <a:rPr lang="en-US" sz="5400" dirty="0" smtClean="0">
-                <a:solidFill>
-                  <a:schemeClr val="accent1">
-                    <a:lumMod val="50000"/>
-                  </a:schemeClr>
-                </a:solidFill>
-                <a:latin typeface="Comic Sans MS"/>
-                <a:cs typeface="Comic Sans MS"/>
-              </a:rPr>
-              <a:t>, K</a:t>
-            </a:r>
-            <a:r>
-              <a:rPr lang="en-US" sz="5400" dirty="0" smtClean="0">
-                <a:solidFill>
-                  <a:srgbClr val="FF0000"/>
-                </a:solidFill>
-                <a:latin typeface="Comic Sans MS"/>
-                <a:cs typeface="Comic Sans MS"/>
-              </a:rPr>
-              <a:t>♥</a:t>
-            </a:r>
-            <a:r>
-              <a:rPr lang="en-US" sz="5400" dirty="0" smtClean="0">
-                <a:solidFill>
-                  <a:schemeClr val="accent1">
-                    <a:lumMod val="50000"/>
-                  </a:schemeClr>
-                </a:solidFill>
-                <a:latin typeface="Comic Sans MS"/>
-                <a:cs typeface="Comic Sans MS"/>
-              </a:rPr>
-              <a:t>, A</a:t>
-            </a:r>
-            <a:r>
-              <a:rPr lang="en-US" sz="5400" dirty="0" smtClean="0">
-                <a:solidFill>
-                  <a:srgbClr val="FF0000"/>
-                </a:solidFill>
-                <a:latin typeface="Comic Sans MS"/>
-                <a:cs typeface="Comic Sans MS"/>
-              </a:rPr>
-              <a:t>♦</a:t>
-            </a:r>
-            <a:r>
-              <a:rPr lang="en-US" sz="5400" dirty="0" smtClean="0">
-                <a:solidFill>
-                  <a:schemeClr val="accent1">
-                    <a:lumMod val="50000"/>
-                  </a:schemeClr>
-                </a:solidFill>
-                <a:latin typeface="Comic Sans MS"/>
-                <a:cs typeface="Comic Sans MS"/>
-              </a:rPr>
-              <a:t>, A</a:t>
-            </a:r>
-            <a:r>
-              <a:rPr lang="en-US" sz="5400" dirty="0" smtClean="0">
-                <a:solidFill>
-                  <a:schemeClr val="tx2"/>
-                </a:solidFill>
-                <a:latin typeface="Comic Sans MS"/>
-                <a:cs typeface="Comic Sans MS"/>
-              </a:rPr>
-              <a:t>♠</a:t>
-            </a:r>
-            <a:endParaRPr lang="en-US" sz="5400" dirty="0" smtClean="0">
-              <a:solidFill>
-                <a:srgbClr val="000000"/>
-              </a:solidFill>
-              <a:latin typeface="Comic Sans MS"/>
-              <a:cs typeface="Comic Sans MS"/>
-            </a:endParaRPr>
-          </a:p>
-        </p:txBody>
-      </p:sp>
-    </p:spTree>
-    <p:extLst>
-      <p:ext uri="{BB962C8B-B14F-4D97-AF65-F5344CB8AC3E}">
-        <p14:creationId xmlns:p14="http://schemas.microsoft.com/office/powerpoint/2010/main" val="739410534"/>
-      </p:ext>
-    </p:extLst>
-  </p:cSld>
-  <p:clrMapOvr>
-    <a:masterClrMapping/>
-  </p:clrMapOvr>
-  <mc:AlternateContent xmlns:mc="http://schemas.openxmlformats.org/markup-compatibility/2006">
-    <mc:Choice xmlns:p14="http://schemas.microsoft.com/office/powerpoint/2010/main" Requires="p14">
-      <p:transition spd="slow" p14:dur="1200" advClick="0">
-        <p:fade/>
-      </p:transition>
-    </mc:Choice>
-    <mc:Fallback>
-      <p:transition xmlns:p14="http://schemas.microsoft.com/office/powerpoint/2010/main" spd="slow" advClick="0">
-        <p:fade/>
-      </p:transition>
-    </mc:Fallback>
-  </mc:AlternateContent>
-  <p:timing>
-    <p:tnLst>
-      <p:par>
-        <p:cTn xmlns:p14="http://schemas.microsoft.com/office/powerpoint/2010/main" id="1" dur="indefinite" restart="never" nodeType="tmRoot">
-          <p:childTnLst>
-            <p:seq concurrent="1" nextAc="seek">
-              <p:cTn id="2" dur="indefinite" nodeType="mainSeq">
-                <p:childTnLst>
-                  <p:par>
-                    <p:cTn id="3" fill="hold">
-                      <p:stCondLst>
-                        <p:cond delay="indefinite"/>
-                        <p:cond evt="onBegin" delay="0">
-                          <p:tn val="2"/>
-                        </p:cond>
-                      </p:stCondLst>
-                      <p:childTnLst>
-                        <p:par>
-                          <p:cTn id="4" fill="hold">
-                            <p:stCondLst>
-                              <p:cond delay="0"/>
-                            </p:stCondLst>
-                            <p:childTnLst>
-                              <p:par>
-                                <p:cTn id="5" presetID="10" presetClass="entr" presetSubtype="0" fill="hold" grpId="0" nodeType="afterEffect">
-                                  <p:stCondLst>
-                                    <p:cond delay="0"/>
-                                  </p:stCondLst>
-                                  <p:childTnLst>
-                                    <p:set>
-                                      <p:cBhvr>
-                                        <p:cTn id="6" dur="1" fill="hold">
-                                          <p:stCondLst>
-                                            <p:cond delay="0"/>
-                                          </p:stCondLst>
-                                        </p:cTn>
-                                        <p:tgtEl>
-                                          <p:spTgt spid="11"/>
-                                        </p:tgtEl>
-                                        <p:attrNameLst>
-                                          <p:attrName>style.visibility</p:attrName>
-                                        </p:attrNameLst>
-                                      </p:cBhvr>
-                                      <p:to>
-                                        <p:strVal val="visible"/>
-                                      </p:to>
-                                    </p:set>
-                                    <p:animEffect transition="in" filter="fade">
-                                      <p:cBhvr>
-                                        <p:cTn id="7" dur="500"/>
-                                        <p:tgtEl>
-                                          <p:spTgt spid="11"/>
-                                        </p:tgtEl>
-                                      </p:cBhvr>
-                                    </p:animEffect>
-                                  </p:childTnLst>
-                                </p:cTn>
-                              </p:par>
-                            </p:childTnLst>
-                          </p:cTn>
-                        </p:par>
-                      </p:childTnLst>
-                    </p:cTn>
-                  </p:par>
-                </p:childTnLst>
-              </p:cTn>
-              <p:prevCondLst>
-                <p:cond evt="onPrev" delay="0">
-                  <p:tgtEl>
-                    <p:sldTgt/>
-                  </p:tgtEl>
-                </p:cond>
-              </p:prevCondLst>
-              <p:nextCondLst>
-                <p:cond evt="onNext" delay="0">
-                  <p:tgtEl>
-                    <p:sldTgt/>
-                  </p:tgtEl>
-                </p:cond>
-              </p:nextCondLst>
-            </p:seq>
-          </p:childTnLst>
-        </p:cTn>
-      </p:par>
-    </p:tnLst>
-    <p:bldLst>
-      <p:bldP spid="11" grpId="0"/>
-    </p:bldLst>
-  </p:timing>
-</p:sld>
-</file>
-
 <file path=ppt/slides/slide9.xml><?xml version="1.0" encoding="utf-8"?>
 <p:sld xmlns:a="http://schemas.openxmlformats.org/drawingml/2006/main" xmlns:r="http://schemas.openxmlformats.org/officeDocument/2006/relationships" xmlns:p="http://schemas.openxmlformats.org/presentationml/2006/main">
   <p:cSld>
@@ -12749,7 +13257,7 @@
         <p:spPr>
           <a:xfrm>
             <a:off x="1371600" y="3962400"/>
-            <a:ext cx="5089967" cy="923330"/>
+            <a:ext cx="2354468" cy="923330"/>
           </a:xfrm>
           <a:prstGeom prst="rect">
             <a:avLst/>
@@ -12805,50 +13313,6 @@
                 <a:cs typeface="Comic Sans MS"/>
               </a:rPr>
               <a:t>♥</a:t>
-            </a:r>
-            <a:r>
-              <a:rPr lang="en-US" sz="5400" dirty="0" smtClean="0">
-                <a:solidFill>
-                  <a:schemeClr val="accent1">
-                    <a:lumMod val="50000"/>
-                  </a:schemeClr>
-                </a:solidFill>
-                <a:latin typeface="Comic Sans MS"/>
-                <a:cs typeface="Comic Sans MS"/>
-              </a:rPr>
-              <a:t>, A</a:t>
-            </a:r>
-            <a:r>
-              <a:rPr lang="en-US" sz="5400" dirty="0" smtClean="0">
-                <a:solidFill>
-                  <a:srgbClr val="FF0000"/>
-                </a:solidFill>
-                <a:latin typeface="Comic Sans MS"/>
-                <a:cs typeface="Comic Sans MS"/>
-              </a:rPr>
-              <a:t>♦</a:t>
-            </a:r>
-            <a:r>
-              <a:rPr lang="en-US" sz="5400" dirty="0" smtClean="0">
-                <a:solidFill>
-                  <a:schemeClr val="accent1">
-                    <a:lumMod val="50000"/>
-                  </a:schemeClr>
-                </a:solidFill>
-                <a:latin typeface="Comic Sans MS"/>
-                <a:cs typeface="Comic Sans MS"/>
-              </a:rPr>
-              <a:t>, A</a:t>
-            </a:r>
-            <a:r>
-              <a:rPr lang="en-US" sz="5400" dirty="0" smtClean="0">
-                <a:solidFill>
-                  <a:schemeClr val="tx2"/>
-                </a:solidFill>
-                <a:latin typeface="Comic Sans MS"/>
-                <a:cs typeface="Comic Sans MS"/>
-              </a:rPr>
-              <a:t>♠</a:t>
             </a:r>
             <a:endParaRPr lang="en-US" sz="5400" dirty="0" smtClean="0">
               <a:solidFill>
@@ -12892,7 +13356,7 @@
                 <a:latin typeface="Comic Sans MS"/>
                 <a:cs typeface="Comic Sans MS"/>
               </a:rPr>
-              <a:t>K, A, </a:t>
+              <a:t>K, </a:t>
             </a:r>
             <a:r>
               <a:rPr lang="en-US" sz="4800" dirty="0" smtClean="0">
@@ -12912,7 +13376,7 @@
                 <a:latin typeface="Comic Sans MS"/>
                 <a:cs typeface="Comic Sans MS"/>
               </a:rPr>
-              <a:t>3</a:t>
+              <a:t>A</a:t>
             </a:r>
             <a:r>
               <a:rPr lang="en-US" sz="4800" dirty="0" smtClean="0">
@@ -12924,7 +13388,7 @@
                 <a:latin typeface="Comic Sans MS"/>
                 <a:cs typeface="Comic Sans MS"/>
               </a:rPr>
-              <a:t>, </a:t>
+              <a:t>, 3, </a:t>
             </a:r>
             <a:r>
               <a:rPr lang="en-US" sz="4800" dirty="0" smtClean="0">
@@ -13005,58 +13469,76 @@
                 <a:solidFill>
                   <a:srgbClr val="FF0000"/>
                 </a:solidFill>
-                <a:latin typeface="Comic Sans MS"/>
-                <a:cs typeface="Comic Sans MS"/>
-              </a:rPr>
-              <a:t>♦</a:t>
-            </a:r>
-            <a:r>
-              <a:rPr lang="en-US" sz="4800" dirty="0" smtClean="0">
-                <a:solidFill>
-                  <a:schemeClr val="accent1">
-                    <a:lumMod val="50000"/>
-                  </a:schemeClr>
-                </a:solidFill>
-                <a:latin typeface="Comic Sans MS"/>
-                <a:cs typeface="Comic Sans MS"/>
-              </a:rPr>
-              <a:t>, </a:t>
-            </a:r>
-            <a:r>
-              <a:rPr lang="en-US" sz="4800" dirty="0" smtClean="0">
-                <a:solidFill>
-                  <a:schemeClr val="tx2"/>
-                </a:solidFill>
-                <a:latin typeface="Comic Sans MS"/>
-                <a:cs typeface="Comic Sans MS"/>
-              </a:rPr>
-              <a:t>♠}</a:t>
-            </a:r>
-            <a:r>
-              <a:rPr lang="en-US" sz="4800" dirty="0" smtClean="0">
-                <a:solidFill>
-                  <a:schemeClr val="accent1">
-                    <a:lumMod val="50000"/>
-                  </a:schemeClr>
-                </a:solidFill>
-                <a:latin typeface="Comic Sans MS"/>
-                <a:cs typeface="Comic Sans MS"/>
-              </a:rPr>
-              <a:t>, </a:t>
-            </a:r>
-            <a:r>
-              <a:rPr lang="en-US" sz="4800" dirty="0" smtClean="0">
-                <a:solidFill>
-                  <a:srgbClr val="000000"/>
-                </a:solidFill>
                 <a:effectLst>
-                  <a:glow rad="228600">
+                  <a:glow rad="139700">
                     <a:schemeClr val="accent2">
                       <a:satMod val="175000"/>
                       <a:alpha val="40000"/>
                     </a:schemeClr>
                   </a:glow>
                 </a:effectLst>
+                <a:latin typeface="Comic Sans MS"/>
+                <a:cs typeface="Comic Sans MS"/>
+              </a:rPr>
+              <a:t>♦</a:t>
+            </a:r>
+            <a:r>
+              <a:rPr lang="en-US" sz="4800" dirty="0" smtClean="0">
+                <a:solidFill>
+                  <a:schemeClr val="accent1">
+                    <a:lumMod val="50000"/>
+                  </a:schemeClr>
+                </a:solidFill>
+                <a:latin typeface="Comic Sans MS"/>
+                <a:cs typeface="Comic Sans MS"/>
+              </a:rPr>
+              <a:t>, </a:t>
+            </a:r>
+            <a:r>
+              <a:rPr lang="en-US" sz="4800" dirty="0" smtClean="0">
+                <a:solidFill>
+                  <a:schemeClr val="tx2"/>
+                </a:solidFill>
+                <a:effectLst>
+                  <a:glow rad="139700">
+                    <a:schemeClr val="accent2">
+                      <a:satMod val="175000"/>
+                      <a:alpha val="40000"/>
+                    </a:schemeClr>
+                  </a:glow>
+                </a:effectLst>
+                <a:latin typeface="Comic Sans MS"/>
+                <a:cs typeface="Comic Sans MS"/>
+              </a:rPr>
+              <a:t>♠</a:t>
+            </a:r>
+            <a:r>
+              <a:rPr lang="en-US" sz="4800" dirty="0" smtClean="0">
+                <a:solidFill>
+                  <a:schemeClr val="tx2"/>
+                </a:solidFill>
+                <a:latin typeface="Comic Sans MS"/>
+                <a:cs typeface="Comic Sans MS"/>
+              </a:rPr>
+              <a:t>}</a:t>
+            </a:r>
+            <a:r>
+              <a:rPr lang="en-US" sz="4800" dirty="0" smtClean="0">
+                <a:solidFill>
+                  <a:schemeClr val="accent1">
+                    <a:lumMod val="50000"/>
+                  </a:schemeClr>
+                </a:solidFill>
+                <a:latin typeface="Comic Sans MS"/>
+                <a:cs typeface="Comic Sans MS"/>
+              </a:rPr>
+              <a:t>, </a:t>
+            </a:r>
+            <a:r>
+              <a:rPr lang="en-US" sz="4800" dirty="0" smtClean="0">
+                <a:solidFill>
+                  <a:srgbClr val="000000"/>
+                </a:solidFill>
                 <a:latin typeface="Comic Sans MS"/>
                 <a:cs typeface="Comic Sans MS"/>
               </a:rPr>
@@ -13163,7 +13645,7 @@
         <p:spPr>
           <a:xfrm>
             <a:off x="1371600" y="3962400"/>
-            <a:ext cx="6373860" cy="923330"/>
+            <a:ext cx="5089967" cy="923330"/>
           </a:xfrm>
           <a:prstGeom prst="rect">
             <a:avLst/>
@@ -13264,35 +13746,20 @@
               </a:rPr>
               <a:t>♠</a:t>
             </a:r>
-            <a:r>
-              <a:rPr lang="en-US" sz="5400" dirty="0" smtClean="0">
-                <a:solidFill>
-                  <a:schemeClr val="accent1">
-                    <a:lumMod val="50000"/>
-                  </a:schemeClr>
-                </a:solidFill>
-                <a:latin typeface="Comic Sans MS"/>
-                <a:cs typeface="Comic Sans MS"/>
-              </a:rPr>
-              <a:t>, 3</a:t>
-            </a:r>
-            <a:r>
-              <a:rPr lang="en-US" sz="5400" dirty="0" smtClean="0">
-                <a:solidFill>
-                  <a:srgbClr val="000000"/>
-                </a:solidFill>
-                <a:latin typeface="Comic Sans MS"/>
-                <a:cs typeface="Comic Sans MS"/>
-              </a:rPr>
-              <a:t>♣</a:t>
-            </a:r>
+            <a:endParaRPr lang="en-US" sz="5400" dirty="0" smtClean="0">
+              <a:solidFill>
+                <a:srgbClr val="000000"/>
+              </a:solidFill>
+              <a:latin typeface="Comic Sans MS"/>
+              <a:cs typeface="Comic Sans MS"/>
+            </a:endParaRPr>
           </a:p>
         </p:txBody>
       </p:sp>
     </p:spTree>
     <p:extLst>
       <p:ext uri="{BB962C8B-B14F-4D97-AF65-F5344CB8AC3E}">
-        <p14:creationId xmlns:p14="http://schemas.microsoft.com/office/powerpoint/2010/main" val="2893374386"/>
+        <p14:creationId xmlns:p14="http://schemas.microsoft.com/office/powerpoint/2010/main" val="739410534"/>
       </p:ext>
     </p:extLst>
   </p:cSld>
@@ -13301,7 +13768,7 @@
   </p:clrMapOvr>
   <mc:AlternateContent xmlns:mc="http://schemas.openxmlformats.org/markup-compatibility/2006" xmlns:p14="http://schemas.microsoft.com/office/powerpoint/2010/main">
     <mc:Choice Requires="p14">
-      <p:transition spd="slow" p14:dur="900" advClick="0">
+      <p:transition spd="slow" p14:dur="1200" advClick="0">
         <p:fade/>
       </p:transition>
     </mc:Choice>
